--- a/migration/v13.0/uomDataConversion.pptx
+++ b/migration/v13.0/uomDataConversion.pptx
@@ -221,7 +221,7 @@
           <a:p>
             <a:fld id="{C1A201FB-52D0-024E-8BE4-45BE9A2AD3D5}" type="datetimeFigureOut">
               <a:rPr lang="en-US" smtClean="0"/>
-              <a:t>5/31/24</a:t>
+              <a:t>6/10/24</a:t>
             </a:fld>
             <a:endParaRPr lang="en-US"/>
           </a:p>
@@ -635,7 +635,7 @@
           <a:p>
             <a:fld id="{E25ED99D-99D4-D748-92F6-927E57E8D692}" type="datetime1">
               <a:rPr lang="en-US" smtClean="0"/>
-              <a:t>5/31/24</a:t>
+              <a:t>6/10/24</a:t>
             </a:fld>
             <a:endParaRPr lang="en-US"/>
           </a:p>
@@ -833,7 +833,7 @@
           <a:p>
             <a:fld id="{1704F7E9-2852-AB4C-995F-D7D0DE02FB16}" type="datetime1">
               <a:rPr lang="en-US" smtClean="0"/>
-              <a:t>5/31/24</a:t>
+              <a:t>6/10/24</a:t>
             </a:fld>
             <a:endParaRPr lang="en-US"/>
           </a:p>
@@ -1041,7 +1041,7 @@
           <a:p>
             <a:fld id="{0BAEB659-747D-8043-BA2B-9F85B08A4B1D}" type="datetime1">
               <a:rPr lang="en-US" smtClean="0"/>
-              <a:t>5/31/24</a:t>
+              <a:t>6/10/24</a:t>
             </a:fld>
             <a:endParaRPr lang="en-US"/>
           </a:p>
@@ -1239,7 +1239,7 @@
           <a:p>
             <a:fld id="{EF4F5B6B-B7B9-E94D-9D54-3C11CF650FC4}" type="datetime1">
               <a:rPr lang="en-US" smtClean="0"/>
-              <a:t>5/31/24</a:t>
+              <a:t>6/10/24</a:t>
             </a:fld>
             <a:endParaRPr lang="en-US"/>
           </a:p>
@@ -1514,7 +1514,7 @@
           <a:p>
             <a:fld id="{FF0FB32D-7207-5148-884F-CB1DFE764950}" type="datetime1">
               <a:rPr lang="en-US" smtClean="0"/>
-              <a:t>5/31/24</a:t>
+              <a:t>6/10/24</a:t>
             </a:fld>
             <a:endParaRPr lang="en-US"/>
           </a:p>
@@ -1779,7 +1779,7 @@
           <a:p>
             <a:fld id="{E8843282-B054-0F4C-8D6E-AA0AF4DF916B}" type="datetime1">
               <a:rPr lang="en-US" smtClean="0"/>
-              <a:t>5/31/24</a:t>
+              <a:t>6/10/24</a:t>
             </a:fld>
             <a:endParaRPr lang="en-US"/>
           </a:p>
@@ -2191,7 +2191,7 @@
           <a:p>
             <a:fld id="{494A79EE-B487-9547-8048-D585D76BE425}" type="datetime1">
               <a:rPr lang="en-US" smtClean="0"/>
-              <a:t>5/31/24</a:t>
+              <a:t>6/10/24</a:t>
             </a:fld>
             <a:endParaRPr lang="en-US"/>
           </a:p>
@@ -2332,7 +2332,7 @@
           <a:p>
             <a:fld id="{029DBEF3-7560-3543-8E4C-72F1437A00D9}" type="datetime1">
               <a:rPr lang="en-US" smtClean="0"/>
-              <a:t>5/31/24</a:t>
+              <a:t>6/10/24</a:t>
             </a:fld>
             <a:endParaRPr lang="en-US"/>
           </a:p>
@@ -2445,7 +2445,7 @@
           <a:p>
             <a:fld id="{F8D3AAA1-BC04-8A4D-9F2D-8543AEAD588A}" type="datetime1">
               <a:rPr lang="en-US" smtClean="0"/>
-              <a:t>5/31/24</a:t>
+              <a:t>6/10/24</a:t>
             </a:fld>
             <a:endParaRPr lang="en-US"/>
           </a:p>
@@ -2756,7 +2756,7 @@
           <a:p>
             <a:fld id="{7BD9324C-937D-3B44-9A79-1B4FD0156DCB}" type="datetime1">
               <a:rPr lang="en-US" smtClean="0"/>
-              <a:t>5/31/24</a:t>
+              <a:t>6/10/24</a:t>
             </a:fld>
             <a:endParaRPr lang="en-US"/>
           </a:p>
@@ -3044,7 +3044,7 @@
           <a:p>
             <a:fld id="{7337DC6C-0BB0-E141-BAE8-EC9DD4AF6042}" type="datetime1">
               <a:rPr lang="en-US" smtClean="0"/>
-              <a:t>5/31/24</a:t>
+              <a:t>6/10/24</a:t>
             </a:fld>
             <a:endParaRPr lang="en-US"/>
           </a:p>
@@ -3285,7 +3285,7 @@
           <a:p>
             <a:fld id="{F83122BE-0A57-464E-9A56-AB34174B0EAE}" type="datetime1">
               <a:rPr lang="en-US" smtClean="0"/>
-              <a:t>5/31/24</a:t>
+              <a:t>6/10/24</a:t>
             </a:fld>
             <a:endParaRPr lang="en-US"/>
           </a:p>
@@ -6380,8 +6380,8 @@
         </p:nvSpPr>
         <p:spPr>
           <a:xfrm>
-            <a:off x="3605842" y="3401245"/>
-            <a:ext cx="8419381" cy="646331"/>
+            <a:off x="4389135" y="3389298"/>
+            <a:ext cx="6051725" cy="646331"/>
           </a:xfrm>
           <a:prstGeom prst="rect">
             <a:avLst/>
@@ -6400,20 +6400,15 @@
           <a:lstStyle/>
           <a:p>
             <a:r>
-              <a:rPr lang="en-US" dirty="0"/>
-              <a:t>Have client Aspects and Units added to the SA reference data as needed (no duplicates).</a:t>
-            </a:r>
-          </a:p>
-          <a:p>
-            <a:r>
-              <a:rPr lang="en-US" dirty="0"/>
-              <a:t>Then validate the entire set of reference data using </a:t>
-            </a:r>
-            <a:r>
-              <a:rPr lang="en-US" dirty="0" err="1"/>
-              <a:t>validateReferenceData.rq</a:t>
-            </a:r>
-            <a:endParaRPr lang="en-US" dirty="0"/>
+              <a:rPr lang="en-US" sz="1800" dirty="0"/>
+              <a:t>provide Semantic Arts with a list of existing aspects and units</a:t>
+            </a:r>
+          </a:p>
+          <a:p>
+            <a:r>
+              <a:rPr lang="en-US" sz="1800" dirty="0"/>
+              <a:t>Semantic Arts will return a list of standard aspects and units</a:t>
+            </a:r>
           </a:p>
         </p:txBody>
       </p:sp>
@@ -6496,7 +6491,7 @@
             <a:pPr algn="ctr"/>
             <a:r>
               <a:rPr lang="en-US" dirty="0"/>
-              <a:t>Update Semantic Arts reference data</a:t>
+              <a:t>Get Semantic Arts reference data</a:t>
             </a:r>
           </a:p>
         </p:txBody>
@@ -13472,7 +13467,7 @@
         <p:spPr>
           <a:xfrm>
             <a:off x="5593947" y="2475640"/>
-            <a:ext cx="2256323" cy="523220"/>
+            <a:ext cx="4629024" cy="523220"/>
           </a:xfrm>
           <a:prstGeom prst="rect">
             <a:avLst/>
@@ -13486,17 +13481,15 @@
           <a:lstStyle/>
           <a:p>
             <a:r>
-              <a:rPr lang="en-US" sz="1400" dirty="0" err="1"/>
-              <a:t>validateReferenceData</a:t>
-            </a:r>
-            <a:endParaRPr lang="en-US" sz="1400" dirty="0"/>
-          </a:p>
-          <a:p>
-            <a:r>
-              <a:rPr lang="en-US" sz="1400" dirty="0" err="1"/>
-              <a:t>prepareClientReferenceData</a:t>
-            </a:r>
-            <a:endParaRPr lang="en-US" sz="1400" dirty="0"/>
+              <a:rPr lang="en-US" sz="1400" dirty="0"/>
+              <a:t>provide Semantic Arts with a list of existing aspects and units</a:t>
+            </a:r>
+          </a:p>
+          <a:p>
+            <a:r>
+              <a:rPr lang="en-US" sz="1400" dirty="0"/>
+              <a:t>Semantic Arts will return a list of standard aspects and units</a:t>
+            </a:r>
           </a:p>
         </p:txBody>
       </p:sp>
@@ -13658,7 +13651,7 @@
             <a:pPr algn="ctr"/>
             <a:r>
               <a:rPr lang="en-US" dirty="0"/>
-              <a:t>Update Semantic Arts reference data</a:t>
+              <a:t>Get Semantic Arts reference data</a:t>
             </a:r>
           </a:p>
         </p:txBody>

--- a/migration/v13.0/uomDataConversion.pptx
+++ b/migration/v13.0/uomDataConversion.pptx
@@ -5,7 +5,7 @@
     <p:sldMasterId id="2147483648" r:id="rId1"/>
   </p:sldMasterIdLst>
   <p:notesMasterIdLst>
-    <p:notesMasterId r:id="rId27"/>
+    <p:notesMasterId r:id="rId26"/>
   </p:notesMasterIdLst>
   <p:sldIdLst>
     <p:sldId id="296" r:id="rId2"/>
@@ -21,18 +21,17 @@
     <p:sldId id="310" r:id="rId12"/>
     <p:sldId id="313" r:id="rId13"/>
     <p:sldId id="277" r:id="rId14"/>
-    <p:sldId id="278" r:id="rId15"/>
-    <p:sldId id="281" r:id="rId16"/>
-    <p:sldId id="314" r:id="rId17"/>
-    <p:sldId id="256" r:id="rId18"/>
-    <p:sldId id="294" r:id="rId19"/>
-    <p:sldId id="295" r:id="rId20"/>
-    <p:sldId id="316" r:id="rId21"/>
-    <p:sldId id="306" r:id="rId22"/>
-    <p:sldId id="315" r:id="rId23"/>
-    <p:sldId id="274" r:id="rId24"/>
-    <p:sldId id="279" r:id="rId25"/>
-    <p:sldId id="273" r:id="rId26"/>
+    <p:sldId id="256" r:id="rId15"/>
+    <p:sldId id="278" r:id="rId16"/>
+    <p:sldId id="281" r:id="rId17"/>
+    <p:sldId id="294" r:id="rId18"/>
+    <p:sldId id="295" r:id="rId19"/>
+    <p:sldId id="316" r:id="rId20"/>
+    <p:sldId id="306" r:id="rId21"/>
+    <p:sldId id="315" r:id="rId22"/>
+    <p:sldId id="274" r:id="rId23"/>
+    <p:sldId id="279" r:id="rId24"/>
+    <p:sldId id="273" r:id="rId25"/>
   </p:sldIdLst>
   <p:sldSz cx="12192000" cy="6858000"/>
   <p:notesSz cx="6858000" cy="9144000"/>
@@ -221,7 +220,7 @@
           <a:p>
             <a:fld id="{C1A201FB-52D0-024E-8BE4-45BE9A2AD3D5}" type="datetimeFigureOut">
               <a:rPr lang="en-US" smtClean="0"/>
-              <a:t>6/10/24</a:t>
+              <a:t>6/14/24</a:t>
             </a:fld>
             <a:endParaRPr lang="en-US"/>
           </a:p>
@@ -635,7 +634,7 @@
           <a:p>
             <a:fld id="{E25ED99D-99D4-D748-92F6-927E57E8D692}" type="datetime1">
               <a:rPr lang="en-US" smtClean="0"/>
-              <a:t>6/10/24</a:t>
+              <a:t>6/14/24</a:t>
             </a:fld>
             <a:endParaRPr lang="en-US"/>
           </a:p>
@@ -833,7 +832,7 @@
           <a:p>
             <a:fld id="{1704F7E9-2852-AB4C-995F-D7D0DE02FB16}" type="datetime1">
               <a:rPr lang="en-US" smtClean="0"/>
-              <a:t>6/10/24</a:t>
+              <a:t>6/14/24</a:t>
             </a:fld>
             <a:endParaRPr lang="en-US"/>
           </a:p>
@@ -1041,7 +1040,7 @@
           <a:p>
             <a:fld id="{0BAEB659-747D-8043-BA2B-9F85B08A4B1D}" type="datetime1">
               <a:rPr lang="en-US" smtClean="0"/>
-              <a:t>6/10/24</a:t>
+              <a:t>6/14/24</a:t>
             </a:fld>
             <a:endParaRPr lang="en-US"/>
           </a:p>
@@ -1239,7 +1238,7 @@
           <a:p>
             <a:fld id="{EF4F5B6B-B7B9-E94D-9D54-3C11CF650FC4}" type="datetime1">
               <a:rPr lang="en-US" smtClean="0"/>
-              <a:t>6/10/24</a:t>
+              <a:t>6/14/24</a:t>
             </a:fld>
             <a:endParaRPr lang="en-US"/>
           </a:p>
@@ -1514,7 +1513,7 @@
           <a:p>
             <a:fld id="{FF0FB32D-7207-5148-884F-CB1DFE764950}" type="datetime1">
               <a:rPr lang="en-US" smtClean="0"/>
-              <a:t>6/10/24</a:t>
+              <a:t>6/14/24</a:t>
             </a:fld>
             <a:endParaRPr lang="en-US"/>
           </a:p>
@@ -1779,7 +1778,7 @@
           <a:p>
             <a:fld id="{E8843282-B054-0F4C-8D6E-AA0AF4DF916B}" type="datetime1">
               <a:rPr lang="en-US" smtClean="0"/>
-              <a:t>6/10/24</a:t>
+              <a:t>6/14/24</a:t>
             </a:fld>
             <a:endParaRPr lang="en-US"/>
           </a:p>
@@ -2191,7 +2190,7 @@
           <a:p>
             <a:fld id="{494A79EE-B487-9547-8048-D585D76BE425}" type="datetime1">
               <a:rPr lang="en-US" smtClean="0"/>
-              <a:t>6/10/24</a:t>
+              <a:t>6/14/24</a:t>
             </a:fld>
             <a:endParaRPr lang="en-US"/>
           </a:p>
@@ -2332,7 +2331,7 @@
           <a:p>
             <a:fld id="{029DBEF3-7560-3543-8E4C-72F1437A00D9}" type="datetime1">
               <a:rPr lang="en-US" smtClean="0"/>
-              <a:t>6/10/24</a:t>
+              <a:t>6/14/24</a:t>
             </a:fld>
             <a:endParaRPr lang="en-US"/>
           </a:p>
@@ -2445,7 +2444,7 @@
           <a:p>
             <a:fld id="{F8D3AAA1-BC04-8A4D-9F2D-8543AEAD588A}" type="datetime1">
               <a:rPr lang="en-US" smtClean="0"/>
-              <a:t>6/10/24</a:t>
+              <a:t>6/14/24</a:t>
             </a:fld>
             <a:endParaRPr lang="en-US"/>
           </a:p>
@@ -2756,7 +2755,7 @@
           <a:p>
             <a:fld id="{7BD9324C-937D-3B44-9A79-1B4FD0156DCB}" type="datetime1">
               <a:rPr lang="en-US" smtClean="0"/>
-              <a:t>6/10/24</a:t>
+              <a:t>6/14/24</a:t>
             </a:fld>
             <a:endParaRPr lang="en-US"/>
           </a:p>
@@ -3044,7 +3043,7 @@
           <a:p>
             <a:fld id="{7337DC6C-0BB0-E141-BAE8-EC9DD4AF6042}" type="datetime1">
               <a:rPr lang="en-US" smtClean="0"/>
-              <a:t>6/10/24</a:t>
+              <a:t>6/14/24</a:t>
             </a:fld>
             <a:endParaRPr lang="en-US"/>
           </a:p>
@@ -3285,7 +3284,7 @@
           <a:p>
             <a:fld id="{F83122BE-0A57-464E-9A56-AB34174B0EAE}" type="datetime1">
               <a:rPr lang="en-US" smtClean="0"/>
-              <a:t>6/10/24</a:t>
+              <a:t>6/14/24</a:t>
             </a:fld>
             <a:endParaRPr lang="en-US"/>
           </a:p>
@@ -6587,45 +6586,10 @@
       </p:sp>
       <p:sp>
         <p:nvSpPr>
-          <p:cNvPr id="7" name="TextBox 6">
-            <a:extLst>
-              <a:ext uri="{FF2B5EF4-FFF2-40B4-BE49-F238E27FC236}">
-                <a16:creationId xmlns:a16="http://schemas.microsoft.com/office/drawing/2014/main" id="{5260FD84-81AA-84AC-2B53-486691D9ECBA}"/>
-              </a:ext>
-            </a:extLst>
-          </p:cNvPr>
-          <p:cNvSpPr txBox="1"/>
-          <p:nvPr/>
-        </p:nvSpPr>
-        <p:spPr>
-          <a:xfrm>
-            <a:off x="621792" y="430506"/>
-            <a:ext cx="5486117" cy="523220"/>
-          </a:xfrm>
-          <a:prstGeom prst="rect">
-            <a:avLst/>
-          </a:prstGeom>
-          <a:noFill/>
-        </p:spPr>
-        <p:txBody>
-          <a:bodyPr wrap="none" rtlCol="0">
-            <a:spAutoFit/>
-          </a:bodyPr>
-          <a:lstStyle/>
-          <a:p>
-            <a:r>
-              <a:rPr lang="en-US" sz="2800" dirty="0"/>
-              <a:t>Map client values to reference data</a:t>
-            </a:r>
-          </a:p>
-        </p:txBody>
-      </p:sp>
-      <p:sp>
-        <p:nvSpPr>
-          <p:cNvPr id="9" name="Rounded Rectangle 8">
-            <a:extLst>
-              <a:ext uri="{FF2B5EF4-FFF2-40B4-BE49-F238E27FC236}">
-                <a16:creationId xmlns:a16="http://schemas.microsoft.com/office/drawing/2014/main" id="{EBF742CF-B55B-6B19-1C1F-267390B7FA05}"/>
+          <p:cNvPr id="6" name="Rounded Rectangle 5">
+            <a:extLst>
+              <a:ext uri="{FF2B5EF4-FFF2-40B4-BE49-F238E27FC236}">
+                <a16:creationId xmlns:a16="http://schemas.microsoft.com/office/drawing/2014/main" id="{D5B46562-BBEE-09AA-DDD5-33286BE91F6F}"/>
               </a:ext>
             </a:extLst>
           </p:cNvPr>
@@ -6634,7 +6598,7 @@
         </p:nvSpPr>
         <p:spPr>
           <a:xfrm>
-            <a:off x="1536192" y="4623078"/>
+            <a:off x="1536192" y="3041904"/>
             <a:ext cx="2414016" cy="1328928"/>
           </a:xfrm>
           <a:prstGeom prst="roundRect">
@@ -6674,18 +6638,7 @@
                   <a:srgbClr val="0070C0"/>
                 </a:solidFill>
               </a:rPr>
-              <a:t>Semantic Arts</a:t>
-            </a:r>
-          </a:p>
-          <a:p>
-            <a:pPr algn="ctr"/>
-            <a:r>
-              <a:rPr lang="en-US" dirty="0">
-                <a:solidFill>
-                  <a:srgbClr val="0070C0"/>
-                </a:solidFill>
-              </a:rPr>
-              <a:t>Unit of Measure</a:t>
+              <a:t>Client Unit of Measure</a:t>
             </a:r>
           </a:p>
           <a:p>
@@ -6703,39 +6656,10 @@
       </p:sp>
       <p:sp>
         <p:nvSpPr>
-          <p:cNvPr id="6" name="Slide Number Placeholder 5">
-            <a:extLst>
-              <a:ext uri="{FF2B5EF4-FFF2-40B4-BE49-F238E27FC236}">
-                <a16:creationId xmlns:a16="http://schemas.microsoft.com/office/drawing/2014/main" id="{40CD3793-B7FE-5131-D0E8-583595E532A1}"/>
-              </a:ext>
-            </a:extLst>
-          </p:cNvPr>
-          <p:cNvSpPr>
-            <a:spLocks noGrp="1"/>
-          </p:cNvSpPr>
-          <p:nvPr>
-            <p:ph type="sldNum" sz="quarter" idx="12"/>
-          </p:nvPr>
-        </p:nvSpPr>
-        <p:spPr/>
-        <p:txBody>
-          <a:bodyPr/>
-          <a:lstStyle/>
-          <a:p>
-            <a:fld id="{DFC5857C-79A0-744F-8800-F0AD89C321B2}" type="slidenum">
-              <a:rPr lang="en-US" smtClean="0"/>
-              <a:t>14</a:t>
-            </a:fld>
-            <a:endParaRPr lang="en-US"/>
-          </a:p>
-        </p:txBody>
-      </p:sp>
-      <p:sp>
-        <p:nvSpPr>
-          <p:cNvPr id="12" name="TextBox 11">
-            <a:extLst>
-              <a:ext uri="{FF2B5EF4-FFF2-40B4-BE49-F238E27FC236}">
-                <a16:creationId xmlns:a16="http://schemas.microsoft.com/office/drawing/2014/main" id="{DC475B30-84C0-B385-2927-11C360C08118}"/>
+          <p:cNvPr id="8" name="TextBox 7">
+            <a:extLst>
+              <a:ext uri="{FF2B5EF4-FFF2-40B4-BE49-F238E27FC236}">
+                <a16:creationId xmlns:a16="http://schemas.microsoft.com/office/drawing/2014/main" id="{C530A4E4-A9F9-8FEB-9E6B-91F59B661049}"/>
               </a:ext>
             </a:extLst>
           </p:cNvPr>
@@ -6744,246 +6668,8 @@
         </p:nvSpPr>
         <p:spPr>
           <a:xfrm>
-            <a:off x="3979926" y="2099625"/>
-            <a:ext cx="2527487" cy="369332"/>
-          </a:xfrm>
-          <a:prstGeom prst="rect">
-            <a:avLst/>
-          </a:prstGeom>
-          <a:noFill/>
-        </p:spPr>
-        <p:txBody>
-          <a:bodyPr wrap="none" rtlCol="0">
-            <a:spAutoFit/>
-          </a:bodyPr>
-          <a:lstStyle/>
-          <a:p>
-            <a:r>
-              <a:rPr lang="en-US" dirty="0"/>
-              <a:t>Existing Unit of Measure</a:t>
-            </a:r>
-          </a:p>
-        </p:txBody>
-      </p:sp>
-      <p:sp>
-        <p:nvSpPr>
-          <p:cNvPr id="13" name="TextBox 12">
-            <a:extLst>
-              <a:ext uri="{FF2B5EF4-FFF2-40B4-BE49-F238E27FC236}">
-                <a16:creationId xmlns:a16="http://schemas.microsoft.com/office/drawing/2014/main" id="{054ED317-3D22-24A4-BF43-77E8410E2DE2}"/>
-              </a:ext>
-            </a:extLst>
-          </p:cNvPr>
-          <p:cNvSpPr txBox="1"/>
-          <p:nvPr/>
-        </p:nvSpPr>
-        <p:spPr>
-          <a:xfrm>
-            <a:off x="3979926" y="5314762"/>
-            <a:ext cx="2243563" cy="369332"/>
-          </a:xfrm>
-          <a:prstGeom prst="rect">
-            <a:avLst/>
-          </a:prstGeom>
-          <a:noFill/>
-        </p:spPr>
-        <p:txBody>
-          <a:bodyPr wrap="none" rtlCol="0">
-            <a:spAutoFit/>
-          </a:bodyPr>
-          <a:lstStyle/>
-          <a:p>
-            <a:r>
-              <a:rPr lang="en-US" dirty="0"/>
-              <a:t>New Unit of Measure</a:t>
-            </a:r>
-          </a:p>
-        </p:txBody>
-      </p:sp>
-      <p:cxnSp>
-        <p:nvCxnSpPr>
-          <p:cNvPr id="16" name="Elbow Connector 15">
-            <a:extLst>
-              <a:ext uri="{FF2B5EF4-FFF2-40B4-BE49-F238E27FC236}">
-                <a16:creationId xmlns:a16="http://schemas.microsoft.com/office/drawing/2014/main" id="{BFB49807-8F2B-363B-D326-7A1D3C81F267}"/>
-              </a:ext>
-            </a:extLst>
-          </p:cNvPr>
-          <p:cNvCxnSpPr>
-            <a:cxnSpLocks/>
-            <a:stCxn id="13" idx="3"/>
-            <a:endCxn id="12" idx="3"/>
-          </p:cNvCxnSpPr>
-          <p:nvPr/>
-        </p:nvCxnSpPr>
-        <p:spPr>
-          <a:xfrm flipV="1">
-            <a:off x="6223489" y="2284291"/>
-            <a:ext cx="283924" cy="3215137"/>
-          </a:xfrm>
-          <a:prstGeom prst="bentConnector3">
-            <a:avLst>
-              <a:gd name="adj1" fmla="val 180515"/>
-            </a:avLst>
-          </a:prstGeom>
-          <a:ln>
-            <a:solidFill>
-              <a:schemeClr val="tx1"/>
-            </a:solidFill>
-            <a:headEnd type="triangle" w="med" len="med"/>
-            <a:tailEnd type="triangle" w="med" len="med"/>
-          </a:ln>
-        </p:spPr>
-        <p:style>
-          <a:lnRef idx="1">
-            <a:schemeClr val="accent1"/>
-          </a:lnRef>
-          <a:fillRef idx="0">
-            <a:schemeClr val="accent1"/>
-          </a:fillRef>
-          <a:effectRef idx="0">
-            <a:schemeClr val="accent1"/>
-          </a:effectRef>
-          <a:fontRef idx="minor">
-            <a:schemeClr val="tx1"/>
-          </a:fontRef>
-        </p:style>
-      </p:cxnSp>
-      <p:sp>
-        <p:nvSpPr>
-          <p:cNvPr id="2" name="TextBox 1">
-            <a:extLst>
-              <a:ext uri="{FF2B5EF4-FFF2-40B4-BE49-F238E27FC236}">
-                <a16:creationId xmlns:a16="http://schemas.microsoft.com/office/drawing/2014/main" id="{BA642D44-B31F-BE3A-6757-6CE3329038D0}"/>
-              </a:ext>
-            </a:extLst>
-          </p:cNvPr>
-          <p:cNvSpPr txBox="1"/>
-          <p:nvPr/>
-        </p:nvSpPr>
-        <p:spPr>
-          <a:xfrm>
-            <a:off x="3979926" y="1730293"/>
-            <a:ext cx="1637628" cy="369332"/>
-          </a:xfrm>
-          <a:prstGeom prst="rect">
-            <a:avLst/>
-          </a:prstGeom>
-          <a:noFill/>
-        </p:spPr>
-        <p:txBody>
-          <a:bodyPr wrap="none" rtlCol="0">
-            <a:spAutoFit/>
-          </a:bodyPr>
-          <a:lstStyle/>
-          <a:p>
-            <a:r>
-              <a:rPr lang="en-US" dirty="0"/>
-              <a:t>Existing Aspect</a:t>
-            </a:r>
-          </a:p>
-        </p:txBody>
-      </p:sp>
-      <p:sp>
-        <p:nvSpPr>
-          <p:cNvPr id="3" name="TextBox 2">
-            <a:extLst>
-              <a:ext uri="{FF2B5EF4-FFF2-40B4-BE49-F238E27FC236}">
-                <a16:creationId xmlns:a16="http://schemas.microsoft.com/office/drawing/2014/main" id="{A0C71A8C-5AFE-E3BD-B50C-651C04E554CF}"/>
-              </a:ext>
-            </a:extLst>
-          </p:cNvPr>
-          <p:cNvSpPr txBox="1"/>
-          <p:nvPr/>
-        </p:nvSpPr>
-        <p:spPr>
-          <a:xfrm>
-            <a:off x="3979926" y="4945430"/>
-            <a:ext cx="1300805" cy="369332"/>
-          </a:xfrm>
-          <a:prstGeom prst="rect">
-            <a:avLst/>
-          </a:prstGeom>
-          <a:noFill/>
-        </p:spPr>
-        <p:txBody>
-          <a:bodyPr wrap="none" rtlCol="0">
-            <a:spAutoFit/>
-          </a:bodyPr>
-          <a:lstStyle/>
-          <a:p>
-            <a:r>
-              <a:rPr lang="en-US" dirty="0"/>
-              <a:t>New Aspect</a:t>
-            </a:r>
-          </a:p>
-        </p:txBody>
-      </p:sp>
-      <p:cxnSp>
-        <p:nvCxnSpPr>
-          <p:cNvPr id="4" name="Elbow Connector 3">
-            <a:extLst>
-              <a:ext uri="{FF2B5EF4-FFF2-40B4-BE49-F238E27FC236}">
-                <a16:creationId xmlns:a16="http://schemas.microsoft.com/office/drawing/2014/main" id="{2D33CD75-A93E-A222-11E6-DEAB02FA38CD}"/>
-              </a:ext>
-            </a:extLst>
-          </p:cNvPr>
-          <p:cNvCxnSpPr>
-            <a:cxnSpLocks/>
-            <a:stCxn id="3" idx="3"/>
-            <a:endCxn id="2" idx="3"/>
-          </p:cNvCxnSpPr>
-          <p:nvPr/>
-        </p:nvCxnSpPr>
-        <p:spPr>
-          <a:xfrm flipV="1">
-            <a:off x="5280731" y="1914959"/>
-            <a:ext cx="336823" cy="3215137"/>
-          </a:xfrm>
-          <a:prstGeom prst="bentConnector3">
-            <a:avLst>
-              <a:gd name="adj1" fmla="val 536669"/>
-            </a:avLst>
-          </a:prstGeom>
-          <a:ln>
-            <a:solidFill>
-              <a:schemeClr val="tx1"/>
-            </a:solidFill>
-            <a:headEnd type="triangle" w="med" len="med"/>
-            <a:tailEnd type="triangle" w="med" len="med"/>
-          </a:ln>
-        </p:spPr>
-        <p:style>
-          <a:lnRef idx="1">
-            <a:schemeClr val="accent1"/>
-          </a:lnRef>
-          <a:fillRef idx="0">
-            <a:schemeClr val="accent1"/>
-          </a:fillRef>
-          <a:effectRef idx="0">
-            <a:schemeClr val="accent1"/>
-          </a:effectRef>
-          <a:fontRef idx="minor">
-            <a:schemeClr val="tx1"/>
-          </a:fontRef>
-        </p:style>
-      </p:cxnSp>
-      <p:sp>
-        <p:nvSpPr>
-          <p:cNvPr id="14" name="TextBox 13">
-            <a:extLst>
-              <a:ext uri="{FF2B5EF4-FFF2-40B4-BE49-F238E27FC236}">
-                <a16:creationId xmlns:a16="http://schemas.microsoft.com/office/drawing/2014/main" id="{E767D900-7F98-FF0D-7738-98524021ECC5}"/>
-              </a:ext>
-            </a:extLst>
-          </p:cNvPr>
-          <p:cNvSpPr txBox="1"/>
-          <p:nvPr/>
-        </p:nvSpPr>
-        <p:spPr>
-          <a:xfrm>
-            <a:off x="1546967" y="6171684"/>
-            <a:ext cx="7109831" cy="369332"/>
+            <a:off x="5895584" y="3519330"/>
+            <a:ext cx="6075189" cy="646331"/>
           </a:xfrm>
           <a:prstGeom prst="rect">
             <a:avLst/>
@@ -7003,1054 +6689,9 @@
           <a:p>
             <a:r>
               <a:rPr lang="en-US" dirty="0"/>
-              <a:t>Include this mapping in the queries </a:t>
-            </a:r>
-            <a:r>
-              <a:rPr lang="en-US" dirty="0" err="1"/>
-              <a:t>replaceUnits</a:t>
-            </a:r>
-            <a:r>
-              <a:rPr lang="en-US" dirty="0"/>
-              <a:t> and </a:t>
-            </a:r>
-            <a:r>
-              <a:rPr lang="en-US" dirty="0" err="1"/>
-              <a:t>insertAspects</a:t>
-            </a:r>
-            <a:r>
-              <a:rPr lang="en-US" dirty="0"/>
-              <a:t>[1-5].</a:t>
-            </a:r>
-          </a:p>
-        </p:txBody>
-      </p:sp>
-      <p:sp>
-        <p:nvSpPr>
-          <p:cNvPr id="10" name="Rectangle 9">
-            <a:extLst>
-              <a:ext uri="{FF2B5EF4-FFF2-40B4-BE49-F238E27FC236}">
-                <a16:creationId xmlns:a16="http://schemas.microsoft.com/office/drawing/2014/main" id="{077BD9AD-B567-6947-B0B5-44306AEBDAF1}"/>
-              </a:ext>
-            </a:extLst>
-          </p:cNvPr>
-          <p:cNvSpPr/>
-          <p:nvPr/>
-        </p:nvSpPr>
-        <p:spPr>
-          <a:xfrm>
-            <a:off x="8147222" y="412866"/>
-            <a:ext cx="3892378" cy="569386"/>
-          </a:xfrm>
-          <a:prstGeom prst="rect">
-            <a:avLst/>
-          </a:prstGeom>
-          <a:solidFill>
-            <a:schemeClr val="accent2">
-              <a:lumMod val="75000"/>
-            </a:schemeClr>
-          </a:solidFill>
-          <a:ln>
-            <a:noFill/>
-          </a:ln>
-        </p:spPr>
-        <p:style>
-          <a:lnRef idx="0">
-            <a:schemeClr val="accent5"/>
-          </a:lnRef>
-          <a:fillRef idx="3">
-            <a:schemeClr val="accent5"/>
-          </a:fillRef>
-          <a:effectRef idx="3">
-            <a:schemeClr val="accent5"/>
-          </a:effectRef>
-          <a:fontRef idx="minor">
-            <a:schemeClr val="lt1"/>
-          </a:fontRef>
-        </p:style>
-        <p:txBody>
-          <a:bodyPr rtlCol="0" anchor="ctr"/>
-          <a:lstStyle/>
-          <a:p>
-            <a:pPr algn="ctr"/>
-            <a:r>
-              <a:rPr lang="en-US" dirty="0"/>
-              <a:t>Copy reference data into client graph</a:t>
-            </a:r>
-          </a:p>
-        </p:txBody>
-      </p:sp>
-    </p:spTree>
-    <p:extLst>
-      <p:ext uri="{BB962C8B-B14F-4D97-AF65-F5344CB8AC3E}">
-        <p14:creationId xmlns:p14="http://schemas.microsoft.com/office/powerpoint/2010/main" val="210070733"/>
-      </p:ext>
-    </p:extLst>
-  </p:cSld>
-  <p:clrMapOvr>
-    <a:masterClrMapping/>
-  </p:clrMapOvr>
-</p:sld>
-</file>
-
-<file path=ppt/slides/slide15.xml><?xml version="1.0" encoding="utf-8"?>
-<p:sld xmlns:a="http://schemas.openxmlformats.org/drawingml/2006/main" xmlns:r="http://schemas.openxmlformats.org/officeDocument/2006/relationships" xmlns:p="http://schemas.openxmlformats.org/presentationml/2006/main">
-  <p:cSld>
-    <p:spTree>
-      <p:nvGrpSpPr>
-        <p:cNvPr id="1" name=""/>
-        <p:cNvGrpSpPr/>
-        <p:nvPr/>
-      </p:nvGrpSpPr>
-      <p:grpSpPr>
-        <a:xfrm>
-          <a:off x="0" y="0"/>
-          <a:ext cx="0" cy="0"/>
-          <a:chOff x="0" y="0"/>
-          <a:chExt cx="0" cy="0"/>
-        </a:xfrm>
-      </p:grpSpPr>
-      <p:sp>
-        <p:nvSpPr>
-          <p:cNvPr id="5" name="Rounded Rectangle 4">
-            <a:extLst>
-              <a:ext uri="{FF2B5EF4-FFF2-40B4-BE49-F238E27FC236}">
-                <a16:creationId xmlns:a16="http://schemas.microsoft.com/office/drawing/2014/main" id="{E47FCAC0-5175-A4AF-6D08-D84CF23FF73D}"/>
-              </a:ext>
-            </a:extLst>
-          </p:cNvPr>
-          <p:cNvSpPr/>
-          <p:nvPr/>
-        </p:nvSpPr>
-        <p:spPr>
-          <a:xfrm>
-            <a:off x="1536192" y="1487424"/>
-            <a:ext cx="2414016" cy="1328928"/>
-          </a:xfrm>
-          <a:prstGeom prst="roundRect">
-            <a:avLst/>
-          </a:prstGeom>
-          <a:noFill/>
-          <a:ln>
-            <a:solidFill>
-              <a:srgbClr val="0070C0"/>
-            </a:solidFill>
-          </a:ln>
-        </p:spPr>
-        <p:style>
-          <a:lnRef idx="2">
-            <a:schemeClr val="accent1">
-              <a:shade val="15000"/>
-            </a:schemeClr>
-          </a:lnRef>
-          <a:fillRef idx="1">
-            <a:schemeClr val="accent1"/>
-          </a:fillRef>
-          <a:effectRef idx="0">
-            <a:schemeClr val="accent1"/>
-          </a:effectRef>
-          <a:fontRef idx="minor">
-            <a:schemeClr val="lt1"/>
-          </a:fontRef>
-        </p:style>
-        <p:txBody>
-          <a:bodyPr rtlCol="0" anchor="ctr"/>
-          <a:lstStyle/>
-          <a:p>
-            <a:pPr algn="ctr"/>
-            <a:r>
-              <a:rPr lang="en-US" dirty="0">
-                <a:solidFill>
-                  <a:srgbClr val="0070C0"/>
-                </a:solidFill>
-              </a:rPr>
-              <a:t>Existing Client Data</a:t>
-            </a:r>
-          </a:p>
-        </p:txBody>
-      </p:sp>
-      <p:sp>
-        <p:nvSpPr>
-          <p:cNvPr id="7" name="TextBox 6">
-            <a:extLst>
-              <a:ext uri="{FF2B5EF4-FFF2-40B4-BE49-F238E27FC236}">
-                <a16:creationId xmlns:a16="http://schemas.microsoft.com/office/drawing/2014/main" id="{5260FD84-81AA-84AC-2B53-486691D9ECBA}"/>
-              </a:ext>
-            </a:extLst>
-          </p:cNvPr>
-          <p:cNvSpPr txBox="1"/>
-          <p:nvPr/>
-        </p:nvSpPr>
-        <p:spPr>
-          <a:xfrm>
-            <a:off x="621792" y="430506"/>
-            <a:ext cx="7513403" cy="523220"/>
-          </a:xfrm>
-          <a:prstGeom prst="rect">
-            <a:avLst/>
-          </a:prstGeom>
-          <a:noFill/>
-        </p:spPr>
-        <p:txBody>
-          <a:bodyPr wrap="none" rtlCol="0">
-            <a:spAutoFit/>
-          </a:bodyPr>
-          <a:lstStyle/>
-          <a:p>
-            <a:r>
-              <a:rPr lang="en-US" sz="2800" dirty="0"/>
-              <a:t>Replace old version of gist with new version of gist</a:t>
-            </a:r>
-          </a:p>
-        </p:txBody>
-      </p:sp>
-      <p:sp>
-        <p:nvSpPr>
-          <p:cNvPr id="6" name="Slide Number Placeholder 5">
-            <a:extLst>
-              <a:ext uri="{FF2B5EF4-FFF2-40B4-BE49-F238E27FC236}">
-                <a16:creationId xmlns:a16="http://schemas.microsoft.com/office/drawing/2014/main" id="{40CD3793-B7FE-5131-D0E8-583595E532A1}"/>
-              </a:ext>
-            </a:extLst>
-          </p:cNvPr>
-          <p:cNvSpPr>
-            <a:spLocks noGrp="1"/>
-          </p:cNvSpPr>
-          <p:nvPr>
-            <p:ph type="sldNum" sz="quarter" idx="12"/>
-          </p:nvPr>
-        </p:nvSpPr>
-        <p:spPr/>
-        <p:txBody>
-          <a:bodyPr/>
-          <a:lstStyle/>
-          <a:p>
-            <a:fld id="{DFC5857C-79A0-744F-8800-F0AD89C321B2}" type="slidenum">
-              <a:rPr lang="en-US" smtClean="0"/>
-              <a:t>15</a:t>
-            </a:fld>
-            <a:endParaRPr lang="en-US"/>
-          </a:p>
-        </p:txBody>
-      </p:sp>
-      <p:sp>
-        <p:nvSpPr>
-          <p:cNvPr id="2" name="TextBox 1">
-            <a:extLst>
-              <a:ext uri="{FF2B5EF4-FFF2-40B4-BE49-F238E27FC236}">
-                <a16:creationId xmlns:a16="http://schemas.microsoft.com/office/drawing/2014/main" id="{61859457-B759-2B8C-D1FA-186F704606AC}"/>
-              </a:ext>
-            </a:extLst>
-          </p:cNvPr>
-          <p:cNvSpPr txBox="1"/>
-          <p:nvPr/>
-        </p:nvSpPr>
-        <p:spPr>
-          <a:xfrm>
-            <a:off x="4179898" y="3170950"/>
-            <a:ext cx="1094210" cy="369332"/>
-          </a:xfrm>
-          <a:prstGeom prst="rect">
-            <a:avLst/>
-          </a:prstGeom>
-          <a:noFill/>
-        </p:spPr>
-        <p:txBody>
-          <a:bodyPr wrap="none" rtlCol="0">
-            <a:spAutoFit/>
-          </a:bodyPr>
-          <a:lstStyle/>
-          <a:p>
-            <a:pPr algn="ctr"/>
-            <a:r>
-              <a:rPr lang="en-US" dirty="0"/>
-              <a:t>gist12.1.0</a:t>
-            </a:r>
-          </a:p>
-        </p:txBody>
-      </p:sp>
-      <p:sp>
-        <p:nvSpPr>
-          <p:cNvPr id="3" name="TextBox 2">
-            <a:extLst>
-              <a:ext uri="{FF2B5EF4-FFF2-40B4-BE49-F238E27FC236}">
-                <a16:creationId xmlns:a16="http://schemas.microsoft.com/office/drawing/2014/main" id="{99CE82E7-1DD0-800F-B15E-8CFEF1064661}"/>
-              </a:ext>
-            </a:extLst>
-          </p:cNvPr>
-          <p:cNvSpPr txBox="1"/>
-          <p:nvPr/>
-        </p:nvSpPr>
-        <p:spPr>
-          <a:xfrm>
-            <a:off x="6756610" y="3170950"/>
-            <a:ext cx="744755" cy="369332"/>
-          </a:xfrm>
-          <a:prstGeom prst="rect">
-            <a:avLst/>
-          </a:prstGeom>
-          <a:noFill/>
-        </p:spPr>
-        <p:txBody>
-          <a:bodyPr wrap="none" rtlCol="0">
-            <a:spAutoFit/>
-          </a:bodyPr>
-          <a:lstStyle/>
-          <a:p>
-            <a:pPr algn="ctr"/>
-            <a:r>
-              <a:rPr lang="en-US" dirty="0"/>
-              <a:t>gist13</a:t>
-            </a:r>
-          </a:p>
-        </p:txBody>
-      </p:sp>
-      <p:sp>
-        <p:nvSpPr>
-          <p:cNvPr id="4" name="Down Arrow 3">
-            <a:extLst>
-              <a:ext uri="{FF2B5EF4-FFF2-40B4-BE49-F238E27FC236}">
-                <a16:creationId xmlns:a16="http://schemas.microsoft.com/office/drawing/2014/main" id="{FE6876FE-A760-D79A-CBCF-1734B2277721}"/>
-              </a:ext>
-            </a:extLst>
-          </p:cNvPr>
-          <p:cNvSpPr/>
-          <p:nvPr/>
-        </p:nvSpPr>
-        <p:spPr>
-          <a:xfrm rot="16200000">
-            <a:off x="5442335" y="3087393"/>
-            <a:ext cx="1146048" cy="536448"/>
-          </a:xfrm>
-          <a:prstGeom prst="downArrow">
-            <a:avLst/>
-          </a:prstGeom>
-          <a:ln>
-            <a:noFill/>
-          </a:ln>
-        </p:spPr>
-        <p:style>
-          <a:lnRef idx="2">
-            <a:schemeClr val="accent1">
-              <a:shade val="15000"/>
-            </a:schemeClr>
-          </a:lnRef>
-          <a:fillRef idx="1">
-            <a:schemeClr val="accent1"/>
-          </a:fillRef>
-          <a:effectRef idx="0">
-            <a:schemeClr val="accent1"/>
-          </a:effectRef>
-          <a:fontRef idx="minor">
-            <a:schemeClr val="lt1"/>
-          </a:fontRef>
-        </p:style>
-        <p:txBody>
-          <a:bodyPr rtlCol="0" anchor="ctr"/>
-          <a:lstStyle/>
-          <a:p>
-            <a:pPr algn="ctr"/>
-            <a:endParaRPr lang="en-US"/>
-          </a:p>
-        </p:txBody>
-      </p:sp>
-      <p:sp>
-        <p:nvSpPr>
-          <p:cNvPr id="10" name="TextBox 9">
-            <a:extLst>
-              <a:ext uri="{FF2B5EF4-FFF2-40B4-BE49-F238E27FC236}">
-                <a16:creationId xmlns:a16="http://schemas.microsoft.com/office/drawing/2014/main" id="{DCCAC269-5808-3926-30B9-F0317983D64D}"/>
-              </a:ext>
-            </a:extLst>
-          </p:cNvPr>
-          <p:cNvSpPr txBox="1"/>
-          <p:nvPr/>
-        </p:nvSpPr>
-        <p:spPr>
-          <a:xfrm>
-            <a:off x="4179898" y="4186676"/>
-            <a:ext cx="6143477" cy="369332"/>
-          </a:xfrm>
-          <a:prstGeom prst="rect">
-            <a:avLst/>
-          </a:prstGeom>
-          <a:noFill/>
-        </p:spPr>
-        <p:txBody>
-          <a:bodyPr wrap="none" rtlCol="0">
-            <a:spAutoFit/>
-          </a:bodyPr>
-          <a:lstStyle/>
-          <a:p>
-            <a:r>
-              <a:rPr lang="en-US" dirty="0"/>
-              <a:t>Add prefix </a:t>
-            </a:r>
-            <a:r>
-              <a:rPr lang="en-US" dirty="0" err="1"/>
-              <a:t>gistd</a:t>
-            </a:r>
-            <a:r>
-              <a:rPr lang="en-US" dirty="0"/>
-              <a:t>: </a:t>
-            </a:r>
-            <a:r>
-              <a:rPr lang="en-US" b="0" i="0" dirty="0">
-                <a:solidFill>
-                  <a:srgbClr val="000000"/>
-                </a:solidFill>
-                <a:effectLst/>
-                <a:highlight>
-                  <a:srgbClr val="FFFFFF"/>
-                </a:highlight>
-              </a:rPr>
-              <a:t>&lt;https://w3id.org/</a:t>
-            </a:r>
-            <a:r>
-              <a:rPr lang="en-US" b="0" i="0" dirty="0" err="1">
-                <a:solidFill>
-                  <a:srgbClr val="000000"/>
-                </a:solidFill>
-                <a:effectLst/>
-                <a:highlight>
-                  <a:srgbClr val="FFFFFF"/>
-                </a:highlight>
-              </a:rPr>
-              <a:t>semanticarts</a:t>
-            </a:r>
-            <a:r>
-              <a:rPr lang="en-US" b="0" i="0" dirty="0">
-                <a:solidFill>
-                  <a:srgbClr val="000000"/>
-                </a:solidFill>
-                <a:effectLst/>
-                <a:highlight>
-                  <a:srgbClr val="FFFFFF"/>
-                </a:highlight>
-              </a:rPr>
-              <a:t>/ns/data/gist/&gt;</a:t>
-            </a:r>
-            <a:endParaRPr lang="en-US" dirty="0"/>
-          </a:p>
-        </p:txBody>
-      </p:sp>
-      <p:sp>
-        <p:nvSpPr>
-          <p:cNvPr id="11" name="Rectangle 10">
-            <a:extLst>
-              <a:ext uri="{FF2B5EF4-FFF2-40B4-BE49-F238E27FC236}">
-                <a16:creationId xmlns:a16="http://schemas.microsoft.com/office/drawing/2014/main" id="{659663AC-F9F0-F345-C75C-C21955FFFCF3}"/>
-              </a:ext>
-            </a:extLst>
-          </p:cNvPr>
-          <p:cNvSpPr/>
-          <p:nvPr/>
-        </p:nvSpPr>
-        <p:spPr>
-          <a:xfrm>
-            <a:off x="8147222" y="412866"/>
-            <a:ext cx="3892378" cy="569386"/>
-          </a:xfrm>
-          <a:prstGeom prst="rect">
-            <a:avLst/>
-          </a:prstGeom>
-          <a:solidFill>
-            <a:schemeClr val="accent2">
-              <a:lumMod val="75000"/>
-            </a:schemeClr>
-          </a:solidFill>
-          <a:ln>
-            <a:noFill/>
-          </a:ln>
-        </p:spPr>
-        <p:style>
-          <a:lnRef idx="0">
-            <a:schemeClr val="accent5"/>
-          </a:lnRef>
-          <a:fillRef idx="3">
-            <a:schemeClr val="accent5"/>
-          </a:fillRef>
-          <a:effectRef idx="3">
-            <a:schemeClr val="accent5"/>
-          </a:effectRef>
-          <a:fontRef idx="minor">
-            <a:schemeClr val="lt1"/>
-          </a:fontRef>
-        </p:style>
-        <p:txBody>
-          <a:bodyPr rtlCol="0" anchor="ctr"/>
-          <a:lstStyle/>
-          <a:p>
-            <a:pPr algn="ctr"/>
-            <a:r>
-              <a:rPr lang="en-US" dirty="0"/>
-              <a:t>Copy reference data into client graph</a:t>
-            </a:r>
-          </a:p>
-        </p:txBody>
-      </p:sp>
-    </p:spTree>
-    <p:extLst>
-      <p:ext uri="{BB962C8B-B14F-4D97-AF65-F5344CB8AC3E}">
-        <p14:creationId xmlns:p14="http://schemas.microsoft.com/office/powerpoint/2010/main" val="1412413531"/>
-      </p:ext>
-    </p:extLst>
-  </p:cSld>
-  <p:clrMapOvr>
-    <a:masterClrMapping/>
-  </p:clrMapOvr>
-</p:sld>
-</file>
-
-<file path=ppt/slides/slide16.xml><?xml version="1.0" encoding="utf-8"?>
-<p:sld xmlns:a="http://schemas.openxmlformats.org/drawingml/2006/main" xmlns:r="http://schemas.openxmlformats.org/officeDocument/2006/relationships" xmlns:p="http://schemas.openxmlformats.org/presentationml/2006/main">
-  <p:cSld>
-    <p:spTree>
-      <p:nvGrpSpPr>
-        <p:cNvPr id="1" name=""/>
-        <p:cNvGrpSpPr/>
-        <p:nvPr/>
-      </p:nvGrpSpPr>
-      <p:grpSpPr>
-        <a:xfrm>
-          <a:off x="0" y="0"/>
-          <a:ext cx="0" cy="0"/>
-          <a:chOff x="0" y="0"/>
-          <a:chExt cx="0" cy="0"/>
-        </a:xfrm>
-      </p:grpSpPr>
-      <p:sp>
-        <p:nvSpPr>
-          <p:cNvPr id="7" name="TextBox 6">
-            <a:extLst>
-              <a:ext uri="{FF2B5EF4-FFF2-40B4-BE49-F238E27FC236}">
-                <a16:creationId xmlns:a16="http://schemas.microsoft.com/office/drawing/2014/main" id="{5260FD84-81AA-84AC-2B53-486691D9ECBA}"/>
-              </a:ext>
-            </a:extLst>
-          </p:cNvPr>
-          <p:cNvSpPr txBox="1"/>
-          <p:nvPr/>
-        </p:nvSpPr>
-        <p:spPr>
-          <a:xfrm>
-            <a:off x="621792" y="430506"/>
-            <a:ext cx="4977260" cy="523220"/>
-          </a:xfrm>
-          <a:prstGeom prst="rect">
-            <a:avLst/>
-          </a:prstGeom>
-          <a:noFill/>
-        </p:spPr>
-        <p:txBody>
-          <a:bodyPr wrap="none" rtlCol="0">
-            <a:spAutoFit/>
-          </a:bodyPr>
-          <a:lstStyle/>
-          <a:p>
-            <a:r>
-              <a:rPr lang="en-US" sz="2800" dirty="0"/>
-              <a:t>Prepare the client reference data</a:t>
-            </a:r>
-          </a:p>
-        </p:txBody>
-      </p:sp>
-      <p:sp>
-        <p:nvSpPr>
-          <p:cNvPr id="9" name="Rounded Rectangle 8">
-            <a:extLst>
-              <a:ext uri="{FF2B5EF4-FFF2-40B4-BE49-F238E27FC236}">
-                <a16:creationId xmlns:a16="http://schemas.microsoft.com/office/drawing/2014/main" id="{EBF742CF-B55B-6B19-1C1F-267390B7FA05}"/>
-              </a:ext>
-            </a:extLst>
-          </p:cNvPr>
-          <p:cNvSpPr/>
-          <p:nvPr/>
-        </p:nvSpPr>
-        <p:spPr>
-          <a:xfrm>
-            <a:off x="1536192" y="4623078"/>
-            <a:ext cx="2414016" cy="1328928"/>
-          </a:xfrm>
-          <a:prstGeom prst="roundRect">
-            <a:avLst/>
-          </a:prstGeom>
-          <a:noFill/>
-          <a:ln>
-            <a:solidFill>
-              <a:srgbClr val="0070C0"/>
-            </a:solidFill>
-          </a:ln>
-        </p:spPr>
-        <p:style>
-          <a:lnRef idx="2">
-            <a:schemeClr val="accent1">
-              <a:shade val="15000"/>
-            </a:schemeClr>
-          </a:lnRef>
-          <a:fillRef idx="1">
-            <a:schemeClr val="accent1"/>
-          </a:fillRef>
-          <a:effectRef idx="0">
-            <a:schemeClr val="accent1"/>
-          </a:effectRef>
-          <a:fontRef idx="minor">
-            <a:schemeClr val="lt1"/>
-          </a:fontRef>
-        </p:style>
-        <p:txBody>
-          <a:bodyPr rtlCol="0" anchor="ctr"/>
-          <a:lstStyle/>
-          <a:p>
-            <a:pPr algn="ctr"/>
-            <a:r>
-              <a:rPr lang="en-US" dirty="0">
-                <a:solidFill>
-                  <a:srgbClr val="0070C0"/>
-                </a:solidFill>
-              </a:rPr>
-              <a:t>Semantic Arts</a:t>
-            </a:r>
-          </a:p>
-          <a:p>
-            <a:pPr algn="ctr"/>
-            <a:r>
-              <a:rPr lang="en-US" dirty="0">
-                <a:solidFill>
-                  <a:srgbClr val="0070C0"/>
-                </a:solidFill>
-              </a:rPr>
-              <a:t>Unit of Measure</a:t>
-            </a:r>
-          </a:p>
-          <a:p>
-            <a:pPr algn="ctr"/>
-            <a:r>
-              <a:rPr lang="en-US" dirty="0">
-                <a:solidFill>
-                  <a:srgbClr val="0070C0"/>
-                </a:solidFill>
-              </a:rPr>
-              <a:t>Reference Data</a:t>
-            </a:r>
-          </a:p>
-        </p:txBody>
-      </p:sp>
-      <p:sp>
-        <p:nvSpPr>
-          <p:cNvPr id="6" name="Slide Number Placeholder 5">
-            <a:extLst>
-              <a:ext uri="{FF2B5EF4-FFF2-40B4-BE49-F238E27FC236}">
-                <a16:creationId xmlns:a16="http://schemas.microsoft.com/office/drawing/2014/main" id="{40CD3793-B7FE-5131-D0E8-583595E532A1}"/>
-              </a:ext>
-            </a:extLst>
-          </p:cNvPr>
-          <p:cNvSpPr>
-            <a:spLocks noGrp="1"/>
-          </p:cNvSpPr>
-          <p:nvPr>
-            <p:ph type="sldNum" sz="quarter" idx="12"/>
-          </p:nvPr>
-        </p:nvSpPr>
-        <p:spPr/>
-        <p:txBody>
-          <a:bodyPr/>
-          <a:lstStyle/>
-          <a:p>
-            <a:fld id="{DFC5857C-79A0-744F-8800-F0AD89C321B2}" type="slidenum">
-              <a:rPr lang="en-US" smtClean="0"/>
-              <a:t>16</a:t>
-            </a:fld>
-            <a:endParaRPr lang="en-US"/>
-          </a:p>
-        </p:txBody>
-      </p:sp>
-      <p:sp>
-        <p:nvSpPr>
-          <p:cNvPr id="13" name="TextBox 12">
-            <a:extLst>
-              <a:ext uri="{FF2B5EF4-FFF2-40B4-BE49-F238E27FC236}">
-                <a16:creationId xmlns:a16="http://schemas.microsoft.com/office/drawing/2014/main" id="{054ED317-3D22-24A4-BF43-77E8410E2DE2}"/>
-              </a:ext>
-            </a:extLst>
-          </p:cNvPr>
-          <p:cNvSpPr txBox="1"/>
-          <p:nvPr/>
-        </p:nvSpPr>
-        <p:spPr>
-          <a:xfrm>
-            <a:off x="3950208" y="4703810"/>
-            <a:ext cx="1709314" cy="1200329"/>
-          </a:xfrm>
-          <a:prstGeom prst="rect">
-            <a:avLst/>
-          </a:prstGeom>
-          <a:noFill/>
-        </p:spPr>
-        <p:txBody>
-          <a:bodyPr wrap="none" rtlCol="0">
-            <a:spAutoFit/>
-          </a:bodyPr>
-          <a:lstStyle/>
-          <a:p>
-            <a:r>
-              <a:rPr lang="en-US" dirty="0"/>
-              <a:t>Aspect</a:t>
-            </a:r>
-          </a:p>
-          <a:p>
-            <a:r>
-              <a:rPr lang="en-US" dirty="0"/>
-              <a:t>Unit of Measure</a:t>
-            </a:r>
-          </a:p>
-          <a:p>
-            <a:r>
-              <a:rPr lang="en-US" dirty="0"/>
-              <a:t>Unit Group</a:t>
-            </a:r>
-          </a:p>
-          <a:p>
-            <a:r>
-              <a:rPr lang="en-US" dirty="0"/>
-              <a:t>Discipline</a:t>
-            </a:r>
-          </a:p>
-        </p:txBody>
-      </p:sp>
-      <p:sp>
-        <p:nvSpPr>
-          <p:cNvPr id="10" name="Rectangle 9">
-            <a:extLst>
-              <a:ext uri="{FF2B5EF4-FFF2-40B4-BE49-F238E27FC236}">
-                <a16:creationId xmlns:a16="http://schemas.microsoft.com/office/drawing/2014/main" id="{077BD9AD-B567-6947-B0B5-44306AEBDAF1}"/>
-              </a:ext>
-            </a:extLst>
-          </p:cNvPr>
-          <p:cNvSpPr/>
-          <p:nvPr/>
-        </p:nvSpPr>
-        <p:spPr>
-          <a:xfrm>
-            <a:off x="8147222" y="412866"/>
-            <a:ext cx="3892378" cy="569386"/>
-          </a:xfrm>
-          <a:prstGeom prst="rect">
-            <a:avLst/>
-          </a:prstGeom>
-          <a:solidFill>
-            <a:schemeClr val="accent2">
-              <a:lumMod val="75000"/>
-            </a:schemeClr>
-          </a:solidFill>
-          <a:ln>
-            <a:noFill/>
-          </a:ln>
-        </p:spPr>
-        <p:style>
-          <a:lnRef idx="0">
-            <a:schemeClr val="accent5"/>
-          </a:lnRef>
-          <a:fillRef idx="3">
-            <a:schemeClr val="accent5"/>
-          </a:fillRef>
-          <a:effectRef idx="3">
-            <a:schemeClr val="accent5"/>
-          </a:effectRef>
-          <a:fontRef idx="minor">
-            <a:schemeClr val="lt1"/>
-          </a:fontRef>
-        </p:style>
-        <p:txBody>
-          <a:bodyPr rtlCol="0" anchor="ctr"/>
-          <a:lstStyle/>
-          <a:p>
-            <a:pPr algn="ctr"/>
-            <a:r>
-              <a:rPr lang="en-US" dirty="0"/>
-              <a:t>Copy reference data into client graph</a:t>
-            </a:r>
-          </a:p>
-        </p:txBody>
-      </p:sp>
-      <p:sp>
-        <p:nvSpPr>
-          <p:cNvPr id="11" name="TextBox 10">
-            <a:extLst>
-              <a:ext uri="{FF2B5EF4-FFF2-40B4-BE49-F238E27FC236}">
-                <a16:creationId xmlns:a16="http://schemas.microsoft.com/office/drawing/2014/main" id="{056FC770-5D5C-7C92-62E1-2E0604D5E0E7}"/>
-              </a:ext>
-            </a:extLst>
-          </p:cNvPr>
-          <p:cNvSpPr txBox="1"/>
-          <p:nvPr/>
-        </p:nvSpPr>
-        <p:spPr>
-          <a:xfrm>
-            <a:off x="1248937" y="2087414"/>
-            <a:ext cx="10104863" cy="1477328"/>
-          </a:xfrm>
-          <a:prstGeom prst="rect">
-            <a:avLst/>
-          </a:prstGeom>
-          <a:noFill/>
-        </p:spPr>
-        <p:txBody>
-          <a:bodyPr wrap="square">
-            <a:spAutoFit/>
-          </a:bodyPr>
-          <a:lstStyle/>
-          <a:p>
-            <a:r>
-              <a:rPr lang="en-US" sz="1800" dirty="0"/>
-              <a:t>Customize the query </a:t>
-            </a:r>
-            <a:r>
-              <a:rPr lang="en-US" sz="1800" dirty="0" err="1"/>
-              <a:t>prepareClientReferenceData</a:t>
-            </a:r>
-            <a:r>
-              <a:rPr lang="en-US" sz="1800" dirty="0"/>
-              <a:t>-[client].</a:t>
-            </a:r>
-            <a:r>
-              <a:rPr lang="en-US" sz="1800" dirty="0" err="1"/>
-              <a:t>rq</a:t>
-            </a:r>
-            <a:r>
-              <a:rPr lang="en-US" sz="1800" dirty="0"/>
-              <a:t> with </a:t>
-            </a:r>
-            <a:r>
-              <a:rPr lang="en-US" dirty="0"/>
-              <a:t>new units and aspects the client will use</a:t>
-            </a:r>
-            <a:r>
-              <a:rPr lang="en-US" sz="1800" dirty="0"/>
-              <a:t>.</a:t>
-            </a:r>
-          </a:p>
-          <a:p>
-            <a:r>
-              <a:rPr lang="en-US" sz="1800" dirty="0"/>
-              <a:t>Run the query on the Semantic Arts reference data.</a:t>
-            </a:r>
-          </a:p>
-          <a:p>
-            <a:r>
-              <a:rPr lang="en-US" dirty="0"/>
-              <a:t>Download as Turtle.</a:t>
-            </a:r>
-            <a:endParaRPr lang="en-US" sz="1800" dirty="0"/>
-          </a:p>
-          <a:p>
-            <a:endParaRPr lang="en-US" dirty="0"/>
-          </a:p>
-          <a:p>
-            <a:r>
-              <a:rPr lang="en-US" sz="1800" dirty="0"/>
-              <a:t>Make sure the namespaces in the </a:t>
-            </a:r>
-            <a:r>
-              <a:rPr lang="en-US" sz="1800" dirty="0" err="1"/>
-              <a:t>ttl</a:t>
-            </a:r>
-            <a:r>
-              <a:rPr lang="en-US" sz="1800" dirty="0"/>
-              <a:t> header line up with namespaces used by the client (e.g. for gist).</a:t>
-            </a:r>
-          </a:p>
-        </p:txBody>
-      </p:sp>
-    </p:spTree>
-    <p:extLst>
-      <p:ext uri="{BB962C8B-B14F-4D97-AF65-F5344CB8AC3E}">
-        <p14:creationId xmlns:p14="http://schemas.microsoft.com/office/powerpoint/2010/main" val="1397111511"/>
-      </p:ext>
-    </p:extLst>
-  </p:cSld>
-  <p:clrMapOvr>
-    <a:masterClrMapping/>
-  </p:clrMapOvr>
-</p:sld>
-</file>
-
-<file path=ppt/slides/slide17.xml><?xml version="1.0" encoding="utf-8"?>
-<p:sld xmlns:a="http://schemas.openxmlformats.org/drawingml/2006/main" xmlns:r="http://schemas.openxmlformats.org/officeDocument/2006/relationships" xmlns:p="http://schemas.openxmlformats.org/presentationml/2006/main">
-  <p:cSld>
-    <p:spTree>
-      <p:nvGrpSpPr>
-        <p:cNvPr id="1" name=""/>
-        <p:cNvGrpSpPr/>
-        <p:nvPr/>
-      </p:nvGrpSpPr>
-      <p:grpSpPr>
-        <a:xfrm>
-          <a:off x="0" y="0"/>
-          <a:ext cx="0" cy="0"/>
-          <a:chOff x="0" y="0"/>
-          <a:chExt cx="0" cy="0"/>
-        </a:xfrm>
-      </p:grpSpPr>
-      <p:sp>
-        <p:nvSpPr>
-          <p:cNvPr id="5" name="Rounded Rectangle 4">
-            <a:extLst>
-              <a:ext uri="{FF2B5EF4-FFF2-40B4-BE49-F238E27FC236}">
-                <a16:creationId xmlns:a16="http://schemas.microsoft.com/office/drawing/2014/main" id="{E47FCAC0-5175-A4AF-6D08-D84CF23FF73D}"/>
-              </a:ext>
-            </a:extLst>
-          </p:cNvPr>
-          <p:cNvSpPr/>
-          <p:nvPr/>
-        </p:nvSpPr>
-        <p:spPr>
-          <a:xfrm>
-            <a:off x="1536192" y="1487424"/>
-            <a:ext cx="2414016" cy="1328928"/>
-          </a:xfrm>
-          <a:prstGeom prst="roundRect">
-            <a:avLst/>
-          </a:prstGeom>
-          <a:noFill/>
-          <a:ln>
-            <a:solidFill>
-              <a:srgbClr val="0070C0"/>
-            </a:solidFill>
-          </a:ln>
-        </p:spPr>
-        <p:style>
-          <a:lnRef idx="2">
-            <a:schemeClr val="accent1">
-              <a:shade val="15000"/>
-            </a:schemeClr>
-          </a:lnRef>
-          <a:fillRef idx="1">
-            <a:schemeClr val="accent1"/>
-          </a:fillRef>
-          <a:effectRef idx="0">
-            <a:schemeClr val="accent1"/>
-          </a:effectRef>
-          <a:fontRef idx="minor">
-            <a:schemeClr val="lt1"/>
-          </a:fontRef>
-        </p:style>
-        <p:txBody>
-          <a:bodyPr rtlCol="0" anchor="ctr"/>
-          <a:lstStyle/>
-          <a:p>
-            <a:pPr algn="ctr"/>
-            <a:r>
-              <a:rPr lang="en-US" dirty="0">
-                <a:solidFill>
-                  <a:srgbClr val="0070C0"/>
-                </a:solidFill>
-              </a:rPr>
-              <a:t>Existing Client Data</a:t>
-            </a:r>
-          </a:p>
-        </p:txBody>
-      </p:sp>
-      <p:sp>
-        <p:nvSpPr>
-          <p:cNvPr id="6" name="Rounded Rectangle 5">
-            <a:extLst>
-              <a:ext uri="{FF2B5EF4-FFF2-40B4-BE49-F238E27FC236}">
-                <a16:creationId xmlns:a16="http://schemas.microsoft.com/office/drawing/2014/main" id="{D5B46562-BBEE-09AA-DDD5-33286BE91F6F}"/>
-              </a:ext>
-            </a:extLst>
-          </p:cNvPr>
-          <p:cNvSpPr/>
-          <p:nvPr/>
-        </p:nvSpPr>
-        <p:spPr>
-          <a:xfrm>
-            <a:off x="1536192" y="3041904"/>
-            <a:ext cx="2414016" cy="1328928"/>
-          </a:xfrm>
-          <a:prstGeom prst="roundRect">
-            <a:avLst/>
-          </a:prstGeom>
-          <a:noFill/>
-          <a:ln>
-            <a:solidFill>
-              <a:srgbClr val="0070C0"/>
-            </a:solidFill>
-          </a:ln>
-        </p:spPr>
-        <p:style>
-          <a:lnRef idx="2">
-            <a:schemeClr val="accent1">
-              <a:shade val="15000"/>
-            </a:schemeClr>
-          </a:lnRef>
-          <a:fillRef idx="1">
-            <a:schemeClr val="accent1"/>
-          </a:fillRef>
-          <a:effectRef idx="0">
-            <a:schemeClr val="accent1"/>
-          </a:effectRef>
-          <a:fontRef idx="minor">
-            <a:schemeClr val="lt1"/>
-          </a:fontRef>
-        </p:style>
-        <p:txBody>
-          <a:bodyPr rtlCol="0" anchor="ctr"/>
-          <a:lstStyle/>
-          <a:p>
-            <a:pPr algn="ctr"/>
-            <a:r>
-              <a:rPr lang="en-US" dirty="0">
-                <a:solidFill>
-                  <a:srgbClr val="0070C0"/>
-                </a:solidFill>
-              </a:rPr>
-              <a:t>Client Unit of Measure</a:t>
-            </a:r>
-          </a:p>
-          <a:p>
-            <a:pPr algn="ctr"/>
-            <a:r>
-              <a:rPr lang="en-US" dirty="0">
-                <a:solidFill>
-                  <a:srgbClr val="0070C0"/>
-                </a:solidFill>
-              </a:rPr>
-              <a:t>Reference Data</a:t>
-            </a:r>
-          </a:p>
-        </p:txBody>
-      </p:sp>
-      <p:sp>
-        <p:nvSpPr>
-          <p:cNvPr id="8" name="TextBox 7">
-            <a:extLst>
-              <a:ext uri="{FF2B5EF4-FFF2-40B4-BE49-F238E27FC236}">
-                <a16:creationId xmlns:a16="http://schemas.microsoft.com/office/drawing/2014/main" id="{C530A4E4-A9F9-8FEB-9E6B-91F59B661049}"/>
-              </a:ext>
-            </a:extLst>
-          </p:cNvPr>
-          <p:cNvSpPr txBox="1"/>
-          <p:nvPr/>
-        </p:nvSpPr>
-        <p:spPr>
-          <a:xfrm>
-            <a:off x="6096000" y="3519330"/>
-            <a:ext cx="2921313" cy="369332"/>
-          </a:xfrm>
-          <a:prstGeom prst="rect">
-            <a:avLst/>
-          </a:prstGeom>
-          <a:solidFill>
-            <a:schemeClr val="accent6">
-              <a:lumMod val="20000"/>
-              <a:lumOff val="80000"/>
-            </a:schemeClr>
-          </a:solidFill>
-        </p:spPr>
-        <p:txBody>
-          <a:bodyPr wrap="none" rtlCol="0">
-            <a:spAutoFit/>
-          </a:bodyPr>
-          <a:lstStyle/>
+              <a:t>Load the standard aspects and units provided by Semantic Arts.</a:t>
+            </a:r>
+          </a:p>
           <a:p>
             <a:r>
               <a:rPr lang="en-US" dirty="0"/>
@@ -8398,7 +7039,7 @@
           <a:p>
             <a:fld id="{DFC5857C-79A0-744F-8800-F0AD89C321B2}" type="slidenum">
               <a:rPr lang="en-US" smtClean="0"/>
-              <a:t>17</a:t>
+              <a:t>14</a:t>
             </a:fld>
             <a:endParaRPr lang="en-US"/>
           </a:p>
@@ -8454,7 +7095,7 @@
             <a:pPr algn="ctr"/>
             <a:r>
               <a:rPr lang="en-US" dirty="0"/>
-              <a:t>Copy reference data into client graph</a:t>
+              <a:t>Load client reference data</a:t>
             </a:r>
           </a:p>
         </p:txBody>
@@ -8472,7 +7113,7 @@
 </p:sld>
 </file>
 
-<file path=ppt/slides/slide18.xml><?xml version="1.0" encoding="utf-8"?>
+<file path=ppt/slides/slide15.xml><?xml version="1.0" encoding="utf-8"?>
 <p:sld xmlns:a="http://schemas.openxmlformats.org/drawingml/2006/main" xmlns:r="http://schemas.openxmlformats.org/officeDocument/2006/relationships" xmlns:p="http://schemas.openxmlformats.org/presentationml/2006/main">
   <p:cSld>
     <p:spTree>
@@ -8550,10 +7191,45 @@
       </p:sp>
       <p:sp>
         <p:nvSpPr>
-          <p:cNvPr id="6" name="Rounded Rectangle 5">
-            <a:extLst>
-              <a:ext uri="{FF2B5EF4-FFF2-40B4-BE49-F238E27FC236}">
-                <a16:creationId xmlns:a16="http://schemas.microsoft.com/office/drawing/2014/main" id="{D5B46562-BBEE-09AA-DDD5-33286BE91F6F}"/>
+          <p:cNvPr id="7" name="TextBox 6">
+            <a:extLst>
+              <a:ext uri="{FF2B5EF4-FFF2-40B4-BE49-F238E27FC236}">
+                <a16:creationId xmlns:a16="http://schemas.microsoft.com/office/drawing/2014/main" id="{5260FD84-81AA-84AC-2B53-486691D9ECBA}"/>
+              </a:ext>
+            </a:extLst>
+          </p:cNvPr>
+          <p:cNvSpPr txBox="1"/>
+          <p:nvPr/>
+        </p:nvSpPr>
+        <p:spPr>
+          <a:xfrm>
+            <a:off x="621792" y="430506"/>
+            <a:ext cx="5486117" cy="523220"/>
+          </a:xfrm>
+          <a:prstGeom prst="rect">
+            <a:avLst/>
+          </a:prstGeom>
+          <a:noFill/>
+        </p:spPr>
+        <p:txBody>
+          <a:bodyPr wrap="none" rtlCol="0">
+            <a:spAutoFit/>
+          </a:bodyPr>
+          <a:lstStyle/>
+          <a:p>
+            <a:r>
+              <a:rPr lang="en-US" sz="2800" dirty="0"/>
+              <a:t>Map client values to reference data</a:t>
+            </a:r>
+          </a:p>
+        </p:txBody>
+      </p:sp>
+      <p:sp>
+        <p:nvSpPr>
+          <p:cNvPr id="9" name="Rounded Rectangle 8">
+            <a:extLst>
+              <a:ext uri="{FF2B5EF4-FFF2-40B4-BE49-F238E27FC236}">
+                <a16:creationId xmlns:a16="http://schemas.microsoft.com/office/drawing/2014/main" id="{EBF742CF-B55B-6B19-1C1F-267390B7FA05}"/>
               </a:ext>
             </a:extLst>
           </p:cNvPr>
@@ -8562,7 +7238,7 @@
         </p:nvSpPr>
         <p:spPr>
           <a:xfrm>
-            <a:off x="1536192" y="3041904"/>
+            <a:off x="1536192" y="4623078"/>
             <a:ext cx="2414016" cy="1328928"/>
           </a:xfrm>
           <a:prstGeom prst="roundRect">
@@ -8602,7 +7278,18 @@
                   <a:srgbClr val="0070C0"/>
                 </a:solidFill>
               </a:rPr>
-              <a:t>Client Unit of Measure</a:t>
+              <a:t>Semantic Arts</a:t>
+            </a:r>
+          </a:p>
+          <a:p>
+            <a:pPr algn="ctr"/>
+            <a:r>
+              <a:rPr lang="en-US" dirty="0">
+                <a:solidFill>
+                  <a:srgbClr val="0070C0"/>
+                </a:solidFill>
+              </a:rPr>
+              <a:t>Unit of Measure</a:t>
             </a:r>
           </a:p>
           <a:p>
@@ -8620,10 +7307,39 @@
       </p:sp>
       <p:sp>
         <p:nvSpPr>
-          <p:cNvPr id="8" name="TextBox 7">
-            <a:extLst>
-              <a:ext uri="{FF2B5EF4-FFF2-40B4-BE49-F238E27FC236}">
-                <a16:creationId xmlns:a16="http://schemas.microsoft.com/office/drawing/2014/main" id="{C530A4E4-A9F9-8FEB-9E6B-91F59B661049}"/>
+          <p:cNvPr id="6" name="Slide Number Placeholder 5">
+            <a:extLst>
+              <a:ext uri="{FF2B5EF4-FFF2-40B4-BE49-F238E27FC236}">
+                <a16:creationId xmlns:a16="http://schemas.microsoft.com/office/drawing/2014/main" id="{40CD3793-B7FE-5131-D0E8-583595E532A1}"/>
+              </a:ext>
+            </a:extLst>
+          </p:cNvPr>
+          <p:cNvSpPr>
+            <a:spLocks noGrp="1"/>
+          </p:cNvSpPr>
+          <p:nvPr>
+            <p:ph type="sldNum" sz="quarter" idx="12"/>
+          </p:nvPr>
+        </p:nvSpPr>
+        <p:spPr/>
+        <p:txBody>
+          <a:bodyPr/>
+          <a:lstStyle/>
+          <a:p>
+            <a:fld id="{DFC5857C-79A0-744F-8800-F0AD89C321B2}" type="slidenum">
+              <a:rPr lang="en-US" smtClean="0"/>
+              <a:t>15</a:t>
+            </a:fld>
+            <a:endParaRPr lang="en-US"/>
+          </a:p>
+        </p:txBody>
+      </p:sp>
+      <p:sp>
+        <p:nvSpPr>
+          <p:cNvPr id="12" name="TextBox 11">
+            <a:extLst>
+              <a:ext uri="{FF2B5EF4-FFF2-40B4-BE49-F238E27FC236}">
+                <a16:creationId xmlns:a16="http://schemas.microsoft.com/office/drawing/2014/main" id="{DC475B30-84C0-B385-2927-11C360C08118}"/>
               </a:ext>
             </a:extLst>
           </p:cNvPr>
@@ -8632,8 +7348,246 @@
         </p:nvSpPr>
         <p:spPr>
           <a:xfrm>
-            <a:off x="6125362" y="1487424"/>
-            <a:ext cx="4301627" cy="369332"/>
+            <a:off x="3979926" y="2099625"/>
+            <a:ext cx="2527487" cy="369332"/>
+          </a:xfrm>
+          <a:prstGeom prst="rect">
+            <a:avLst/>
+          </a:prstGeom>
+          <a:noFill/>
+        </p:spPr>
+        <p:txBody>
+          <a:bodyPr wrap="none" rtlCol="0">
+            <a:spAutoFit/>
+          </a:bodyPr>
+          <a:lstStyle/>
+          <a:p>
+            <a:r>
+              <a:rPr lang="en-US" dirty="0"/>
+              <a:t>Existing Unit of Measure</a:t>
+            </a:r>
+          </a:p>
+        </p:txBody>
+      </p:sp>
+      <p:sp>
+        <p:nvSpPr>
+          <p:cNvPr id="13" name="TextBox 12">
+            <a:extLst>
+              <a:ext uri="{FF2B5EF4-FFF2-40B4-BE49-F238E27FC236}">
+                <a16:creationId xmlns:a16="http://schemas.microsoft.com/office/drawing/2014/main" id="{054ED317-3D22-24A4-BF43-77E8410E2DE2}"/>
+              </a:ext>
+            </a:extLst>
+          </p:cNvPr>
+          <p:cNvSpPr txBox="1"/>
+          <p:nvPr/>
+        </p:nvSpPr>
+        <p:spPr>
+          <a:xfrm>
+            <a:off x="3979926" y="5314762"/>
+            <a:ext cx="2243563" cy="369332"/>
+          </a:xfrm>
+          <a:prstGeom prst="rect">
+            <a:avLst/>
+          </a:prstGeom>
+          <a:noFill/>
+        </p:spPr>
+        <p:txBody>
+          <a:bodyPr wrap="none" rtlCol="0">
+            <a:spAutoFit/>
+          </a:bodyPr>
+          <a:lstStyle/>
+          <a:p>
+            <a:r>
+              <a:rPr lang="en-US" dirty="0"/>
+              <a:t>New Unit of Measure</a:t>
+            </a:r>
+          </a:p>
+        </p:txBody>
+      </p:sp>
+      <p:cxnSp>
+        <p:nvCxnSpPr>
+          <p:cNvPr id="16" name="Elbow Connector 15">
+            <a:extLst>
+              <a:ext uri="{FF2B5EF4-FFF2-40B4-BE49-F238E27FC236}">
+                <a16:creationId xmlns:a16="http://schemas.microsoft.com/office/drawing/2014/main" id="{BFB49807-8F2B-363B-D326-7A1D3C81F267}"/>
+              </a:ext>
+            </a:extLst>
+          </p:cNvPr>
+          <p:cNvCxnSpPr>
+            <a:cxnSpLocks/>
+            <a:stCxn id="13" idx="3"/>
+            <a:endCxn id="12" idx="3"/>
+          </p:cNvCxnSpPr>
+          <p:nvPr/>
+        </p:nvCxnSpPr>
+        <p:spPr>
+          <a:xfrm flipV="1">
+            <a:off x="6223489" y="2284291"/>
+            <a:ext cx="283924" cy="3215137"/>
+          </a:xfrm>
+          <a:prstGeom prst="bentConnector3">
+            <a:avLst>
+              <a:gd name="adj1" fmla="val 180515"/>
+            </a:avLst>
+          </a:prstGeom>
+          <a:ln>
+            <a:solidFill>
+              <a:schemeClr val="tx1"/>
+            </a:solidFill>
+            <a:headEnd type="none" w="med" len="med"/>
+            <a:tailEnd type="none" w="med" len="med"/>
+          </a:ln>
+        </p:spPr>
+        <p:style>
+          <a:lnRef idx="1">
+            <a:schemeClr val="accent1"/>
+          </a:lnRef>
+          <a:fillRef idx="0">
+            <a:schemeClr val="accent1"/>
+          </a:fillRef>
+          <a:effectRef idx="0">
+            <a:schemeClr val="accent1"/>
+          </a:effectRef>
+          <a:fontRef idx="minor">
+            <a:schemeClr val="tx1"/>
+          </a:fontRef>
+        </p:style>
+      </p:cxnSp>
+      <p:sp>
+        <p:nvSpPr>
+          <p:cNvPr id="2" name="TextBox 1">
+            <a:extLst>
+              <a:ext uri="{FF2B5EF4-FFF2-40B4-BE49-F238E27FC236}">
+                <a16:creationId xmlns:a16="http://schemas.microsoft.com/office/drawing/2014/main" id="{BA642D44-B31F-BE3A-6757-6CE3329038D0}"/>
+              </a:ext>
+            </a:extLst>
+          </p:cNvPr>
+          <p:cNvSpPr txBox="1"/>
+          <p:nvPr/>
+        </p:nvSpPr>
+        <p:spPr>
+          <a:xfrm>
+            <a:off x="3979926" y="1730293"/>
+            <a:ext cx="1637628" cy="369332"/>
+          </a:xfrm>
+          <a:prstGeom prst="rect">
+            <a:avLst/>
+          </a:prstGeom>
+          <a:noFill/>
+        </p:spPr>
+        <p:txBody>
+          <a:bodyPr wrap="none" rtlCol="0">
+            <a:spAutoFit/>
+          </a:bodyPr>
+          <a:lstStyle/>
+          <a:p>
+            <a:r>
+              <a:rPr lang="en-US" dirty="0"/>
+              <a:t>Existing Aspect</a:t>
+            </a:r>
+          </a:p>
+        </p:txBody>
+      </p:sp>
+      <p:sp>
+        <p:nvSpPr>
+          <p:cNvPr id="3" name="TextBox 2">
+            <a:extLst>
+              <a:ext uri="{FF2B5EF4-FFF2-40B4-BE49-F238E27FC236}">
+                <a16:creationId xmlns:a16="http://schemas.microsoft.com/office/drawing/2014/main" id="{A0C71A8C-5AFE-E3BD-B50C-651C04E554CF}"/>
+              </a:ext>
+            </a:extLst>
+          </p:cNvPr>
+          <p:cNvSpPr txBox="1"/>
+          <p:nvPr/>
+        </p:nvSpPr>
+        <p:spPr>
+          <a:xfrm>
+            <a:off x="3979926" y="4945430"/>
+            <a:ext cx="1300805" cy="369332"/>
+          </a:xfrm>
+          <a:prstGeom prst="rect">
+            <a:avLst/>
+          </a:prstGeom>
+          <a:noFill/>
+        </p:spPr>
+        <p:txBody>
+          <a:bodyPr wrap="none" rtlCol="0">
+            <a:spAutoFit/>
+          </a:bodyPr>
+          <a:lstStyle/>
+          <a:p>
+            <a:r>
+              <a:rPr lang="en-US" dirty="0"/>
+              <a:t>New Aspect</a:t>
+            </a:r>
+          </a:p>
+        </p:txBody>
+      </p:sp>
+      <p:cxnSp>
+        <p:nvCxnSpPr>
+          <p:cNvPr id="4" name="Elbow Connector 3">
+            <a:extLst>
+              <a:ext uri="{FF2B5EF4-FFF2-40B4-BE49-F238E27FC236}">
+                <a16:creationId xmlns:a16="http://schemas.microsoft.com/office/drawing/2014/main" id="{2D33CD75-A93E-A222-11E6-DEAB02FA38CD}"/>
+              </a:ext>
+            </a:extLst>
+          </p:cNvPr>
+          <p:cNvCxnSpPr>
+            <a:cxnSpLocks/>
+            <a:stCxn id="3" idx="3"/>
+            <a:endCxn id="2" idx="3"/>
+          </p:cNvCxnSpPr>
+          <p:nvPr/>
+        </p:nvCxnSpPr>
+        <p:spPr>
+          <a:xfrm flipV="1">
+            <a:off x="5280731" y="1914959"/>
+            <a:ext cx="336823" cy="3215137"/>
+          </a:xfrm>
+          <a:prstGeom prst="bentConnector3">
+            <a:avLst>
+              <a:gd name="adj1" fmla="val 536669"/>
+            </a:avLst>
+          </a:prstGeom>
+          <a:ln>
+            <a:solidFill>
+              <a:schemeClr val="tx1"/>
+            </a:solidFill>
+            <a:headEnd type="none" w="med" len="med"/>
+            <a:tailEnd type="none" w="med" len="med"/>
+          </a:ln>
+        </p:spPr>
+        <p:style>
+          <a:lnRef idx="1">
+            <a:schemeClr val="accent1"/>
+          </a:lnRef>
+          <a:fillRef idx="0">
+            <a:schemeClr val="accent1"/>
+          </a:fillRef>
+          <a:effectRef idx="0">
+            <a:schemeClr val="accent1"/>
+          </a:effectRef>
+          <a:fontRef idx="minor">
+            <a:schemeClr val="tx1"/>
+          </a:fontRef>
+        </p:style>
+      </p:cxnSp>
+      <p:sp>
+        <p:nvSpPr>
+          <p:cNvPr id="14" name="TextBox 13">
+            <a:extLst>
+              <a:ext uri="{FF2B5EF4-FFF2-40B4-BE49-F238E27FC236}">
+                <a16:creationId xmlns:a16="http://schemas.microsoft.com/office/drawing/2014/main" id="{E767D900-7F98-FF0D-7738-98524021ECC5}"/>
+              </a:ext>
+            </a:extLst>
+          </p:cNvPr>
+          <p:cNvSpPr txBox="1"/>
+          <p:nvPr/>
+        </p:nvSpPr>
+        <p:spPr>
+          <a:xfrm>
+            <a:off x="1546967" y="6171684"/>
+            <a:ext cx="7109831" cy="369332"/>
           </a:xfrm>
           <a:prstGeom prst="rect">
             <a:avLst/>
@@ -8653,17 +7607,177 @@
           <a:p>
             <a:r>
               <a:rPr lang="en-US" dirty="0"/>
-              <a:t>Uses previously-documented data mapping.</a:t>
-            </a:r>
-          </a:p>
-        </p:txBody>
-      </p:sp>
-      <p:sp>
-        <p:nvSpPr>
-          <p:cNvPr id="3" name="TextBox 2">
-            <a:extLst>
-              <a:ext uri="{FF2B5EF4-FFF2-40B4-BE49-F238E27FC236}">
-                <a16:creationId xmlns:a16="http://schemas.microsoft.com/office/drawing/2014/main" id="{242E8B55-0BA6-0CD7-D975-EB3E5B27694E}"/>
+              <a:t>Include this mapping in the queries </a:t>
+            </a:r>
+            <a:r>
+              <a:rPr lang="en-US" dirty="0" err="1"/>
+              <a:t>replaceUnits</a:t>
+            </a:r>
+            <a:r>
+              <a:rPr lang="en-US" dirty="0"/>
+              <a:t> and </a:t>
+            </a:r>
+            <a:r>
+              <a:rPr lang="en-US" dirty="0" err="1"/>
+              <a:t>insertAspects</a:t>
+            </a:r>
+            <a:r>
+              <a:rPr lang="en-US" dirty="0"/>
+              <a:t>[1-5].</a:t>
+            </a:r>
+          </a:p>
+        </p:txBody>
+      </p:sp>
+      <p:sp>
+        <p:nvSpPr>
+          <p:cNvPr id="10" name="Rectangle 9">
+            <a:extLst>
+              <a:ext uri="{FF2B5EF4-FFF2-40B4-BE49-F238E27FC236}">
+                <a16:creationId xmlns:a16="http://schemas.microsoft.com/office/drawing/2014/main" id="{077BD9AD-B567-6947-B0B5-44306AEBDAF1}"/>
+              </a:ext>
+            </a:extLst>
+          </p:cNvPr>
+          <p:cNvSpPr/>
+          <p:nvPr/>
+        </p:nvSpPr>
+        <p:spPr>
+          <a:xfrm>
+            <a:off x="8147222" y="412866"/>
+            <a:ext cx="3892378" cy="569386"/>
+          </a:xfrm>
+          <a:prstGeom prst="rect">
+            <a:avLst/>
+          </a:prstGeom>
+          <a:solidFill>
+            <a:schemeClr val="accent2">
+              <a:lumMod val="75000"/>
+            </a:schemeClr>
+          </a:solidFill>
+          <a:ln>
+            <a:noFill/>
+          </a:ln>
+        </p:spPr>
+        <p:style>
+          <a:lnRef idx="0">
+            <a:schemeClr val="accent5"/>
+          </a:lnRef>
+          <a:fillRef idx="3">
+            <a:schemeClr val="accent5"/>
+          </a:fillRef>
+          <a:effectRef idx="3">
+            <a:schemeClr val="accent5"/>
+          </a:effectRef>
+          <a:fontRef idx="minor">
+            <a:schemeClr val="lt1"/>
+          </a:fontRef>
+        </p:style>
+        <p:txBody>
+          <a:bodyPr rtlCol="0" anchor="ctr"/>
+          <a:lstStyle/>
+          <a:p>
+            <a:pPr algn="ctr"/>
+            <a:r>
+              <a:rPr lang="en-US" dirty="0"/>
+              <a:t>Load client reference data</a:t>
+            </a:r>
+          </a:p>
+        </p:txBody>
+      </p:sp>
+    </p:spTree>
+    <p:extLst>
+      <p:ext uri="{BB962C8B-B14F-4D97-AF65-F5344CB8AC3E}">
+        <p14:creationId xmlns:p14="http://schemas.microsoft.com/office/powerpoint/2010/main" val="210070733"/>
+      </p:ext>
+    </p:extLst>
+  </p:cSld>
+  <p:clrMapOvr>
+    <a:masterClrMapping/>
+  </p:clrMapOvr>
+</p:sld>
+</file>
+
+<file path=ppt/slides/slide16.xml><?xml version="1.0" encoding="utf-8"?>
+<p:sld xmlns:a="http://schemas.openxmlformats.org/drawingml/2006/main" xmlns:r="http://schemas.openxmlformats.org/officeDocument/2006/relationships" xmlns:p="http://schemas.openxmlformats.org/presentationml/2006/main">
+  <p:cSld>
+    <p:spTree>
+      <p:nvGrpSpPr>
+        <p:cNvPr id="1" name=""/>
+        <p:cNvGrpSpPr/>
+        <p:nvPr/>
+      </p:nvGrpSpPr>
+      <p:grpSpPr>
+        <a:xfrm>
+          <a:off x="0" y="0"/>
+          <a:ext cx="0" cy="0"/>
+          <a:chOff x="0" y="0"/>
+          <a:chExt cx="0" cy="0"/>
+        </a:xfrm>
+      </p:grpSpPr>
+      <p:sp>
+        <p:nvSpPr>
+          <p:cNvPr id="5" name="Rounded Rectangle 4">
+            <a:extLst>
+              <a:ext uri="{FF2B5EF4-FFF2-40B4-BE49-F238E27FC236}">
+                <a16:creationId xmlns:a16="http://schemas.microsoft.com/office/drawing/2014/main" id="{E47FCAC0-5175-A4AF-6D08-D84CF23FF73D}"/>
+              </a:ext>
+            </a:extLst>
+          </p:cNvPr>
+          <p:cNvSpPr/>
+          <p:nvPr/>
+        </p:nvSpPr>
+        <p:spPr>
+          <a:xfrm>
+            <a:off x="1536192" y="1487424"/>
+            <a:ext cx="2414016" cy="1328928"/>
+          </a:xfrm>
+          <a:prstGeom prst="roundRect">
+            <a:avLst/>
+          </a:prstGeom>
+          <a:noFill/>
+          <a:ln>
+            <a:solidFill>
+              <a:srgbClr val="0070C0"/>
+            </a:solidFill>
+          </a:ln>
+        </p:spPr>
+        <p:style>
+          <a:lnRef idx="2">
+            <a:schemeClr val="accent1">
+              <a:shade val="15000"/>
+            </a:schemeClr>
+          </a:lnRef>
+          <a:fillRef idx="1">
+            <a:schemeClr val="accent1"/>
+          </a:fillRef>
+          <a:effectRef idx="0">
+            <a:schemeClr val="accent1"/>
+          </a:effectRef>
+          <a:fontRef idx="minor">
+            <a:schemeClr val="lt1"/>
+          </a:fontRef>
+        </p:style>
+        <p:txBody>
+          <a:bodyPr rtlCol="0" anchor="ctr"/>
+          <a:lstStyle/>
+          <a:p>
+            <a:pPr algn="ctr"/>
+            <a:r>
+              <a:rPr lang="en-US" dirty="0">
+                <a:solidFill>
+                  <a:srgbClr val="0070C0"/>
+                </a:solidFill>
+              </a:rPr>
+              <a:t>Existing Client Data</a:t>
+            </a:r>
+          </a:p>
+        </p:txBody>
+      </p:sp>
+      <p:sp>
+        <p:nvSpPr>
+          <p:cNvPr id="7" name="TextBox 6">
+            <a:extLst>
+              <a:ext uri="{FF2B5EF4-FFF2-40B4-BE49-F238E27FC236}">
+                <a16:creationId xmlns:a16="http://schemas.microsoft.com/office/drawing/2014/main" id="{5260FD84-81AA-84AC-2B53-486691D9ECBA}"/>
               </a:ext>
             </a:extLst>
           </p:cNvPr>
@@ -8672,8 +7786,8 @@
         </p:nvSpPr>
         <p:spPr>
           <a:xfrm>
-            <a:off x="4057236" y="3563404"/>
-            <a:ext cx="1709314" cy="369332"/>
+            <a:off x="621792" y="430506"/>
+            <a:ext cx="7513403" cy="523220"/>
           </a:xfrm>
           <a:prstGeom prst="rect">
             <a:avLst/>
@@ -8687,53 +7801,18 @@
           <a:lstStyle/>
           <a:p>
             <a:r>
-              <a:rPr lang="en-US" dirty="0"/>
-              <a:t>Unit of Measure</a:t>
-            </a:r>
-          </a:p>
-        </p:txBody>
-      </p:sp>
-      <p:sp>
-        <p:nvSpPr>
-          <p:cNvPr id="4" name="TextBox 3">
-            <a:extLst>
-              <a:ext uri="{FF2B5EF4-FFF2-40B4-BE49-F238E27FC236}">
-                <a16:creationId xmlns:a16="http://schemas.microsoft.com/office/drawing/2014/main" id="{53F94C50-F6E6-5440-6A4C-FB6E662953A4}"/>
-              </a:ext>
-            </a:extLst>
-          </p:cNvPr>
-          <p:cNvSpPr txBox="1"/>
-          <p:nvPr/>
-        </p:nvSpPr>
-        <p:spPr>
-          <a:xfrm>
-            <a:off x="621792" y="430506"/>
-            <a:ext cx="5762988" cy="523220"/>
-          </a:xfrm>
-          <a:prstGeom prst="rect">
-            <a:avLst/>
-          </a:prstGeom>
-          <a:noFill/>
-        </p:spPr>
-        <p:txBody>
-          <a:bodyPr wrap="none" rtlCol="0">
-            <a:spAutoFit/>
-          </a:bodyPr>
-          <a:lstStyle/>
-          <a:p>
-            <a:r>
               <a:rPr lang="en-US" sz="2800" dirty="0"/>
-              <a:t>Replace old client units with new ones</a:t>
-            </a:r>
-          </a:p>
-        </p:txBody>
-      </p:sp>
-      <p:sp>
-        <p:nvSpPr>
-          <p:cNvPr id="15" name="Slide Number Placeholder 14">
-            <a:extLst>
-              <a:ext uri="{FF2B5EF4-FFF2-40B4-BE49-F238E27FC236}">
-                <a16:creationId xmlns:a16="http://schemas.microsoft.com/office/drawing/2014/main" id="{7633DEB5-6218-F703-8466-18F5788CB085}"/>
+              <a:t>Replace old version of gist with new version of gist</a:t>
+            </a:r>
+          </a:p>
+        </p:txBody>
+      </p:sp>
+      <p:sp>
+        <p:nvSpPr>
+          <p:cNvPr id="6" name="Slide Number Placeholder 5">
+            <a:extLst>
+              <a:ext uri="{FF2B5EF4-FFF2-40B4-BE49-F238E27FC236}">
+                <a16:creationId xmlns:a16="http://schemas.microsoft.com/office/drawing/2014/main" id="{40CD3793-B7FE-5131-D0E8-583595E532A1}"/>
               </a:ext>
             </a:extLst>
           </p:cNvPr>
@@ -8751,7 +7830,561 @@
           <a:p>
             <a:fld id="{DFC5857C-79A0-744F-8800-F0AD89C321B2}" type="slidenum">
               <a:rPr lang="en-US" smtClean="0"/>
-              <a:t>18</a:t>
+              <a:t>16</a:t>
+            </a:fld>
+            <a:endParaRPr lang="en-US"/>
+          </a:p>
+        </p:txBody>
+      </p:sp>
+      <p:sp>
+        <p:nvSpPr>
+          <p:cNvPr id="2" name="TextBox 1">
+            <a:extLst>
+              <a:ext uri="{FF2B5EF4-FFF2-40B4-BE49-F238E27FC236}">
+                <a16:creationId xmlns:a16="http://schemas.microsoft.com/office/drawing/2014/main" id="{61859457-B759-2B8C-D1FA-186F704606AC}"/>
+              </a:ext>
+            </a:extLst>
+          </p:cNvPr>
+          <p:cNvSpPr txBox="1"/>
+          <p:nvPr/>
+        </p:nvSpPr>
+        <p:spPr>
+          <a:xfrm>
+            <a:off x="4179898" y="3170950"/>
+            <a:ext cx="1094210" cy="369332"/>
+          </a:xfrm>
+          <a:prstGeom prst="rect">
+            <a:avLst/>
+          </a:prstGeom>
+          <a:noFill/>
+        </p:spPr>
+        <p:txBody>
+          <a:bodyPr wrap="none" rtlCol="0">
+            <a:spAutoFit/>
+          </a:bodyPr>
+          <a:lstStyle/>
+          <a:p>
+            <a:pPr algn="ctr"/>
+            <a:r>
+              <a:rPr lang="en-US" dirty="0"/>
+              <a:t>gist12.1.0</a:t>
+            </a:r>
+          </a:p>
+        </p:txBody>
+      </p:sp>
+      <p:sp>
+        <p:nvSpPr>
+          <p:cNvPr id="3" name="TextBox 2">
+            <a:extLst>
+              <a:ext uri="{FF2B5EF4-FFF2-40B4-BE49-F238E27FC236}">
+                <a16:creationId xmlns:a16="http://schemas.microsoft.com/office/drawing/2014/main" id="{99CE82E7-1DD0-800F-B15E-8CFEF1064661}"/>
+              </a:ext>
+            </a:extLst>
+          </p:cNvPr>
+          <p:cNvSpPr txBox="1"/>
+          <p:nvPr/>
+        </p:nvSpPr>
+        <p:spPr>
+          <a:xfrm>
+            <a:off x="6756610" y="3170950"/>
+            <a:ext cx="744755" cy="369332"/>
+          </a:xfrm>
+          <a:prstGeom prst="rect">
+            <a:avLst/>
+          </a:prstGeom>
+          <a:noFill/>
+        </p:spPr>
+        <p:txBody>
+          <a:bodyPr wrap="none" rtlCol="0">
+            <a:spAutoFit/>
+          </a:bodyPr>
+          <a:lstStyle/>
+          <a:p>
+            <a:pPr algn="ctr"/>
+            <a:r>
+              <a:rPr lang="en-US" dirty="0"/>
+              <a:t>gist13</a:t>
+            </a:r>
+          </a:p>
+        </p:txBody>
+      </p:sp>
+      <p:sp>
+        <p:nvSpPr>
+          <p:cNvPr id="4" name="Down Arrow 3">
+            <a:extLst>
+              <a:ext uri="{FF2B5EF4-FFF2-40B4-BE49-F238E27FC236}">
+                <a16:creationId xmlns:a16="http://schemas.microsoft.com/office/drawing/2014/main" id="{FE6876FE-A760-D79A-CBCF-1734B2277721}"/>
+              </a:ext>
+            </a:extLst>
+          </p:cNvPr>
+          <p:cNvSpPr/>
+          <p:nvPr/>
+        </p:nvSpPr>
+        <p:spPr>
+          <a:xfrm rot="16200000">
+            <a:off x="5442335" y="3087393"/>
+            <a:ext cx="1146048" cy="536448"/>
+          </a:xfrm>
+          <a:prstGeom prst="downArrow">
+            <a:avLst/>
+          </a:prstGeom>
+          <a:ln>
+            <a:noFill/>
+          </a:ln>
+        </p:spPr>
+        <p:style>
+          <a:lnRef idx="2">
+            <a:schemeClr val="accent1">
+              <a:shade val="15000"/>
+            </a:schemeClr>
+          </a:lnRef>
+          <a:fillRef idx="1">
+            <a:schemeClr val="accent1"/>
+          </a:fillRef>
+          <a:effectRef idx="0">
+            <a:schemeClr val="accent1"/>
+          </a:effectRef>
+          <a:fontRef idx="minor">
+            <a:schemeClr val="lt1"/>
+          </a:fontRef>
+        </p:style>
+        <p:txBody>
+          <a:bodyPr rtlCol="0" anchor="ctr"/>
+          <a:lstStyle/>
+          <a:p>
+            <a:pPr algn="ctr"/>
+            <a:endParaRPr lang="en-US"/>
+          </a:p>
+        </p:txBody>
+      </p:sp>
+      <p:sp>
+        <p:nvSpPr>
+          <p:cNvPr id="10" name="TextBox 9">
+            <a:extLst>
+              <a:ext uri="{FF2B5EF4-FFF2-40B4-BE49-F238E27FC236}">
+                <a16:creationId xmlns:a16="http://schemas.microsoft.com/office/drawing/2014/main" id="{DCCAC269-5808-3926-30B9-F0317983D64D}"/>
+              </a:ext>
+            </a:extLst>
+          </p:cNvPr>
+          <p:cNvSpPr txBox="1"/>
+          <p:nvPr/>
+        </p:nvSpPr>
+        <p:spPr>
+          <a:xfrm>
+            <a:off x="4179898" y="4186676"/>
+            <a:ext cx="6143477" cy="369332"/>
+          </a:xfrm>
+          <a:prstGeom prst="rect">
+            <a:avLst/>
+          </a:prstGeom>
+          <a:noFill/>
+        </p:spPr>
+        <p:txBody>
+          <a:bodyPr wrap="none" rtlCol="0">
+            <a:spAutoFit/>
+          </a:bodyPr>
+          <a:lstStyle/>
+          <a:p>
+            <a:r>
+              <a:rPr lang="en-US" dirty="0"/>
+              <a:t>Add prefix </a:t>
+            </a:r>
+            <a:r>
+              <a:rPr lang="en-US" dirty="0" err="1"/>
+              <a:t>gistd</a:t>
+            </a:r>
+            <a:r>
+              <a:rPr lang="en-US" dirty="0"/>
+              <a:t>: </a:t>
+            </a:r>
+            <a:r>
+              <a:rPr lang="en-US" b="0" i="0" dirty="0">
+                <a:solidFill>
+                  <a:srgbClr val="000000"/>
+                </a:solidFill>
+                <a:effectLst/>
+                <a:highlight>
+                  <a:srgbClr val="FFFFFF"/>
+                </a:highlight>
+              </a:rPr>
+              <a:t>&lt;https://w3id.org/</a:t>
+            </a:r>
+            <a:r>
+              <a:rPr lang="en-US" b="0" i="0" dirty="0" err="1">
+                <a:solidFill>
+                  <a:srgbClr val="000000"/>
+                </a:solidFill>
+                <a:effectLst/>
+                <a:highlight>
+                  <a:srgbClr val="FFFFFF"/>
+                </a:highlight>
+              </a:rPr>
+              <a:t>semanticarts</a:t>
+            </a:r>
+            <a:r>
+              <a:rPr lang="en-US" b="0" i="0" dirty="0">
+                <a:solidFill>
+                  <a:srgbClr val="000000"/>
+                </a:solidFill>
+                <a:effectLst/>
+                <a:highlight>
+                  <a:srgbClr val="FFFFFF"/>
+                </a:highlight>
+              </a:rPr>
+              <a:t>/ns/data/gist/&gt;</a:t>
+            </a:r>
+            <a:endParaRPr lang="en-US" dirty="0"/>
+          </a:p>
+        </p:txBody>
+      </p:sp>
+      <p:sp>
+        <p:nvSpPr>
+          <p:cNvPr id="11" name="Rectangle 10">
+            <a:extLst>
+              <a:ext uri="{FF2B5EF4-FFF2-40B4-BE49-F238E27FC236}">
+                <a16:creationId xmlns:a16="http://schemas.microsoft.com/office/drawing/2014/main" id="{659663AC-F9F0-F345-C75C-C21955FFFCF3}"/>
+              </a:ext>
+            </a:extLst>
+          </p:cNvPr>
+          <p:cNvSpPr/>
+          <p:nvPr/>
+        </p:nvSpPr>
+        <p:spPr>
+          <a:xfrm>
+            <a:off x="8147222" y="412866"/>
+            <a:ext cx="3892378" cy="569386"/>
+          </a:xfrm>
+          <a:prstGeom prst="rect">
+            <a:avLst/>
+          </a:prstGeom>
+          <a:solidFill>
+            <a:schemeClr val="accent2">
+              <a:lumMod val="75000"/>
+            </a:schemeClr>
+          </a:solidFill>
+          <a:ln>
+            <a:noFill/>
+          </a:ln>
+        </p:spPr>
+        <p:style>
+          <a:lnRef idx="0">
+            <a:schemeClr val="accent5"/>
+          </a:lnRef>
+          <a:fillRef idx="3">
+            <a:schemeClr val="accent5"/>
+          </a:fillRef>
+          <a:effectRef idx="3">
+            <a:schemeClr val="accent5"/>
+          </a:effectRef>
+          <a:fontRef idx="minor">
+            <a:schemeClr val="lt1"/>
+          </a:fontRef>
+        </p:style>
+        <p:txBody>
+          <a:bodyPr rtlCol="0" anchor="ctr"/>
+          <a:lstStyle/>
+          <a:p>
+            <a:pPr algn="ctr"/>
+            <a:r>
+              <a:rPr lang="en-US" dirty="0"/>
+              <a:t>Load client reference data</a:t>
+            </a:r>
+          </a:p>
+        </p:txBody>
+      </p:sp>
+    </p:spTree>
+    <p:extLst>
+      <p:ext uri="{BB962C8B-B14F-4D97-AF65-F5344CB8AC3E}">
+        <p14:creationId xmlns:p14="http://schemas.microsoft.com/office/powerpoint/2010/main" val="1412413531"/>
+      </p:ext>
+    </p:extLst>
+  </p:cSld>
+  <p:clrMapOvr>
+    <a:masterClrMapping/>
+  </p:clrMapOvr>
+</p:sld>
+</file>
+
+<file path=ppt/slides/slide17.xml><?xml version="1.0" encoding="utf-8"?>
+<p:sld xmlns:a="http://schemas.openxmlformats.org/drawingml/2006/main" xmlns:r="http://schemas.openxmlformats.org/officeDocument/2006/relationships" xmlns:p="http://schemas.openxmlformats.org/presentationml/2006/main">
+  <p:cSld>
+    <p:spTree>
+      <p:nvGrpSpPr>
+        <p:cNvPr id="1" name=""/>
+        <p:cNvGrpSpPr/>
+        <p:nvPr/>
+      </p:nvGrpSpPr>
+      <p:grpSpPr>
+        <a:xfrm>
+          <a:off x="0" y="0"/>
+          <a:ext cx="0" cy="0"/>
+          <a:chOff x="0" y="0"/>
+          <a:chExt cx="0" cy="0"/>
+        </a:xfrm>
+      </p:grpSpPr>
+      <p:sp>
+        <p:nvSpPr>
+          <p:cNvPr id="5" name="Rounded Rectangle 4">
+            <a:extLst>
+              <a:ext uri="{FF2B5EF4-FFF2-40B4-BE49-F238E27FC236}">
+                <a16:creationId xmlns:a16="http://schemas.microsoft.com/office/drawing/2014/main" id="{E47FCAC0-5175-A4AF-6D08-D84CF23FF73D}"/>
+              </a:ext>
+            </a:extLst>
+          </p:cNvPr>
+          <p:cNvSpPr/>
+          <p:nvPr/>
+        </p:nvSpPr>
+        <p:spPr>
+          <a:xfrm>
+            <a:off x="1536192" y="1487424"/>
+            <a:ext cx="2414016" cy="1328928"/>
+          </a:xfrm>
+          <a:prstGeom prst="roundRect">
+            <a:avLst/>
+          </a:prstGeom>
+          <a:noFill/>
+          <a:ln>
+            <a:solidFill>
+              <a:srgbClr val="0070C0"/>
+            </a:solidFill>
+          </a:ln>
+        </p:spPr>
+        <p:style>
+          <a:lnRef idx="2">
+            <a:schemeClr val="accent1">
+              <a:shade val="15000"/>
+            </a:schemeClr>
+          </a:lnRef>
+          <a:fillRef idx="1">
+            <a:schemeClr val="accent1"/>
+          </a:fillRef>
+          <a:effectRef idx="0">
+            <a:schemeClr val="accent1"/>
+          </a:effectRef>
+          <a:fontRef idx="minor">
+            <a:schemeClr val="lt1"/>
+          </a:fontRef>
+        </p:style>
+        <p:txBody>
+          <a:bodyPr rtlCol="0" anchor="ctr"/>
+          <a:lstStyle/>
+          <a:p>
+            <a:pPr algn="ctr"/>
+            <a:r>
+              <a:rPr lang="en-US" dirty="0">
+                <a:solidFill>
+                  <a:srgbClr val="0070C0"/>
+                </a:solidFill>
+              </a:rPr>
+              <a:t>Existing Client Data</a:t>
+            </a:r>
+          </a:p>
+        </p:txBody>
+      </p:sp>
+      <p:sp>
+        <p:nvSpPr>
+          <p:cNvPr id="6" name="Rounded Rectangle 5">
+            <a:extLst>
+              <a:ext uri="{FF2B5EF4-FFF2-40B4-BE49-F238E27FC236}">
+                <a16:creationId xmlns:a16="http://schemas.microsoft.com/office/drawing/2014/main" id="{D5B46562-BBEE-09AA-DDD5-33286BE91F6F}"/>
+              </a:ext>
+            </a:extLst>
+          </p:cNvPr>
+          <p:cNvSpPr/>
+          <p:nvPr/>
+        </p:nvSpPr>
+        <p:spPr>
+          <a:xfrm>
+            <a:off x="1536192" y="3041904"/>
+            <a:ext cx="2414016" cy="1328928"/>
+          </a:xfrm>
+          <a:prstGeom prst="roundRect">
+            <a:avLst/>
+          </a:prstGeom>
+          <a:noFill/>
+          <a:ln>
+            <a:solidFill>
+              <a:srgbClr val="0070C0"/>
+            </a:solidFill>
+          </a:ln>
+        </p:spPr>
+        <p:style>
+          <a:lnRef idx="2">
+            <a:schemeClr val="accent1">
+              <a:shade val="15000"/>
+            </a:schemeClr>
+          </a:lnRef>
+          <a:fillRef idx="1">
+            <a:schemeClr val="accent1"/>
+          </a:fillRef>
+          <a:effectRef idx="0">
+            <a:schemeClr val="accent1"/>
+          </a:effectRef>
+          <a:fontRef idx="minor">
+            <a:schemeClr val="lt1"/>
+          </a:fontRef>
+        </p:style>
+        <p:txBody>
+          <a:bodyPr rtlCol="0" anchor="ctr"/>
+          <a:lstStyle/>
+          <a:p>
+            <a:pPr algn="ctr"/>
+            <a:r>
+              <a:rPr lang="en-US" dirty="0">
+                <a:solidFill>
+                  <a:srgbClr val="0070C0"/>
+                </a:solidFill>
+              </a:rPr>
+              <a:t>Client Unit of Measure</a:t>
+            </a:r>
+          </a:p>
+          <a:p>
+            <a:pPr algn="ctr"/>
+            <a:r>
+              <a:rPr lang="en-US" dirty="0">
+                <a:solidFill>
+                  <a:srgbClr val="0070C0"/>
+                </a:solidFill>
+              </a:rPr>
+              <a:t>Reference Data</a:t>
+            </a:r>
+          </a:p>
+        </p:txBody>
+      </p:sp>
+      <p:sp>
+        <p:nvSpPr>
+          <p:cNvPr id="8" name="TextBox 7">
+            <a:extLst>
+              <a:ext uri="{FF2B5EF4-FFF2-40B4-BE49-F238E27FC236}">
+                <a16:creationId xmlns:a16="http://schemas.microsoft.com/office/drawing/2014/main" id="{C530A4E4-A9F9-8FEB-9E6B-91F59B661049}"/>
+              </a:ext>
+            </a:extLst>
+          </p:cNvPr>
+          <p:cNvSpPr txBox="1"/>
+          <p:nvPr/>
+        </p:nvSpPr>
+        <p:spPr>
+          <a:xfrm>
+            <a:off x="6125362" y="1487424"/>
+            <a:ext cx="4301627" cy="369332"/>
+          </a:xfrm>
+          <a:prstGeom prst="rect">
+            <a:avLst/>
+          </a:prstGeom>
+          <a:solidFill>
+            <a:schemeClr val="accent6">
+              <a:lumMod val="20000"/>
+              <a:lumOff val="80000"/>
+            </a:schemeClr>
+          </a:solidFill>
+        </p:spPr>
+        <p:txBody>
+          <a:bodyPr wrap="none" rtlCol="0">
+            <a:spAutoFit/>
+          </a:bodyPr>
+          <a:lstStyle/>
+          <a:p>
+            <a:r>
+              <a:rPr lang="en-US" dirty="0"/>
+              <a:t>Uses previously-documented data mapping.</a:t>
+            </a:r>
+          </a:p>
+        </p:txBody>
+      </p:sp>
+      <p:sp>
+        <p:nvSpPr>
+          <p:cNvPr id="3" name="TextBox 2">
+            <a:extLst>
+              <a:ext uri="{FF2B5EF4-FFF2-40B4-BE49-F238E27FC236}">
+                <a16:creationId xmlns:a16="http://schemas.microsoft.com/office/drawing/2014/main" id="{242E8B55-0BA6-0CD7-D975-EB3E5B27694E}"/>
+              </a:ext>
+            </a:extLst>
+          </p:cNvPr>
+          <p:cNvSpPr txBox="1"/>
+          <p:nvPr/>
+        </p:nvSpPr>
+        <p:spPr>
+          <a:xfrm>
+            <a:off x="4057236" y="3563404"/>
+            <a:ext cx="1709314" cy="369332"/>
+          </a:xfrm>
+          <a:prstGeom prst="rect">
+            <a:avLst/>
+          </a:prstGeom>
+          <a:noFill/>
+        </p:spPr>
+        <p:txBody>
+          <a:bodyPr wrap="none" rtlCol="0">
+            <a:spAutoFit/>
+          </a:bodyPr>
+          <a:lstStyle/>
+          <a:p>
+            <a:r>
+              <a:rPr lang="en-US" dirty="0"/>
+              <a:t>Unit of Measure</a:t>
+            </a:r>
+          </a:p>
+        </p:txBody>
+      </p:sp>
+      <p:sp>
+        <p:nvSpPr>
+          <p:cNvPr id="4" name="TextBox 3">
+            <a:extLst>
+              <a:ext uri="{FF2B5EF4-FFF2-40B4-BE49-F238E27FC236}">
+                <a16:creationId xmlns:a16="http://schemas.microsoft.com/office/drawing/2014/main" id="{53F94C50-F6E6-5440-6A4C-FB6E662953A4}"/>
+              </a:ext>
+            </a:extLst>
+          </p:cNvPr>
+          <p:cNvSpPr txBox="1"/>
+          <p:nvPr/>
+        </p:nvSpPr>
+        <p:spPr>
+          <a:xfrm>
+            <a:off x="621792" y="430506"/>
+            <a:ext cx="5762988" cy="523220"/>
+          </a:xfrm>
+          <a:prstGeom prst="rect">
+            <a:avLst/>
+          </a:prstGeom>
+          <a:noFill/>
+        </p:spPr>
+        <p:txBody>
+          <a:bodyPr wrap="none" rtlCol="0">
+            <a:spAutoFit/>
+          </a:bodyPr>
+          <a:lstStyle/>
+          <a:p>
+            <a:r>
+              <a:rPr lang="en-US" sz="2800" dirty="0"/>
+              <a:t>Replace old client units with new ones</a:t>
+            </a:r>
+          </a:p>
+        </p:txBody>
+      </p:sp>
+      <p:sp>
+        <p:nvSpPr>
+          <p:cNvPr id="15" name="Slide Number Placeholder 14">
+            <a:extLst>
+              <a:ext uri="{FF2B5EF4-FFF2-40B4-BE49-F238E27FC236}">
+                <a16:creationId xmlns:a16="http://schemas.microsoft.com/office/drawing/2014/main" id="{7633DEB5-6218-F703-8466-18F5788CB085}"/>
+              </a:ext>
+            </a:extLst>
+          </p:cNvPr>
+          <p:cNvSpPr>
+            <a:spLocks noGrp="1"/>
+          </p:cNvSpPr>
+          <p:nvPr>
+            <p:ph type="sldNum" sz="quarter" idx="12"/>
+          </p:nvPr>
+        </p:nvSpPr>
+        <p:spPr/>
+        <p:txBody>
+          <a:bodyPr/>
+          <a:lstStyle/>
+          <a:p>
+            <a:fld id="{DFC5857C-79A0-744F-8800-F0AD89C321B2}" type="slidenum">
+              <a:rPr lang="en-US" smtClean="0"/>
+              <a:t>17</a:t>
             </a:fld>
             <a:endParaRPr lang="en-US"/>
           </a:p>
@@ -9332,7 +8965,7 @@
 </p:sld>
 </file>
 
-<file path=ppt/slides/slide19.xml><?xml version="1.0" encoding="utf-8"?>
+<file path=ppt/slides/slide18.xml><?xml version="1.0" encoding="utf-8"?>
 <p:sld xmlns:a="http://schemas.openxmlformats.org/drawingml/2006/main" xmlns:r="http://schemas.openxmlformats.org/officeDocument/2006/relationships" xmlns:p="http://schemas.openxmlformats.org/presentationml/2006/main">
   <p:cSld>
     <p:spTree>
@@ -9407,7 +9040,7 @@
           <a:p>
             <a:fld id="{DFC5857C-79A0-744F-8800-F0AD89C321B2}" type="slidenum">
               <a:rPr lang="en-US" smtClean="0"/>
-              <a:t>19</a:t>
+              <a:t>18</a:t>
             </a:fld>
             <a:endParaRPr lang="en-US"/>
           </a:p>
@@ -10348,7 +9981,7 @@
 </p:sld>
 </file>
 
-<file path=ppt/slides/slide2.xml><?xml version="1.0" encoding="utf-8"?>
+<file path=ppt/slides/slide19.xml><?xml version="1.0" encoding="utf-8"?>
 <p:sld xmlns:a="http://schemas.openxmlformats.org/drawingml/2006/main" xmlns:r="http://schemas.openxmlformats.org/officeDocument/2006/relationships" xmlns:p="http://schemas.openxmlformats.org/presentationml/2006/main">
   <p:cSld>
     <p:spTree>
@@ -10367,471 +10000,6 @@
       </p:grpSpPr>
       <p:sp>
         <p:nvSpPr>
-          <p:cNvPr id="7" name="TextBox 6">
-            <a:extLst>
-              <a:ext uri="{FF2B5EF4-FFF2-40B4-BE49-F238E27FC236}">
-                <a16:creationId xmlns:a16="http://schemas.microsoft.com/office/drawing/2014/main" id="{5260FD84-81AA-84AC-2B53-486691D9ECBA}"/>
-              </a:ext>
-            </a:extLst>
-          </p:cNvPr>
-          <p:cNvSpPr txBox="1"/>
-          <p:nvPr/>
-        </p:nvSpPr>
-        <p:spPr>
-          <a:xfrm>
-            <a:off x="621792" y="430506"/>
-            <a:ext cx="1968809" cy="523220"/>
-          </a:xfrm>
-          <a:prstGeom prst="rect">
-            <a:avLst/>
-          </a:prstGeom>
-          <a:noFill/>
-        </p:spPr>
-        <p:txBody>
-          <a:bodyPr wrap="none" rtlCol="0">
-            <a:spAutoFit/>
-          </a:bodyPr>
-          <a:lstStyle/>
-          <a:p>
-            <a:r>
-              <a:rPr lang="en-US" sz="2800" dirty="0"/>
-              <a:t>In a nutshell</a:t>
-            </a:r>
-          </a:p>
-        </p:txBody>
-      </p:sp>
-      <p:sp>
-        <p:nvSpPr>
-          <p:cNvPr id="8" name="Slide Number Placeholder 7">
-            <a:extLst>
-              <a:ext uri="{FF2B5EF4-FFF2-40B4-BE49-F238E27FC236}">
-                <a16:creationId xmlns:a16="http://schemas.microsoft.com/office/drawing/2014/main" id="{3ECFB31D-48CE-7B5D-0F2F-1F1FCDBDF382}"/>
-              </a:ext>
-            </a:extLst>
-          </p:cNvPr>
-          <p:cNvSpPr>
-            <a:spLocks noGrp="1"/>
-          </p:cNvSpPr>
-          <p:nvPr>
-            <p:ph type="sldNum" sz="quarter" idx="12"/>
-          </p:nvPr>
-        </p:nvSpPr>
-        <p:spPr/>
-        <p:txBody>
-          <a:bodyPr/>
-          <a:lstStyle/>
-          <a:p>
-            <a:fld id="{DFC5857C-79A0-744F-8800-F0AD89C321B2}" type="slidenum">
-              <a:rPr lang="en-US" smtClean="0"/>
-              <a:t>2</a:t>
-            </a:fld>
-            <a:endParaRPr lang="en-US"/>
-          </a:p>
-        </p:txBody>
-      </p:sp>
-      <p:sp>
-        <p:nvSpPr>
-          <p:cNvPr id="3" name="TextBox 2">
-            <a:extLst>
-              <a:ext uri="{FF2B5EF4-FFF2-40B4-BE49-F238E27FC236}">
-                <a16:creationId xmlns:a16="http://schemas.microsoft.com/office/drawing/2014/main" id="{648F2C81-D141-1387-470C-7AA6A9BB60F9}"/>
-              </a:ext>
-            </a:extLst>
-          </p:cNvPr>
-          <p:cNvSpPr txBox="1"/>
-          <p:nvPr/>
-        </p:nvSpPr>
-        <p:spPr>
-          <a:xfrm>
-            <a:off x="621792" y="1235676"/>
-            <a:ext cx="9387635" cy="369332"/>
-          </a:xfrm>
-          <a:prstGeom prst="rect">
-            <a:avLst/>
-          </a:prstGeom>
-          <a:noFill/>
-        </p:spPr>
-        <p:txBody>
-          <a:bodyPr wrap="none" rtlCol="0">
-            <a:spAutoFit/>
-          </a:bodyPr>
-          <a:lstStyle/>
-          <a:p>
-            <a:r>
-              <a:rPr lang="en-US" dirty="0"/>
-              <a:t>The main objective is to use the new pattern for magnitudes, with standardized units of measure.</a:t>
-            </a:r>
-          </a:p>
-        </p:txBody>
-      </p:sp>
-      <p:pic>
-        <p:nvPicPr>
-          <p:cNvPr id="1026" name="Picture 2">
-            <a:extLst>
-              <a:ext uri="{FF2B5EF4-FFF2-40B4-BE49-F238E27FC236}">
-                <a16:creationId xmlns:a16="http://schemas.microsoft.com/office/drawing/2014/main" id="{C873F613-31D0-8ACD-C857-4717BFDDD07F}"/>
-              </a:ext>
-            </a:extLst>
-          </p:cNvPr>
-          <p:cNvPicPr>
-            <a:picLocks noChangeAspect="1" noChangeArrowheads="1"/>
-          </p:cNvPicPr>
-          <p:nvPr/>
-        </p:nvPicPr>
-        <p:blipFill>
-          <a:blip r:embed="rId2">
-            <a:extLst>
-              <a:ext uri="{28A0092B-C50C-407E-A947-70E740481C1C}">
-                <a14:useLocalDpi xmlns:a14="http://schemas.microsoft.com/office/drawing/2010/main" val="0"/>
-              </a:ext>
-            </a:extLst>
-          </a:blip>
-          <a:srcRect/>
-          <a:stretch>
-            <a:fillRect/>
-          </a:stretch>
-        </p:blipFill>
-        <p:spPr bwMode="auto">
-          <a:xfrm>
-            <a:off x="1218399" y="2582338"/>
-            <a:ext cx="5751768" cy="2161406"/>
-          </a:xfrm>
-          <a:prstGeom prst="rect">
-            <a:avLst/>
-          </a:prstGeom>
-          <a:noFill/>
-          <a:extLst>
-            <a:ext uri="{909E8E84-426E-40DD-AFC4-6F175D3DCCD1}">
-              <a14:hiddenFill xmlns:a14="http://schemas.microsoft.com/office/drawing/2010/main">
-                <a:solidFill>
-                  <a:srgbClr val="FFFFFF"/>
-                </a:solidFill>
-              </a14:hiddenFill>
-            </a:ext>
-          </a:extLst>
-        </p:spPr>
-      </p:pic>
-      <p:sp>
-        <p:nvSpPr>
-          <p:cNvPr id="4" name="TextBox 3">
-            <a:extLst>
-              <a:ext uri="{FF2B5EF4-FFF2-40B4-BE49-F238E27FC236}">
-                <a16:creationId xmlns:a16="http://schemas.microsoft.com/office/drawing/2014/main" id="{F89BBD44-922C-2D3E-6BDD-06DBA10EBA1E}"/>
-              </a:ext>
-            </a:extLst>
-          </p:cNvPr>
-          <p:cNvSpPr txBox="1"/>
-          <p:nvPr/>
-        </p:nvSpPr>
-        <p:spPr>
-          <a:xfrm>
-            <a:off x="7093404" y="2671790"/>
-            <a:ext cx="1971886" cy="369332"/>
-          </a:xfrm>
-          <a:prstGeom prst="rect">
-            <a:avLst/>
-          </a:prstGeom>
-          <a:noFill/>
-        </p:spPr>
-        <p:txBody>
-          <a:bodyPr wrap="none" rtlCol="0">
-            <a:spAutoFit/>
-          </a:bodyPr>
-          <a:lstStyle/>
-          <a:p>
-            <a:r>
-              <a:rPr lang="en-US" dirty="0" err="1">
-                <a:solidFill>
-                  <a:srgbClr val="0070C0"/>
-                </a:solidFill>
-              </a:rPr>
-              <a:t>gistd</a:t>
-            </a:r>
-            <a:r>
-              <a:rPr lang="en-US" dirty="0">
-                <a:solidFill>
-                  <a:srgbClr val="0070C0"/>
-                </a:solidFill>
-              </a:rPr>
-              <a:t>:_</a:t>
-            </a:r>
-            <a:r>
-              <a:rPr lang="en-US" dirty="0" err="1">
-                <a:solidFill>
-                  <a:srgbClr val="0070C0"/>
-                </a:solidFill>
-              </a:rPr>
-              <a:t>Aspect_area</a:t>
-            </a:r>
-            <a:endParaRPr lang="en-US" dirty="0">
-              <a:solidFill>
-                <a:srgbClr val="0070C0"/>
-              </a:solidFill>
-            </a:endParaRPr>
-          </a:p>
-        </p:txBody>
-      </p:sp>
-      <p:sp>
-        <p:nvSpPr>
-          <p:cNvPr id="5" name="TextBox 4">
-            <a:extLst>
-              <a:ext uri="{FF2B5EF4-FFF2-40B4-BE49-F238E27FC236}">
-                <a16:creationId xmlns:a16="http://schemas.microsoft.com/office/drawing/2014/main" id="{3A3A5F6F-56A3-382C-43C1-9DC18AEBDC77}"/>
-              </a:ext>
-            </a:extLst>
-          </p:cNvPr>
-          <p:cNvSpPr txBox="1"/>
-          <p:nvPr/>
-        </p:nvSpPr>
-        <p:spPr>
-          <a:xfrm>
-            <a:off x="7076661" y="3462291"/>
-            <a:ext cx="3510898" cy="369332"/>
-          </a:xfrm>
-          <a:prstGeom prst="rect">
-            <a:avLst/>
-          </a:prstGeom>
-          <a:noFill/>
-        </p:spPr>
-        <p:txBody>
-          <a:bodyPr wrap="none" rtlCol="0">
-            <a:spAutoFit/>
-          </a:bodyPr>
-          <a:lstStyle/>
-          <a:p>
-            <a:r>
-              <a:rPr lang="en-US" dirty="0" err="1">
-                <a:solidFill>
-                  <a:srgbClr val="0070C0"/>
-                </a:solidFill>
-              </a:rPr>
-              <a:t>gistd</a:t>
-            </a:r>
-            <a:r>
-              <a:rPr lang="en-US" dirty="0">
-                <a:solidFill>
-                  <a:srgbClr val="0070C0"/>
-                </a:solidFill>
-              </a:rPr>
-              <a:t>:_</a:t>
-            </a:r>
-            <a:r>
-              <a:rPr lang="en-US" dirty="0" err="1">
-                <a:solidFill>
-                  <a:srgbClr val="0070C0"/>
-                </a:solidFill>
-              </a:rPr>
-              <a:t>UnitOfMeasure_square_foot</a:t>
-            </a:r>
-            <a:endParaRPr lang="en-US" dirty="0">
-              <a:solidFill>
-                <a:srgbClr val="0070C0"/>
-              </a:solidFill>
-            </a:endParaRPr>
-          </a:p>
-        </p:txBody>
-      </p:sp>
-      <p:sp>
-        <p:nvSpPr>
-          <p:cNvPr id="9" name="TextBox 8">
-            <a:extLst>
-              <a:ext uri="{FF2B5EF4-FFF2-40B4-BE49-F238E27FC236}">
-                <a16:creationId xmlns:a16="http://schemas.microsoft.com/office/drawing/2014/main" id="{E15B5297-F568-59BA-6D23-14FCD19ED5F2}"/>
-              </a:ext>
-            </a:extLst>
-          </p:cNvPr>
-          <p:cNvSpPr txBox="1"/>
-          <p:nvPr/>
-        </p:nvSpPr>
-        <p:spPr>
-          <a:xfrm>
-            <a:off x="7093403" y="4284960"/>
-            <a:ext cx="2066848" cy="369332"/>
-          </a:xfrm>
-          <a:prstGeom prst="rect">
-            <a:avLst/>
-          </a:prstGeom>
-          <a:noFill/>
-        </p:spPr>
-        <p:txBody>
-          <a:bodyPr wrap="none" rtlCol="0">
-            <a:spAutoFit/>
-          </a:bodyPr>
-          <a:lstStyle/>
-          <a:p>
-            <a:r>
-              <a:rPr lang="en-US" dirty="0">
-                <a:solidFill>
-                  <a:srgbClr val="0070C0"/>
-                </a:solidFill>
-              </a:rPr>
-              <a:t>“144”^^</a:t>
-            </a:r>
-            <a:r>
-              <a:rPr lang="en-US" dirty="0" err="1">
-                <a:solidFill>
-                  <a:srgbClr val="0070C0"/>
-                </a:solidFill>
-              </a:rPr>
-              <a:t>xsd:decimal</a:t>
-            </a:r>
-            <a:endParaRPr lang="en-US" dirty="0">
-              <a:solidFill>
-                <a:srgbClr val="0070C0"/>
-              </a:solidFill>
-            </a:endParaRPr>
-          </a:p>
-        </p:txBody>
-      </p:sp>
-      <p:sp>
-        <p:nvSpPr>
-          <p:cNvPr id="10" name="TextBox 9">
-            <a:extLst>
-              <a:ext uri="{FF2B5EF4-FFF2-40B4-BE49-F238E27FC236}">
-                <a16:creationId xmlns:a16="http://schemas.microsoft.com/office/drawing/2014/main" id="{6F5CA10B-373D-6F3D-217F-783965E42490}"/>
-              </a:ext>
-            </a:extLst>
-          </p:cNvPr>
-          <p:cNvSpPr txBox="1"/>
-          <p:nvPr/>
-        </p:nvSpPr>
-        <p:spPr>
-          <a:xfrm>
-            <a:off x="7093403" y="2069883"/>
-            <a:ext cx="1039452" cy="369332"/>
-          </a:xfrm>
-          <a:prstGeom prst="rect">
-            <a:avLst/>
-          </a:prstGeom>
-          <a:noFill/>
-        </p:spPr>
-        <p:txBody>
-          <a:bodyPr wrap="none" rtlCol="0">
-            <a:spAutoFit/>
-          </a:bodyPr>
-          <a:lstStyle/>
-          <a:p>
-            <a:r>
-              <a:rPr lang="en-US" dirty="0">
-                <a:solidFill>
-                  <a:srgbClr val="0070C0"/>
-                </a:solidFill>
-              </a:rPr>
-              <a:t>example:</a:t>
-            </a:r>
-          </a:p>
-        </p:txBody>
-      </p:sp>
-      <p:sp>
-        <p:nvSpPr>
-          <p:cNvPr id="11" name="TextBox 10">
-            <a:extLst>
-              <a:ext uri="{FF2B5EF4-FFF2-40B4-BE49-F238E27FC236}">
-                <a16:creationId xmlns:a16="http://schemas.microsoft.com/office/drawing/2014/main" id="{0E7B16BA-107F-B1E0-E891-EC192D603D2B}"/>
-              </a:ext>
-            </a:extLst>
-          </p:cNvPr>
-          <p:cNvSpPr txBox="1"/>
-          <p:nvPr/>
-        </p:nvSpPr>
-        <p:spPr>
-          <a:xfrm>
-            <a:off x="1218399" y="5906585"/>
-            <a:ext cx="4158959" cy="369332"/>
-          </a:xfrm>
-          <a:prstGeom prst="rect">
-            <a:avLst/>
-          </a:prstGeom>
-          <a:noFill/>
-        </p:spPr>
-        <p:txBody>
-          <a:bodyPr wrap="none" rtlCol="0">
-            <a:spAutoFit/>
-          </a:bodyPr>
-          <a:lstStyle/>
-          <a:p>
-            <a:r>
-              <a:rPr lang="en-US" dirty="0"/>
-              <a:t> </a:t>
-            </a:r>
-            <a:r>
-              <a:rPr lang="en-US" dirty="0" err="1"/>
-              <a:t>gistd</a:t>
-            </a:r>
-            <a:r>
-              <a:rPr lang="en-US" dirty="0"/>
-              <a:t> is the prefix for gist reference data.</a:t>
-            </a:r>
-          </a:p>
-        </p:txBody>
-      </p:sp>
-      <p:sp>
-        <p:nvSpPr>
-          <p:cNvPr id="2" name="TextBox 1">
-            <a:extLst>
-              <a:ext uri="{FF2B5EF4-FFF2-40B4-BE49-F238E27FC236}">
-                <a16:creationId xmlns:a16="http://schemas.microsoft.com/office/drawing/2014/main" id="{88C0BF59-86CB-02E3-3AA5-ABA642E34E05}"/>
-              </a:ext>
-            </a:extLst>
-          </p:cNvPr>
-          <p:cNvSpPr txBox="1"/>
-          <p:nvPr/>
-        </p:nvSpPr>
-        <p:spPr>
-          <a:xfrm>
-            <a:off x="1218399" y="5174166"/>
-            <a:ext cx="8000652" cy="369332"/>
-          </a:xfrm>
-          <a:prstGeom prst="rect">
-            <a:avLst/>
-          </a:prstGeom>
-          <a:noFill/>
-        </p:spPr>
-        <p:txBody>
-          <a:bodyPr wrap="none" rtlCol="0">
-            <a:spAutoFit/>
-          </a:bodyPr>
-          <a:lstStyle/>
-          <a:p>
-            <a:r>
-              <a:rPr lang="en-US" dirty="0"/>
-              <a:t>An aspect is a measurable characteristic such as height, weight, cycle time, cost, etc.</a:t>
-            </a:r>
-          </a:p>
-        </p:txBody>
-      </p:sp>
-    </p:spTree>
-    <p:extLst>
-      <p:ext uri="{BB962C8B-B14F-4D97-AF65-F5344CB8AC3E}">
-        <p14:creationId xmlns:p14="http://schemas.microsoft.com/office/powerpoint/2010/main" val="4031941307"/>
-      </p:ext>
-    </p:extLst>
-  </p:cSld>
-  <p:clrMapOvr>
-    <a:masterClrMapping/>
-  </p:clrMapOvr>
-</p:sld>
-</file>
-
-<file path=ppt/slides/slide20.xml><?xml version="1.0" encoding="utf-8"?>
-<p:sld xmlns:a="http://schemas.openxmlformats.org/drawingml/2006/main" xmlns:r="http://schemas.openxmlformats.org/officeDocument/2006/relationships" xmlns:p="http://schemas.openxmlformats.org/presentationml/2006/main">
-  <p:cSld>
-    <p:spTree>
-      <p:nvGrpSpPr>
-        <p:cNvPr id="1" name=""/>
-        <p:cNvGrpSpPr/>
-        <p:nvPr/>
-      </p:nvGrpSpPr>
-      <p:grpSpPr>
-        <a:xfrm>
-          <a:off x="0" y="0"/>
-          <a:ext cx="0" cy="0"/>
-          <a:chOff x="0" y="0"/>
-          <a:chExt cx="0" cy="0"/>
-        </a:xfrm>
-      </p:grpSpPr>
-      <p:sp>
-        <p:nvSpPr>
           <p:cNvPr id="5" name="Rounded Rectangle 4">
             <a:extLst>
               <a:ext uri="{FF2B5EF4-FFF2-40B4-BE49-F238E27FC236}">
@@ -11052,7 +10220,7 @@
           <a:p>
             <a:fld id="{DFC5857C-79A0-744F-8800-F0AD89C321B2}" type="slidenum">
               <a:rPr lang="en-US" smtClean="0"/>
-              <a:t>20</a:t>
+              <a:t>19</a:t>
             </a:fld>
             <a:endParaRPr lang="en-US"/>
           </a:p>
@@ -11411,6 +10579,1048 @@
 </p:sld>
 </file>
 
+<file path=ppt/slides/slide2.xml><?xml version="1.0" encoding="utf-8"?>
+<p:sld xmlns:a="http://schemas.openxmlformats.org/drawingml/2006/main" xmlns:r="http://schemas.openxmlformats.org/officeDocument/2006/relationships" xmlns:p="http://schemas.openxmlformats.org/presentationml/2006/main">
+  <p:cSld>
+    <p:spTree>
+      <p:nvGrpSpPr>
+        <p:cNvPr id="1" name=""/>
+        <p:cNvGrpSpPr/>
+        <p:nvPr/>
+      </p:nvGrpSpPr>
+      <p:grpSpPr>
+        <a:xfrm>
+          <a:off x="0" y="0"/>
+          <a:ext cx="0" cy="0"/>
+          <a:chOff x="0" y="0"/>
+          <a:chExt cx="0" cy="0"/>
+        </a:xfrm>
+      </p:grpSpPr>
+      <p:sp>
+        <p:nvSpPr>
+          <p:cNvPr id="7" name="TextBox 6">
+            <a:extLst>
+              <a:ext uri="{FF2B5EF4-FFF2-40B4-BE49-F238E27FC236}">
+                <a16:creationId xmlns:a16="http://schemas.microsoft.com/office/drawing/2014/main" id="{5260FD84-81AA-84AC-2B53-486691D9ECBA}"/>
+              </a:ext>
+            </a:extLst>
+          </p:cNvPr>
+          <p:cNvSpPr txBox="1"/>
+          <p:nvPr/>
+        </p:nvSpPr>
+        <p:spPr>
+          <a:xfrm>
+            <a:off x="621792" y="430506"/>
+            <a:ext cx="1968809" cy="523220"/>
+          </a:xfrm>
+          <a:prstGeom prst="rect">
+            <a:avLst/>
+          </a:prstGeom>
+          <a:noFill/>
+        </p:spPr>
+        <p:txBody>
+          <a:bodyPr wrap="none" rtlCol="0">
+            <a:spAutoFit/>
+          </a:bodyPr>
+          <a:lstStyle/>
+          <a:p>
+            <a:r>
+              <a:rPr lang="en-US" sz="2800" dirty="0"/>
+              <a:t>In a nutshell</a:t>
+            </a:r>
+          </a:p>
+        </p:txBody>
+      </p:sp>
+      <p:sp>
+        <p:nvSpPr>
+          <p:cNvPr id="8" name="Slide Number Placeholder 7">
+            <a:extLst>
+              <a:ext uri="{FF2B5EF4-FFF2-40B4-BE49-F238E27FC236}">
+                <a16:creationId xmlns:a16="http://schemas.microsoft.com/office/drawing/2014/main" id="{3ECFB31D-48CE-7B5D-0F2F-1F1FCDBDF382}"/>
+              </a:ext>
+            </a:extLst>
+          </p:cNvPr>
+          <p:cNvSpPr>
+            <a:spLocks noGrp="1"/>
+          </p:cNvSpPr>
+          <p:nvPr>
+            <p:ph type="sldNum" sz="quarter" idx="12"/>
+          </p:nvPr>
+        </p:nvSpPr>
+        <p:spPr/>
+        <p:txBody>
+          <a:bodyPr/>
+          <a:lstStyle/>
+          <a:p>
+            <a:fld id="{DFC5857C-79A0-744F-8800-F0AD89C321B2}" type="slidenum">
+              <a:rPr lang="en-US" smtClean="0"/>
+              <a:t>2</a:t>
+            </a:fld>
+            <a:endParaRPr lang="en-US"/>
+          </a:p>
+        </p:txBody>
+      </p:sp>
+      <p:sp>
+        <p:nvSpPr>
+          <p:cNvPr id="3" name="TextBox 2">
+            <a:extLst>
+              <a:ext uri="{FF2B5EF4-FFF2-40B4-BE49-F238E27FC236}">
+                <a16:creationId xmlns:a16="http://schemas.microsoft.com/office/drawing/2014/main" id="{648F2C81-D141-1387-470C-7AA6A9BB60F9}"/>
+              </a:ext>
+            </a:extLst>
+          </p:cNvPr>
+          <p:cNvSpPr txBox="1"/>
+          <p:nvPr/>
+        </p:nvSpPr>
+        <p:spPr>
+          <a:xfrm>
+            <a:off x="621792" y="1235676"/>
+            <a:ext cx="9387635" cy="369332"/>
+          </a:xfrm>
+          <a:prstGeom prst="rect">
+            <a:avLst/>
+          </a:prstGeom>
+          <a:noFill/>
+        </p:spPr>
+        <p:txBody>
+          <a:bodyPr wrap="none" rtlCol="0">
+            <a:spAutoFit/>
+          </a:bodyPr>
+          <a:lstStyle/>
+          <a:p>
+            <a:r>
+              <a:rPr lang="en-US" dirty="0"/>
+              <a:t>The main objective is to use the new pattern for magnitudes, with standardized units of measure.</a:t>
+            </a:r>
+          </a:p>
+        </p:txBody>
+      </p:sp>
+      <p:pic>
+        <p:nvPicPr>
+          <p:cNvPr id="1026" name="Picture 2">
+            <a:extLst>
+              <a:ext uri="{FF2B5EF4-FFF2-40B4-BE49-F238E27FC236}">
+                <a16:creationId xmlns:a16="http://schemas.microsoft.com/office/drawing/2014/main" id="{C873F613-31D0-8ACD-C857-4717BFDDD07F}"/>
+              </a:ext>
+            </a:extLst>
+          </p:cNvPr>
+          <p:cNvPicPr>
+            <a:picLocks noChangeAspect="1" noChangeArrowheads="1"/>
+          </p:cNvPicPr>
+          <p:nvPr/>
+        </p:nvPicPr>
+        <p:blipFill>
+          <a:blip r:embed="rId2">
+            <a:extLst>
+              <a:ext uri="{28A0092B-C50C-407E-A947-70E740481C1C}">
+                <a14:useLocalDpi xmlns:a14="http://schemas.microsoft.com/office/drawing/2010/main" val="0"/>
+              </a:ext>
+            </a:extLst>
+          </a:blip>
+          <a:srcRect/>
+          <a:stretch>
+            <a:fillRect/>
+          </a:stretch>
+        </p:blipFill>
+        <p:spPr bwMode="auto">
+          <a:xfrm>
+            <a:off x="1218399" y="2582338"/>
+            <a:ext cx="5751768" cy="2161406"/>
+          </a:xfrm>
+          <a:prstGeom prst="rect">
+            <a:avLst/>
+          </a:prstGeom>
+          <a:noFill/>
+          <a:extLst>
+            <a:ext uri="{909E8E84-426E-40DD-AFC4-6F175D3DCCD1}">
+              <a14:hiddenFill xmlns:a14="http://schemas.microsoft.com/office/drawing/2010/main">
+                <a:solidFill>
+                  <a:srgbClr val="FFFFFF"/>
+                </a:solidFill>
+              </a14:hiddenFill>
+            </a:ext>
+          </a:extLst>
+        </p:spPr>
+      </p:pic>
+      <p:sp>
+        <p:nvSpPr>
+          <p:cNvPr id="4" name="TextBox 3">
+            <a:extLst>
+              <a:ext uri="{FF2B5EF4-FFF2-40B4-BE49-F238E27FC236}">
+                <a16:creationId xmlns:a16="http://schemas.microsoft.com/office/drawing/2014/main" id="{F89BBD44-922C-2D3E-6BDD-06DBA10EBA1E}"/>
+              </a:ext>
+            </a:extLst>
+          </p:cNvPr>
+          <p:cNvSpPr txBox="1"/>
+          <p:nvPr/>
+        </p:nvSpPr>
+        <p:spPr>
+          <a:xfrm>
+            <a:off x="7093404" y="2671790"/>
+            <a:ext cx="1971886" cy="369332"/>
+          </a:xfrm>
+          <a:prstGeom prst="rect">
+            <a:avLst/>
+          </a:prstGeom>
+          <a:noFill/>
+        </p:spPr>
+        <p:txBody>
+          <a:bodyPr wrap="none" rtlCol="0">
+            <a:spAutoFit/>
+          </a:bodyPr>
+          <a:lstStyle/>
+          <a:p>
+            <a:r>
+              <a:rPr lang="en-US" dirty="0" err="1">
+                <a:solidFill>
+                  <a:srgbClr val="0070C0"/>
+                </a:solidFill>
+              </a:rPr>
+              <a:t>gistd</a:t>
+            </a:r>
+            <a:r>
+              <a:rPr lang="en-US" dirty="0">
+                <a:solidFill>
+                  <a:srgbClr val="0070C0"/>
+                </a:solidFill>
+              </a:rPr>
+              <a:t>:_</a:t>
+            </a:r>
+            <a:r>
+              <a:rPr lang="en-US" dirty="0" err="1">
+                <a:solidFill>
+                  <a:srgbClr val="0070C0"/>
+                </a:solidFill>
+              </a:rPr>
+              <a:t>Aspect_area</a:t>
+            </a:r>
+            <a:endParaRPr lang="en-US" dirty="0">
+              <a:solidFill>
+                <a:srgbClr val="0070C0"/>
+              </a:solidFill>
+            </a:endParaRPr>
+          </a:p>
+        </p:txBody>
+      </p:sp>
+      <p:sp>
+        <p:nvSpPr>
+          <p:cNvPr id="5" name="TextBox 4">
+            <a:extLst>
+              <a:ext uri="{FF2B5EF4-FFF2-40B4-BE49-F238E27FC236}">
+                <a16:creationId xmlns:a16="http://schemas.microsoft.com/office/drawing/2014/main" id="{3A3A5F6F-56A3-382C-43C1-9DC18AEBDC77}"/>
+              </a:ext>
+            </a:extLst>
+          </p:cNvPr>
+          <p:cNvSpPr txBox="1"/>
+          <p:nvPr/>
+        </p:nvSpPr>
+        <p:spPr>
+          <a:xfrm>
+            <a:off x="7076661" y="3462291"/>
+            <a:ext cx="3510898" cy="369332"/>
+          </a:xfrm>
+          <a:prstGeom prst="rect">
+            <a:avLst/>
+          </a:prstGeom>
+          <a:noFill/>
+        </p:spPr>
+        <p:txBody>
+          <a:bodyPr wrap="none" rtlCol="0">
+            <a:spAutoFit/>
+          </a:bodyPr>
+          <a:lstStyle/>
+          <a:p>
+            <a:r>
+              <a:rPr lang="en-US" dirty="0" err="1">
+                <a:solidFill>
+                  <a:srgbClr val="0070C0"/>
+                </a:solidFill>
+              </a:rPr>
+              <a:t>gistd</a:t>
+            </a:r>
+            <a:r>
+              <a:rPr lang="en-US" dirty="0">
+                <a:solidFill>
+                  <a:srgbClr val="0070C0"/>
+                </a:solidFill>
+              </a:rPr>
+              <a:t>:_</a:t>
+            </a:r>
+            <a:r>
+              <a:rPr lang="en-US" dirty="0" err="1">
+                <a:solidFill>
+                  <a:srgbClr val="0070C0"/>
+                </a:solidFill>
+              </a:rPr>
+              <a:t>UnitOfMeasure_square_foot</a:t>
+            </a:r>
+            <a:endParaRPr lang="en-US" dirty="0">
+              <a:solidFill>
+                <a:srgbClr val="0070C0"/>
+              </a:solidFill>
+            </a:endParaRPr>
+          </a:p>
+        </p:txBody>
+      </p:sp>
+      <p:sp>
+        <p:nvSpPr>
+          <p:cNvPr id="9" name="TextBox 8">
+            <a:extLst>
+              <a:ext uri="{FF2B5EF4-FFF2-40B4-BE49-F238E27FC236}">
+                <a16:creationId xmlns:a16="http://schemas.microsoft.com/office/drawing/2014/main" id="{E15B5297-F568-59BA-6D23-14FCD19ED5F2}"/>
+              </a:ext>
+            </a:extLst>
+          </p:cNvPr>
+          <p:cNvSpPr txBox="1"/>
+          <p:nvPr/>
+        </p:nvSpPr>
+        <p:spPr>
+          <a:xfrm>
+            <a:off x="7093403" y="4284960"/>
+            <a:ext cx="2066848" cy="369332"/>
+          </a:xfrm>
+          <a:prstGeom prst="rect">
+            <a:avLst/>
+          </a:prstGeom>
+          <a:noFill/>
+        </p:spPr>
+        <p:txBody>
+          <a:bodyPr wrap="none" rtlCol="0">
+            <a:spAutoFit/>
+          </a:bodyPr>
+          <a:lstStyle/>
+          <a:p>
+            <a:r>
+              <a:rPr lang="en-US" dirty="0">
+                <a:solidFill>
+                  <a:srgbClr val="0070C0"/>
+                </a:solidFill>
+              </a:rPr>
+              <a:t>“144”^^</a:t>
+            </a:r>
+            <a:r>
+              <a:rPr lang="en-US" dirty="0" err="1">
+                <a:solidFill>
+                  <a:srgbClr val="0070C0"/>
+                </a:solidFill>
+              </a:rPr>
+              <a:t>xsd:decimal</a:t>
+            </a:r>
+            <a:endParaRPr lang="en-US" dirty="0">
+              <a:solidFill>
+                <a:srgbClr val="0070C0"/>
+              </a:solidFill>
+            </a:endParaRPr>
+          </a:p>
+        </p:txBody>
+      </p:sp>
+      <p:sp>
+        <p:nvSpPr>
+          <p:cNvPr id="10" name="TextBox 9">
+            <a:extLst>
+              <a:ext uri="{FF2B5EF4-FFF2-40B4-BE49-F238E27FC236}">
+                <a16:creationId xmlns:a16="http://schemas.microsoft.com/office/drawing/2014/main" id="{6F5CA10B-373D-6F3D-217F-783965E42490}"/>
+              </a:ext>
+            </a:extLst>
+          </p:cNvPr>
+          <p:cNvSpPr txBox="1"/>
+          <p:nvPr/>
+        </p:nvSpPr>
+        <p:spPr>
+          <a:xfrm>
+            <a:off x="7093403" y="2069883"/>
+            <a:ext cx="1039452" cy="369332"/>
+          </a:xfrm>
+          <a:prstGeom prst="rect">
+            <a:avLst/>
+          </a:prstGeom>
+          <a:noFill/>
+        </p:spPr>
+        <p:txBody>
+          <a:bodyPr wrap="none" rtlCol="0">
+            <a:spAutoFit/>
+          </a:bodyPr>
+          <a:lstStyle/>
+          <a:p>
+            <a:r>
+              <a:rPr lang="en-US" dirty="0">
+                <a:solidFill>
+                  <a:srgbClr val="0070C0"/>
+                </a:solidFill>
+              </a:rPr>
+              <a:t>example:</a:t>
+            </a:r>
+          </a:p>
+        </p:txBody>
+      </p:sp>
+      <p:sp>
+        <p:nvSpPr>
+          <p:cNvPr id="11" name="TextBox 10">
+            <a:extLst>
+              <a:ext uri="{FF2B5EF4-FFF2-40B4-BE49-F238E27FC236}">
+                <a16:creationId xmlns:a16="http://schemas.microsoft.com/office/drawing/2014/main" id="{0E7B16BA-107F-B1E0-E891-EC192D603D2B}"/>
+              </a:ext>
+            </a:extLst>
+          </p:cNvPr>
+          <p:cNvSpPr txBox="1"/>
+          <p:nvPr/>
+        </p:nvSpPr>
+        <p:spPr>
+          <a:xfrm>
+            <a:off x="1218399" y="5906585"/>
+            <a:ext cx="4158959" cy="369332"/>
+          </a:xfrm>
+          <a:prstGeom prst="rect">
+            <a:avLst/>
+          </a:prstGeom>
+          <a:noFill/>
+        </p:spPr>
+        <p:txBody>
+          <a:bodyPr wrap="none" rtlCol="0">
+            <a:spAutoFit/>
+          </a:bodyPr>
+          <a:lstStyle/>
+          <a:p>
+            <a:r>
+              <a:rPr lang="en-US" dirty="0"/>
+              <a:t> </a:t>
+            </a:r>
+            <a:r>
+              <a:rPr lang="en-US" dirty="0" err="1"/>
+              <a:t>gistd</a:t>
+            </a:r>
+            <a:r>
+              <a:rPr lang="en-US" dirty="0"/>
+              <a:t> is the prefix for gist reference data.</a:t>
+            </a:r>
+          </a:p>
+        </p:txBody>
+      </p:sp>
+      <p:sp>
+        <p:nvSpPr>
+          <p:cNvPr id="2" name="TextBox 1">
+            <a:extLst>
+              <a:ext uri="{FF2B5EF4-FFF2-40B4-BE49-F238E27FC236}">
+                <a16:creationId xmlns:a16="http://schemas.microsoft.com/office/drawing/2014/main" id="{88C0BF59-86CB-02E3-3AA5-ABA642E34E05}"/>
+              </a:ext>
+            </a:extLst>
+          </p:cNvPr>
+          <p:cNvSpPr txBox="1"/>
+          <p:nvPr/>
+        </p:nvSpPr>
+        <p:spPr>
+          <a:xfrm>
+            <a:off x="1218399" y="5174166"/>
+            <a:ext cx="8000652" cy="369332"/>
+          </a:xfrm>
+          <a:prstGeom prst="rect">
+            <a:avLst/>
+          </a:prstGeom>
+          <a:noFill/>
+        </p:spPr>
+        <p:txBody>
+          <a:bodyPr wrap="none" rtlCol="0">
+            <a:spAutoFit/>
+          </a:bodyPr>
+          <a:lstStyle/>
+          <a:p>
+            <a:r>
+              <a:rPr lang="en-US" dirty="0"/>
+              <a:t>An aspect is a measurable characteristic such as height, weight, cycle time, cost, etc.</a:t>
+            </a:r>
+          </a:p>
+        </p:txBody>
+      </p:sp>
+    </p:spTree>
+    <p:extLst>
+      <p:ext uri="{BB962C8B-B14F-4D97-AF65-F5344CB8AC3E}">
+        <p14:creationId xmlns:p14="http://schemas.microsoft.com/office/powerpoint/2010/main" val="4031941307"/>
+      </p:ext>
+    </p:extLst>
+  </p:cSld>
+  <p:clrMapOvr>
+    <a:masterClrMapping/>
+  </p:clrMapOvr>
+</p:sld>
+</file>
+
+<file path=ppt/slides/slide20.xml><?xml version="1.0" encoding="utf-8"?>
+<p:sld xmlns:a="http://schemas.openxmlformats.org/drawingml/2006/main" xmlns:r="http://schemas.openxmlformats.org/officeDocument/2006/relationships" xmlns:p="http://schemas.openxmlformats.org/presentationml/2006/main">
+  <p:cSld>
+    <p:spTree>
+      <p:nvGrpSpPr>
+        <p:cNvPr id="1" name=""/>
+        <p:cNvGrpSpPr/>
+        <p:nvPr/>
+      </p:nvGrpSpPr>
+      <p:grpSpPr>
+        <a:xfrm>
+          <a:off x="0" y="0"/>
+          <a:ext cx="0" cy="0"/>
+          <a:chOff x="0" y="0"/>
+          <a:chExt cx="0" cy="0"/>
+        </a:xfrm>
+      </p:grpSpPr>
+      <p:sp>
+        <p:nvSpPr>
+          <p:cNvPr id="7" name="TextBox 6">
+            <a:extLst>
+              <a:ext uri="{FF2B5EF4-FFF2-40B4-BE49-F238E27FC236}">
+                <a16:creationId xmlns:a16="http://schemas.microsoft.com/office/drawing/2014/main" id="{5260FD84-81AA-84AC-2B53-486691D9ECBA}"/>
+              </a:ext>
+            </a:extLst>
+          </p:cNvPr>
+          <p:cNvSpPr txBox="1"/>
+          <p:nvPr/>
+        </p:nvSpPr>
+        <p:spPr>
+          <a:xfrm>
+            <a:off x="621792" y="430506"/>
+            <a:ext cx="4971233" cy="523220"/>
+          </a:xfrm>
+          <a:prstGeom prst="rect">
+            <a:avLst/>
+          </a:prstGeom>
+          <a:noFill/>
+        </p:spPr>
+        <p:txBody>
+          <a:bodyPr wrap="none" rtlCol="0">
+            <a:spAutoFit/>
+          </a:bodyPr>
+          <a:lstStyle/>
+          <a:p>
+            <a:r>
+              <a:rPr lang="en-US" sz="2800" dirty="0"/>
+              <a:t>Use </a:t>
+            </a:r>
+            <a:r>
+              <a:rPr lang="en-US" sz="2800" dirty="0" err="1"/>
+              <a:t>hasMultiplier</a:t>
+            </a:r>
+            <a:r>
+              <a:rPr lang="en-US" sz="2800" dirty="0"/>
+              <a:t> and </a:t>
+            </a:r>
+            <a:r>
+              <a:rPr lang="en-US" sz="2800" dirty="0" err="1"/>
+              <a:t>hasDivisor</a:t>
+            </a:r>
+            <a:endParaRPr lang="en-US" sz="2800" dirty="0"/>
+          </a:p>
+        </p:txBody>
+      </p:sp>
+      <p:sp>
+        <p:nvSpPr>
+          <p:cNvPr id="4" name="Slide Number Placeholder 3">
+            <a:extLst>
+              <a:ext uri="{FF2B5EF4-FFF2-40B4-BE49-F238E27FC236}">
+                <a16:creationId xmlns:a16="http://schemas.microsoft.com/office/drawing/2014/main" id="{37611A64-8E38-FBC4-E592-50F420EA08CE}"/>
+              </a:ext>
+            </a:extLst>
+          </p:cNvPr>
+          <p:cNvSpPr>
+            <a:spLocks noGrp="1"/>
+          </p:cNvSpPr>
+          <p:nvPr>
+            <p:ph type="sldNum" sz="quarter" idx="12"/>
+          </p:nvPr>
+        </p:nvSpPr>
+        <p:spPr/>
+        <p:txBody>
+          <a:bodyPr/>
+          <a:lstStyle/>
+          <a:p>
+            <a:fld id="{DFC5857C-79A0-744F-8800-F0AD89C321B2}" type="slidenum">
+              <a:rPr lang="en-US" smtClean="0"/>
+              <a:t>20</a:t>
+            </a:fld>
+            <a:endParaRPr lang="en-US"/>
+          </a:p>
+        </p:txBody>
+      </p:sp>
+      <p:sp>
+        <p:nvSpPr>
+          <p:cNvPr id="3" name="TextBox 2">
+            <a:extLst>
+              <a:ext uri="{FF2B5EF4-FFF2-40B4-BE49-F238E27FC236}">
+                <a16:creationId xmlns:a16="http://schemas.microsoft.com/office/drawing/2014/main" id="{D260E63F-1AF2-9855-3745-58441EF6C794}"/>
+              </a:ext>
+            </a:extLst>
+          </p:cNvPr>
+          <p:cNvSpPr txBox="1"/>
+          <p:nvPr/>
+        </p:nvSpPr>
+        <p:spPr>
+          <a:xfrm>
+            <a:off x="4326533" y="3579112"/>
+            <a:ext cx="1769467" cy="523220"/>
+          </a:xfrm>
+          <a:prstGeom prst="rect">
+            <a:avLst/>
+          </a:prstGeom>
+          <a:solidFill>
+            <a:schemeClr val="accent5">
+              <a:lumMod val="20000"/>
+              <a:lumOff val="80000"/>
+            </a:schemeClr>
+          </a:solidFill>
+        </p:spPr>
+        <p:txBody>
+          <a:bodyPr wrap="square">
+            <a:spAutoFit/>
+          </a:bodyPr>
+          <a:lstStyle/>
+          <a:p>
+            <a:r>
+              <a:rPr lang="en-US" sz="1400" dirty="0" err="1"/>
+              <a:t>gist:hasMultiplicand</a:t>
+            </a:r>
+            <a:endParaRPr lang="en-US" sz="1400" dirty="0"/>
+          </a:p>
+          <a:p>
+            <a:r>
+              <a:rPr lang="en-US" sz="1400" dirty="0" err="1"/>
+              <a:t>gist:hasNumerator</a:t>
+            </a:r>
+            <a:endParaRPr lang="en-US" sz="1400" dirty="0"/>
+          </a:p>
+        </p:txBody>
+      </p:sp>
+      <p:sp>
+        <p:nvSpPr>
+          <p:cNvPr id="5" name="TextBox 4">
+            <a:extLst>
+              <a:ext uri="{FF2B5EF4-FFF2-40B4-BE49-F238E27FC236}">
+                <a16:creationId xmlns:a16="http://schemas.microsoft.com/office/drawing/2014/main" id="{8287311B-E400-C30E-0226-D3DCC7D19317}"/>
+              </a:ext>
+            </a:extLst>
+          </p:cNvPr>
+          <p:cNvSpPr txBox="1"/>
+          <p:nvPr/>
+        </p:nvSpPr>
+        <p:spPr>
+          <a:xfrm>
+            <a:off x="6406196" y="3579112"/>
+            <a:ext cx="1769467" cy="523220"/>
+          </a:xfrm>
+          <a:prstGeom prst="rect">
+            <a:avLst/>
+          </a:prstGeom>
+          <a:solidFill>
+            <a:schemeClr val="accent5">
+              <a:lumMod val="20000"/>
+              <a:lumOff val="80000"/>
+            </a:schemeClr>
+          </a:solidFill>
+        </p:spPr>
+        <p:txBody>
+          <a:bodyPr wrap="square">
+            <a:spAutoFit/>
+          </a:bodyPr>
+          <a:lstStyle/>
+          <a:p>
+            <a:r>
+              <a:rPr lang="en-US" sz="1400" dirty="0" err="1"/>
+              <a:t>gist:hasDenominator</a:t>
+            </a:r>
+            <a:endParaRPr lang="en-US" sz="1400" dirty="0"/>
+          </a:p>
+          <a:p>
+            <a:endParaRPr lang="en-US" sz="1400" dirty="0"/>
+          </a:p>
+        </p:txBody>
+      </p:sp>
+      <p:sp>
+        <p:nvSpPr>
+          <p:cNvPr id="6" name="TextBox 5">
+            <a:extLst>
+              <a:ext uri="{FF2B5EF4-FFF2-40B4-BE49-F238E27FC236}">
+                <a16:creationId xmlns:a16="http://schemas.microsoft.com/office/drawing/2014/main" id="{0F5946DF-DEFD-0F55-C880-E3BC38B194E9}"/>
+              </a:ext>
+            </a:extLst>
+          </p:cNvPr>
+          <p:cNvSpPr txBox="1"/>
+          <p:nvPr/>
+        </p:nvSpPr>
+        <p:spPr>
+          <a:xfrm>
+            <a:off x="6406196" y="4903732"/>
+            <a:ext cx="1769467" cy="307777"/>
+          </a:xfrm>
+          <a:prstGeom prst="rect">
+            <a:avLst/>
+          </a:prstGeom>
+          <a:solidFill>
+            <a:schemeClr val="accent5">
+              <a:lumMod val="20000"/>
+              <a:lumOff val="80000"/>
+            </a:schemeClr>
+          </a:solidFill>
+        </p:spPr>
+        <p:txBody>
+          <a:bodyPr wrap="square">
+            <a:spAutoFit/>
+          </a:bodyPr>
+          <a:lstStyle/>
+          <a:p>
+            <a:r>
+              <a:rPr lang="en-US" sz="1400" dirty="0" err="1"/>
+              <a:t>gist:hasDivisor</a:t>
+            </a:r>
+            <a:endParaRPr lang="en-US" sz="1400" dirty="0"/>
+          </a:p>
+        </p:txBody>
+      </p:sp>
+      <p:sp>
+        <p:nvSpPr>
+          <p:cNvPr id="8" name="TextBox 7">
+            <a:extLst>
+              <a:ext uri="{FF2B5EF4-FFF2-40B4-BE49-F238E27FC236}">
+                <a16:creationId xmlns:a16="http://schemas.microsoft.com/office/drawing/2014/main" id="{DBD4E1EC-1D57-F79B-BE38-849BBB146D76}"/>
+              </a:ext>
+            </a:extLst>
+          </p:cNvPr>
+          <p:cNvSpPr txBox="1"/>
+          <p:nvPr/>
+        </p:nvSpPr>
+        <p:spPr>
+          <a:xfrm>
+            <a:off x="4326533" y="4903732"/>
+            <a:ext cx="1769467" cy="307777"/>
+          </a:xfrm>
+          <a:prstGeom prst="rect">
+            <a:avLst/>
+          </a:prstGeom>
+          <a:solidFill>
+            <a:schemeClr val="accent5">
+              <a:lumMod val="20000"/>
+              <a:lumOff val="80000"/>
+            </a:schemeClr>
+          </a:solidFill>
+        </p:spPr>
+        <p:txBody>
+          <a:bodyPr wrap="square">
+            <a:spAutoFit/>
+          </a:bodyPr>
+          <a:lstStyle/>
+          <a:p>
+            <a:r>
+              <a:rPr lang="en-US" sz="1400" dirty="0" err="1"/>
+              <a:t>gist:hasMultiplier</a:t>
+            </a:r>
+            <a:endParaRPr lang="en-US" sz="1400" dirty="0"/>
+          </a:p>
+        </p:txBody>
+      </p:sp>
+      <p:sp>
+        <p:nvSpPr>
+          <p:cNvPr id="9" name="Down Arrow 8">
+            <a:extLst>
+              <a:ext uri="{FF2B5EF4-FFF2-40B4-BE49-F238E27FC236}">
+                <a16:creationId xmlns:a16="http://schemas.microsoft.com/office/drawing/2014/main" id="{2B48973C-CEF0-A535-290F-43DECE07051E}"/>
+              </a:ext>
+            </a:extLst>
+          </p:cNvPr>
+          <p:cNvSpPr/>
+          <p:nvPr/>
+        </p:nvSpPr>
+        <p:spPr>
+          <a:xfrm>
+            <a:off x="6717905" y="4234808"/>
+            <a:ext cx="1146048" cy="536448"/>
+          </a:xfrm>
+          <a:prstGeom prst="downArrow">
+            <a:avLst/>
+          </a:prstGeom>
+          <a:ln>
+            <a:noFill/>
+          </a:ln>
+        </p:spPr>
+        <p:style>
+          <a:lnRef idx="2">
+            <a:schemeClr val="accent1">
+              <a:shade val="15000"/>
+            </a:schemeClr>
+          </a:lnRef>
+          <a:fillRef idx="1">
+            <a:schemeClr val="accent1"/>
+          </a:fillRef>
+          <a:effectRef idx="0">
+            <a:schemeClr val="accent1"/>
+          </a:effectRef>
+          <a:fontRef idx="minor">
+            <a:schemeClr val="lt1"/>
+          </a:fontRef>
+        </p:style>
+        <p:txBody>
+          <a:bodyPr rtlCol="0" anchor="ctr"/>
+          <a:lstStyle/>
+          <a:p>
+            <a:pPr algn="ctr"/>
+            <a:endParaRPr lang="en-US"/>
+          </a:p>
+        </p:txBody>
+      </p:sp>
+      <p:sp>
+        <p:nvSpPr>
+          <p:cNvPr id="10" name="Down Arrow 9">
+            <a:extLst>
+              <a:ext uri="{FF2B5EF4-FFF2-40B4-BE49-F238E27FC236}">
+                <a16:creationId xmlns:a16="http://schemas.microsoft.com/office/drawing/2014/main" id="{DE661D0F-7A19-D51E-F1BB-85203CAFF12C}"/>
+              </a:ext>
+            </a:extLst>
+          </p:cNvPr>
+          <p:cNvSpPr/>
+          <p:nvPr/>
+        </p:nvSpPr>
+        <p:spPr>
+          <a:xfrm>
+            <a:off x="4638242" y="4234808"/>
+            <a:ext cx="1146048" cy="536448"/>
+          </a:xfrm>
+          <a:prstGeom prst="downArrow">
+            <a:avLst/>
+          </a:prstGeom>
+          <a:ln>
+            <a:noFill/>
+          </a:ln>
+        </p:spPr>
+        <p:style>
+          <a:lnRef idx="2">
+            <a:schemeClr val="accent1">
+              <a:shade val="15000"/>
+            </a:schemeClr>
+          </a:lnRef>
+          <a:fillRef idx="1">
+            <a:schemeClr val="accent1"/>
+          </a:fillRef>
+          <a:effectRef idx="0">
+            <a:schemeClr val="accent1"/>
+          </a:effectRef>
+          <a:fontRef idx="minor">
+            <a:schemeClr val="lt1"/>
+          </a:fontRef>
+        </p:style>
+        <p:txBody>
+          <a:bodyPr rtlCol="0" anchor="ctr"/>
+          <a:lstStyle/>
+          <a:p>
+            <a:pPr algn="ctr"/>
+            <a:endParaRPr lang="en-US"/>
+          </a:p>
+        </p:txBody>
+      </p:sp>
+      <p:sp>
+        <p:nvSpPr>
+          <p:cNvPr id="12" name="TextBox 11">
+            <a:extLst>
+              <a:ext uri="{FF2B5EF4-FFF2-40B4-BE49-F238E27FC236}">
+                <a16:creationId xmlns:a16="http://schemas.microsoft.com/office/drawing/2014/main" id="{BF20285C-265B-6C32-F2EC-FB1CC83FDF0F}"/>
+              </a:ext>
+            </a:extLst>
+          </p:cNvPr>
+          <p:cNvSpPr txBox="1"/>
+          <p:nvPr/>
+        </p:nvSpPr>
+        <p:spPr>
+          <a:xfrm>
+            <a:off x="1453140" y="1500593"/>
+            <a:ext cx="10003379" cy="1754326"/>
+          </a:xfrm>
+          <a:prstGeom prst="rect">
+            <a:avLst/>
+          </a:prstGeom>
+          <a:noFill/>
+        </p:spPr>
+        <p:txBody>
+          <a:bodyPr wrap="none" rtlCol="0">
+            <a:spAutoFit/>
+          </a:bodyPr>
+          <a:lstStyle/>
+          <a:p>
+            <a:r>
+              <a:rPr lang="en-US" dirty="0"/>
+              <a:t>multiplierDivisor1.rq</a:t>
+            </a:r>
+          </a:p>
+          <a:p>
+            <a:r>
+              <a:rPr lang="en-US" dirty="0"/>
+              <a:t>multiplierDivisor2.rq (run repeatedly until it no longer makes changes)</a:t>
+            </a:r>
+          </a:p>
+          <a:p>
+            <a:r>
+              <a:rPr lang="en-US" dirty="0"/>
+              <a:t>multiplierDivisor3.rq</a:t>
+            </a:r>
+          </a:p>
+          <a:p>
+            <a:endParaRPr lang="en-US" dirty="0"/>
+          </a:p>
+          <a:p>
+            <a:r>
+              <a:rPr lang="en-US" dirty="0"/>
+              <a:t>Add this conversion to the end of the client data ingestion pipeline, or update transformations upstream.</a:t>
+            </a:r>
+          </a:p>
+          <a:p>
+            <a:r>
+              <a:rPr lang="en-US" dirty="0"/>
+              <a:t>Modify client artifacts that use these properties.</a:t>
+            </a:r>
+          </a:p>
+        </p:txBody>
+      </p:sp>
+      <p:sp>
+        <p:nvSpPr>
+          <p:cNvPr id="11" name="Rectangle 10">
+            <a:extLst>
+              <a:ext uri="{FF2B5EF4-FFF2-40B4-BE49-F238E27FC236}">
+                <a16:creationId xmlns:a16="http://schemas.microsoft.com/office/drawing/2014/main" id="{68B349C9-F9A3-CF70-4CE1-41EEF2A5DA9B}"/>
+              </a:ext>
+            </a:extLst>
+          </p:cNvPr>
+          <p:cNvSpPr/>
+          <p:nvPr/>
+        </p:nvSpPr>
+        <p:spPr>
+          <a:xfrm>
+            <a:off x="8036011" y="373081"/>
+            <a:ext cx="3892378" cy="569386"/>
+          </a:xfrm>
+          <a:prstGeom prst="rect">
+            <a:avLst/>
+          </a:prstGeom>
+          <a:solidFill>
+            <a:schemeClr val="accent5">
+              <a:lumMod val="75000"/>
+            </a:schemeClr>
+          </a:solidFill>
+          <a:ln>
+            <a:noFill/>
+          </a:ln>
+        </p:spPr>
+        <p:style>
+          <a:lnRef idx="0">
+            <a:schemeClr val="accent5"/>
+          </a:lnRef>
+          <a:fillRef idx="3">
+            <a:schemeClr val="accent5"/>
+          </a:fillRef>
+          <a:effectRef idx="3">
+            <a:schemeClr val="accent5"/>
+          </a:effectRef>
+          <a:fontRef idx="minor">
+            <a:schemeClr val="lt1"/>
+          </a:fontRef>
+        </p:style>
+        <p:txBody>
+          <a:bodyPr rtlCol="0" anchor="ctr"/>
+          <a:lstStyle/>
+          <a:p>
+            <a:pPr algn="ctr"/>
+            <a:r>
+              <a:rPr lang="en-US" dirty="0"/>
+              <a:t>Flatten numerator/denominator data</a:t>
+            </a:r>
+          </a:p>
+        </p:txBody>
+      </p:sp>
+      <p:sp>
+        <p:nvSpPr>
+          <p:cNvPr id="13" name="TextBox 12">
+            <a:extLst>
+              <a:ext uri="{FF2B5EF4-FFF2-40B4-BE49-F238E27FC236}">
+                <a16:creationId xmlns:a16="http://schemas.microsoft.com/office/drawing/2014/main" id="{8818B3D4-FFC3-CD94-455E-97EA412E8987}"/>
+              </a:ext>
+            </a:extLst>
+          </p:cNvPr>
+          <p:cNvSpPr txBox="1"/>
+          <p:nvPr/>
+        </p:nvSpPr>
+        <p:spPr>
+          <a:xfrm>
+            <a:off x="1453140" y="5573406"/>
+            <a:ext cx="6722523" cy="646331"/>
+          </a:xfrm>
+          <a:prstGeom prst="rect">
+            <a:avLst/>
+          </a:prstGeom>
+          <a:noFill/>
+        </p:spPr>
+        <p:txBody>
+          <a:bodyPr wrap="square">
+            <a:spAutoFit/>
+          </a:bodyPr>
+          <a:lstStyle/>
+          <a:p>
+            <a:r>
+              <a:rPr lang="en-US" dirty="0"/>
+              <a:t>Modify client artifacts to use </a:t>
+            </a:r>
+            <a:r>
+              <a:rPr lang="en-US" dirty="0" err="1"/>
+              <a:t>hasMultiplier</a:t>
+            </a:r>
+            <a:r>
+              <a:rPr lang="en-US" dirty="0"/>
+              <a:t> and </a:t>
+            </a:r>
+            <a:r>
+              <a:rPr lang="en-US" dirty="0" err="1"/>
+              <a:t>hasDivisor</a:t>
+            </a:r>
+            <a:r>
+              <a:rPr lang="en-US" dirty="0"/>
+              <a:t>, </a:t>
+            </a:r>
+          </a:p>
+          <a:p>
+            <a:r>
+              <a:rPr lang="en-US" dirty="0"/>
+              <a:t>and stop using </a:t>
+            </a:r>
+            <a:r>
+              <a:rPr lang="en-US" dirty="0" err="1"/>
+              <a:t>hasMultiplican</a:t>
+            </a:r>
+            <a:r>
+              <a:rPr lang="en-US" dirty="0"/>
+              <a:t>, </a:t>
+            </a:r>
+            <a:r>
+              <a:rPr lang="en-US" dirty="0" err="1"/>
+              <a:t>hasNumerator</a:t>
+            </a:r>
+            <a:r>
+              <a:rPr lang="en-US" dirty="0"/>
+              <a:t>, and </a:t>
+            </a:r>
+            <a:r>
+              <a:rPr lang="en-US" dirty="0" err="1"/>
+              <a:t>hasDenominator</a:t>
+            </a:r>
+            <a:r>
+              <a:rPr lang="en-US" dirty="0"/>
+              <a:t>.</a:t>
+            </a:r>
+          </a:p>
+        </p:txBody>
+      </p:sp>
+    </p:spTree>
+    <p:extLst>
+      <p:ext uri="{BB962C8B-B14F-4D97-AF65-F5344CB8AC3E}">
+        <p14:creationId xmlns:p14="http://schemas.microsoft.com/office/powerpoint/2010/main" val="1654840679"/>
+      </p:ext>
+    </p:extLst>
+  </p:cSld>
+  <p:clrMapOvr>
+    <a:masterClrMapping/>
+  </p:clrMapOvr>
+</p:sld>
+</file>
+
 <file path=ppt/slides/slide21.xml><?xml version="1.0" encoding="utf-8"?>
 <p:sld xmlns:a="http://schemas.openxmlformats.org/drawingml/2006/main" xmlns:r="http://schemas.openxmlformats.org/officeDocument/2006/relationships" xmlns:p="http://schemas.openxmlformats.org/presentationml/2006/main">
   <p:cSld>
@@ -11443,7 +11653,7 @@
         <p:spPr>
           <a:xfrm>
             <a:off x="621792" y="430506"/>
-            <a:ext cx="4971233" cy="523220"/>
+            <a:ext cx="3054939" cy="523220"/>
           </a:xfrm>
           <a:prstGeom prst="rect">
             <a:avLst/>
@@ -11458,30 +11668,110 @@
           <a:p>
             <a:r>
               <a:rPr lang="en-US" sz="2800" dirty="0"/>
-              <a:t>Use </a:t>
-            </a:r>
-            <a:r>
-              <a:rPr lang="en-US" sz="2800" dirty="0" err="1"/>
-              <a:t>hasMultiplier</a:t>
-            </a:r>
-            <a:r>
-              <a:rPr lang="en-US" sz="2800" dirty="0"/>
-              <a:t> and </a:t>
-            </a:r>
-            <a:r>
-              <a:rPr lang="en-US" sz="2800" dirty="0" err="1"/>
-              <a:t>hasDivisor</a:t>
-            </a:r>
-            <a:endParaRPr lang="en-US" sz="2800" dirty="0"/>
-          </a:p>
-        </p:txBody>
-      </p:sp>
-      <p:sp>
-        <p:nvSpPr>
-          <p:cNvPr id="4" name="Slide Number Placeholder 3">
-            <a:extLst>
-              <a:ext uri="{FF2B5EF4-FFF2-40B4-BE49-F238E27FC236}">
-                <a16:creationId xmlns:a16="http://schemas.microsoft.com/office/drawing/2014/main" id="{37611A64-8E38-FBC4-E592-50F420EA08CE}"/>
+              <a:t>First add two things</a:t>
+            </a:r>
+          </a:p>
+        </p:txBody>
+      </p:sp>
+      <p:sp>
+        <p:nvSpPr>
+          <p:cNvPr id="3" name="TextBox 2">
+            <a:extLst>
+              <a:ext uri="{FF2B5EF4-FFF2-40B4-BE49-F238E27FC236}">
+                <a16:creationId xmlns:a16="http://schemas.microsoft.com/office/drawing/2014/main" id="{D582BA8E-C8B6-6EC9-763A-66184B850DCE}"/>
+              </a:ext>
+            </a:extLst>
+          </p:cNvPr>
+          <p:cNvSpPr txBox="1"/>
+          <p:nvPr/>
+        </p:nvSpPr>
+        <p:spPr>
+          <a:xfrm>
+            <a:off x="1008045" y="1972285"/>
+            <a:ext cx="10345756" cy="1754326"/>
+          </a:xfrm>
+          <a:prstGeom prst="rect">
+            <a:avLst/>
+          </a:prstGeom>
+          <a:noFill/>
+        </p:spPr>
+        <p:txBody>
+          <a:bodyPr wrap="square" rtlCol="0">
+            <a:spAutoFit/>
+          </a:bodyPr>
+          <a:lstStyle/>
+          <a:p>
+            <a:r>
+              <a:rPr lang="en-US" sz="1800" dirty="0"/>
+              <a:t>Run </a:t>
+            </a:r>
+            <a:r>
+              <a:rPr lang="en-US" sz="1800" dirty="0" err="1"/>
+              <a:t>useHasMagnitude.rq</a:t>
+            </a:r>
+            <a:r>
+              <a:rPr lang="en-US" sz="1800" dirty="0"/>
+              <a:t> to add </a:t>
+            </a:r>
+            <a:r>
+              <a:rPr lang="en-US" sz="1800" dirty="0" err="1"/>
+              <a:t>gist:hasMagnitude</a:t>
+            </a:r>
+            <a:r>
+              <a:rPr lang="en-US" sz="1800" dirty="0"/>
+              <a:t> wherever it is missing to relate a thing to a magnitude.</a:t>
+            </a:r>
+          </a:p>
+          <a:p>
+            <a:endParaRPr lang="en-US" dirty="0"/>
+          </a:p>
+          <a:p>
+            <a:r>
+              <a:rPr lang="en-US" sz="1800" dirty="0"/>
+              <a:t>Run </a:t>
+            </a:r>
+            <a:r>
+              <a:rPr lang="en-US" sz="1800" dirty="0" err="1"/>
+              <a:t>putMagnitudesInClass.rq</a:t>
+            </a:r>
+            <a:r>
+              <a:rPr lang="en-US" sz="1800" dirty="0"/>
+              <a:t>  to put every magnitude in the Magnitude class (if not already in it).</a:t>
+            </a:r>
+          </a:p>
+          <a:p>
+            <a:endParaRPr lang="en-US" dirty="0"/>
+          </a:p>
+          <a:p>
+            <a:r>
+              <a:rPr lang="en-US" dirty="0"/>
+              <a:t>Modify client artifacts so things are explicitly related to magnitudes using </a:t>
+            </a:r>
+            <a:r>
+              <a:rPr lang="en-US" dirty="0" err="1"/>
+              <a:t>hasMagnitude</a:t>
+            </a:r>
+            <a:r>
+              <a:rPr lang="en-US" dirty="0"/>
+              <a:t>, and every magnitude is in the Magnitude class (or </a:t>
+            </a:r>
+            <a:r>
+              <a:rPr lang="en-US" dirty="0" err="1"/>
+              <a:t>RequiredMagnitude</a:t>
+            </a:r>
+            <a:r>
+              <a:rPr lang="en-US" dirty="0"/>
+              <a:t>).</a:t>
+            </a:r>
+          </a:p>
+        </p:txBody>
+      </p:sp>
+      <p:sp>
+        <p:nvSpPr>
+          <p:cNvPr id="8" name="Slide Number Placeholder 7">
+            <a:extLst>
+              <a:ext uri="{FF2B5EF4-FFF2-40B4-BE49-F238E27FC236}">
+                <a16:creationId xmlns:a16="http://schemas.microsoft.com/office/drawing/2014/main" id="{C210C534-7D7D-0E24-BA52-13956D34C794}"/>
               </a:ext>
             </a:extLst>
           </p:cNvPr>
@@ -11507,360 +11797,26 @@
       </p:sp>
       <p:sp>
         <p:nvSpPr>
-          <p:cNvPr id="3" name="TextBox 2">
-            <a:extLst>
-              <a:ext uri="{FF2B5EF4-FFF2-40B4-BE49-F238E27FC236}">
-                <a16:creationId xmlns:a16="http://schemas.microsoft.com/office/drawing/2014/main" id="{D260E63F-1AF2-9855-3745-58441EF6C794}"/>
-              </a:ext>
-            </a:extLst>
-          </p:cNvPr>
-          <p:cNvSpPr txBox="1"/>
-          <p:nvPr/>
-        </p:nvSpPr>
-        <p:spPr>
-          <a:xfrm>
-            <a:off x="4326533" y="3579112"/>
-            <a:ext cx="1769467" cy="523220"/>
+          <p:cNvPr id="9" name="Rectangle 8">
+            <a:extLst>
+              <a:ext uri="{FF2B5EF4-FFF2-40B4-BE49-F238E27FC236}">
+                <a16:creationId xmlns:a16="http://schemas.microsoft.com/office/drawing/2014/main" id="{6FC29C24-9A62-F9A2-05B2-75D418268091}"/>
+              </a:ext>
+            </a:extLst>
+          </p:cNvPr>
+          <p:cNvSpPr/>
+          <p:nvPr/>
+        </p:nvSpPr>
+        <p:spPr>
+          <a:xfrm>
+            <a:off x="8036011" y="407423"/>
+            <a:ext cx="3892378" cy="569386"/>
           </a:xfrm>
           <a:prstGeom prst="rect">
             <a:avLst/>
           </a:prstGeom>
           <a:solidFill>
-            <a:schemeClr val="accent5">
-              <a:lumMod val="20000"/>
-              <a:lumOff val="80000"/>
-            </a:schemeClr>
-          </a:solidFill>
-        </p:spPr>
-        <p:txBody>
-          <a:bodyPr wrap="square">
-            <a:spAutoFit/>
-          </a:bodyPr>
-          <a:lstStyle/>
-          <a:p>
-            <a:r>
-              <a:rPr lang="en-US" sz="1400" dirty="0" err="1"/>
-              <a:t>gist:hasMultiplicand</a:t>
-            </a:r>
-            <a:endParaRPr lang="en-US" sz="1400" dirty="0"/>
-          </a:p>
-          <a:p>
-            <a:r>
-              <a:rPr lang="en-US" sz="1400" dirty="0" err="1"/>
-              <a:t>gist:hasNumerator</a:t>
-            </a:r>
-            <a:endParaRPr lang="en-US" sz="1400" dirty="0"/>
-          </a:p>
-        </p:txBody>
-      </p:sp>
-      <p:sp>
-        <p:nvSpPr>
-          <p:cNvPr id="5" name="TextBox 4">
-            <a:extLst>
-              <a:ext uri="{FF2B5EF4-FFF2-40B4-BE49-F238E27FC236}">
-                <a16:creationId xmlns:a16="http://schemas.microsoft.com/office/drawing/2014/main" id="{8287311B-E400-C30E-0226-D3DCC7D19317}"/>
-              </a:ext>
-            </a:extLst>
-          </p:cNvPr>
-          <p:cNvSpPr txBox="1"/>
-          <p:nvPr/>
-        </p:nvSpPr>
-        <p:spPr>
-          <a:xfrm>
-            <a:off x="6406196" y="3579112"/>
-            <a:ext cx="1769467" cy="523220"/>
-          </a:xfrm>
-          <a:prstGeom prst="rect">
-            <a:avLst/>
-          </a:prstGeom>
-          <a:solidFill>
-            <a:schemeClr val="accent5">
-              <a:lumMod val="20000"/>
-              <a:lumOff val="80000"/>
-            </a:schemeClr>
-          </a:solidFill>
-        </p:spPr>
-        <p:txBody>
-          <a:bodyPr wrap="square">
-            <a:spAutoFit/>
-          </a:bodyPr>
-          <a:lstStyle/>
-          <a:p>
-            <a:r>
-              <a:rPr lang="en-US" sz="1400" dirty="0" err="1"/>
-              <a:t>gist:hasDenominator</a:t>
-            </a:r>
-            <a:endParaRPr lang="en-US" sz="1400" dirty="0"/>
-          </a:p>
-          <a:p>
-            <a:endParaRPr lang="en-US" sz="1400" dirty="0"/>
-          </a:p>
-        </p:txBody>
-      </p:sp>
-      <p:sp>
-        <p:nvSpPr>
-          <p:cNvPr id="6" name="TextBox 5">
-            <a:extLst>
-              <a:ext uri="{FF2B5EF4-FFF2-40B4-BE49-F238E27FC236}">
-                <a16:creationId xmlns:a16="http://schemas.microsoft.com/office/drawing/2014/main" id="{0F5946DF-DEFD-0F55-C880-E3BC38B194E9}"/>
-              </a:ext>
-            </a:extLst>
-          </p:cNvPr>
-          <p:cNvSpPr txBox="1"/>
-          <p:nvPr/>
-        </p:nvSpPr>
-        <p:spPr>
-          <a:xfrm>
-            <a:off x="6406196" y="4903732"/>
-            <a:ext cx="1769467" cy="307777"/>
-          </a:xfrm>
-          <a:prstGeom prst="rect">
-            <a:avLst/>
-          </a:prstGeom>
-          <a:solidFill>
-            <a:schemeClr val="accent5">
-              <a:lumMod val="20000"/>
-              <a:lumOff val="80000"/>
-            </a:schemeClr>
-          </a:solidFill>
-        </p:spPr>
-        <p:txBody>
-          <a:bodyPr wrap="square">
-            <a:spAutoFit/>
-          </a:bodyPr>
-          <a:lstStyle/>
-          <a:p>
-            <a:r>
-              <a:rPr lang="en-US" sz="1400" dirty="0" err="1"/>
-              <a:t>gist:hasDivisor</a:t>
-            </a:r>
-            <a:endParaRPr lang="en-US" sz="1400" dirty="0"/>
-          </a:p>
-        </p:txBody>
-      </p:sp>
-      <p:sp>
-        <p:nvSpPr>
-          <p:cNvPr id="8" name="TextBox 7">
-            <a:extLst>
-              <a:ext uri="{FF2B5EF4-FFF2-40B4-BE49-F238E27FC236}">
-                <a16:creationId xmlns:a16="http://schemas.microsoft.com/office/drawing/2014/main" id="{DBD4E1EC-1D57-F79B-BE38-849BBB146D76}"/>
-              </a:ext>
-            </a:extLst>
-          </p:cNvPr>
-          <p:cNvSpPr txBox="1"/>
-          <p:nvPr/>
-        </p:nvSpPr>
-        <p:spPr>
-          <a:xfrm>
-            <a:off x="4326533" y="4903732"/>
-            <a:ext cx="1769467" cy="307777"/>
-          </a:xfrm>
-          <a:prstGeom prst="rect">
-            <a:avLst/>
-          </a:prstGeom>
-          <a:solidFill>
-            <a:schemeClr val="accent5">
-              <a:lumMod val="20000"/>
-              <a:lumOff val="80000"/>
-            </a:schemeClr>
-          </a:solidFill>
-        </p:spPr>
-        <p:txBody>
-          <a:bodyPr wrap="square">
-            <a:spAutoFit/>
-          </a:bodyPr>
-          <a:lstStyle/>
-          <a:p>
-            <a:r>
-              <a:rPr lang="en-US" sz="1400" dirty="0" err="1"/>
-              <a:t>gist:hasMultiplier</a:t>
-            </a:r>
-            <a:endParaRPr lang="en-US" sz="1400" dirty="0"/>
-          </a:p>
-        </p:txBody>
-      </p:sp>
-      <p:sp>
-        <p:nvSpPr>
-          <p:cNvPr id="9" name="Down Arrow 8">
-            <a:extLst>
-              <a:ext uri="{FF2B5EF4-FFF2-40B4-BE49-F238E27FC236}">
-                <a16:creationId xmlns:a16="http://schemas.microsoft.com/office/drawing/2014/main" id="{2B48973C-CEF0-A535-290F-43DECE07051E}"/>
-              </a:ext>
-            </a:extLst>
-          </p:cNvPr>
-          <p:cNvSpPr/>
-          <p:nvPr/>
-        </p:nvSpPr>
-        <p:spPr>
-          <a:xfrm>
-            <a:off x="6717905" y="4234808"/>
-            <a:ext cx="1146048" cy="536448"/>
-          </a:xfrm>
-          <a:prstGeom prst="downArrow">
-            <a:avLst/>
-          </a:prstGeom>
-          <a:ln>
-            <a:noFill/>
-          </a:ln>
-        </p:spPr>
-        <p:style>
-          <a:lnRef idx="2">
-            <a:schemeClr val="accent1">
-              <a:shade val="15000"/>
-            </a:schemeClr>
-          </a:lnRef>
-          <a:fillRef idx="1">
-            <a:schemeClr val="accent1"/>
-          </a:fillRef>
-          <a:effectRef idx="0">
-            <a:schemeClr val="accent1"/>
-          </a:effectRef>
-          <a:fontRef idx="minor">
-            <a:schemeClr val="lt1"/>
-          </a:fontRef>
-        </p:style>
-        <p:txBody>
-          <a:bodyPr rtlCol="0" anchor="ctr"/>
-          <a:lstStyle/>
-          <a:p>
-            <a:pPr algn="ctr"/>
-            <a:endParaRPr lang="en-US"/>
-          </a:p>
-        </p:txBody>
-      </p:sp>
-      <p:sp>
-        <p:nvSpPr>
-          <p:cNvPr id="10" name="Down Arrow 9">
-            <a:extLst>
-              <a:ext uri="{FF2B5EF4-FFF2-40B4-BE49-F238E27FC236}">
-                <a16:creationId xmlns:a16="http://schemas.microsoft.com/office/drawing/2014/main" id="{DE661D0F-7A19-D51E-F1BB-85203CAFF12C}"/>
-              </a:ext>
-            </a:extLst>
-          </p:cNvPr>
-          <p:cNvSpPr/>
-          <p:nvPr/>
-        </p:nvSpPr>
-        <p:spPr>
-          <a:xfrm>
-            <a:off x="4638242" y="4234808"/>
-            <a:ext cx="1146048" cy="536448"/>
-          </a:xfrm>
-          <a:prstGeom prst="downArrow">
-            <a:avLst/>
-          </a:prstGeom>
-          <a:ln>
-            <a:noFill/>
-          </a:ln>
-        </p:spPr>
-        <p:style>
-          <a:lnRef idx="2">
-            <a:schemeClr val="accent1">
-              <a:shade val="15000"/>
-            </a:schemeClr>
-          </a:lnRef>
-          <a:fillRef idx="1">
-            <a:schemeClr val="accent1"/>
-          </a:fillRef>
-          <a:effectRef idx="0">
-            <a:schemeClr val="accent1"/>
-          </a:effectRef>
-          <a:fontRef idx="minor">
-            <a:schemeClr val="lt1"/>
-          </a:fontRef>
-        </p:style>
-        <p:txBody>
-          <a:bodyPr rtlCol="0" anchor="ctr"/>
-          <a:lstStyle/>
-          <a:p>
-            <a:pPr algn="ctr"/>
-            <a:endParaRPr lang="en-US"/>
-          </a:p>
-        </p:txBody>
-      </p:sp>
-      <p:sp>
-        <p:nvSpPr>
-          <p:cNvPr id="12" name="TextBox 11">
-            <a:extLst>
-              <a:ext uri="{FF2B5EF4-FFF2-40B4-BE49-F238E27FC236}">
-                <a16:creationId xmlns:a16="http://schemas.microsoft.com/office/drawing/2014/main" id="{BF20285C-265B-6C32-F2EC-FB1CC83FDF0F}"/>
-              </a:ext>
-            </a:extLst>
-          </p:cNvPr>
-          <p:cNvSpPr txBox="1"/>
-          <p:nvPr/>
-        </p:nvSpPr>
-        <p:spPr>
-          <a:xfrm>
-            <a:off x="1453140" y="1500593"/>
-            <a:ext cx="10003379" cy="1754326"/>
-          </a:xfrm>
-          <a:prstGeom prst="rect">
-            <a:avLst/>
-          </a:prstGeom>
-          <a:noFill/>
-        </p:spPr>
-        <p:txBody>
-          <a:bodyPr wrap="none" rtlCol="0">
-            <a:spAutoFit/>
-          </a:bodyPr>
-          <a:lstStyle/>
-          <a:p>
-            <a:r>
-              <a:rPr lang="en-US" dirty="0"/>
-              <a:t>multiplierDivisor1.rq</a:t>
-            </a:r>
-          </a:p>
-          <a:p>
-            <a:r>
-              <a:rPr lang="en-US" dirty="0"/>
-              <a:t>multiplierDivisor2.rq (run repeatedly until it no longer makes changes)</a:t>
-            </a:r>
-          </a:p>
-          <a:p>
-            <a:r>
-              <a:rPr lang="en-US" dirty="0"/>
-              <a:t>multiplierDivisor3.rq</a:t>
-            </a:r>
-          </a:p>
-          <a:p>
-            <a:endParaRPr lang="en-US" dirty="0"/>
-          </a:p>
-          <a:p>
-            <a:r>
-              <a:rPr lang="en-US" dirty="0"/>
-              <a:t>Add this conversion to the end of the client data ingestion pipeline, or update transformations upstream.</a:t>
-            </a:r>
-          </a:p>
-          <a:p>
-            <a:r>
-              <a:rPr lang="en-US" dirty="0"/>
-              <a:t>Modify client artifacts that use these properties.</a:t>
-            </a:r>
-          </a:p>
-        </p:txBody>
-      </p:sp>
-      <p:sp>
-        <p:nvSpPr>
-          <p:cNvPr id="11" name="Rectangle 10">
-            <a:extLst>
-              <a:ext uri="{FF2B5EF4-FFF2-40B4-BE49-F238E27FC236}">
-                <a16:creationId xmlns:a16="http://schemas.microsoft.com/office/drawing/2014/main" id="{68B349C9-F9A3-CF70-4CE1-41EEF2A5DA9B}"/>
-              </a:ext>
-            </a:extLst>
-          </p:cNvPr>
-          <p:cNvSpPr/>
-          <p:nvPr/>
-        </p:nvSpPr>
-        <p:spPr>
-          <a:xfrm>
-            <a:off x="8036011" y="373081"/>
-            <a:ext cx="3892378" cy="569386"/>
-          </a:xfrm>
-          <a:prstGeom prst="rect">
-            <a:avLst/>
-          </a:prstGeom>
-          <a:solidFill>
-            <a:schemeClr val="accent5">
+            <a:schemeClr val="accent4">
               <a:lumMod val="75000"/>
             </a:schemeClr>
           </a:solidFill>
@@ -11889,88 +11845,7 @@
             <a:pPr algn="ctr"/>
             <a:r>
               <a:rPr lang="en-US" dirty="0"/>
-              <a:t>Flatten numerator/denominator data</a:t>
-            </a:r>
-          </a:p>
-        </p:txBody>
-      </p:sp>
-      <p:sp>
-        <p:nvSpPr>
-          <p:cNvPr id="13" name="TextBox 12">
-            <a:extLst>
-              <a:ext uri="{FF2B5EF4-FFF2-40B4-BE49-F238E27FC236}">
-                <a16:creationId xmlns:a16="http://schemas.microsoft.com/office/drawing/2014/main" id="{8818B3D4-FFC3-CD94-455E-97EA412E8987}"/>
-              </a:ext>
-            </a:extLst>
-          </p:cNvPr>
-          <p:cNvSpPr txBox="1"/>
-          <p:nvPr/>
-        </p:nvSpPr>
-        <p:spPr>
-          <a:xfrm>
-            <a:off x="1453140" y="5573406"/>
-            <a:ext cx="6722523" cy="646331"/>
-          </a:xfrm>
-          <a:prstGeom prst="rect">
-            <a:avLst/>
-          </a:prstGeom>
-          <a:noFill/>
-        </p:spPr>
-        <p:txBody>
-          <a:bodyPr wrap="square">
-            <a:spAutoFit/>
-          </a:bodyPr>
-          <a:lstStyle/>
-          <a:p>
-            <a:r>
-              <a:rPr lang="en-US" dirty="0"/>
-              <a:t>Modify client artifacts to use </a:t>
-            </a:r>
-            <a:r>
-              <a:rPr lang="en-US" dirty="0" err="1"/>
-              <a:t>hasMultiplier</a:t>
-            </a:r>
-            <a:r>
-              <a:rPr lang="en-US" dirty="0"/>
-              <a:t> and </a:t>
-            </a:r>
-            <a:r>
-              <a:rPr lang="en-US" dirty="0" err="1"/>
-              <a:t>hasDivisor</a:t>
-            </a:r>
-            <a:r>
-              <a:rPr lang="en-US" dirty="0"/>
-              <a:t>, </a:t>
-            </a:r>
-          </a:p>
-          <a:p>
-            <a:r>
-              <a:rPr lang="en-US" dirty="0"/>
-              <a:t>and stop using </a:t>
-            </a:r>
-            <a:r>
-              <a:rPr lang="en-US" dirty="0" err="1"/>
-              <a:t>hasMultiplican</a:t>
-            </a:r>
-            <a:r>
-              <a:rPr lang="en-US" dirty="0"/>
-              <a:t>, </a:t>
-            </a:r>
-            <a:r>
-              <a:rPr lang="en-US" dirty="0" err="1"/>
-              <a:t>hasNumerator</a:t>
-            </a:r>
-            <a:r>
-              <a:rPr lang="en-US" dirty="0"/>
-              <a:t>, and </a:t>
-            </a:r>
-            <a:r>
-              <a:rPr lang="en-US" dirty="0" err="1"/>
-              <a:t>hasDenominator</a:t>
-            </a:r>
-            <a:r>
-              <a:rPr lang="en-US" dirty="0"/>
-              <a:t>.</a:t>
+              <a:t>Remove things no longer needed</a:t>
             </a:r>
           </a:p>
         </p:txBody>
@@ -11978,7 +11853,7 @@
     </p:spTree>
     <p:extLst>
       <p:ext uri="{BB962C8B-B14F-4D97-AF65-F5344CB8AC3E}">
-        <p14:creationId xmlns:p14="http://schemas.microsoft.com/office/powerpoint/2010/main" val="1654840679"/>
+        <p14:creationId xmlns:p14="http://schemas.microsoft.com/office/powerpoint/2010/main" val="2245758904"/>
       </p:ext>
     </p:extLst>
   </p:cSld>
@@ -12020,7 +11895,7 @@
         <p:spPr>
           <a:xfrm>
             <a:off x="621792" y="430506"/>
-            <a:ext cx="3054939" cy="523220"/>
+            <a:ext cx="3079497" cy="523220"/>
           </a:xfrm>
           <a:prstGeom prst="rect">
             <a:avLst/>
@@ -12035,7 +11910,7 @@
           <a:p>
             <a:r>
               <a:rPr lang="en-US" sz="2800" dirty="0"/>
-              <a:t>First add two things</a:t>
+              <a:t>Remove old aspects</a:t>
             </a:r>
           </a:p>
         </p:txBody>
@@ -12054,8 +11929,8 @@
         </p:nvSpPr>
         <p:spPr>
           <a:xfrm>
-            <a:off x="1008045" y="1972285"/>
-            <a:ext cx="10345756" cy="1754326"/>
+            <a:off x="1008044" y="1972285"/>
+            <a:ext cx="5685403" cy="1200329"/>
           </a:xfrm>
           <a:prstGeom prst="rect">
             <a:avLst/>
@@ -12063,30 +11938,14 @@
           <a:noFill/>
         </p:spPr>
         <p:txBody>
-          <a:bodyPr wrap="square" rtlCol="0">
+          <a:bodyPr wrap="none" rtlCol="0">
             <a:spAutoFit/>
           </a:bodyPr>
           <a:lstStyle/>
           <a:p>
             <a:r>
-              <a:rPr lang="en-US" sz="1800" dirty="0"/>
-              <a:t>Run </a:t>
-            </a:r>
-            <a:r>
-              <a:rPr lang="en-US" sz="1800" dirty="0" err="1"/>
-              <a:t>useHasMagnitude.rq</a:t>
-            </a:r>
-            <a:r>
-              <a:rPr lang="en-US" sz="1800" dirty="0"/>
-              <a:t> to add </a:t>
-            </a:r>
-            <a:r>
-              <a:rPr lang="en-US" sz="1800" dirty="0" err="1"/>
-              <a:t>gist:hasMagnitude</a:t>
-            </a:r>
-            <a:r>
-              <a:rPr lang="en-US" sz="1800" dirty="0"/>
-              <a:t> wherever it is missing to relate a thing to a magnitude.</a:t>
+              <a:rPr lang="en-US" dirty="0"/>
+              <a:t>Edit and run removeOldAspects1 and removeOldAspects2.</a:t>
             </a:r>
           </a:p>
           <a:p>
@@ -12094,42 +11953,12 @@
           </a:p>
           <a:p>
             <a:r>
-              <a:rPr lang="en-US" sz="1800" dirty="0"/>
-              <a:t>Run </a:t>
-            </a:r>
-            <a:r>
-              <a:rPr lang="en-US" sz="1800" dirty="0" err="1"/>
-              <a:t>putMagnitudesInClass.rq</a:t>
-            </a:r>
-            <a:r>
-              <a:rPr lang="en-US" sz="1800" dirty="0"/>
-              <a:t>  to put every magnitude in the Magnitude class (if not already in it).</a:t>
+              <a:rPr lang="en-US" dirty="0"/>
+              <a:t>Modify client artifacts that create or use these old aspects.</a:t>
             </a:r>
           </a:p>
           <a:p>
             <a:endParaRPr lang="en-US" dirty="0"/>
-          </a:p>
-          <a:p>
-            <a:r>
-              <a:rPr lang="en-US" dirty="0"/>
-              <a:t>Modify client artifacts so things are explicitly related to magnitudes using </a:t>
-            </a:r>
-            <a:r>
-              <a:rPr lang="en-US" dirty="0" err="1"/>
-              <a:t>hasMagnitude</a:t>
-            </a:r>
-            <a:r>
-              <a:rPr lang="en-US" dirty="0"/>
-              <a:t>, and every magnitude is in the Magnitude class (or </a:t>
-            </a:r>
-            <a:r>
-              <a:rPr lang="en-US" dirty="0" err="1"/>
-              <a:t>RequiredMagnitude</a:t>
-            </a:r>
-            <a:r>
-              <a:rPr lang="en-US" dirty="0"/>
-              <a:t>).</a:t>
-            </a:r>
           </a:p>
         </p:txBody>
       </p:sp>
@@ -12220,7 +12049,7 @@
     </p:spTree>
     <p:extLst>
       <p:ext uri="{BB962C8B-B14F-4D97-AF65-F5344CB8AC3E}">
-        <p14:creationId xmlns:p14="http://schemas.microsoft.com/office/powerpoint/2010/main" val="2245758904"/>
+        <p14:creationId xmlns:p14="http://schemas.microsoft.com/office/powerpoint/2010/main" val="3115174481"/>
       </p:ext>
     </p:extLst>
   </p:cSld>
@@ -12262,7 +12091,7 @@
         <p:spPr>
           <a:xfrm>
             <a:off x="621792" y="430506"/>
-            <a:ext cx="3079497" cy="523220"/>
+            <a:ext cx="6491585" cy="523220"/>
           </a:xfrm>
           <a:prstGeom prst="rect">
             <a:avLst/>
@@ -12277,64 +12106,17 @@
           <a:p>
             <a:r>
               <a:rPr lang="en-US" sz="2800" dirty="0"/>
-              <a:t>Remove old aspects</a:t>
-            </a:r>
-          </a:p>
-        </p:txBody>
-      </p:sp>
-      <p:sp>
-        <p:nvSpPr>
-          <p:cNvPr id="3" name="TextBox 2">
-            <a:extLst>
-              <a:ext uri="{FF2B5EF4-FFF2-40B4-BE49-F238E27FC236}">
-                <a16:creationId xmlns:a16="http://schemas.microsoft.com/office/drawing/2014/main" id="{D582BA8E-C8B6-6EC9-763A-66184B850DCE}"/>
-              </a:ext>
-            </a:extLst>
-          </p:cNvPr>
-          <p:cNvSpPr txBox="1"/>
-          <p:nvPr/>
-        </p:nvSpPr>
-        <p:spPr>
-          <a:xfrm>
-            <a:off x="1008044" y="1972285"/>
-            <a:ext cx="5685403" cy="1200329"/>
-          </a:xfrm>
-          <a:prstGeom prst="rect">
-            <a:avLst/>
-          </a:prstGeom>
-          <a:noFill/>
-        </p:spPr>
-        <p:txBody>
-          <a:bodyPr wrap="none" rtlCol="0">
-            <a:spAutoFit/>
-          </a:bodyPr>
-          <a:lstStyle/>
-          <a:p>
-            <a:r>
-              <a:rPr lang="en-US" dirty="0"/>
-              <a:t>Edit and run removeOldAspects1 and removeOldAspects2.</a:t>
-            </a:r>
-          </a:p>
-          <a:p>
-            <a:endParaRPr lang="en-US" dirty="0"/>
-          </a:p>
-          <a:p>
-            <a:r>
-              <a:rPr lang="en-US" dirty="0"/>
-              <a:t>Modify client artifacts that create or use these old aspects.</a:t>
-            </a:r>
-          </a:p>
-          <a:p>
-            <a:endParaRPr lang="en-US" dirty="0"/>
-          </a:p>
-        </p:txBody>
-      </p:sp>
-      <p:sp>
-        <p:nvSpPr>
-          <p:cNvPr id="8" name="Slide Number Placeholder 7">
-            <a:extLst>
-              <a:ext uri="{FF2B5EF4-FFF2-40B4-BE49-F238E27FC236}">
-                <a16:creationId xmlns:a16="http://schemas.microsoft.com/office/drawing/2014/main" id="{C210C534-7D7D-0E24-BA52-13956D34C794}"/>
+              <a:t>Remove other properties no longer needed</a:t>
+            </a:r>
+          </a:p>
+        </p:txBody>
+      </p:sp>
+      <p:sp>
+        <p:nvSpPr>
+          <p:cNvPr id="5" name="Slide Number Placeholder 4">
+            <a:extLst>
+              <a:ext uri="{FF2B5EF4-FFF2-40B4-BE49-F238E27FC236}">
+                <a16:creationId xmlns:a16="http://schemas.microsoft.com/office/drawing/2014/main" id="{CE04CE70-A0FB-AFA0-B7E0-904532F99C3D}"/>
               </a:ext>
             </a:extLst>
           </p:cNvPr>
@@ -12354,16 +12136,227 @@
               <a:rPr lang="en-US" smtClean="0"/>
               <a:t>23</a:t>
             </a:fld>
+            <a:endParaRPr lang="en-US" dirty="0"/>
+          </a:p>
+        </p:txBody>
+      </p:sp>
+      <p:sp>
+        <p:nvSpPr>
+          <p:cNvPr id="4" name="TextBox 3">
+            <a:extLst>
+              <a:ext uri="{FF2B5EF4-FFF2-40B4-BE49-F238E27FC236}">
+                <a16:creationId xmlns:a16="http://schemas.microsoft.com/office/drawing/2014/main" id="{160CED60-7C75-7582-081E-5088C6C35F65}"/>
+              </a:ext>
+            </a:extLst>
+          </p:cNvPr>
+          <p:cNvSpPr txBox="1"/>
+          <p:nvPr/>
+        </p:nvSpPr>
+        <p:spPr>
+          <a:xfrm>
+            <a:off x="784260" y="1485812"/>
+            <a:ext cx="8672892" cy="369332"/>
+          </a:xfrm>
+          <a:prstGeom prst="rect">
+            <a:avLst/>
+          </a:prstGeom>
+          <a:noFill/>
+        </p:spPr>
+        <p:txBody>
+          <a:bodyPr wrap="square">
+            <a:spAutoFit/>
+          </a:bodyPr>
+          <a:lstStyle/>
+          <a:p>
+            <a:r>
+              <a:rPr lang="en-US" dirty="0"/>
+              <a:t>Remove triples that use properties no longer needed.</a:t>
+            </a:r>
+          </a:p>
+        </p:txBody>
+      </p:sp>
+      <p:sp>
+        <p:nvSpPr>
+          <p:cNvPr id="10" name="TextBox 9">
+            <a:extLst>
+              <a:ext uri="{FF2B5EF4-FFF2-40B4-BE49-F238E27FC236}">
+                <a16:creationId xmlns:a16="http://schemas.microsoft.com/office/drawing/2014/main" id="{DEEFA72E-6219-390B-7A79-0F35D6B33D57}"/>
+              </a:ext>
+            </a:extLst>
+          </p:cNvPr>
+          <p:cNvSpPr txBox="1"/>
+          <p:nvPr/>
+        </p:nvSpPr>
+        <p:spPr>
+          <a:xfrm>
+            <a:off x="3740808" y="2404619"/>
+            <a:ext cx="2464287" cy="1200329"/>
+          </a:xfrm>
+          <a:prstGeom prst="rect">
+            <a:avLst/>
+          </a:prstGeom>
+          <a:solidFill>
+            <a:schemeClr val="accent5">
+              <a:lumMod val="20000"/>
+              <a:lumOff val="80000"/>
+            </a:schemeClr>
+          </a:solidFill>
+        </p:spPr>
+        <p:txBody>
+          <a:bodyPr wrap="square">
+            <a:spAutoFit/>
+          </a:bodyPr>
+          <a:lstStyle/>
+          <a:p>
+            <a:r>
+              <a:rPr lang="en-US" dirty="0" err="1"/>
+              <a:t>gist:hasBaseUnit</a:t>
+            </a:r>
+            <a:endParaRPr lang="en-US" dirty="0"/>
+          </a:p>
+          <a:p>
+            <a:r>
+              <a:rPr lang="en-US" dirty="0" err="1"/>
+              <a:t>gist:hasStandardUnit</a:t>
+            </a:r>
+            <a:endParaRPr lang="en-US" dirty="0"/>
+          </a:p>
+          <a:p>
+            <a:r>
+              <a:rPr lang="en-US" dirty="0" err="1"/>
+              <a:t>gist:isAspectOf</a:t>
+            </a:r>
+            <a:endParaRPr lang="en-US" dirty="0"/>
+          </a:p>
+          <a:p>
+            <a:r>
+              <a:rPr lang="en-US" dirty="0"/>
+              <a:t>etc.</a:t>
+            </a:r>
+          </a:p>
+        </p:txBody>
+      </p:sp>
+      <p:sp>
+        <p:nvSpPr>
+          <p:cNvPr id="12" name="Down Arrow 11">
+            <a:extLst>
+              <a:ext uri="{FF2B5EF4-FFF2-40B4-BE49-F238E27FC236}">
+                <a16:creationId xmlns:a16="http://schemas.microsoft.com/office/drawing/2014/main" id="{235CB0A1-BCDB-9E3D-2041-5D494517CE6F}"/>
+              </a:ext>
+            </a:extLst>
+          </p:cNvPr>
+          <p:cNvSpPr/>
+          <p:nvPr/>
+        </p:nvSpPr>
+        <p:spPr>
+          <a:xfrm>
+            <a:off x="4399927" y="3749057"/>
+            <a:ext cx="1146048" cy="536448"/>
+          </a:xfrm>
+          <a:prstGeom prst="downArrow">
+            <a:avLst/>
+          </a:prstGeom>
+          <a:ln>
+            <a:noFill/>
+          </a:ln>
+        </p:spPr>
+        <p:style>
+          <a:lnRef idx="2">
+            <a:schemeClr val="accent1">
+              <a:shade val="15000"/>
+            </a:schemeClr>
+          </a:lnRef>
+          <a:fillRef idx="1">
+            <a:schemeClr val="accent1"/>
+          </a:fillRef>
+          <a:effectRef idx="0">
+            <a:schemeClr val="accent1"/>
+          </a:effectRef>
+          <a:fontRef idx="minor">
+            <a:schemeClr val="lt1"/>
+          </a:fontRef>
+        </p:style>
+        <p:txBody>
+          <a:bodyPr rtlCol="0" anchor="ctr"/>
+          <a:lstStyle/>
+          <a:p>
+            <a:pPr algn="ctr"/>
             <a:endParaRPr lang="en-US"/>
           </a:p>
         </p:txBody>
       </p:sp>
-      <p:sp>
-        <p:nvSpPr>
-          <p:cNvPr id="9" name="Rectangle 8">
-            <a:extLst>
-              <a:ext uri="{FF2B5EF4-FFF2-40B4-BE49-F238E27FC236}">
-                <a16:creationId xmlns:a16="http://schemas.microsoft.com/office/drawing/2014/main" id="{6FC29C24-9A62-F9A2-05B2-75D418268091}"/>
+      <p:pic>
+        <p:nvPicPr>
+          <p:cNvPr id="14" name="Picture 13">
+            <a:extLst>
+              <a:ext uri="{FF2B5EF4-FFF2-40B4-BE49-F238E27FC236}">
+                <a16:creationId xmlns:a16="http://schemas.microsoft.com/office/drawing/2014/main" id="{9D3492A1-6F48-6AF7-AA91-BF7DA816204E}"/>
+              </a:ext>
+            </a:extLst>
+          </p:cNvPr>
+          <p:cNvPicPr>
+            <a:picLocks noChangeAspect="1"/>
+          </p:cNvPicPr>
+          <p:nvPr/>
+        </p:nvPicPr>
+        <p:blipFill>
+          <a:blip r:embed="rId2"/>
+          <a:stretch>
+            <a:fillRect/>
+          </a:stretch>
+        </p:blipFill>
+        <p:spPr>
+          <a:xfrm>
+            <a:off x="4573953" y="4391128"/>
+            <a:ext cx="797996" cy="797996"/>
+          </a:xfrm>
+          <a:prstGeom prst="rect">
+            <a:avLst/>
+          </a:prstGeom>
+        </p:spPr>
+      </p:pic>
+      <p:sp>
+        <p:nvSpPr>
+          <p:cNvPr id="3" name="TextBox 2">
+            <a:extLst>
+              <a:ext uri="{FF2B5EF4-FFF2-40B4-BE49-F238E27FC236}">
+                <a16:creationId xmlns:a16="http://schemas.microsoft.com/office/drawing/2014/main" id="{905FB624-6281-E82F-1A26-B4C8B047B472}"/>
+              </a:ext>
+            </a:extLst>
+          </p:cNvPr>
+          <p:cNvSpPr txBox="1"/>
+          <p:nvPr/>
+        </p:nvSpPr>
+        <p:spPr>
+          <a:xfrm>
+            <a:off x="5806677" y="3832615"/>
+            <a:ext cx="2452594" cy="369332"/>
+          </a:xfrm>
+          <a:prstGeom prst="rect">
+            <a:avLst/>
+          </a:prstGeom>
+          <a:noFill/>
+        </p:spPr>
+        <p:txBody>
+          <a:bodyPr wrap="none" rtlCol="0">
+            <a:spAutoFit/>
+          </a:bodyPr>
+          <a:lstStyle/>
+          <a:p>
+            <a:r>
+              <a:rPr lang="en-US" dirty="0" err="1"/>
+              <a:t>removeOldProperties.rq</a:t>
+            </a:r>
+            <a:endParaRPr lang="en-US" dirty="0"/>
+          </a:p>
+        </p:txBody>
+      </p:sp>
+      <p:sp>
+        <p:nvSpPr>
+          <p:cNvPr id="6" name="Rectangle 5">
+            <a:extLst>
+              <a:ext uri="{FF2B5EF4-FFF2-40B4-BE49-F238E27FC236}">
+                <a16:creationId xmlns:a16="http://schemas.microsoft.com/office/drawing/2014/main" id="{45C1ABD5-F746-0039-97C2-E6037E59422E}"/>
               </a:ext>
             </a:extLst>
           </p:cNvPr>
@@ -12413,10 +12406,45 @@
           </a:p>
         </p:txBody>
       </p:sp>
+      <p:sp>
+        <p:nvSpPr>
+          <p:cNvPr id="2" name="TextBox 1">
+            <a:extLst>
+              <a:ext uri="{FF2B5EF4-FFF2-40B4-BE49-F238E27FC236}">
+                <a16:creationId xmlns:a16="http://schemas.microsoft.com/office/drawing/2014/main" id="{14EDCC78-1C42-71EB-8571-6BA64754BBE3}"/>
+              </a:ext>
+            </a:extLst>
+          </p:cNvPr>
+          <p:cNvSpPr txBox="1"/>
+          <p:nvPr/>
+        </p:nvSpPr>
+        <p:spPr>
+          <a:xfrm>
+            <a:off x="925286" y="5769429"/>
+            <a:ext cx="7333739" cy="369332"/>
+          </a:xfrm>
+          <a:prstGeom prst="rect">
+            <a:avLst/>
+          </a:prstGeom>
+          <a:noFill/>
+        </p:spPr>
+        <p:txBody>
+          <a:bodyPr wrap="none" rtlCol="0">
+            <a:spAutoFit/>
+          </a:bodyPr>
+          <a:lstStyle/>
+          <a:p>
+            <a:r>
+              <a:rPr lang="en-US" dirty="0"/>
+              <a:t>Modify artifacts that use these properties (data ingestion, data queries, etc.)</a:t>
+            </a:r>
+          </a:p>
+        </p:txBody>
+      </p:sp>
     </p:spTree>
     <p:extLst>
       <p:ext uri="{BB962C8B-B14F-4D97-AF65-F5344CB8AC3E}">
-        <p14:creationId xmlns:p14="http://schemas.microsoft.com/office/powerpoint/2010/main" val="3115174481"/>
+        <p14:creationId xmlns:p14="http://schemas.microsoft.com/office/powerpoint/2010/main" val="2540380502"/>
       </p:ext>
     </p:extLst>
   </p:cSld>
@@ -12458,7 +12486,7 @@
         <p:spPr>
           <a:xfrm>
             <a:off x="621792" y="430506"/>
-            <a:ext cx="6491585" cy="523220"/>
+            <a:ext cx="6370655" cy="523220"/>
           </a:xfrm>
           <a:prstGeom prst="rect">
             <a:avLst/>
@@ -12473,17 +12501,103 @@
           <a:p>
             <a:r>
               <a:rPr lang="en-US" sz="2800" dirty="0"/>
-              <a:t>Remove other properties no longer needed</a:t>
-            </a:r>
-          </a:p>
-        </p:txBody>
-      </p:sp>
-      <p:sp>
-        <p:nvSpPr>
-          <p:cNvPr id="5" name="Slide Number Placeholder 4">
-            <a:extLst>
-              <a:ext uri="{FF2B5EF4-FFF2-40B4-BE49-F238E27FC236}">
-                <a16:creationId xmlns:a16="http://schemas.microsoft.com/office/drawing/2014/main" id="{CE04CE70-A0FB-AFA0-B7E0-904532F99C3D}"/>
+              <a:t>Update related ontologies and taxonomies</a:t>
+            </a:r>
+          </a:p>
+        </p:txBody>
+      </p:sp>
+      <p:sp>
+        <p:nvSpPr>
+          <p:cNvPr id="5" name="TextBox 4">
+            <a:extLst>
+              <a:ext uri="{FF2B5EF4-FFF2-40B4-BE49-F238E27FC236}">
+                <a16:creationId xmlns:a16="http://schemas.microsoft.com/office/drawing/2014/main" id="{9230CA90-241D-000B-3918-53EBA011637D}"/>
+              </a:ext>
+            </a:extLst>
+          </p:cNvPr>
+          <p:cNvSpPr txBox="1"/>
+          <p:nvPr/>
+        </p:nvSpPr>
+        <p:spPr>
+          <a:xfrm>
+            <a:off x="1758908" y="1912253"/>
+            <a:ext cx="7978403" cy="1754326"/>
+          </a:xfrm>
+          <a:prstGeom prst="rect">
+            <a:avLst/>
+          </a:prstGeom>
+          <a:noFill/>
+        </p:spPr>
+        <p:txBody>
+          <a:bodyPr wrap="none" rtlCol="0">
+            <a:spAutoFit/>
+          </a:bodyPr>
+          <a:lstStyle/>
+          <a:p>
+            <a:r>
+              <a:rPr lang="en-US" dirty="0"/>
+              <a:t>Update ontologies or taxonomies to remove entries that are no longer needed, e.g.</a:t>
+            </a:r>
+          </a:p>
+          <a:p>
+            <a:endParaRPr lang="en-US" dirty="0"/>
+          </a:p>
+          <a:p>
+            <a:pPr marL="742950" lvl="1" indent="-285750">
+              <a:buFont typeface="Arial" panose="020B0604020202020204" pitchFamily="34" charset="0"/>
+              <a:buChar char="•"/>
+            </a:pPr>
+            <a:r>
+              <a:rPr lang="en-US" dirty="0"/>
+              <a:t>subclasses of Magnitude used to represent aspects</a:t>
+            </a:r>
+          </a:p>
+          <a:p>
+            <a:pPr marL="742950" lvl="1" indent="-285750">
+              <a:buFont typeface="Arial" panose="020B0604020202020204" pitchFamily="34" charset="0"/>
+              <a:buChar char="•"/>
+            </a:pPr>
+            <a:r>
+              <a:rPr lang="en-US" dirty="0"/>
+              <a:t>subclasses of </a:t>
+            </a:r>
+            <a:r>
+              <a:rPr lang="en-US" dirty="0" err="1"/>
+              <a:t>UnitOfMeasure</a:t>
+            </a:r>
+            <a:r>
+              <a:rPr lang="en-US" dirty="0"/>
+              <a:t> </a:t>
+            </a:r>
+          </a:p>
+          <a:p>
+            <a:pPr marL="742950" lvl="1" indent="-285750">
+              <a:buFont typeface="Arial" panose="020B0604020202020204" pitchFamily="34" charset="0"/>
+              <a:buChar char="•"/>
+            </a:pPr>
+            <a:r>
+              <a:rPr lang="en-US" dirty="0"/>
+              <a:t>properties that are aspect-specific</a:t>
+            </a:r>
+          </a:p>
+          <a:p>
+            <a:pPr marL="742950" lvl="1" indent="-285750">
+              <a:buFont typeface="Arial" panose="020B0604020202020204" pitchFamily="34" charset="0"/>
+              <a:buChar char="•"/>
+            </a:pPr>
+            <a:r>
+              <a:rPr lang="en-US" dirty="0"/>
+              <a:t>categories that are used as aspects</a:t>
+            </a:r>
+          </a:p>
+        </p:txBody>
+      </p:sp>
+      <p:sp>
+        <p:nvSpPr>
+          <p:cNvPr id="11" name="Slide Number Placeholder 10">
+            <a:extLst>
+              <a:ext uri="{FF2B5EF4-FFF2-40B4-BE49-F238E27FC236}">
+                <a16:creationId xmlns:a16="http://schemas.microsoft.com/office/drawing/2014/main" id="{4966F9B0-0DD0-DD3B-1DDC-FCFFA721EE71}"/>
               </a:ext>
             </a:extLst>
           </p:cNvPr>
@@ -12502,487 +12616,6 @@
             <a:fld id="{DFC5857C-79A0-744F-8800-F0AD89C321B2}" type="slidenum">
               <a:rPr lang="en-US" smtClean="0"/>
               <a:t>24</a:t>
-            </a:fld>
-            <a:endParaRPr lang="en-US" dirty="0"/>
-          </a:p>
-        </p:txBody>
-      </p:sp>
-      <p:sp>
-        <p:nvSpPr>
-          <p:cNvPr id="4" name="TextBox 3">
-            <a:extLst>
-              <a:ext uri="{FF2B5EF4-FFF2-40B4-BE49-F238E27FC236}">
-                <a16:creationId xmlns:a16="http://schemas.microsoft.com/office/drawing/2014/main" id="{160CED60-7C75-7582-081E-5088C6C35F65}"/>
-              </a:ext>
-            </a:extLst>
-          </p:cNvPr>
-          <p:cNvSpPr txBox="1"/>
-          <p:nvPr/>
-        </p:nvSpPr>
-        <p:spPr>
-          <a:xfrm>
-            <a:off x="784260" y="1485812"/>
-            <a:ext cx="8672892" cy="369332"/>
-          </a:xfrm>
-          <a:prstGeom prst="rect">
-            <a:avLst/>
-          </a:prstGeom>
-          <a:noFill/>
-        </p:spPr>
-        <p:txBody>
-          <a:bodyPr wrap="square">
-            <a:spAutoFit/>
-          </a:bodyPr>
-          <a:lstStyle/>
-          <a:p>
-            <a:r>
-              <a:rPr lang="en-US" dirty="0"/>
-              <a:t>Remove triples that use properties no longer needed.</a:t>
-            </a:r>
-          </a:p>
-        </p:txBody>
-      </p:sp>
-      <p:sp>
-        <p:nvSpPr>
-          <p:cNvPr id="10" name="TextBox 9">
-            <a:extLst>
-              <a:ext uri="{FF2B5EF4-FFF2-40B4-BE49-F238E27FC236}">
-                <a16:creationId xmlns:a16="http://schemas.microsoft.com/office/drawing/2014/main" id="{DEEFA72E-6219-390B-7A79-0F35D6B33D57}"/>
-              </a:ext>
-            </a:extLst>
-          </p:cNvPr>
-          <p:cNvSpPr txBox="1"/>
-          <p:nvPr/>
-        </p:nvSpPr>
-        <p:spPr>
-          <a:xfrm>
-            <a:off x="3740808" y="2404619"/>
-            <a:ext cx="2464287" cy="1200329"/>
-          </a:xfrm>
-          <a:prstGeom prst="rect">
-            <a:avLst/>
-          </a:prstGeom>
-          <a:solidFill>
-            <a:schemeClr val="accent5">
-              <a:lumMod val="20000"/>
-              <a:lumOff val="80000"/>
-            </a:schemeClr>
-          </a:solidFill>
-        </p:spPr>
-        <p:txBody>
-          <a:bodyPr wrap="square">
-            <a:spAutoFit/>
-          </a:bodyPr>
-          <a:lstStyle/>
-          <a:p>
-            <a:r>
-              <a:rPr lang="en-US" dirty="0" err="1"/>
-              <a:t>gist:hasBaseUnit</a:t>
-            </a:r>
-            <a:endParaRPr lang="en-US" dirty="0"/>
-          </a:p>
-          <a:p>
-            <a:r>
-              <a:rPr lang="en-US" dirty="0" err="1"/>
-              <a:t>gist:hasStandardUnit</a:t>
-            </a:r>
-            <a:endParaRPr lang="en-US" dirty="0"/>
-          </a:p>
-          <a:p>
-            <a:r>
-              <a:rPr lang="en-US" dirty="0" err="1"/>
-              <a:t>gist:isAspectOf</a:t>
-            </a:r>
-            <a:endParaRPr lang="en-US" dirty="0"/>
-          </a:p>
-          <a:p>
-            <a:r>
-              <a:rPr lang="en-US" dirty="0"/>
-              <a:t>etc.</a:t>
-            </a:r>
-          </a:p>
-        </p:txBody>
-      </p:sp>
-      <p:sp>
-        <p:nvSpPr>
-          <p:cNvPr id="12" name="Down Arrow 11">
-            <a:extLst>
-              <a:ext uri="{FF2B5EF4-FFF2-40B4-BE49-F238E27FC236}">
-                <a16:creationId xmlns:a16="http://schemas.microsoft.com/office/drawing/2014/main" id="{235CB0A1-BCDB-9E3D-2041-5D494517CE6F}"/>
-              </a:ext>
-            </a:extLst>
-          </p:cNvPr>
-          <p:cNvSpPr/>
-          <p:nvPr/>
-        </p:nvSpPr>
-        <p:spPr>
-          <a:xfrm>
-            <a:off x="4399927" y="3749057"/>
-            <a:ext cx="1146048" cy="536448"/>
-          </a:xfrm>
-          <a:prstGeom prst="downArrow">
-            <a:avLst/>
-          </a:prstGeom>
-          <a:ln>
-            <a:noFill/>
-          </a:ln>
-        </p:spPr>
-        <p:style>
-          <a:lnRef idx="2">
-            <a:schemeClr val="accent1">
-              <a:shade val="15000"/>
-            </a:schemeClr>
-          </a:lnRef>
-          <a:fillRef idx="1">
-            <a:schemeClr val="accent1"/>
-          </a:fillRef>
-          <a:effectRef idx="0">
-            <a:schemeClr val="accent1"/>
-          </a:effectRef>
-          <a:fontRef idx="minor">
-            <a:schemeClr val="lt1"/>
-          </a:fontRef>
-        </p:style>
-        <p:txBody>
-          <a:bodyPr rtlCol="0" anchor="ctr"/>
-          <a:lstStyle/>
-          <a:p>
-            <a:pPr algn="ctr"/>
-            <a:endParaRPr lang="en-US"/>
-          </a:p>
-        </p:txBody>
-      </p:sp>
-      <p:pic>
-        <p:nvPicPr>
-          <p:cNvPr id="14" name="Picture 13">
-            <a:extLst>
-              <a:ext uri="{FF2B5EF4-FFF2-40B4-BE49-F238E27FC236}">
-                <a16:creationId xmlns:a16="http://schemas.microsoft.com/office/drawing/2014/main" id="{9D3492A1-6F48-6AF7-AA91-BF7DA816204E}"/>
-              </a:ext>
-            </a:extLst>
-          </p:cNvPr>
-          <p:cNvPicPr>
-            <a:picLocks noChangeAspect="1"/>
-          </p:cNvPicPr>
-          <p:nvPr/>
-        </p:nvPicPr>
-        <p:blipFill>
-          <a:blip r:embed="rId2"/>
-          <a:stretch>
-            <a:fillRect/>
-          </a:stretch>
-        </p:blipFill>
-        <p:spPr>
-          <a:xfrm>
-            <a:off x="4573953" y="4391128"/>
-            <a:ext cx="797996" cy="797996"/>
-          </a:xfrm>
-          <a:prstGeom prst="rect">
-            <a:avLst/>
-          </a:prstGeom>
-        </p:spPr>
-      </p:pic>
-      <p:sp>
-        <p:nvSpPr>
-          <p:cNvPr id="3" name="TextBox 2">
-            <a:extLst>
-              <a:ext uri="{FF2B5EF4-FFF2-40B4-BE49-F238E27FC236}">
-                <a16:creationId xmlns:a16="http://schemas.microsoft.com/office/drawing/2014/main" id="{905FB624-6281-E82F-1A26-B4C8B047B472}"/>
-              </a:ext>
-            </a:extLst>
-          </p:cNvPr>
-          <p:cNvSpPr txBox="1"/>
-          <p:nvPr/>
-        </p:nvSpPr>
-        <p:spPr>
-          <a:xfrm>
-            <a:off x="5806677" y="3832615"/>
-            <a:ext cx="2452594" cy="369332"/>
-          </a:xfrm>
-          <a:prstGeom prst="rect">
-            <a:avLst/>
-          </a:prstGeom>
-          <a:noFill/>
-        </p:spPr>
-        <p:txBody>
-          <a:bodyPr wrap="none" rtlCol="0">
-            <a:spAutoFit/>
-          </a:bodyPr>
-          <a:lstStyle/>
-          <a:p>
-            <a:r>
-              <a:rPr lang="en-US" dirty="0" err="1"/>
-              <a:t>removeOldProperties.rq</a:t>
-            </a:r>
-            <a:endParaRPr lang="en-US" dirty="0"/>
-          </a:p>
-        </p:txBody>
-      </p:sp>
-      <p:sp>
-        <p:nvSpPr>
-          <p:cNvPr id="6" name="Rectangle 5">
-            <a:extLst>
-              <a:ext uri="{FF2B5EF4-FFF2-40B4-BE49-F238E27FC236}">
-                <a16:creationId xmlns:a16="http://schemas.microsoft.com/office/drawing/2014/main" id="{45C1ABD5-F746-0039-97C2-E6037E59422E}"/>
-              </a:ext>
-            </a:extLst>
-          </p:cNvPr>
-          <p:cNvSpPr/>
-          <p:nvPr/>
-        </p:nvSpPr>
-        <p:spPr>
-          <a:xfrm>
-            <a:off x="8036011" y="407423"/>
-            <a:ext cx="3892378" cy="569386"/>
-          </a:xfrm>
-          <a:prstGeom prst="rect">
-            <a:avLst/>
-          </a:prstGeom>
-          <a:solidFill>
-            <a:schemeClr val="accent4">
-              <a:lumMod val="75000"/>
-            </a:schemeClr>
-          </a:solidFill>
-          <a:ln>
-            <a:noFill/>
-          </a:ln>
-        </p:spPr>
-        <p:style>
-          <a:lnRef idx="0">
-            <a:schemeClr val="accent5"/>
-          </a:lnRef>
-          <a:fillRef idx="3">
-            <a:schemeClr val="accent5"/>
-          </a:fillRef>
-          <a:effectRef idx="3">
-            <a:schemeClr val="accent5"/>
-          </a:effectRef>
-          <a:fontRef idx="minor">
-            <a:schemeClr val="lt1"/>
-          </a:fontRef>
-        </p:style>
-        <p:txBody>
-          <a:bodyPr rtlCol="0" anchor="ctr"/>
-          <a:lstStyle/>
-          <a:p>
-            <a:pPr algn="ctr"/>
-            <a:r>
-              <a:rPr lang="en-US" dirty="0"/>
-              <a:t>Remove things no longer needed</a:t>
-            </a:r>
-          </a:p>
-        </p:txBody>
-      </p:sp>
-      <p:sp>
-        <p:nvSpPr>
-          <p:cNvPr id="2" name="TextBox 1">
-            <a:extLst>
-              <a:ext uri="{FF2B5EF4-FFF2-40B4-BE49-F238E27FC236}">
-                <a16:creationId xmlns:a16="http://schemas.microsoft.com/office/drawing/2014/main" id="{14EDCC78-1C42-71EB-8571-6BA64754BBE3}"/>
-              </a:ext>
-            </a:extLst>
-          </p:cNvPr>
-          <p:cNvSpPr txBox="1"/>
-          <p:nvPr/>
-        </p:nvSpPr>
-        <p:spPr>
-          <a:xfrm>
-            <a:off x="925286" y="5769429"/>
-            <a:ext cx="7333739" cy="369332"/>
-          </a:xfrm>
-          <a:prstGeom prst="rect">
-            <a:avLst/>
-          </a:prstGeom>
-          <a:noFill/>
-        </p:spPr>
-        <p:txBody>
-          <a:bodyPr wrap="none" rtlCol="0">
-            <a:spAutoFit/>
-          </a:bodyPr>
-          <a:lstStyle/>
-          <a:p>
-            <a:r>
-              <a:rPr lang="en-US" dirty="0"/>
-              <a:t>Modify artifacts that use these properties (data ingestion, data queries, etc.)</a:t>
-            </a:r>
-          </a:p>
-        </p:txBody>
-      </p:sp>
-    </p:spTree>
-    <p:extLst>
-      <p:ext uri="{BB962C8B-B14F-4D97-AF65-F5344CB8AC3E}">
-        <p14:creationId xmlns:p14="http://schemas.microsoft.com/office/powerpoint/2010/main" val="2540380502"/>
-      </p:ext>
-    </p:extLst>
-  </p:cSld>
-  <p:clrMapOvr>
-    <a:masterClrMapping/>
-  </p:clrMapOvr>
-</p:sld>
-</file>
-
-<file path=ppt/slides/slide25.xml><?xml version="1.0" encoding="utf-8"?>
-<p:sld xmlns:a="http://schemas.openxmlformats.org/drawingml/2006/main" xmlns:r="http://schemas.openxmlformats.org/officeDocument/2006/relationships" xmlns:p="http://schemas.openxmlformats.org/presentationml/2006/main">
-  <p:cSld>
-    <p:spTree>
-      <p:nvGrpSpPr>
-        <p:cNvPr id="1" name=""/>
-        <p:cNvGrpSpPr/>
-        <p:nvPr/>
-      </p:nvGrpSpPr>
-      <p:grpSpPr>
-        <a:xfrm>
-          <a:off x="0" y="0"/>
-          <a:ext cx="0" cy="0"/>
-          <a:chOff x="0" y="0"/>
-          <a:chExt cx="0" cy="0"/>
-        </a:xfrm>
-      </p:grpSpPr>
-      <p:sp>
-        <p:nvSpPr>
-          <p:cNvPr id="7" name="TextBox 6">
-            <a:extLst>
-              <a:ext uri="{FF2B5EF4-FFF2-40B4-BE49-F238E27FC236}">
-                <a16:creationId xmlns:a16="http://schemas.microsoft.com/office/drawing/2014/main" id="{5260FD84-81AA-84AC-2B53-486691D9ECBA}"/>
-              </a:ext>
-            </a:extLst>
-          </p:cNvPr>
-          <p:cNvSpPr txBox="1"/>
-          <p:nvPr/>
-        </p:nvSpPr>
-        <p:spPr>
-          <a:xfrm>
-            <a:off x="621792" y="430506"/>
-            <a:ext cx="6370655" cy="523220"/>
-          </a:xfrm>
-          <a:prstGeom prst="rect">
-            <a:avLst/>
-          </a:prstGeom>
-          <a:noFill/>
-        </p:spPr>
-        <p:txBody>
-          <a:bodyPr wrap="none" rtlCol="0">
-            <a:spAutoFit/>
-          </a:bodyPr>
-          <a:lstStyle/>
-          <a:p>
-            <a:r>
-              <a:rPr lang="en-US" sz="2800" dirty="0"/>
-              <a:t>Update related ontologies and taxonomies</a:t>
-            </a:r>
-          </a:p>
-        </p:txBody>
-      </p:sp>
-      <p:sp>
-        <p:nvSpPr>
-          <p:cNvPr id="5" name="TextBox 4">
-            <a:extLst>
-              <a:ext uri="{FF2B5EF4-FFF2-40B4-BE49-F238E27FC236}">
-                <a16:creationId xmlns:a16="http://schemas.microsoft.com/office/drawing/2014/main" id="{9230CA90-241D-000B-3918-53EBA011637D}"/>
-              </a:ext>
-            </a:extLst>
-          </p:cNvPr>
-          <p:cNvSpPr txBox="1"/>
-          <p:nvPr/>
-        </p:nvSpPr>
-        <p:spPr>
-          <a:xfrm>
-            <a:off x="1758908" y="1912253"/>
-            <a:ext cx="7978403" cy="1754326"/>
-          </a:xfrm>
-          <a:prstGeom prst="rect">
-            <a:avLst/>
-          </a:prstGeom>
-          <a:noFill/>
-        </p:spPr>
-        <p:txBody>
-          <a:bodyPr wrap="none" rtlCol="0">
-            <a:spAutoFit/>
-          </a:bodyPr>
-          <a:lstStyle/>
-          <a:p>
-            <a:r>
-              <a:rPr lang="en-US" dirty="0"/>
-              <a:t>Update ontologies or taxonomies to remove entries that are no longer needed, e.g.</a:t>
-            </a:r>
-          </a:p>
-          <a:p>
-            <a:endParaRPr lang="en-US" dirty="0"/>
-          </a:p>
-          <a:p>
-            <a:pPr marL="742950" lvl="1" indent="-285750">
-              <a:buFont typeface="Arial" panose="020B0604020202020204" pitchFamily="34" charset="0"/>
-              <a:buChar char="•"/>
-            </a:pPr>
-            <a:r>
-              <a:rPr lang="en-US" dirty="0"/>
-              <a:t>subclasses of Magnitude used to represent aspects</a:t>
-            </a:r>
-          </a:p>
-          <a:p>
-            <a:pPr marL="742950" lvl="1" indent="-285750">
-              <a:buFont typeface="Arial" panose="020B0604020202020204" pitchFamily="34" charset="0"/>
-              <a:buChar char="•"/>
-            </a:pPr>
-            <a:r>
-              <a:rPr lang="en-US" dirty="0"/>
-              <a:t>subclasses of </a:t>
-            </a:r>
-            <a:r>
-              <a:rPr lang="en-US" dirty="0" err="1"/>
-              <a:t>UnitOfMeasure</a:t>
-            </a:r>
-            <a:r>
-              <a:rPr lang="en-US" dirty="0"/>
-              <a:t> </a:t>
-            </a:r>
-          </a:p>
-          <a:p>
-            <a:pPr marL="742950" lvl="1" indent="-285750">
-              <a:buFont typeface="Arial" panose="020B0604020202020204" pitchFamily="34" charset="0"/>
-              <a:buChar char="•"/>
-            </a:pPr>
-            <a:r>
-              <a:rPr lang="en-US" dirty="0"/>
-              <a:t>properties that are aspect-specific</a:t>
-            </a:r>
-          </a:p>
-          <a:p>
-            <a:pPr marL="742950" lvl="1" indent="-285750">
-              <a:buFont typeface="Arial" panose="020B0604020202020204" pitchFamily="34" charset="0"/>
-              <a:buChar char="•"/>
-            </a:pPr>
-            <a:r>
-              <a:rPr lang="en-US" dirty="0"/>
-              <a:t>categories that are used as aspects</a:t>
-            </a:r>
-          </a:p>
-        </p:txBody>
-      </p:sp>
-      <p:sp>
-        <p:nvSpPr>
-          <p:cNvPr id="11" name="Slide Number Placeholder 10">
-            <a:extLst>
-              <a:ext uri="{FF2B5EF4-FFF2-40B4-BE49-F238E27FC236}">
-                <a16:creationId xmlns:a16="http://schemas.microsoft.com/office/drawing/2014/main" id="{4966F9B0-0DD0-DD3B-1DDC-FCFFA721EE71}"/>
-              </a:ext>
-            </a:extLst>
-          </p:cNvPr>
-          <p:cNvSpPr>
-            <a:spLocks noGrp="1"/>
-          </p:cNvSpPr>
-          <p:nvPr>
-            <p:ph type="sldNum" sz="quarter" idx="12"/>
-          </p:nvPr>
-        </p:nvSpPr>
-        <p:spPr/>
-        <p:txBody>
-          <a:bodyPr/>
-          <a:lstStyle/>
-          <a:p>
-            <a:fld id="{DFC5857C-79A0-744F-8800-F0AD89C321B2}" type="slidenum">
-              <a:rPr lang="en-US" smtClean="0"/>
-              <a:t>25</a:t>
             </a:fld>
             <a:endParaRPr lang="en-US"/>
           </a:p>
@@ -13706,7 +13339,7 @@
             <a:pPr algn="ctr"/>
             <a:r>
               <a:rPr lang="en-US" dirty="0"/>
-              <a:t>Copy reference data into client graph</a:t>
+              <a:t>Load client reference data</a:t>
             </a:r>
           </a:p>
         </p:txBody>
@@ -15598,438 +15231,6 @@
       </p:grpSp>
       <p:grpSp>
         <p:nvGrpSpPr>
-          <p:cNvPr id="9" name="Group 8">
-            <a:extLst>
-              <a:ext uri="{FF2B5EF4-FFF2-40B4-BE49-F238E27FC236}">
-                <a16:creationId xmlns:a16="http://schemas.microsoft.com/office/drawing/2014/main" id="{75BEDCDE-0023-059C-A095-EAC0F08EC4A1}"/>
-              </a:ext>
-            </a:extLst>
-          </p:cNvPr>
-          <p:cNvGrpSpPr/>
-          <p:nvPr/>
-        </p:nvGrpSpPr>
-        <p:grpSpPr>
-          <a:xfrm>
-            <a:off x="6338618" y="4096251"/>
-            <a:ext cx="4771448" cy="1763606"/>
-            <a:chOff x="6240222" y="4369449"/>
-            <a:chExt cx="4771448" cy="1763606"/>
-          </a:xfrm>
-        </p:grpSpPr>
-        <p:sp>
-          <p:nvSpPr>
-            <p:cNvPr id="52" name="TextBox 51">
-              <a:extLst>
-                <a:ext uri="{FF2B5EF4-FFF2-40B4-BE49-F238E27FC236}">
-                  <a16:creationId xmlns:a16="http://schemas.microsoft.com/office/drawing/2014/main" id="{1A329CD2-E815-70CC-D50F-DC92D0EE596A}"/>
-                </a:ext>
-              </a:extLst>
-            </p:cNvPr>
-            <p:cNvSpPr txBox="1"/>
-            <p:nvPr/>
-          </p:nvSpPr>
-          <p:spPr>
-            <a:xfrm>
-              <a:off x="6240222" y="4622077"/>
-              <a:ext cx="844590" cy="369332"/>
-            </a:xfrm>
-            <a:prstGeom prst="rect">
-              <a:avLst/>
-            </a:prstGeom>
-            <a:noFill/>
-          </p:spPr>
-          <p:txBody>
-            <a:bodyPr wrap="none" rtlCol="0">
-              <a:spAutoFit/>
-            </a:bodyPr>
-            <a:lstStyle/>
-            <a:p>
-              <a:r>
-                <a:rPr lang="en-US" dirty="0"/>
-                <a:t>:_patio</a:t>
-              </a:r>
-            </a:p>
-          </p:txBody>
-        </p:sp>
-        <p:sp>
-          <p:nvSpPr>
-            <p:cNvPr id="53" name="TextBox 52">
-              <a:extLst>
-                <a:ext uri="{FF2B5EF4-FFF2-40B4-BE49-F238E27FC236}">
-                  <a16:creationId xmlns:a16="http://schemas.microsoft.com/office/drawing/2014/main" id="{A322C068-0339-9DB5-6642-0F4B440E3627}"/>
-                </a:ext>
-              </a:extLst>
-            </p:cNvPr>
-            <p:cNvSpPr txBox="1"/>
-            <p:nvPr/>
-          </p:nvSpPr>
-          <p:spPr>
-            <a:xfrm>
-              <a:off x="8480854" y="4622077"/>
-              <a:ext cx="1377300" cy="369332"/>
-            </a:xfrm>
-            <a:prstGeom prst="rect">
-              <a:avLst/>
-            </a:prstGeom>
-            <a:noFill/>
-          </p:spPr>
-          <p:txBody>
-            <a:bodyPr wrap="none" rtlCol="0">
-              <a:spAutoFit/>
-            </a:bodyPr>
-            <a:lstStyle/>
-            <a:p>
-              <a:r>
-                <a:rPr lang="en-US" dirty="0"/>
-                <a:t>:_magnitude</a:t>
-              </a:r>
-            </a:p>
-          </p:txBody>
-        </p:sp>
-        <p:cxnSp>
-          <p:nvCxnSpPr>
-            <p:cNvPr id="54" name="Straight Arrow Connector 53">
-              <a:extLst>
-                <a:ext uri="{FF2B5EF4-FFF2-40B4-BE49-F238E27FC236}">
-                  <a16:creationId xmlns:a16="http://schemas.microsoft.com/office/drawing/2014/main" id="{ECFF69C5-1A15-A683-7C20-05FCEB3B055A}"/>
-                </a:ext>
-              </a:extLst>
-            </p:cNvPr>
-            <p:cNvCxnSpPr>
-              <a:stCxn id="52" idx="3"/>
-              <a:endCxn id="53" idx="1"/>
-            </p:cNvCxnSpPr>
-            <p:nvPr/>
-          </p:nvCxnSpPr>
-          <p:spPr>
-            <a:xfrm>
-              <a:off x="7084812" y="4806743"/>
-              <a:ext cx="1396042" cy="0"/>
-            </a:xfrm>
-            <a:prstGeom prst="straightConnector1">
-              <a:avLst/>
-            </a:prstGeom>
-            <a:ln>
-              <a:solidFill>
-                <a:schemeClr val="tx1"/>
-              </a:solidFill>
-              <a:tailEnd type="triangle"/>
-            </a:ln>
-          </p:spPr>
-          <p:style>
-            <a:lnRef idx="1">
-              <a:schemeClr val="accent1"/>
-            </a:lnRef>
-            <a:fillRef idx="0">
-              <a:schemeClr val="accent1"/>
-            </a:fillRef>
-            <a:effectRef idx="0">
-              <a:schemeClr val="accent1"/>
-            </a:effectRef>
-            <a:fontRef idx="minor">
-              <a:schemeClr val="tx1"/>
-            </a:fontRef>
-          </p:style>
-        </p:cxnSp>
-        <p:cxnSp>
-          <p:nvCxnSpPr>
-            <p:cNvPr id="55" name="Straight Arrow Connector 54">
-              <a:extLst>
-                <a:ext uri="{FF2B5EF4-FFF2-40B4-BE49-F238E27FC236}">
-                  <a16:creationId xmlns:a16="http://schemas.microsoft.com/office/drawing/2014/main" id="{A332F7D3-1B16-AE68-6923-1BD4FFE77035}"/>
-                </a:ext>
-              </a:extLst>
-            </p:cNvPr>
-            <p:cNvCxnSpPr>
-              <a:cxnSpLocks/>
-              <a:stCxn id="53" idx="3"/>
-              <a:endCxn id="58" idx="1"/>
-            </p:cNvCxnSpPr>
-            <p:nvPr/>
-          </p:nvCxnSpPr>
-          <p:spPr>
-            <a:xfrm>
-              <a:off x="9858154" y="4806743"/>
-              <a:ext cx="441462" cy="240272"/>
-            </a:xfrm>
-            <a:prstGeom prst="straightConnector1">
-              <a:avLst/>
-            </a:prstGeom>
-            <a:ln>
-              <a:solidFill>
-                <a:schemeClr val="tx1"/>
-              </a:solidFill>
-              <a:tailEnd type="triangle"/>
-            </a:ln>
-          </p:spPr>
-          <p:style>
-            <a:lnRef idx="1">
-              <a:schemeClr val="accent1"/>
-            </a:lnRef>
-            <a:fillRef idx="0">
-              <a:schemeClr val="accent1"/>
-            </a:fillRef>
-            <a:effectRef idx="0">
-              <a:schemeClr val="accent1"/>
-            </a:effectRef>
-            <a:fontRef idx="minor">
-              <a:schemeClr val="tx1"/>
-            </a:fontRef>
-          </p:style>
-        </p:cxnSp>
-        <p:cxnSp>
-          <p:nvCxnSpPr>
-            <p:cNvPr id="56" name="Straight Arrow Connector 55">
-              <a:extLst>
-                <a:ext uri="{FF2B5EF4-FFF2-40B4-BE49-F238E27FC236}">
-                  <a16:creationId xmlns:a16="http://schemas.microsoft.com/office/drawing/2014/main" id="{DD8C1771-14A8-3944-1182-002000A7398F}"/>
-                </a:ext>
-              </a:extLst>
-            </p:cNvPr>
-            <p:cNvCxnSpPr>
-              <a:cxnSpLocks/>
-              <a:stCxn id="53" idx="3"/>
-              <a:endCxn id="57" idx="1"/>
-            </p:cNvCxnSpPr>
-            <p:nvPr/>
-          </p:nvCxnSpPr>
-          <p:spPr>
-            <a:xfrm flipV="1">
-              <a:off x="9858154" y="4554115"/>
-              <a:ext cx="441462" cy="252628"/>
-            </a:xfrm>
-            <a:prstGeom prst="straightConnector1">
-              <a:avLst/>
-            </a:prstGeom>
-            <a:ln>
-              <a:solidFill>
-                <a:schemeClr val="tx1"/>
-              </a:solidFill>
-              <a:tailEnd type="triangle"/>
-            </a:ln>
-          </p:spPr>
-          <p:style>
-            <a:lnRef idx="1">
-              <a:schemeClr val="accent1"/>
-            </a:lnRef>
-            <a:fillRef idx="0">
-              <a:schemeClr val="accent1"/>
-            </a:fillRef>
-            <a:effectRef idx="0">
-              <a:schemeClr val="accent1"/>
-            </a:effectRef>
-            <a:fontRef idx="minor">
-              <a:schemeClr val="tx1"/>
-            </a:fontRef>
-          </p:style>
-        </p:cxnSp>
-        <p:sp>
-          <p:nvSpPr>
-            <p:cNvPr id="57" name="TextBox 56">
-              <a:extLst>
-                <a:ext uri="{FF2B5EF4-FFF2-40B4-BE49-F238E27FC236}">
-                  <a16:creationId xmlns:a16="http://schemas.microsoft.com/office/drawing/2014/main" id="{F1B3C4D5-8821-B100-B26A-5234E2DCF6E6}"/>
-                </a:ext>
-              </a:extLst>
-            </p:cNvPr>
-            <p:cNvSpPr txBox="1"/>
-            <p:nvPr/>
-          </p:nvSpPr>
-          <p:spPr>
-            <a:xfrm>
-              <a:off x="10299616" y="4369449"/>
-              <a:ext cx="535724" cy="369332"/>
-            </a:xfrm>
-            <a:prstGeom prst="rect">
-              <a:avLst/>
-            </a:prstGeom>
-            <a:noFill/>
-          </p:spPr>
-          <p:txBody>
-            <a:bodyPr wrap="none" rtlCol="0">
-              <a:spAutoFit/>
-            </a:bodyPr>
-            <a:lstStyle/>
-            <a:p>
-              <a:r>
-                <a:rPr lang="en-US" dirty="0"/>
-                <a:t>144</a:t>
-              </a:r>
-            </a:p>
-          </p:txBody>
-        </p:sp>
-        <p:sp>
-          <p:nvSpPr>
-            <p:cNvPr id="58" name="TextBox 57">
-              <a:extLst>
-                <a:ext uri="{FF2B5EF4-FFF2-40B4-BE49-F238E27FC236}">
-                  <a16:creationId xmlns:a16="http://schemas.microsoft.com/office/drawing/2014/main" id="{2CFD61C7-43C7-0695-2083-C96DDDA1B4F3}"/>
-                </a:ext>
-              </a:extLst>
-            </p:cNvPr>
-            <p:cNvSpPr txBox="1"/>
-            <p:nvPr/>
-          </p:nvSpPr>
-          <p:spPr>
-            <a:xfrm>
-              <a:off x="10299616" y="4862349"/>
-              <a:ext cx="712054" cy="369332"/>
-            </a:xfrm>
-            <a:prstGeom prst="rect">
-              <a:avLst/>
-            </a:prstGeom>
-            <a:noFill/>
-          </p:spPr>
-          <p:txBody>
-            <a:bodyPr wrap="none" rtlCol="0">
-              <a:spAutoFit/>
-            </a:bodyPr>
-            <a:lstStyle/>
-            <a:p>
-              <a:r>
-                <a:rPr lang="en-US" dirty="0"/>
-                <a:t>sq. ft.</a:t>
-              </a:r>
-            </a:p>
-          </p:txBody>
-        </p:sp>
-        <p:sp>
-          <p:nvSpPr>
-            <p:cNvPr id="91" name="TextBox 90">
-              <a:extLst>
-                <a:ext uri="{FF2B5EF4-FFF2-40B4-BE49-F238E27FC236}">
-                  <a16:creationId xmlns:a16="http://schemas.microsoft.com/office/drawing/2014/main" id="{D1692494-EDA1-8E4F-45FF-BCC97B86B905}"/>
-                </a:ext>
-              </a:extLst>
-            </p:cNvPr>
-            <p:cNvSpPr txBox="1"/>
-            <p:nvPr/>
-          </p:nvSpPr>
-          <p:spPr>
-            <a:xfrm>
-              <a:off x="8400534" y="5763723"/>
-              <a:ext cx="1526572" cy="369332"/>
-            </a:xfrm>
-            <a:prstGeom prst="rect">
-              <a:avLst/>
-            </a:prstGeom>
-            <a:noFill/>
-          </p:spPr>
-          <p:txBody>
-            <a:bodyPr wrap="none" rtlCol="0">
-              <a:spAutoFit/>
-            </a:bodyPr>
-            <a:lstStyle/>
-            <a:p>
-              <a:r>
-                <a:rPr lang="en-US" dirty="0"/>
-                <a:t>:_</a:t>
-              </a:r>
-              <a:r>
-                <a:rPr lang="en-US" dirty="0" err="1"/>
-                <a:t>Aspect_</a:t>
-              </a:r>
-              <a:r>
-                <a:rPr lang="en-US" dirty="0" err="1">
-                  <a:solidFill>
-                    <a:srgbClr val="FF0000"/>
-                  </a:solidFill>
-                </a:rPr>
-                <a:t>area</a:t>
-              </a:r>
-              <a:endParaRPr lang="en-US" dirty="0">
-                <a:solidFill>
-                  <a:srgbClr val="FF0000"/>
-                </a:solidFill>
-              </a:endParaRPr>
-            </a:p>
-          </p:txBody>
-        </p:sp>
-        <p:cxnSp>
-          <p:nvCxnSpPr>
-            <p:cNvPr id="92" name="Straight Arrow Connector 91">
-              <a:extLst>
-                <a:ext uri="{FF2B5EF4-FFF2-40B4-BE49-F238E27FC236}">
-                  <a16:creationId xmlns:a16="http://schemas.microsoft.com/office/drawing/2014/main" id="{891A242D-664A-631D-70F0-E1152C53E490}"/>
-                </a:ext>
-              </a:extLst>
-            </p:cNvPr>
-            <p:cNvCxnSpPr>
-              <a:cxnSpLocks/>
-              <a:stCxn id="53" idx="2"/>
-              <a:endCxn id="91" idx="0"/>
-            </p:cNvCxnSpPr>
-            <p:nvPr/>
-          </p:nvCxnSpPr>
-          <p:spPr>
-            <a:xfrm flipH="1">
-              <a:off x="9163820" y="4991409"/>
-              <a:ext cx="5684" cy="772314"/>
-            </a:xfrm>
-            <a:prstGeom prst="straightConnector1">
-              <a:avLst/>
-            </a:prstGeom>
-            <a:ln>
-              <a:solidFill>
-                <a:schemeClr val="tx1"/>
-              </a:solidFill>
-              <a:tailEnd type="triangle"/>
-            </a:ln>
-          </p:spPr>
-          <p:style>
-            <a:lnRef idx="1">
-              <a:schemeClr val="accent1"/>
-            </a:lnRef>
-            <a:fillRef idx="0">
-              <a:schemeClr val="accent1"/>
-            </a:fillRef>
-            <a:effectRef idx="0">
-              <a:schemeClr val="accent1"/>
-            </a:effectRef>
-            <a:fontRef idx="minor">
-              <a:schemeClr val="tx1"/>
-            </a:fontRef>
-          </p:style>
-        </p:cxnSp>
-        <p:sp>
-          <p:nvSpPr>
-            <p:cNvPr id="93" name="TextBox 92">
-              <a:extLst>
-                <a:ext uri="{FF2B5EF4-FFF2-40B4-BE49-F238E27FC236}">
-                  <a16:creationId xmlns:a16="http://schemas.microsoft.com/office/drawing/2014/main" id="{53BB0800-F4C4-9E71-3DA0-CACB9A7229F9}"/>
-                </a:ext>
-              </a:extLst>
-            </p:cNvPr>
-            <p:cNvSpPr txBox="1"/>
-            <p:nvPr/>
-          </p:nvSpPr>
-          <p:spPr>
-            <a:xfrm>
-              <a:off x="8132982" y="5208289"/>
-              <a:ext cx="1034257" cy="338554"/>
-            </a:xfrm>
-            <a:prstGeom prst="rect">
-              <a:avLst/>
-            </a:prstGeom>
-            <a:noFill/>
-          </p:spPr>
-          <p:txBody>
-            <a:bodyPr wrap="none" rtlCol="0">
-              <a:spAutoFit/>
-            </a:bodyPr>
-            <a:lstStyle/>
-            <a:p>
-              <a:r>
-                <a:rPr lang="en-US" sz="1600" dirty="0" err="1"/>
-                <a:t>hasAspect</a:t>
-              </a:r>
-              <a:endParaRPr lang="en-US" sz="1600" dirty="0"/>
-            </a:p>
-          </p:txBody>
-        </p:sp>
-      </p:grpSp>
-      <p:grpSp>
-        <p:nvGrpSpPr>
           <p:cNvPr id="23" name="Group 22">
             <a:extLst>
               <a:ext uri="{FF2B5EF4-FFF2-40B4-BE49-F238E27FC236}">
@@ -16340,8 +15541,8 @@
           </p:nvSpPr>
           <p:spPr>
             <a:xfrm>
-              <a:off x="3611596" y="3172742"/>
-              <a:ext cx="620876" cy="369332"/>
+              <a:off x="3580338" y="3172742"/>
+              <a:ext cx="683393" cy="369332"/>
             </a:xfrm>
             <a:prstGeom prst="rect">
               <a:avLst/>
@@ -16361,7 +15562,7 @@
                     <a:srgbClr val="FF0000"/>
                   </a:solidFill>
                 </a:rPr>
-                <a:t>Area</a:t>
+                <a:t>:Area</a:t>
               </a:r>
             </a:p>
           </p:txBody>
@@ -16385,7 +15586,7 @@
           <p:spPr>
             <a:xfrm>
               <a:off x="3922034" y="2417990"/>
-              <a:ext cx="0" cy="754752"/>
+              <a:ext cx="1" cy="754752"/>
             </a:xfrm>
             <a:prstGeom prst="straightConnector1">
               <a:avLst/>

--- a/migration/v13.0/uomDataConversion.pptx
+++ b/migration/v13.0/uomDataConversion.pptx
@@ -15650,58 +15650,6 @@
           </p:txBody>
         </p:sp>
       </p:grpSp>
-      <p:sp>
-        <p:nvSpPr>
-          <p:cNvPr id="60" name="TextBox 59">
-            <a:extLst>
-              <a:ext uri="{FF2B5EF4-FFF2-40B4-BE49-F238E27FC236}">
-                <a16:creationId xmlns:a16="http://schemas.microsoft.com/office/drawing/2014/main" id="{39C6D353-8EC0-5578-A573-EE68E3732A86}"/>
-              </a:ext>
-            </a:extLst>
-          </p:cNvPr>
-          <p:cNvSpPr txBox="1"/>
-          <p:nvPr/>
-        </p:nvSpPr>
-        <p:spPr>
-          <a:xfrm>
-            <a:off x="621792" y="953726"/>
-            <a:ext cx="2956259" cy="830997"/>
-          </a:xfrm>
-          <a:prstGeom prst="rect">
-            <a:avLst/>
-          </a:prstGeom>
-          <a:solidFill>
-            <a:schemeClr val="accent6">
-              <a:lumMod val="20000"/>
-              <a:lumOff val="80000"/>
-            </a:schemeClr>
-          </a:solidFill>
-        </p:spPr>
-        <p:txBody>
-          <a:bodyPr wrap="none" rtlCol="0">
-            <a:spAutoFit/>
-          </a:bodyPr>
-          <a:lstStyle/>
-          <a:p>
-            <a:r>
-              <a:rPr lang="en-US" sz="1600" dirty="0"/>
-              <a:t>Aspect represented as a class</a:t>
-            </a:r>
-          </a:p>
-          <a:p>
-            <a:r>
-              <a:rPr lang="en-US" sz="1600" dirty="0"/>
-              <a:t>Aspect represented as a category</a:t>
-            </a:r>
-          </a:p>
-          <a:p>
-            <a:r>
-              <a:rPr lang="en-US" sz="1600" dirty="0"/>
-              <a:t>Aspect represented as a property</a:t>
-            </a:r>
-          </a:p>
-        </p:txBody>
-      </p:sp>
       <p:sp>
         <p:nvSpPr>
           <p:cNvPr id="6" name="Rectangle 5">

--- a/migration/v13.0/uomDataConversion.pptx
+++ b/migration/v13.0/uomDataConversion.pptx
@@ -220,7 +220,7 @@
           <a:p>
             <a:fld id="{C1A201FB-52D0-024E-8BE4-45BE9A2AD3D5}" type="datetimeFigureOut">
               <a:rPr lang="en-US" smtClean="0"/>
-              <a:t>6/14/24</a:t>
+              <a:t>6/18/24</a:t>
             </a:fld>
             <a:endParaRPr lang="en-US"/>
           </a:p>
@@ -634,7 +634,7 @@
           <a:p>
             <a:fld id="{E25ED99D-99D4-D748-92F6-927E57E8D692}" type="datetime1">
               <a:rPr lang="en-US" smtClean="0"/>
-              <a:t>6/14/24</a:t>
+              <a:t>6/18/24</a:t>
             </a:fld>
             <a:endParaRPr lang="en-US"/>
           </a:p>
@@ -832,7 +832,7 @@
           <a:p>
             <a:fld id="{1704F7E9-2852-AB4C-995F-D7D0DE02FB16}" type="datetime1">
               <a:rPr lang="en-US" smtClean="0"/>
-              <a:t>6/14/24</a:t>
+              <a:t>6/18/24</a:t>
             </a:fld>
             <a:endParaRPr lang="en-US"/>
           </a:p>
@@ -1040,7 +1040,7 @@
           <a:p>
             <a:fld id="{0BAEB659-747D-8043-BA2B-9F85B08A4B1D}" type="datetime1">
               <a:rPr lang="en-US" smtClean="0"/>
-              <a:t>6/14/24</a:t>
+              <a:t>6/18/24</a:t>
             </a:fld>
             <a:endParaRPr lang="en-US"/>
           </a:p>
@@ -1238,7 +1238,7 @@
           <a:p>
             <a:fld id="{EF4F5B6B-B7B9-E94D-9D54-3C11CF650FC4}" type="datetime1">
               <a:rPr lang="en-US" smtClean="0"/>
-              <a:t>6/14/24</a:t>
+              <a:t>6/18/24</a:t>
             </a:fld>
             <a:endParaRPr lang="en-US"/>
           </a:p>
@@ -1513,7 +1513,7 @@
           <a:p>
             <a:fld id="{FF0FB32D-7207-5148-884F-CB1DFE764950}" type="datetime1">
               <a:rPr lang="en-US" smtClean="0"/>
-              <a:t>6/14/24</a:t>
+              <a:t>6/18/24</a:t>
             </a:fld>
             <a:endParaRPr lang="en-US"/>
           </a:p>
@@ -1778,7 +1778,7 @@
           <a:p>
             <a:fld id="{E8843282-B054-0F4C-8D6E-AA0AF4DF916B}" type="datetime1">
               <a:rPr lang="en-US" smtClean="0"/>
-              <a:t>6/14/24</a:t>
+              <a:t>6/18/24</a:t>
             </a:fld>
             <a:endParaRPr lang="en-US"/>
           </a:p>
@@ -2190,7 +2190,7 @@
           <a:p>
             <a:fld id="{494A79EE-B487-9547-8048-D585D76BE425}" type="datetime1">
               <a:rPr lang="en-US" smtClean="0"/>
-              <a:t>6/14/24</a:t>
+              <a:t>6/18/24</a:t>
             </a:fld>
             <a:endParaRPr lang="en-US"/>
           </a:p>
@@ -2331,7 +2331,7 @@
           <a:p>
             <a:fld id="{029DBEF3-7560-3543-8E4C-72F1437A00D9}" type="datetime1">
               <a:rPr lang="en-US" smtClean="0"/>
-              <a:t>6/14/24</a:t>
+              <a:t>6/18/24</a:t>
             </a:fld>
             <a:endParaRPr lang="en-US"/>
           </a:p>
@@ -2444,7 +2444,7 @@
           <a:p>
             <a:fld id="{F8D3AAA1-BC04-8A4D-9F2D-8543AEAD588A}" type="datetime1">
               <a:rPr lang="en-US" smtClean="0"/>
-              <a:t>6/14/24</a:t>
+              <a:t>6/18/24</a:t>
             </a:fld>
             <a:endParaRPr lang="en-US"/>
           </a:p>
@@ -2755,7 +2755,7 @@
           <a:p>
             <a:fld id="{7BD9324C-937D-3B44-9A79-1B4FD0156DCB}" type="datetime1">
               <a:rPr lang="en-US" smtClean="0"/>
-              <a:t>6/14/24</a:t>
+              <a:t>6/18/24</a:t>
             </a:fld>
             <a:endParaRPr lang="en-US"/>
           </a:p>
@@ -3043,7 +3043,7 @@
           <a:p>
             <a:fld id="{7337DC6C-0BB0-E141-BAE8-EC9DD4AF6042}" type="datetime1">
               <a:rPr lang="en-US" smtClean="0"/>
-              <a:t>6/14/24</a:t>
+              <a:t>6/18/24</a:t>
             </a:fld>
             <a:endParaRPr lang="en-US"/>
           </a:p>
@@ -3284,7 +3284,7 @@
           <a:p>
             <a:fld id="{F83122BE-0A57-464E-9A56-AB34174B0EAE}" type="datetime1">
               <a:rPr lang="en-US" smtClean="0"/>
-              <a:t>6/14/24</a:t>
+              <a:t>6/18/24</a:t>
             </a:fld>
             <a:endParaRPr lang="en-US"/>
           </a:p>
@@ -3841,6 +3841,306 @@
       </p:grpSpPr>
       <p:sp>
         <p:nvSpPr>
+          <p:cNvPr id="30" name="Rectangle 29">
+            <a:extLst>
+              <a:ext uri="{FF2B5EF4-FFF2-40B4-BE49-F238E27FC236}">
+                <a16:creationId xmlns:a16="http://schemas.microsoft.com/office/drawing/2014/main" id="{8889EB11-4A1F-AC6E-67E4-35CC93D3A8F7}"/>
+              </a:ext>
+            </a:extLst>
+          </p:cNvPr>
+          <p:cNvSpPr/>
+          <p:nvPr/>
+        </p:nvSpPr>
+        <p:spPr>
+          <a:xfrm>
+            <a:off x="5700170" y="1654433"/>
+            <a:ext cx="1232555" cy="699040"/>
+          </a:xfrm>
+          <a:prstGeom prst="rect">
+            <a:avLst/>
+          </a:prstGeom>
+          <a:solidFill>
+            <a:schemeClr val="accent5">
+              <a:lumMod val="40000"/>
+              <a:lumOff val="60000"/>
+            </a:schemeClr>
+          </a:solidFill>
+          <a:ln>
+            <a:solidFill>
+              <a:schemeClr val="accent5">
+                <a:lumMod val="60000"/>
+                <a:lumOff val="40000"/>
+              </a:schemeClr>
+            </a:solidFill>
+          </a:ln>
+        </p:spPr>
+        <p:style>
+          <a:lnRef idx="2">
+            <a:schemeClr val="accent1">
+              <a:shade val="15000"/>
+            </a:schemeClr>
+          </a:lnRef>
+          <a:fillRef idx="1">
+            <a:schemeClr val="accent1"/>
+          </a:fillRef>
+          <a:effectRef idx="0">
+            <a:schemeClr val="accent1"/>
+          </a:effectRef>
+          <a:fontRef idx="minor">
+            <a:schemeClr val="lt1"/>
+          </a:fontRef>
+        </p:style>
+        <p:txBody>
+          <a:bodyPr rtlCol="0" anchor="ctr"/>
+          <a:lstStyle/>
+          <a:p>
+            <a:pPr algn="ctr"/>
+            <a:endParaRPr lang="en-US"/>
+          </a:p>
+        </p:txBody>
+      </p:sp>
+      <p:sp>
+        <p:nvSpPr>
+          <p:cNvPr id="29" name="Rectangle 28">
+            <a:extLst>
+              <a:ext uri="{FF2B5EF4-FFF2-40B4-BE49-F238E27FC236}">
+                <a16:creationId xmlns:a16="http://schemas.microsoft.com/office/drawing/2014/main" id="{33194029-647A-9589-BE98-67C8B8DE7759}"/>
+              </a:ext>
+            </a:extLst>
+          </p:cNvPr>
+          <p:cNvSpPr/>
+          <p:nvPr/>
+        </p:nvSpPr>
+        <p:spPr>
+          <a:xfrm>
+            <a:off x="1901984" y="1654433"/>
+            <a:ext cx="769209" cy="709496"/>
+          </a:xfrm>
+          <a:prstGeom prst="rect">
+            <a:avLst/>
+          </a:prstGeom>
+          <a:solidFill>
+            <a:schemeClr val="accent5">
+              <a:lumMod val="40000"/>
+              <a:lumOff val="60000"/>
+            </a:schemeClr>
+          </a:solidFill>
+          <a:ln>
+            <a:solidFill>
+              <a:schemeClr val="accent5">
+                <a:lumMod val="60000"/>
+                <a:lumOff val="40000"/>
+              </a:schemeClr>
+            </a:solidFill>
+          </a:ln>
+        </p:spPr>
+        <p:style>
+          <a:lnRef idx="2">
+            <a:schemeClr val="accent1">
+              <a:shade val="15000"/>
+            </a:schemeClr>
+          </a:lnRef>
+          <a:fillRef idx="1">
+            <a:schemeClr val="accent1"/>
+          </a:fillRef>
+          <a:effectRef idx="0">
+            <a:schemeClr val="accent1"/>
+          </a:effectRef>
+          <a:fontRef idx="minor">
+            <a:schemeClr val="lt1"/>
+          </a:fontRef>
+        </p:style>
+        <p:txBody>
+          <a:bodyPr rtlCol="0" anchor="ctr"/>
+          <a:lstStyle/>
+          <a:p>
+            <a:pPr algn="ctr"/>
+            <a:endParaRPr lang="en-US"/>
+          </a:p>
+        </p:txBody>
+      </p:sp>
+      <p:sp>
+        <p:nvSpPr>
+          <p:cNvPr id="28" name="Rectangle 27">
+            <a:extLst>
+              <a:ext uri="{FF2B5EF4-FFF2-40B4-BE49-F238E27FC236}">
+                <a16:creationId xmlns:a16="http://schemas.microsoft.com/office/drawing/2014/main" id="{5C06FA0C-9138-ED8B-8F9D-3624D493BD8F}"/>
+              </a:ext>
+            </a:extLst>
+          </p:cNvPr>
+          <p:cNvSpPr/>
+          <p:nvPr/>
+        </p:nvSpPr>
+        <p:spPr>
+          <a:xfrm>
+            <a:off x="1186931" y="4551597"/>
+            <a:ext cx="5237789" cy="870741"/>
+          </a:xfrm>
+          <a:prstGeom prst="rect">
+            <a:avLst/>
+          </a:prstGeom>
+          <a:solidFill>
+            <a:schemeClr val="accent5">
+              <a:lumMod val="20000"/>
+              <a:lumOff val="80000"/>
+            </a:schemeClr>
+          </a:solidFill>
+          <a:ln>
+            <a:solidFill>
+              <a:schemeClr val="accent5">
+                <a:lumMod val="60000"/>
+                <a:lumOff val="40000"/>
+              </a:schemeClr>
+            </a:solidFill>
+          </a:ln>
+        </p:spPr>
+        <p:style>
+          <a:lnRef idx="2">
+            <a:schemeClr val="accent1">
+              <a:shade val="15000"/>
+            </a:schemeClr>
+          </a:lnRef>
+          <a:fillRef idx="1">
+            <a:schemeClr val="accent1"/>
+          </a:fillRef>
+          <a:effectRef idx="0">
+            <a:schemeClr val="accent1"/>
+          </a:effectRef>
+          <a:fontRef idx="minor">
+            <a:schemeClr val="lt1"/>
+          </a:fontRef>
+        </p:style>
+        <p:txBody>
+          <a:bodyPr rtlCol="0" anchor="ctr"/>
+          <a:lstStyle/>
+          <a:p>
+            <a:pPr algn="ctr"/>
+            <a:endParaRPr lang="en-US"/>
+          </a:p>
+        </p:txBody>
+      </p:sp>
+      <p:sp>
+        <p:nvSpPr>
+          <p:cNvPr id="25" name="Rectangle 24">
+            <a:extLst>
+              <a:ext uri="{FF2B5EF4-FFF2-40B4-BE49-F238E27FC236}">
+                <a16:creationId xmlns:a16="http://schemas.microsoft.com/office/drawing/2014/main" id="{8AF59D86-E636-61B2-077E-A12BF149B883}"/>
+              </a:ext>
+            </a:extLst>
+          </p:cNvPr>
+          <p:cNvSpPr/>
+          <p:nvPr/>
+        </p:nvSpPr>
+        <p:spPr>
+          <a:xfrm>
+            <a:off x="1186931" y="2689277"/>
+            <a:ext cx="2512338" cy="1293806"/>
+          </a:xfrm>
+          <a:prstGeom prst="rect">
+            <a:avLst/>
+          </a:prstGeom>
+          <a:solidFill>
+            <a:schemeClr val="accent5">
+              <a:lumMod val="20000"/>
+              <a:lumOff val="80000"/>
+            </a:schemeClr>
+          </a:solidFill>
+          <a:ln>
+            <a:solidFill>
+              <a:schemeClr val="accent5">
+                <a:lumMod val="60000"/>
+                <a:lumOff val="40000"/>
+              </a:schemeClr>
+            </a:solidFill>
+          </a:ln>
+        </p:spPr>
+        <p:style>
+          <a:lnRef idx="2">
+            <a:schemeClr val="accent1">
+              <a:shade val="15000"/>
+            </a:schemeClr>
+          </a:lnRef>
+          <a:fillRef idx="1">
+            <a:schemeClr val="accent1"/>
+          </a:fillRef>
+          <a:effectRef idx="0">
+            <a:schemeClr val="accent1"/>
+          </a:effectRef>
+          <a:fontRef idx="minor">
+            <a:schemeClr val="lt1"/>
+          </a:fontRef>
+        </p:style>
+        <p:txBody>
+          <a:bodyPr rtlCol="0" anchor="ctr"/>
+          <a:lstStyle/>
+          <a:p>
+            <a:pPr algn="ctr"/>
+            <a:endParaRPr lang="en-US"/>
+          </a:p>
+        </p:txBody>
+      </p:sp>
+      <p:sp>
+        <p:nvSpPr>
+          <p:cNvPr id="24" name="Rectangle 23">
+            <a:extLst>
+              <a:ext uri="{FF2B5EF4-FFF2-40B4-BE49-F238E27FC236}">
+                <a16:creationId xmlns:a16="http://schemas.microsoft.com/office/drawing/2014/main" id="{0A09884E-67BF-937F-D2A9-4BE02CECAC25}"/>
+              </a:ext>
+            </a:extLst>
+          </p:cNvPr>
+          <p:cNvSpPr/>
+          <p:nvPr/>
+        </p:nvSpPr>
+        <p:spPr>
+          <a:xfrm>
+            <a:off x="4985880" y="2689277"/>
+            <a:ext cx="3255905" cy="1293806"/>
+          </a:xfrm>
+          <a:prstGeom prst="rect">
+            <a:avLst/>
+          </a:prstGeom>
+          <a:solidFill>
+            <a:schemeClr val="accent5">
+              <a:lumMod val="20000"/>
+              <a:lumOff val="80000"/>
+            </a:schemeClr>
+          </a:solidFill>
+          <a:ln>
+            <a:solidFill>
+              <a:schemeClr val="accent5">
+                <a:lumMod val="60000"/>
+                <a:lumOff val="40000"/>
+              </a:schemeClr>
+            </a:solidFill>
+          </a:ln>
+        </p:spPr>
+        <p:style>
+          <a:lnRef idx="2">
+            <a:schemeClr val="accent1">
+              <a:shade val="15000"/>
+            </a:schemeClr>
+          </a:lnRef>
+          <a:fillRef idx="1">
+            <a:schemeClr val="accent1"/>
+          </a:fillRef>
+          <a:effectRef idx="0">
+            <a:schemeClr val="accent1"/>
+          </a:effectRef>
+          <a:fontRef idx="minor">
+            <a:schemeClr val="lt1"/>
+          </a:fontRef>
+        </p:style>
+        <p:txBody>
+          <a:bodyPr rtlCol="0" anchor="ctr"/>
+          <a:lstStyle/>
+          <a:p>
+            <a:pPr algn="ctr"/>
+            <a:endParaRPr lang="en-US"/>
+          </a:p>
+        </p:txBody>
+      </p:sp>
+      <p:sp>
+        <p:nvSpPr>
           <p:cNvPr id="7" name="TextBox 6">
             <a:extLst>
               <a:ext uri="{FF2B5EF4-FFF2-40B4-BE49-F238E27FC236}">
@@ -3854,7 +4154,7 @@
         <p:spPr>
           <a:xfrm>
             <a:off x="621792" y="430506"/>
-            <a:ext cx="3785075" cy="523220"/>
+            <a:ext cx="6301533" cy="523220"/>
           </a:xfrm>
           <a:prstGeom prst="rect">
             <a:avLst/>
@@ -3869,7 +4169,7 @@
           <a:p>
             <a:r>
               <a:rPr lang="en-US" sz="2800" dirty="0"/>
-              <a:t>Where the queries look:</a:t>
+              <a:t>Five queries help identify existing aspects:</a:t>
             </a:r>
           </a:p>
         </p:txBody>
@@ -4109,46 +4409,6 @@
       </p:sp>
       <p:sp>
         <p:nvSpPr>
-          <p:cNvPr id="18" name="TextBox 17">
-            <a:extLst>
-              <a:ext uri="{FF2B5EF4-FFF2-40B4-BE49-F238E27FC236}">
-                <a16:creationId xmlns:a16="http://schemas.microsoft.com/office/drawing/2014/main" id="{5CED08F2-81B6-A60B-AE8B-F3B0088E6BAE}"/>
-              </a:ext>
-            </a:extLst>
-          </p:cNvPr>
-          <p:cNvSpPr txBox="1"/>
-          <p:nvPr/>
-        </p:nvSpPr>
-        <p:spPr>
-          <a:xfrm>
-            <a:off x="2794897" y="1871083"/>
-            <a:ext cx="2532360" cy="338554"/>
-          </a:xfrm>
-          <a:prstGeom prst="rect">
-            <a:avLst/>
-          </a:prstGeom>
-          <a:noFill/>
-        </p:spPr>
-        <p:txBody>
-          <a:bodyPr wrap="none" rtlCol="0">
-            <a:spAutoFit/>
-          </a:bodyPr>
-          <a:lstStyle/>
-          <a:p>
-            <a:r>
-              <a:rPr lang="en-US" sz="1600" dirty="0"/>
-              <a:t>?</a:t>
-            </a:r>
-            <a:r>
-              <a:rPr lang="en-US" sz="1600" dirty="0" err="1"/>
-              <a:t>thingToMagnitudeProperty</a:t>
-            </a:r>
-            <a:endParaRPr lang="en-US" sz="1600" dirty="0"/>
-          </a:p>
-        </p:txBody>
-      </p:sp>
-      <p:sp>
-        <p:nvSpPr>
           <p:cNvPr id="19" name="TextBox 18">
             <a:extLst>
               <a:ext uri="{FF2B5EF4-FFF2-40B4-BE49-F238E27FC236}">
@@ -4243,7 +4503,7 @@
         </p:nvSpPr>
         <p:spPr>
           <a:xfrm>
-            <a:off x="7170800" y="1871072"/>
+            <a:off x="7069200" y="1871072"/>
             <a:ext cx="2101666" cy="338554"/>
           </a:xfrm>
           <a:prstGeom prst="rect">
@@ -4445,7 +4705,7 @@
         </p:nvSpPr>
         <p:spPr>
           <a:xfrm>
-            <a:off x="3467552" y="5069435"/>
+            <a:off x="2400752" y="4713835"/>
             <a:ext cx="1418273" cy="338554"/>
           </a:xfrm>
           <a:prstGeom prst="rect">
@@ -4481,7 +4741,7 @@
         </p:nvSpPr>
         <p:spPr>
           <a:xfrm>
-            <a:off x="2458079" y="5227954"/>
+            <a:off x="1391279" y="4872354"/>
             <a:ext cx="904415" cy="369332"/>
           </a:xfrm>
           <a:prstGeom prst="rect">
@@ -4517,7 +4777,7 @@
         </p:nvSpPr>
         <p:spPr>
           <a:xfrm>
-            <a:off x="5139311" y="5227954"/>
+            <a:off x="4072511" y="4872354"/>
             <a:ext cx="2204450" cy="369332"/>
           </a:xfrm>
           <a:prstGeom prst="rect">
@@ -4557,7 +4817,7 @@
         </p:nvCxnSpPr>
         <p:spPr>
           <a:xfrm>
-            <a:off x="3362494" y="5412620"/>
+            <a:off x="2295694" y="5057020"/>
             <a:ext cx="1776817" cy="0"/>
           </a:xfrm>
           <a:prstGeom prst="straightConnector1">
@@ -4669,7 +4929,7 @@
         </p:nvSpPr>
         <p:spPr>
           <a:xfrm>
-            <a:off x="2217111" y="4909600"/>
+            <a:off x="1226511" y="4554000"/>
             <a:ext cx="340158" cy="461665"/>
           </a:xfrm>
           <a:prstGeom prst="rect">
@@ -4690,12 +4950,168 @@
           </a:p>
         </p:txBody>
       </p:sp>
-      <p:sp>
-        <p:nvSpPr>
-          <p:cNvPr id="21" name="TextBox 20">
-            <a:extLst>
-              <a:ext uri="{FF2B5EF4-FFF2-40B4-BE49-F238E27FC236}">
-                <a16:creationId xmlns:a16="http://schemas.microsoft.com/office/drawing/2014/main" id="{87AE3E70-34D9-A2B1-97AC-737B98EEF384}"/>
+      <p:grpSp>
+        <p:nvGrpSpPr>
+          <p:cNvPr id="6" name="Group 5">
+            <a:extLst>
+              <a:ext uri="{FF2B5EF4-FFF2-40B4-BE49-F238E27FC236}">
+                <a16:creationId xmlns:a16="http://schemas.microsoft.com/office/drawing/2014/main" id="{AFE4D693-8A06-C842-8A27-07C124273699}"/>
+              </a:ext>
+            </a:extLst>
+          </p:cNvPr>
+          <p:cNvGrpSpPr/>
+          <p:nvPr/>
+        </p:nvGrpSpPr>
+        <p:grpSpPr>
+          <a:xfrm>
+            <a:off x="2909197" y="1279632"/>
+            <a:ext cx="2532360" cy="902418"/>
+            <a:chOff x="2794897" y="1406632"/>
+            <a:chExt cx="2532360" cy="902418"/>
+          </a:xfrm>
+        </p:grpSpPr>
+        <p:sp>
+          <p:nvSpPr>
+            <p:cNvPr id="26" name="Rectangle 25">
+              <a:extLst>
+                <a:ext uri="{FF2B5EF4-FFF2-40B4-BE49-F238E27FC236}">
+                  <a16:creationId xmlns:a16="http://schemas.microsoft.com/office/drawing/2014/main" id="{1C0DB40E-59EC-635D-DF85-7C56A95F261F}"/>
+                </a:ext>
+              </a:extLst>
+            </p:cNvPr>
+            <p:cNvSpPr/>
+            <p:nvPr/>
+          </p:nvSpPr>
+          <p:spPr>
+            <a:xfrm>
+              <a:off x="2827536" y="1406632"/>
+              <a:ext cx="2450954" cy="902418"/>
+            </a:xfrm>
+            <a:prstGeom prst="rect">
+              <a:avLst/>
+            </a:prstGeom>
+            <a:solidFill>
+              <a:schemeClr val="accent5">
+                <a:lumMod val="20000"/>
+                <a:lumOff val="80000"/>
+              </a:schemeClr>
+            </a:solidFill>
+            <a:ln>
+              <a:solidFill>
+                <a:schemeClr val="accent5">
+                  <a:lumMod val="60000"/>
+                  <a:lumOff val="40000"/>
+                </a:schemeClr>
+              </a:solidFill>
+            </a:ln>
+          </p:spPr>
+          <p:style>
+            <a:lnRef idx="2">
+              <a:schemeClr val="accent1">
+                <a:shade val="15000"/>
+              </a:schemeClr>
+            </a:lnRef>
+            <a:fillRef idx="1">
+              <a:schemeClr val="accent1"/>
+            </a:fillRef>
+            <a:effectRef idx="0">
+              <a:schemeClr val="accent1"/>
+            </a:effectRef>
+            <a:fontRef idx="minor">
+              <a:schemeClr val="lt1"/>
+            </a:fontRef>
+          </p:style>
+          <p:txBody>
+            <a:bodyPr rtlCol="0" anchor="ctr"/>
+            <a:lstStyle/>
+            <a:p>
+              <a:pPr algn="ctr"/>
+              <a:endParaRPr lang="en-US"/>
+            </a:p>
+          </p:txBody>
+        </p:sp>
+        <p:sp>
+          <p:nvSpPr>
+            <p:cNvPr id="18" name="TextBox 17">
+              <a:extLst>
+                <a:ext uri="{FF2B5EF4-FFF2-40B4-BE49-F238E27FC236}">
+                  <a16:creationId xmlns:a16="http://schemas.microsoft.com/office/drawing/2014/main" id="{5CED08F2-81B6-A60B-AE8B-F3B0088E6BAE}"/>
+                </a:ext>
+              </a:extLst>
+            </p:cNvPr>
+            <p:cNvSpPr txBox="1"/>
+            <p:nvPr/>
+          </p:nvSpPr>
+          <p:spPr>
+            <a:xfrm>
+              <a:off x="2794897" y="1871083"/>
+              <a:ext cx="2532360" cy="338554"/>
+            </a:xfrm>
+            <a:prstGeom prst="rect">
+              <a:avLst/>
+            </a:prstGeom>
+            <a:noFill/>
+          </p:spPr>
+          <p:txBody>
+            <a:bodyPr wrap="none" rtlCol="0">
+              <a:spAutoFit/>
+            </a:bodyPr>
+            <a:lstStyle/>
+            <a:p>
+              <a:r>
+                <a:rPr lang="en-US" sz="1600" dirty="0"/>
+                <a:t>?</a:t>
+              </a:r>
+              <a:r>
+                <a:rPr lang="en-US" sz="1600" dirty="0" err="1"/>
+                <a:t>thingToMagnitudeProperty</a:t>
+              </a:r>
+              <a:endParaRPr lang="en-US" sz="1600" dirty="0"/>
+            </a:p>
+          </p:txBody>
+        </p:sp>
+        <p:sp>
+          <p:nvSpPr>
+            <p:cNvPr id="21" name="TextBox 20">
+              <a:extLst>
+                <a:ext uri="{FF2B5EF4-FFF2-40B4-BE49-F238E27FC236}">
+                  <a16:creationId xmlns:a16="http://schemas.microsoft.com/office/drawing/2014/main" id="{87AE3E70-34D9-A2B1-97AC-737B98EEF384}"/>
+                </a:ext>
+              </a:extLst>
+            </p:cNvPr>
+            <p:cNvSpPr txBox="1"/>
+            <p:nvPr/>
+          </p:nvSpPr>
+          <p:spPr>
+            <a:xfrm>
+              <a:off x="2838582" y="1411857"/>
+              <a:ext cx="340158" cy="461665"/>
+            </a:xfrm>
+            <a:prstGeom prst="rect">
+              <a:avLst/>
+            </a:prstGeom>
+            <a:noFill/>
+          </p:spPr>
+          <p:txBody>
+            <a:bodyPr wrap="none" rtlCol="0">
+              <a:spAutoFit/>
+            </a:bodyPr>
+            <a:lstStyle/>
+            <a:p>
+              <a:r>
+                <a:rPr lang="en-US" sz="2400" dirty="0"/>
+                <a:t>3</a:t>
+              </a:r>
+            </a:p>
+          </p:txBody>
+        </p:sp>
+      </p:grpSp>
+      <p:sp>
+        <p:nvSpPr>
+          <p:cNvPr id="22" name="TextBox 21">
+            <a:extLst>
+              <a:ext uri="{FF2B5EF4-FFF2-40B4-BE49-F238E27FC236}">
+                <a16:creationId xmlns:a16="http://schemas.microsoft.com/office/drawing/2014/main" id="{DA98EAAC-5960-5467-0550-5B830CC86DB4}"/>
               </a:ext>
             </a:extLst>
           </p:cNvPr>
@@ -4704,7 +5120,42 @@
         </p:nvSpPr>
         <p:spPr>
           <a:xfrm>
-            <a:off x="2838582" y="1411857"/>
+            <a:off x="1194202" y="2692990"/>
+            <a:ext cx="394026" cy="461665"/>
+          </a:xfrm>
+          <a:prstGeom prst="rect">
+            <a:avLst/>
+          </a:prstGeom>
+          <a:noFill/>
+        </p:spPr>
+        <p:txBody>
+          <a:bodyPr wrap="square" rtlCol="0">
+            <a:spAutoFit/>
+          </a:bodyPr>
+          <a:lstStyle/>
+          <a:p>
+            <a:r>
+              <a:rPr lang="en-US" sz="2400" dirty="0"/>
+              <a:t>2</a:t>
+            </a:r>
+          </a:p>
+        </p:txBody>
+      </p:sp>
+      <p:sp>
+        <p:nvSpPr>
+          <p:cNvPr id="23" name="TextBox 22">
+            <a:extLst>
+              <a:ext uri="{FF2B5EF4-FFF2-40B4-BE49-F238E27FC236}">
+                <a16:creationId xmlns:a16="http://schemas.microsoft.com/office/drawing/2014/main" id="{C7C42378-8A93-F418-B1FB-F66EBDEB6462}"/>
+              </a:ext>
+            </a:extLst>
+          </p:cNvPr>
+          <p:cNvSpPr txBox="1"/>
+          <p:nvPr/>
+        </p:nvSpPr>
+        <p:spPr>
+          <a:xfrm>
+            <a:off x="5705855" y="1661138"/>
             <a:ext cx="340158" cy="461665"/>
           </a:xfrm>
           <a:prstGeom prst="rect">
@@ -4720,390 +5171,8 @@
           <a:p>
             <a:r>
               <a:rPr lang="en-US" sz="2400" dirty="0"/>
-              <a:t>3</a:t>
-            </a:r>
-          </a:p>
-        </p:txBody>
-      </p:sp>
-      <p:sp>
-        <p:nvSpPr>
-          <p:cNvPr id="22" name="TextBox 21">
-            <a:extLst>
-              <a:ext uri="{FF2B5EF4-FFF2-40B4-BE49-F238E27FC236}">
-                <a16:creationId xmlns:a16="http://schemas.microsoft.com/office/drawing/2014/main" id="{DA98EAAC-5960-5467-0550-5B830CC86DB4}"/>
-              </a:ext>
-            </a:extLst>
-          </p:cNvPr>
-          <p:cNvSpPr txBox="1"/>
-          <p:nvPr/>
-        </p:nvSpPr>
-        <p:spPr>
-          <a:xfrm>
-            <a:off x="1194202" y="2692990"/>
-            <a:ext cx="394026" cy="461665"/>
-          </a:xfrm>
-          <a:prstGeom prst="rect">
-            <a:avLst/>
-          </a:prstGeom>
-          <a:noFill/>
-        </p:spPr>
-        <p:txBody>
-          <a:bodyPr wrap="square" rtlCol="0">
-            <a:spAutoFit/>
-          </a:bodyPr>
-          <a:lstStyle/>
-          <a:p>
-            <a:r>
-              <a:rPr lang="en-US" sz="2400" dirty="0"/>
-              <a:t>2</a:t>
-            </a:r>
-          </a:p>
-        </p:txBody>
-      </p:sp>
-      <p:sp>
-        <p:nvSpPr>
-          <p:cNvPr id="23" name="TextBox 22">
-            <a:extLst>
-              <a:ext uri="{FF2B5EF4-FFF2-40B4-BE49-F238E27FC236}">
-                <a16:creationId xmlns:a16="http://schemas.microsoft.com/office/drawing/2014/main" id="{C7C42378-8A93-F418-B1FB-F66EBDEB6462}"/>
-              </a:ext>
-            </a:extLst>
-          </p:cNvPr>
-          <p:cNvSpPr txBox="1"/>
-          <p:nvPr/>
-        </p:nvSpPr>
-        <p:spPr>
-          <a:xfrm>
-            <a:off x="5705855" y="1661138"/>
-            <a:ext cx="340158" cy="461665"/>
-          </a:xfrm>
-          <a:prstGeom prst="rect">
-            <a:avLst/>
-          </a:prstGeom>
-          <a:noFill/>
-        </p:spPr>
-        <p:txBody>
-          <a:bodyPr wrap="none" rtlCol="0">
-            <a:spAutoFit/>
-          </a:bodyPr>
-          <a:lstStyle/>
-          <a:p>
-            <a:r>
-              <a:rPr lang="en-US" sz="2400" dirty="0"/>
               <a:t>5</a:t>
             </a:r>
-          </a:p>
-        </p:txBody>
-      </p:sp>
-      <p:sp>
-        <p:nvSpPr>
-          <p:cNvPr id="24" name="Rectangle 23">
-            <a:extLst>
-              <a:ext uri="{FF2B5EF4-FFF2-40B4-BE49-F238E27FC236}">
-                <a16:creationId xmlns:a16="http://schemas.microsoft.com/office/drawing/2014/main" id="{0A09884E-67BF-937F-D2A9-4BE02CECAC25}"/>
-              </a:ext>
-            </a:extLst>
-          </p:cNvPr>
-          <p:cNvSpPr/>
-          <p:nvPr/>
-        </p:nvSpPr>
-        <p:spPr>
-          <a:xfrm>
-            <a:off x="4985880" y="2689277"/>
-            <a:ext cx="3255905" cy="1293806"/>
-          </a:xfrm>
-          <a:prstGeom prst="rect">
-            <a:avLst/>
-          </a:prstGeom>
-          <a:noFill/>
-          <a:ln>
-            <a:solidFill>
-              <a:schemeClr val="tx1"/>
-            </a:solidFill>
-          </a:ln>
-        </p:spPr>
-        <p:style>
-          <a:lnRef idx="2">
-            <a:schemeClr val="accent1">
-              <a:shade val="15000"/>
-            </a:schemeClr>
-          </a:lnRef>
-          <a:fillRef idx="1">
-            <a:schemeClr val="accent1"/>
-          </a:fillRef>
-          <a:effectRef idx="0">
-            <a:schemeClr val="accent1"/>
-          </a:effectRef>
-          <a:fontRef idx="minor">
-            <a:schemeClr val="lt1"/>
-          </a:fontRef>
-        </p:style>
-        <p:txBody>
-          <a:bodyPr rtlCol="0" anchor="ctr"/>
-          <a:lstStyle/>
-          <a:p>
-            <a:pPr algn="ctr"/>
-            <a:endParaRPr lang="en-US"/>
-          </a:p>
-        </p:txBody>
-      </p:sp>
-      <p:sp>
-        <p:nvSpPr>
-          <p:cNvPr id="25" name="Rectangle 24">
-            <a:extLst>
-              <a:ext uri="{FF2B5EF4-FFF2-40B4-BE49-F238E27FC236}">
-                <a16:creationId xmlns:a16="http://schemas.microsoft.com/office/drawing/2014/main" id="{8AF59D86-E636-61B2-077E-A12BF149B883}"/>
-              </a:ext>
-            </a:extLst>
-          </p:cNvPr>
-          <p:cNvSpPr/>
-          <p:nvPr/>
-        </p:nvSpPr>
-        <p:spPr>
-          <a:xfrm>
-            <a:off x="1186931" y="2689277"/>
-            <a:ext cx="2512338" cy="1293806"/>
-          </a:xfrm>
-          <a:prstGeom prst="rect">
-            <a:avLst/>
-          </a:prstGeom>
-          <a:noFill/>
-          <a:ln>
-            <a:solidFill>
-              <a:schemeClr val="tx1"/>
-            </a:solidFill>
-          </a:ln>
-        </p:spPr>
-        <p:style>
-          <a:lnRef idx="2">
-            <a:schemeClr val="accent1">
-              <a:shade val="15000"/>
-            </a:schemeClr>
-          </a:lnRef>
-          <a:fillRef idx="1">
-            <a:schemeClr val="accent1"/>
-          </a:fillRef>
-          <a:effectRef idx="0">
-            <a:schemeClr val="accent1"/>
-          </a:effectRef>
-          <a:fontRef idx="minor">
-            <a:schemeClr val="lt1"/>
-          </a:fontRef>
-        </p:style>
-        <p:txBody>
-          <a:bodyPr rtlCol="0" anchor="ctr"/>
-          <a:lstStyle/>
-          <a:p>
-            <a:pPr algn="ctr"/>
-            <a:endParaRPr lang="en-US"/>
-          </a:p>
-        </p:txBody>
-      </p:sp>
-      <p:sp>
-        <p:nvSpPr>
-          <p:cNvPr id="26" name="Rectangle 25">
-            <a:extLst>
-              <a:ext uri="{FF2B5EF4-FFF2-40B4-BE49-F238E27FC236}">
-                <a16:creationId xmlns:a16="http://schemas.microsoft.com/office/drawing/2014/main" id="{1C0DB40E-59EC-635D-DF85-7C56A95F261F}"/>
-              </a:ext>
-            </a:extLst>
-          </p:cNvPr>
-          <p:cNvSpPr/>
-          <p:nvPr/>
-        </p:nvSpPr>
-        <p:spPr>
-          <a:xfrm>
-            <a:off x="2827536" y="1406632"/>
-            <a:ext cx="2450954" cy="902418"/>
-          </a:xfrm>
-          <a:prstGeom prst="rect">
-            <a:avLst/>
-          </a:prstGeom>
-          <a:noFill/>
-          <a:ln>
-            <a:solidFill>
-              <a:schemeClr val="tx1"/>
-            </a:solidFill>
-          </a:ln>
-        </p:spPr>
-        <p:style>
-          <a:lnRef idx="2">
-            <a:schemeClr val="accent1">
-              <a:shade val="15000"/>
-            </a:schemeClr>
-          </a:lnRef>
-          <a:fillRef idx="1">
-            <a:schemeClr val="accent1"/>
-          </a:fillRef>
-          <a:effectRef idx="0">
-            <a:schemeClr val="accent1"/>
-          </a:effectRef>
-          <a:fontRef idx="minor">
-            <a:schemeClr val="lt1"/>
-          </a:fontRef>
-        </p:style>
-        <p:txBody>
-          <a:bodyPr rtlCol="0" anchor="ctr"/>
-          <a:lstStyle/>
-          <a:p>
-            <a:pPr algn="ctr"/>
-            <a:endParaRPr lang="en-US"/>
-          </a:p>
-        </p:txBody>
-      </p:sp>
-      <p:sp>
-        <p:nvSpPr>
-          <p:cNvPr id="28" name="Rectangle 27">
-            <a:extLst>
-              <a:ext uri="{FF2B5EF4-FFF2-40B4-BE49-F238E27FC236}">
-                <a16:creationId xmlns:a16="http://schemas.microsoft.com/office/drawing/2014/main" id="{5C06FA0C-9138-ED8B-8F9D-3624D493BD8F}"/>
-              </a:ext>
-            </a:extLst>
-          </p:cNvPr>
-          <p:cNvSpPr/>
-          <p:nvPr/>
-        </p:nvSpPr>
-        <p:spPr>
-          <a:xfrm>
-            <a:off x="2217111" y="4907197"/>
-            <a:ext cx="1215044" cy="870741"/>
-          </a:xfrm>
-          <a:prstGeom prst="rect">
-            <a:avLst/>
-          </a:prstGeom>
-          <a:noFill/>
-          <a:ln>
-            <a:solidFill>
-              <a:schemeClr val="tx1"/>
-            </a:solidFill>
-          </a:ln>
-        </p:spPr>
-        <p:style>
-          <a:lnRef idx="2">
-            <a:schemeClr val="accent1">
-              <a:shade val="15000"/>
-            </a:schemeClr>
-          </a:lnRef>
-          <a:fillRef idx="1">
-            <a:schemeClr val="accent1"/>
-          </a:fillRef>
-          <a:effectRef idx="0">
-            <a:schemeClr val="accent1"/>
-          </a:effectRef>
-          <a:fontRef idx="minor">
-            <a:schemeClr val="lt1"/>
-          </a:fontRef>
-        </p:style>
-        <p:txBody>
-          <a:bodyPr rtlCol="0" anchor="ctr"/>
-          <a:lstStyle/>
-          <a:p>
-            <a:pPr algn="ctr"/>
-            <a:endParaRPr lang="en-US"/>
-          </a:p>
-        </p:txBody>
-      </p:sp>
-      <p:sp>
-        <p:nvSpPr>
-          <p:cNvPr id="29" name="Rectangle 28">
-            <a:extLst>
-              <a:ext uri="{FF2B5EF4-FFF2-40B4-BE49-F238E27FC236}">
-                <a16:creationId xmlns:a16="http://schemas.microsoft.com/office/drawing/2014/main" id="{33194029-647A-9589-BE98-67C8B8DE7759}"/>
-              </a:ext>
-            </a:extLst>
-          </p:cNvPr>
-          <p:cNvSpPr/>
-          <p:nvPr/>
-        </p:nvSpPr>
-        <p:spPr>
-          <a:xfrm>
-            <a:off x="1901984" y="1654433"/>
-            <a:ext cx="769209" cy="709496"/>
-          </a:xfrm>
-          <a:prstGeom prst="rect">
-            <a:avLst/>
-          </a:prstGeom>
-          <a:noFill/>
-          <a:ln>
-            <a:solidFill>
-              <a:schemeClr val="tx1"/>
-            </a:solidFill>
-          </a:ln>
-        </p:spPr>
-        <p:style>
-          <a:lnRef idx="2">
-            <a:schemeClr val="accent1">
-              <a:shade val="15000"/>
-            </a:schemeClr>
-          </a:lnRef>
-          <a:fillRef idx="1">
-            <a:schemeClr val="accent1"/>
-          </a:fillRef>
-          <a:effectRef idx="0">
-            <a:schemeClr val="accent1"/>
-          </a:effectRef>
-          <a:fontRef idx="minor">
-            <a:schemeClr val="lt1"/>
-          </a:fontRef>
-        </p:style>
-        <p:txBody>
-          <a:bodyPr rtlCol="0" anchor="ctr"/>
-          <a:lstStyle/>
-          <a:p>
-            <a:pPr algn="ctr"/>
-            <a:endParaRPr lang="en-US"/>
-          </a:p>
-        </p:txBody>
-      </p:sp>
-      <p:sp>
-        <p:nvSpPr>
-          <p:cNvPr id="30" name="Rectangle 29">
-            <a:extLst>
-              <a:ext uri="{FF2B5EF4-FFF2-40B4-BE49-F238E27FC236}">
-                <a16:creationId xmlns:a16="http://schemas.microsoft.com/office/drawing/2014/main" id="{8889EB11-4A1F-AC6E-67E4-35CC93D3A8F7}"/>
-              </a:ext>
-            </a:extLst>
-          </p:cNvPr>
-          <p:cNvSpPr/>
-          <p:nvPr/>
-        </p:nvSpPr>
-        <p:spPr>
-          <a:xfrm>
-            <a:off x="5700170" y="1654433"/>
-            <a:ext cx="1232555" cy="699040"/>
-          </a:xfrm>
-          <a:prstGeom prst="rect">
-            <a:avLst/>
-          </a:prstGeom>
-          <a:noFill/>
-          <a:ln>
-            <a:solidFill>
-              <a:schemeClr val="tx1"/>
-            </a:solidFill>
-          </a:ln>
-        </p:spPr>
-        <p:style>
-          <a:lnRef idx="2">
-            <a:schemeClr val="accent1">
-              <a:shade val="15000"/>
-            </a:schemeClr>
-          </a:lnRef>
-          <a:fillRef idx="1">
-            <a:schemeClr val="accent1"/>
-          </a:fillRef>
-          <a:effectRef idx="0">
-            <a:schemeClr val="accent1"/>
-          </a:effectRef>
-          <a:fontRef idx="minor">
-            <a:schemeClr val="lt1"/>
-          </a:fontRef>
-        </p:style>
-        <p:txBody>
-          <a:bodyPr rtlCol="0" anchor="ctr"/>
-          <a:lstStyle/>
-          <a:p>
-            <a:pPr algn="ctr"/>
-            <a:endParaRPr lang="en-US"/>
           </a:p>
         </p:txBody>
       </p:sp>
@@ -5156,6 +5225,46 @@
             <a:r>
               <a:rPr lang="en-US" dirty="0"/>
               <a:t>Identify existing units and aspects</a:t>
+            </a:r>
+          </a:p>
+        </p:txBody>
+      </p:sp>
+      <p:sp>
+        <p:nvSpPr>
+          <p:cNvPr id="4" name="TextBox 3">
+            <a:extLst>
+              <a:ext uri="{FF2B5EF4-FFF2-40B4-BE49-F238E27FC236}">
+                <a16:creationId xmlns:a16="http://schemas.microsoft.com/office/drawing/2014/main" id="{FB0C06C1-3C39-7795-63D0-5E2BF93E44A8}"/>
+              </a:ext>
+            </a:extLst>
+          </p:cNvPr>
+          <p:cNvSpPr txBox="1"/>
+          <p:nvPr/>
+        </p:nvSpPr>
+        <p:spPr>
+          <a:xfrm>
+            <a:off x="1194202" y="6017398"/>
+            <a:ext cx="7756867" cy="369332"/>
+          </a:xfrm>
+          <a:prstGeom prst="rect">
+            <a:avLst/>
+          </a:prstGeom>
+          <a:solidFill>
+            <a:schemeClr val="accent6">
+              <a:lumMod val="20000"/>
+              <a:lumOff val="80000"/>
+            </a:schemeClr>
+          </a:solidFill>
+        </p:spPr>
+        <p:txBody>
+          <a:bodyPr wrap="none" rtlCol="0">
+            <a:spAutoFit/>
+          </a:bodyPr>
+          <a:lstStyle/>
+          <a:p>
+            <a:r>
+              <a:rPr lang="en-US" dirty="0"/>
+              <a:t>The results of these queries are used in subsequent steps of the data conversion.</a:t>
             </a:r>
           </a:p>
         </p:txBody>
@@ -5702,6 +5811,46 @@
           </a:p>
         </p:txBody>
       </p:sp>
+      <p:sp>
+        <p:nvSpPr>
+          <p:cNvPr id="5" name="TextBox 4">
+            <a:extLst>
+              <a:ext uri="{FF2B5EF4-FFF2-40B4-BE49-F238E27FC236}">
+                <a16:creationId xmlns:a16="http://schemas.microsoft.com/office/drawing/2014/main" id="{ACD4662D-3B55-3579-6E89-655644E27B05}"/>
+              </a:ext>
+            </a:extLst>
+          </p:cNvPr>
+          <p:cNvSpPr txBox="1"/>
+          <p:nvPr/>
+        </p:nvSpPr>
+        <p:spPr>
+          <a:xfrm>
+            <a:off x="902208" y="5765191"/>
+            <a:ext cx="6271269" cy="369332"/>
+          </a:xfrm>
+          <a:prstGeom prst="rect">
+            <a:avLst/>
+          </a:prstGeom>
+          <a:solidFill>
+            <a:schemeClr val="accent6">
+              <a:lumMod val="20000"/>
+              <a:lumOff val="80000"/>
+            </a:schemeClr>
+          </a:solidFill>
+        </p:spPr>
+        <p:txBody>
+          <a:bodyPr wrap="none" rtlCol="0">
+            <a:spAutoFit/>
+          </a:bodyPr>
+          <a:lstStyle/>
+          <a:p>
+            <a:r>
+              <a:rPr lang="en-US" dirty="0"/>
+              <a:t>Be sure to review the header of each query for more information.</a:t>
+            </a:r>
+          </a:p>
+        </p:txBody>
+      </p:sp>
     </p:spTree>
     <p:extLst>
       <p:ext uri="{BB962C8B-B14F-4D97-AF65-F5344CB8AC3E}">
@@ -7100,6 +7249,48 @@
           </a:p>
         </p:txBody>
       </p:sp>
+      <p:sp>
+        <p:nvSpPr>
+          <p:cNvPr id="7" name="TextBox 6">
+            <a:extLst>
+              <a:ext uri="{FF2B5EF4-FFF2-40B4-BE49-F238E27FC236}">
+                <a16:creationId xmlns:a16="http://schemas.microsoft.com/office/drawing/2014/main" id="{F7B6CCAE-A278-6B2D-02BE-9904A2A28425}"/>
+              </a:ext>
+            </a:extLst>
+          </p:cNvPr>
+          <p:cNvSpPr txBox="1"/>
+          <p:nvPr/>
+        </p:nvSpPr>
+        <p:spPr>
+          <a:xfrm>
+            <a:off x="119544" y="4165661"/>
+            <a:ext cx="1416648" cy="523220"/>
+          </a:xfrm>
+          <a:prstGeom prst="rect">
+            <a:avLst/>
+          </a:prstGeom>
+          <a:solidFill>
+            <a:schemeClr val="bg1"/>
+          </a:solidFill>
+        </p:spPr>
+        <p:txBody>
+          <a:bodyPr wrap="square" rtlCol="0">
+            <a:spAutoFit/>
+          </a:bodyPr>
+          <a:lstStyle/>
+          <a:p>
+            <a:pPr algn="ctr"/>
+            <a:r>
+              <a:rPr lang="en-US" sz="1400" dirty="0">
+                <a:solidFill>
+                  <a:srgbClr val="0070C0"/>
+                </a:solidFill>
+              </a:rPr>
+              <a:t>subset of reference data</a:t>
+            </a:r>
+          </a:p>
+        </p:txBody>
+      </p:sp>
     </p:spTree>
     <p:extLst>
       <p:ext uri="{BB962C8B-B14F-4D97-AF65-F5344CB8AC3E}">
@@ -8939,7 +9130,10 @@
               <a:rPr lang="en-US" dirty="0" err="1"/>
               <a:t>rq</a:t>
             </a:r>
-            <a:endParaRPr lang="en-US" dirty="0"/>
+            <a:r>
+              <a:rPr lang="en-US" dirty="0"/>
+              <a:t>.</a:t>
+            </a:r>
           </a:p>
           <a:p>
             <a:endParaRPr lang="en-US" dirty="0"/>
@@ -8997,7 +9191,7 @@
         <p:spPr>
           <a:xfrm>
             <a:off x="621792" y="430506"/>
-            <a:ext cx="4892237" cy="523220"/>
+            <a:ext cx="6235810" cy="523220"/>
           </a:xfrm>
           <a:prstGeom prst="rect">
             <a:avLst/>
@@ -9012,7 +9206,7 @@
           <a:p>
             <a:r>
               <a:rPr lang="en-US" sz="2800" dirty="0"/>
-              <a:t>Add new Aspects to Magnitudes</a:t>
+              <a:t>Add new Aspects to Magnitudes: concept</a:t>
             </a:r>
           </a:p>
         </p:txBody>
@@ -10724,7 +10918,7 @@
         </p:blipFill>
         <p:spPr bwMode="auto">
           <a:xfrm>
-            <a:off x="1218399" y="2582338"/>
+            <a:off x="1218399" y="2455338"/>
             <a:ext cx="5751768" cy="2161406"/>
           </a:xfrm>
           <a:prstGeom prst="rect">
@@ -10756,7 +10950,7 @@
         </p:nvSpPr>
         <p:spPr>
           <a:xfrm>
-            <a:off x="7093404" y="2671790"/>
+            <a:off x="7093404" y="2544790"/>
             <a:ext cx="1971886" cy="369332"/>
           </a:xfrm>
           <a:prstGeom prst="rect">
@@ -10816,7 +11010,7 @@
         </p:nvSpPr>
         <p:spPr>
           <a:xfrm>
-            <a:off x="7076661" y="3462291"/>
+            <a:off x="7076661" y="3335291"/>
             <a:ext cx="3510898" cy="369332"/>
           </a:xfrm>
           <a:prstGeom prst="rect">
@@ -10876,7 +11070,7 @@
         </p:nvSpPr>
         <p:spPr>
           <a:xfrm>
-            <a:off x="7093403" y="4284960"/>
+            <a:off x="7093403" y="4157960"/>
             <a:ext cx="2066848" cy="369332"/>
           </a:xfrm>
           <a:prstGeom prst="rect">
@@ -10928,7 +11122,7 @@
         </p:nvSpPr>
         <p:spPr>
           <a:xfrm>
-            <a:off x="7093403" y="2069883"/>
+            <a:off x="7093403" y="1942883"/>
             <a:ext cx="1039452" cy="369332"/>
           </a:xfrm>
           <a:prstGeom prst="rect">
@@ -11011,7 +11205,7 @@
         <p:spPr>
           <a:xfrm>
             <a:off x="1218399" y="5174166"/>
-            <a:ext cx="8000652" cy="369332"/>
+            <a:ext cx="9421618" cy="646331"/>
           </a:xfrm>
           <a:prstGeom prst="rect">
             <a:avLst/>
@@ -11027,6 +11221,12 @@
             <a:r>
               <a:rPr lang="en-US" dirty="0"/>
               <a:t>An aspect is a measurable characteristic such as height, weight, cycle time, cost, etc.</a:t>
+            </a:r>
+          </a:p>
+          <a:p>
+            <a:r>
+              <a:rPr lang="en-US" dirty="0"/>
+              <a:t>Semantic Arts has a curated set of aspects and units of measure that clients and gist users can use.</a:t>
             </a:r>
           </a:p>
         </p:txBody>
@@ -12521,7 +12721,7 @@
         <p:spPr>
           <a:xfrm>
             <a:off x="1758908" y="1912253"/>
-            <a:ext cx="7978403" cy="1754326"/>
+            <a:ext cx="8130687" cy="1754326"/>
           </a:xfrm>
           <a:prstGeom prst="rect">
             <a:avLst/>
@@ -12536,7 +12736,7 @@
           <a:p>
             <a:r>
               <a:rPr lang="en-US" dirty="0"/>
-              <a:t>Update ontologies or taxonomies to remove entries that are no longer needed, e.g.</a:t>
+              <a:t>Update ontologies and taxonomies to remove entries that are no longer needed, e.g.</a:t>
             </a:r>
           </a:p>
           <a:p>
@@ -12755,8 +12955,8 @@
         </p:nvSpPr>
         <p:spPr>
           <a:xfrm>
-            <a:off x="2480234" y="2020267"/>
-            <a:ext cx="7983468" cy="1323439"/>
+            <a:off x="1736970" y="2210767"/>
+            <a:ext cx="8077661" cy="1323439"/>
           </a:xfrm>
           <a:prstGeom prst="rect">
             <a:avLst/>
@@ -12785,7 +12985,7 @@
             </a:pPr>
             <a:r>
               <a:rPr lang="en-US" sz="2000" dirty="0"/>
-              <a:t>Install new version of gist and new Unit of Measure reference data</a:t>
+              <a:t>Install new version of gist and new client Unit of Measure reference data</a:t>
             </a:r>
           </a:p>
           <a:p>
@@ -13100,7 +13300,7 @@
         <p:spPr>
           <a:xfrm>
             <a:off x="5593947" y="2475640"/>
-            <a:ext cx="4629024" cy="523220"/>
+            <a:ext cx="5670335" cy="523220"/>
           </a:xfrm>
           <a:prstGeom prst="rect">
             <a:avLst/>
@@ -13121,7 +13321,7 @@
           <a:p>
             <a:r>
               <a:rPr lang="en-US" sz="1400" dirty="0"/>
-              <a:t>Semantic Arts will return a list of standard aspects and units</a:t>
+              <a:t>Semantic Arts will return a list of corresponding standard aspects and units</a:t>
             </a:r>
           </a:p>
         </p:txBody>
@@ -14464,1192 +14664,6 @@
           </a:p>
         </p:txBody>
       </p:sp>
-      <p:grpSp>
-        <p:nvGrpSpPr>
-          <p:cNvPr id="4" name="Group 3">
-            <a:extLst>
-              <a:ext uri="{FF2B5EF4-FFF2-40B4-BE49-F238E27FC236}">
-                <a16:creationId xmlns:a16="http://schemas.microsoft.com/office/drawing/2014/main" id="{12CBE2E6-9AA7-7809-62F3-C2559A5536AB}"/>
-              </a:ext>
-            </a:extLst>
-          </p:cNvPr>
-          <p:cNvGrpSpPr/>
-          <p:nvPr/>
-        </p:nvGrpSpPr>
-        <p:grpSpPr>
-          <a:xfrm>
-            <a:off x="1106926" y="4096251"/>
-            <a:ext cx="4771448" cy="862232"/>
-            <a:chOff x="1017221" y="3271604"/>
-            <a:chExt cx="4771448" cy="862232"/>
-          </a:xfrm>
-        </p:grpSpPr>
-        <p:sp>
-          <p:nvSpPr>
-            <p:cNvPr id="24" name="TextBox 23">
-              <a:extLst>
-                <a:ext uri="{FF2B5EF4-FFF2-40B4-BE49-F238E27FC236}">
-                  <a16:creationId xmlns:a16="http://schemas.microsoft.com/office/drawing/2014/main" id="{54DAF177-24F5-E677-A93C-081300E6589B}"/>
-                </a:ext>
-              </a:extLst>
-            </p:cNvPr>
-            <p:cNvSpPr txBox="1"/>
-            <p:nvPr/>
-          </p:nvSpPr>
-          <p:spPr>
-            <a:xfrm>
-              <a:off x="1017221" y="3524232"/>
-              <a:ext cx="844590" cy="369332"/>
-            </a:xfrm>
-            <a:prstGeom prst="rect">
-              <a:avLst/>
-            </a:prstGeom>
-            <a:noFill/>
-          </p:spPr>
-          <p:txBody>
-            <a:bodyPr wrap="none" rtlCol="0">
-              <a:spAutoFit/>
-            </a:bodyPr>
-            <a:lstStyle/>
-            <a:p>
-              <a:r>
-                <a:rPr lang="en-US" dirty="0"/>
-                <a:t>:_patio</a:t>
-              </a:r>
-            </a:p>
-          </p:txBody>
-        </p:sp>
-        <p:sp>
-          <p:nvSpPr>
-            <p:cNvPr id="25" name="TextBox 24">
-              <a:extLst>
-                <a:ext uri="{FF2B5EF4-FFF2-40B4-BE49-F238E27FC236}">
-                  <a16:creationId xmlns:a16="http://schemas.microsoft.com/office/drawing/2014/main" id="{57F410DF-AE6D-63D3-8F21-B30D5B299B4A}"/>
-                </a:ext>
-              </a:extLst>
-            </p:cNvPr>
-            <p:cNvSpPr txBox="1"/>
-            <p:nvPr/>
-          </p:nvSpPr>
-          <p:spPr>
-            <a:xfrm>
-              <a:off x="3257853" y="3524232"/>
-              <a:ext cx="1377300" cy="369332"/>
-            </a:xfrm>
-            <a:prstGeom prst="rect">
-              <a:avLst/>
-            </a:prstGeom>
-            <a:noFill/>
-          </p:spPr>
-          <p:txBody>
-            <a:bodyPr wrap="none" rtlCol="0">
-              <a:spAutoFit/>
-            </a:bodyPr>
-            <a:lstStyle/>
-            <a:p>
-              <a:r>
-                <a:rPr lang="en-US" dirty="0"/>
-                <a:t>:_magnitude</a:t>
-              </a:r>
-            </a:p>
-          </p:txBody>
-        </p:sp>
-        <p:cxnSp>
-          <p:nvCxnSpPr>
-            <p:cNvPr id="26" name="Straight Arrow Connector 25">
-              <a:extLst>
-                <a:ext uri="{FF2B5EF4-FFF2-40B4-BE49-F238E27FC236}">
-                  <a16:creationId xmlns:a16="http://schemas.microsoft.com/office/drawing/2014/main" id="{72A8B4B7-17A2-AA0A-0915-B10442F91803}"/>
-                </a:ext>
-              </a:extLst>
-            </p:cNvPr>
-            <p:cNvCxnSpPr>
-              <a:stCxn id="24" idx="3"/>
-              <a:endCxn id="25" idx="1"/>
-            </p:cNvCxnSpPr>
-            <p:nvPr/>
-          </p:nvCxnSpPr>
-          <p:spPr>
-            <a:xfrm>
-              <a:off x="1861811" y="3708898"/>
-              <a:ext cx="1396042" cy="0"/>
-            </a:xfrm>
-            <a:prstGeom prst="straightConnector1">
-              <a:avLst/>
-            </a:prstGeom>
-            <a:ln>
-              <a:solidFill>
-                <a:schemeClr val="tx1"/>
-              </a:solidFill>
-              <a:tailEnd type="triangle"/>
-            </a:ln>
-          </p:spPr>
-          <p:style>
-            <a:lnRef idx="1">
-              <a:schemeClr val="accent1"/>
-            </a:lnRef>
-            <a:fillRef idx="0">
-              <a:schemeClr val="accent1"/>
-            </a:fillRef>
-            <a:effectRef idx="0">
-              <a:schemeClr val="accent1"/>
-            </a:effectRef>
-            <a:fontRef idx="minor">
-              <a:schemeClr val="tx1"/>
-            </a:fontRef>
-          </p:style>
-        </p:cxnSp>
-        <p:cxnSp>
-          <p:nvCxnSpPr>
-            <p:cNvPr id="27" name="Straight Arrow Connector 26">
-              <a:extLst>
-                <a:ext uri="{FF2B5EF4-FFF2-40B4-BE49-F238E27FC236}">
-                  <a16:creationId xmlns:a16="http://schemas.microsoft.com/office/drawing/2014/main" id="{1411C6E1-3761-F9F6-021E-6FB2A7CCCBA3}"/>
-                </a:ext>
-              </a:extLst>
-            </p:cNvPr>
-            <p:cNvCxnSpPr>
-              <a:cxnSpLocks/>
-              <a:stCxn id="25" idx="3"/>
-              <a:endCxn id="30" idx="1"/>
-            </p:cNvCxnSpPr>
-            <p:nvPr/>
-          </p:nvCxnSpPr>
-          <p:spPr>
-            <a:xfrm>
-              <a:off x="4635153" y="3708898"/>
-              <a:ext cx="441462" cy="240272"/>
-            </a:xfrm>
-            <a:prstGeom prst="straightConnector1">
-              <a:avLst/>
-            </a:prstGeom>
-            <a:ln>
-              <a:solidFill>
-                <a:schemeClr val="tx1"/>
-              </a:solidFill>
-              <a:tailEnd type="triangle"/>
-            </a:ln>
-          </p:spPr>
-          <p:style>
-            <a:lnRef idx="1">
-              <a:schemeClr val="accent1"/>
-            </a:lnRef>
-            <a:fillRef idx="0">
-              <a:schemeClr val="accent1"/>
-            </a:fillRef>
-            <a:effectRef idx="0">
-              <a:schemeClr val="accent1"/>
-            </a:effectRef>
-            <a:fontRef idx="minor">
-              <a:schemeClr val="tx1"/>
-            </a:fontRef>
-          </p:style>
-        </p:cxnSp>
-        <p:cxnSp>
-          <p:nvCxnSpPr>
-            <p:cNvPr id="28" name="Straight Arrow Connector 27">
-              <a:extLst>
-                <a:ext uri="{FF2B5EF4-FFF2-40B4-BE49-F238E27FC236}">
-                  <a16:creationId xmlns:a16="http://schemas.microsoft.com/office/drawing/2014/main" id="{5079E2E3-8412-1859-22EC-051CBD252260}"/>
-                </a:ext>
-              </a:extLst>
-            </p:cNvPr>
-            <p:cNvCxnSpPr>
-              <a:cxnSpLocks/>
-              <a:stCxn id="25" idx="3"/>
-              <a:endCxn id="29" idx="1"/>
-            </p:cNvCxnSpPr>
-            <p:nvPr/>
-          </p:nvCxnSpPr>
-          <p:spPr>
-            <a:xfrm flipV="1">
-              <a:off x="4635153" y="3456270"/>
-              <a:ext cx="441462" cy="252628"/>
-            </a:xfrm>
-            <a:prstGeom prst="straightConnector1">
-              <a:avLst/>
-            </a:prstGeom>
-            <a:ln>
-              <a:solidFill>
-                <a:schemeClr val="tx1"/>
-              </a:solidFill>
-              <a:tailEnd type="triangle"/>
-            </a:ln>
-          </p:spPr>
-          <p:style>
-            <a:lnRef idx="1">
-              <a:schemeClr val="accent1"/>
-            </a:lnRef>
-            <a:fillRef idx="0">
-              <a:schemeClr val="accent1"/>
-            </a:fillRef>
-            <a:effectRef idx="0">
-              <a:schemeClr val="accent1"/>
-            </a:effectRef>
-            <a:fontRef idx="minor">
-              <a:schemeClr val="tx1"/>
-            </a:fontRef>
-          </p:style>
-        </p:cxnSp>
-        <p:sp>
-          <p:nvSpPr>
-            <p:cNvPr id="29" name="TextBox 28">
-              <a:extLst>
-                <a:ext uri="{FF2B5EF4-FFF2-40B4-BE49-F238E27FC236}">
-                  <a16:creationId xmlns:a16="http://schemas.microsoft.com/office/drawing/2014/main" id="{895BF5AB-C2DE-8546-E8DB-6F42EB35F667}"/>
-                </a:ext>
-              </a:extLst>
-            </p:cNvPr>
-            <p:cNvSpPr txBox="1"/>
-            <p:nvPr/>
-          </p:nvSpPr>
-          <p:spPr>
-            <a:xfrm>
-              <a:off x="5076615" y="3271604"/>
-              <a:ext cx="535724" cy="369332"/>
-            </a:xfrm>
-            <a:prstGeom prst="rect">
-              <a:avLst/>
-            </a:prstGeom>
-            <a:noFill/>
-          </p:spPr>
-          <p:txBody>
-            <a:bodyPr wrap="none" rtlCol="0">
-              <a:spAutoFit/>
-            </a:bodyPr>
-            <a:lstStyle/>
-            <a:p>
-              <a:r>
-                <a:rPr lang="en-US" dirty="0"/>
-                <a:t>144</a:t>
-              </a:r>
-            </a:p>
-          </p:txBody>
-        </p:sp>
-        <p:sp>
-          <p:nvSpPr>
-            <p:cNvPr id="30" name="TextBox 29">
-              <a:extLst>
-                <a:ext uri="{FF2B5EF4-FFF2-40B4-BE49-F238E27FC236}">
-                  <a16:creationId xmlns:a16="http://schemas.microsoft.com/office/drawing/2014/main" id="{6A694F1B-5FCF-2934-0A00-95C62A7012A2}"/>
-                </a:ext>
-              </a:extLst>
-            </p:cNvPr>
-            <p:cNvSpPr txBox="1"/>
-            <p:nvPr/>
-          </p:nvSpPr>
-          <p:spPr>
-            <a:xfrm>
-              <a:off x="5076615" y="3764504"/>
-              <a:ext cx="712054" cy="369332"/>
-            </a:xfrm>
-            <a:prstGeom prst="rect">
-              <a:avLst/>
-            </a:prstGeom>
-            <a:noFill/>
-          </p:spPr>
-          <p:txBody>
-            <a:bodyPr wrap="none" rtlCol="0">
-              <a:spAutoFit/>
-            </a:bodyPr>
-            <a:lstStyle/>
-            <a:p>
-              <a:r>
-                <a:rPr lang="en-US" dirty="0"/>
-                <a:t>sq. ft.</a:t>
-              </a:r>
-            </a:p>
-          </p:txBody>
-        </p:sp>
-        <p:sp>
-          <p:nvSpPr>
-            <p:cNvPr id="85" name="TextBox 84">
-              <a:extLst>
-                <a:ext uri="{FF2B5EF4-FFF2-40B4-BE49-F238E27FC236}">
-                  <a16:creationId xmlns:a16="http://schemas.microsoft.com/office/drawing/2014/main" id="{C6C7F5A3-F305-D98D-CD9C-F49D656E1A81}"/>
-                </a:ext>
-              </a:extLst>
-            </p:cNvPr>
-            <p:cNvSpPr txBox="1"/>
-            <p:nvPr/>
-          </p:nvSpPr>
-          <p:spPr>
-            <a:xfrm>
-              <a:off x="2130612" y="3354955"/>
-              <a:ext cx="858440" cy="338554"/>
-            </a:xfrm>
-            <a:prstGeom prst="rect">
-              <a:avLst/>
-            </a:prstGeom>
-            <a:noFill/>
-          </p:spPr>
-          <p:txBody>
-            <a:bodyPr wrap="none" rtlCol="0">
-              <a:spAutoFit/>
-            </a:bodyPr>
-            <a:lstStyle/>
-            <a:p>
-              <a:r>
-                <a:rPr lang="en-US" sz="1600" dirty="0" err="1">
-                  <a:solidFill>
-                    <a:srgbClr val="FF0000"/>
-                  </a:solidFill>
-                </a:rPr>
-                <a:t>hasArea</a:t>
-              </a:r>
-              <a:endParaRPr lang="en-US" sz="1600" dirty="0">
-                <a:solidFill>
-                  <a:srgbClr val="FF0000"/>
-                </a:solidFill>
-              </a:endParaRPr>
-            </a:p>
-          </p:txBody>
-        </p:sp>
-      </p:grpSp>
-      <p:grpSp>
-        <p:nvGrpSpPr>
-          <p:cNvPr id="59" name="Group 58">
-            <a:extLst>
-              <a:ext uri="{FF2B5EF4-FFF2-40B4-BE49-F238E27FC236}">
-                <a16:creationId xmlns:a16="http://schemas.microsoft.com/office/drawing/2014/main" id="{41FC55B6-24C1-2D45-E72B-4A123D694047}"/>
-              </a:ext>
-            </a:extLst>
-          </p:cNvPr>
-          <p:cNvGrpSpPr/>
-          <p:nvPr/>
-        </p:nvGrpSpPr>
-        <p:grpSpPr>
-          <a:xfrm>
-            <a:off x="6338618" y="2075730"/>
-            <a:ext cx="4771448" cy="1746044"/>
-            <a:chOff x="6429891" y="1796030"/>
-            <a:chExt cx="4771448" cy="1746044"/>
-          </a:xfrm>
-        </p:grpSpPr>
-        <p:sp>
-          <p:nvSpPr>
-            <p:cNvPr id="45" name="TextBox 44">
-              <a:extLst>
-                <a:ext uri="{FF2B5EF4-FFF2-40B4-BE49-F238E27FC236}">
-                  <a16:creationId xmlns:a16="http://schemas.microsoft.com/office/drawing/2014/main" id="{E28E93DF-5805-866B-88DF-C7C54D02326E}"/>
-                </a:ext>
-              </a:extLst>
-            </p:cNvPr>
-            <p:cNvSpPr txBox="1"/>
-            <p:nvPr/>
-          </p:nvSpPr>
-          <p:spPr>
-            <a:xfrm>
-              <a:off x="6429891" y="2048658"/>
-              <a:ext cx="844590" cy="369332"/>
-            </a:xfrm>
-            <a:prstGeom prst="rect">
-              <a:avLst/>
-            </a:prstGeom>
-            <a:noFill/>
-          </p:spPr>
-          <p:txBody>
-            <a:bodyPr wrap="none" rtlCol="0">
-              <a:spAutoFit/>
-            </a:bodyPr>
-            <a:lstStyle/>
-            <a:p>
-              <a:r>
-                <a:rPr lang="en-US" dirty="0"/>
-                <a:t>:_patio</a:t>
-              </a:r>
-            </a:p>
-          </p:txBody>
-        </p:sp>
-        <p:sp>
-          <p:nvSpPr>
-            <p:cNvPr id="46" name="TextBox 45">
-              <a:extLst>
-                <a:ext uri="{FF2B5EF4-FFF2-40B4-BE49-F238E27FC236}">
-                  <a16:creationId xmlns:a16="http://schemas.microsoft.com/office/drawing/2014/main" id="{9B524D50-762F-516C-00F9-CF9480D409DB}"/>
-                </a:ext>
-              </a:extLst>
-            </p:cNvPr>
-            <p:cNvSpPr txBox="1"/>
-            <p:nvPr/>
-          </p:nvSpPr>
-          <p:spPr>
-            <a:xfrm>
-              <a:off x="8670523" y="2048658"/>
-              <a:ext cx="1377300" cy="369332"/>
-            </a:xfrm>
-            <a:prstGeom prst="rect">
-              <a:avLst/>
-            </a:prstGeom>
-            <a:noFill/>
-          </p:spPr>
-          <p:txBody>
-            <a:bodyPr wrap="none" rtlCol="0">
-              <a:spAutoFit/>
-            </a:bodyPr>
-            <a:lstStyle/>
-            <a:p>
-              <a:r>
-                <a:rPr lang="en-US" dirty="0"/>
-                <a:t>:_magnitude</a:t>
-              </a:r>
-            </a:p>
-          </p:txBody>
-        </p:sp>
-        <p:cxnSp>
-          <p:nvCxnSpPr>
-            <p:cNvPr id="47" name="Straight Arrow Connector 46">
-              <a:extLst>
-                <a:ext uri="{FF2B5EF4-FFF2-40B4-BE49-F238E27FC236}">
-                  <a16:creationId xmlns:a16="http://schemas.microsoft.com/office/drawing/2014/main" id="{75A0F33B-D165-4F9F-B82B-B0CCF5EBDC4B}"/>
-                </a:ext>
-              </a:extLst>
-            </p:cNvPr>
-            <p:cNvCxnSpPr>
-              <a:stCxn id="45" idx="3"/>
-              <a:endCxn id="46" idx="1"/>
-            </p:cNvCxnSpPr>
-            <p:nvPr/>
-          </p:nvCxnSpPr>
-          <p:spPr>
-            <a:xfrm>
-              <a:off x="7274481" y="2233324"/>
-              <a:ext cx="1396042" cy="0"/>
-            </a:xfrm>
-            <a:prstGeom prst="straightConnector1">
-              <a:avLst/>
-            </a:prstGeom>
-            <a:ln>
-              <a:solidFill>
-                <a:schemeClr val="tx1"/>
-              </a:solidFill>
-              <a:tailEnd type="triangle"/>
-            </a:ln>
-          </p:spPr>
-          <p:style>
-            <a:lnRef idx="1">
-              <a:schemeClr val="accent1"/>
-            </a:lnRef>
-            <a:fillRef idx="0">
-              <a:schemeClr val="accent1"/>
-            </a:fillRef>
-            <a:effectRef idx="0">
-              <a:schemeClr val="accent1"/>
-            </a:effectRef>
-            <a:fontRef idx="minor">
-              <a:schemeClr val="tx1"/>
-            </a:fontRef>
-          </p:style>
-        </p:cxnSp>
-        <p:cxnSp>
-          <p:nvCxnSpPr>
-            <p:cNvPr id="48" name="Straight Arrow Connector 47">
-              <a:extLst>
-                <a:ext uri="{FF2B5EF4-FFF2-40B4-BE49-F238E27FC236}">
-                  <a16:creationId xmlns:a16="http://schemas.microsoft.com/office/drawing/2014/main" id="{A13E3820-D224-EBF5-99FC-04772769D2A0}"/>
-                </a:ext>
-              </a:extLst>
-            </p:cNvPr>
-            <p:cNvCxnSpPr>
-              <a:cxnSpLocks/>
-              <a:stCxn id="46" idx="3"/>
-              <a:endCxn id="51" idx="1"/>
-            </p:cNvCxnSpPr>
-            <p:nvPr/>
-          </p:nvCxnSpPr>
-          <p:spPr>
-            <a:xfrm>
-              <a:off x="10047823" y="2233324"/>
-              <a:ext cx="441462" cy="240272"/>
-            </a:xfrm>
-            <a:prstGeom prst="straightConnector1">
-              <a:avLst/>
-            </a:prstGeom>
-            <a:ln>
-              <a:solidFill>
-                <a:schemeClr val="tx1"/>
-              </a:solidFill>
-              <a:tailEnd type="triangle"/>
-            </a:ln>
-          </p:spPr>
-          <p:style>
-            <a:lnRef idx="1">
-              <a:schemeClr val="accent1"/>
-            </a:lnRef>
-            <a:fillRef idx="0">
-              <a:schemeClr val="accent1"/>
-            </a:fillRef>
-            <a:effectRef idx="0">
-              <a:schemeClr val="accent1"/>
-            </a:effectRef>
-            <a:fontRef idx="minor">
-              <a:schemeClr val="tx1"/>
-            </a:fontRef>
-          </p:style>
-        </p:cxnSp>
-        <p:cxnSp>
-          <p:nvCxnSpPr>
-            <p:cNvPr id="49" name="Straight Arrow Connector 48">
-              <a:extLst>
-                <a:ext uri="{FF2B5EF4-FFF2-40B4-BE49-F238E27FC236}">
-                  <a16:creationId xmlns:a16="http://schemas.microsoft.com/office/drawing/2014/main" id="{6C02D238-8B09-5452-5A14-90B26BFBA6A4}"/>
-                </a:ext>
-              </a:extLst>
-            </p:cNvPr>
-            <p:cNvCxnSpPr>
-              <a:cxnSpLocks/>
-              <a:stCxn id="46" idx="3"/>
-              <a:endCxn id="50" idx="1"/>
-            </p:cNvCxnSpPr>
-            <p:nvPr/>
-          </p:nvCxnSpPr>
-          <p:spPr>
-            <a:xfrm flipV="1">
-              <a:off x="10047823" y="1980696"/>
-              <a:ext cx="441462" cy="252628"/>
-            </a:xfrm>
-            <a:prstGeom prst="straightConnector1">
-              <a:avLst/>
-            </a:prstGeom>
-            <a:ln>
-              <a:solidFill>
-                <a:schemeClr val="tx1"/>
-              </a:solidFill>
-              <a:tailEnd type="triangle"/>
-            </a:ln>
-          </p:spPr>
-          <p:style>
-            <a:lnRef idx="1">
-              <a:schemeClr val="accent1"/>
-            </a:lnRef>
-            <a:fillRef idx="0">
-              <a:schemeClr val="accent1"/>
-            </a:fillRef>
-            <a:effectRef idx="0">
-              <a:schemeClr val="accent1"/>
-            </a:effectRef>
-            <a:fontRef idx="minor">
-              <a:schemeClr val="tx1"/>
-            </a:fontRef>
-          </p:style>
-        </p:cxnSp>
-        <p:sp>
-          <p:nvSpPr>
-            <p:cNvPr id="50" name="TextBox 49">
-              <a:extLst>
-                <a:ext uri="{FF2B5EF4-FFF2-40B4-BE49-F238E27FC236}">
-                  <a16:creationId xmlns:a16="http://schemas.microsoft.com/office/drawing/2014/main" id="{1AC2D917-D35D-F0BA-9A47-BA2768C897BC}"/>
-                </a:ext>
-              </a:extLst>
-            </p:cNvPr>
-            <p:cNvSpPr txBox="1"/>
-            <p:nvPr/>
-          </p:nvSpPr>
-          <p:spPr>
-            <a:xfrm>
-              <a:off x="10489285" y="1796030"/>
-              <a:ext cx="535724" cy="369332"/>
-            </a:xfrm>
-            <a:prstGeom prst="rect">
-              <a:avLst/>
-            </a:prstGeom>
-            <a:noFill/>
-          </p:spPr>
-          <p:txBody>
-            <a:bodyPr wrap="none" rtlCol="0">
-              <a:spAutoFit/>
-            </a:bodyPr>
-            <a:lstStyle/>
-            <a:p>
-              <a:r>
-                <a:rPr lang="en-US" dirty="0"/>
-                <a:t>144</a:t>
-              </a:r>
-            </a:p>
-          </p:txBody>
-        </p:sp>
-        <p:sp>
-          <p:nvSpPr>
-            <p:cNvPr id="51" name="TextBox 50">
-              <a:extLst>
-                <a:ext uri="{FF2B5EF4-FFF2-40B4-BE49-F238E27FC236}">
-                  <a16:creationId xmlns:a16="http://schemas.microsoft.com/office/drawing/2014/main" id="{AD302F73-F16B-43FA-2F63-F1401E775D3D}"/>
-                </a:ext>
-              </a:extLst>
-            </p:cNvPr>
-            <p:cNvSpPr txBox="1"/>
-            <p:nvPr/>
-          </p:nvSpPr>
-          <p:spPr>
-            <a:xfrm>
-              <a:off x="10489285" y="2288930"/>
-              <a:ext cx="712054" cy="369332"/>
-            </a:xfrm>
-            <a:prstGeom prst="rect">
-              <a:avLst/>
-            </a:prstGeom>
-            <a:noFill/>
-          </p:spPr>
-          <p:txBody>
-            <a:bodyPr wrap="none" rtlCol="0">
-              <a:spAutoFit/>
-            </a:bodyPr>
-            <a:lstStyle/>
-            <a:p>
-              <a:r>
-                <a:rPr lang="en-US" dirty="0"/>
-                <a:t>sq. ft.</a:t>
-              </a:r>
-            </a:p>
-          </p:txBody>
-        </p:sp>
-        <p:sp>
-          <p:nvSpPr>
-            <p:cNvPr id="86" name="TextBox 85">
-              <a:extLst>
-                <a:ext uri="{FF2B5EF4-FFF2-40B4-BE49-F238E27FC236}">
-                  <a16:creationId xmlns:a16="http://schemas.microsoft.com/office/drawing/2014/main" id="{0DE55EE5-A3E0-123D-2C8D-09F801A0AF38}"/>
-                </a:ext>
-              </a:extLst>
-            </p:cNvPr>
-            <p:cNvSpPr txBox="1"/>
-            <p:nvPr/>
-          </p:nvSpPr>
-          <p:spPr>
-            <a:xfrm>
-              <a:off x="8966667" y="3172742"/>
-              <a:ext cx="776366" cy="369332"/>
-            </a:xfrm>
-            <a:prstGeom prst="rect">
-              <a:avLst/>
-            </a:prstGeom>
-            <a:noFill/>
-          </p:spPr>
-          <p:txBody>
-            <a:bodyPr wrap="none" rtlCol="0">
-              <a:spAutoFit/>
-            </a:bodyPr>
-            <a:lstStyle/>
-            <a:p>
-              <a:r>
-                <a:rPr lang="en-US" dirty="0"/>
-                <a:t>:_</a:t>
-              </a:r>
-              <a:r>
-                <a:rPr lang="en-US" dirty="0">
-                  <a:solidFill>
-                    <a:srgbClr val="FF0000"/>
-                  </a:solidFill>
-                </a:rPr>
-                <a:t>area</a:t>
-              </a:r>
-            </a:p>
-          </p:txBody>
-        </p:sp>
-        <p:cxnSp>
-          <p:nvCxnSpPr>
-            <p:cNvPr id="87" name="Straight Arrow Connector 86">
-              <a:extLst>
-                <a:ext uri="{FF2B5EF4-FFF2-40B4-BE49-F238E27FC236}">
-                  <a16:creationId xmlns:a16="http://schemas.microsoft.com/office/drawing/2014/main" id="{CEDF061E-65ED-74E7-C96A-26A68620FCA1}"/>
-                </a:ext>
-              </a:extLst>
-            </p:cNvPr>
-            <p:cNvCxnSpPr>
-              <a:cxnSpLocks/>
-              <a:stCxn id="46" idx="2"/>
-              <a:endCxn id="86" idx="0"/>
-            </p:cNvCxnSpPr>
-            <p:nvPr/>
-          </p:nvCxnSpPr>
-          <p:spPr>
-            <a:xfrm flipH="1">
-              <a:off x="9354850" y="2417990"/>
-              <a:ext cx="4323" cy="754752"/>
-            </a:xfrm>
-            <a:prstGeom prst="straightConnector1">
-              <a:avLst/>
-            </a:prstGeom>
-            <a:ln>
-              <a:solidFill>
-                <a:schemeClr val="tx1"/>
-              </a:solidFill>
-              <a:tailEnd type="triangle"/>
-            </a:ln>
-          </p:spPr>
-          <p:style>
-            <a:lnRef idx="1">
-              <a:schemeClr val="accent1"/>
-            </a:lnRef>
-            <a:fillRef idx="0">
-              <a:schemeClr val="accent1"/>
-            </a:fillRef>
-            <a:effectRef idx="0">
-              <a:schemeClr val="accent1"/>
-            </a:effectRef>
-            <a:fontRef idx="minor">
-              <a:schemeClr val="tx1"/>
-            </a:fontRef>
-          </p:style>
-        </p:cxnSp>
-        <p:sp>
-          <p:nvSpPr>
-            <p:cNvPr id="90" name="TextBox 89">
-              <a:extLst>
-                <a:ext uri="{FF2B5EF4-FFF2-40B4-BE49-F238E27FC236}">
-                  <a16:creationId xmlns:a16="http://schemas.microsoft.com/office/drawing/2014/main" id="{D8ACA2C7-7467-8E46-3343-70158DC3CE26}"/>
-                </a:ext>
-              </a:extLst>
-            </p:cNvPr>
-            <p:cNvSpPr txBox="1"/>
-            <p:nvPr/>
-          </p:nvSpPr>
-          <p:spPr>
-            <a:xfrm>
-              <a:off x="7858853" y="2627432"/>
-              <a:ext cx="1498231" cy="338554"/>
-            </a:xfrm>
-            <a:prstGeom prst="rect">
-              <a:avLst/>
-            </a:prstGeom>
-            <a:noFill/>
-          </p:spPr>
-          <p:txBody>
-            <a:bodyPr wrap="none" rtlCol="0">
-              <a:spAutoFit/>
-            </a:bodyPr>
-            <a:lstStyle/>
-            <a:p>
-              <a:r>
-                <a:rPr lang="en-US" sz="1600" dirty="0" err="1"/>
-                <a:t>isCategorizedBy</a:t>
-              </a:r>
-              <a:endParaRPr lang="en-US" sz="1600" dirty="0"/>
-            </a:p>
-          </p:txBody>
-        </p:sp>
-      </p:grpSp>
-      <p:grpSp>
-        <p:nvGrpSpPr>
-          <p:cNvPr id="23" name="Group 22">
-            <a:extLst>
-              <a:ext uri="{FF2B5EF4-FFF2-40B4-BE49-F238E27FC236}">
-                <a16:creationId xmlns:a16="http://schemas.microsoft.com/office/drawing/2014/main" id="{3B46BC98-AAF8-7FEF-56E4-F35576A1A15C}"/>
-              </a:ext>
-            </a:extLst>
-          </p:cNvPr>
-          <p:cNvGrpSpPr/>
-          <p:nvPr/>
-        </p:nvGrpSpPr>
-        <p:grpSpPr>
-          <a:xfrm>
-            <a:off x="1106926" y="2075730"/>
-            <a:ext cx="4771448" cy="1746044"/>
-            <a:chOff x="992752" y="1796030"/>
-            <a:chExt cx="4771448" cy="1746044"/>
-          </a:xfrm>
-        </p:grpSpPr>
-        <p:sp>
-          <p:nvSpPr>
-            <p:cNvPr id="2" name="TextBox 1">
-              <a:extLst>
-                <a:ext uri="{FF2B5EF4-FFF2-40B4-BE49-F238E27FC236}">
-                  <a16:creationId xmlns:a16="http://schemas.microsoft.com/office/drawing/2014/main" id="{7A373944-5EC0-2F42-9CA0-DC86D3872340}"/>
-                </a:ext>
-              </a:extLst>
-            </p:cNvPr>
-            <p:cNvSpPr txBox="1"/>
-            <p:nvPr/>
-          </p:nvSpPr>
-          <p:spPr>
-            <a:xfrm>
-              <a:off x="992752" y="2048658"/>
-              <a:ext cx="844590" cy="369332"/>
-            </a:xfrm>
-            <a:prstGeom prst="rect">
-              <a:avLst/>
-            </a:prstGeom>
-            <a:noFill/>
-          </p:spPr>
-          <p:txBody>
-            <a:bodyPr wrap="none" rtlCol="0">
-              <a:spAutoFit/>
-            </a:bodyPr>
-            <a:lstStyle/>
-            <a:p>
-              <a:r>
-                <a:rPr lang="en-US" dirty="0"/>
-                <a:t>:_patio</a:t>
-              </a:r>
-            </a:p>
-          </p:txBody>
-        </p:sp>
-        <p:sp>
-          <p:nvSpPr>
-            <p:cNvPr id="3" name="TextBox 2">
-              <a:extLst>
-                <a:ext uri="{FF2B5EF4-FFF2-40B4-BE49-F238E27FC236}">
-                  <a16:creationId xmlns:a16="http://schemas.microsoft.com/office/drawing/2014/main" id="{F1CDC2C1-B7F9-6212-AA83-AA96168636BA}"/>
-                </a:ext>
-              </a:extLst>
-            </p:cNvPr>
-            <p:cNvSpPr txBox="1"/>
-            <p:nvPr/>
-          </p:nvSpPr>
-          <p:spPr>
-            <a:xfrm>
-              <a:off x="3233384" y="2048658"/>
-              <a:ext cx="1377300" cy="369332"/>
-            </a:xfrm>
-            <a:prstGeom prst="rect">
-              <a:avLst/>
-            </a:prstGeom>
-            <a:noFill/>
-          </p:spPr>
-          <p:txBody>
-            <a:bodyPr wrap="none" rtlCol="0">
-              <a:spAutoFit/>
-            </a:bodyPr>
-            <a:lstStyle/>
-            <a:p>
-              <a:pPr algn="ctr"/>
-              <a:r>
-                <a:rPr lang="en-US" dirty="0"/>
-                <a:t>:_magnitude</a:t>
-              </a:r>
-            </a:p>
-          </p:txBody>
-        </p:sp>
-        <p:cxnSp>
-          <p:nvCxnSpPr>
-            <p:cNvPr id="5" name="Straight Arrow Connector 4">
-              <a:extLst>
-                <a:ext uri="{FF2B5EF4-FFF2-40B4-BE49-F238E27FC236}">
-                  <a16:creationId xmlns:a16="http://schemas.microsoft.com/office/drawing/2014/main" id="{2631F165-2E31-80B6-873B-AEAA7FBA1441}"/>
-                </a:ext>
-              </a:extLst>
-            </p:cNvPr>
-            <p:cNvCxnSpPr>
-              <a:stCxn id="2" idx="3"/>
-              <a:endCxn id="3" idx="1"/>
-            </p:cNvCxnSpPr>
-            <p:nvPr/>
-          </p:nvCxnSpPr>
-          <p:spPr>
-            <a:xfrm>
-              <a:off x="1837342" y="2233324"/>
-              <a:ext cx="1396042" cy="0"/>
-            </a:xfrm>
-            <a:prstGeom prst="straightConnector1">
-              <a:avLst/>
-            </a:prstGeom>
-            <a:ln>
-              <a:solidFill>
-                <a:schemeClr val="tx1"/>
-              </a:solidFill>
-              <a:tailEnd type="triangle"/>
-            </a:ln>
-          </p:spPr>
-          <p:style>
-            <a:lnRef idx="1">
-              <a:schemeClr val="accent1"/>
-            </a:lnRef>
-            <a:fillRef idx="0">
-              <a:schemeClr val="accent1"/>
-            </a:fillRef>
-            <a:effectRef idx="0">
-              <a:schemeClr val="accent1"/>
-            </a:effectRef>
-            <a:fontRef idx="minor">
-              <a:schemeClr val="tx1"/>
-            </a:fontRef>
-          </p:style>
-        </p:cxnSp>
-        <p:cxnSp>
-          <p:nvCxnSpPr>
-            <p:cNvPr id="10" name="Straight Arrow Connector 9">
-              <a:extLst>
-                <a:ext uri="{FF2B5EF4-FFF2-40B4-BE49-F238E27FC236}">
-                  <a16:creationId xmlns:a16="http://schemas.microsoft.com/office/drawing/2014/main" id="{0EB3EAA8-7D2B-AA7F-D313-4586C879AD91}"/>
-                </a:ext>
-              </a:extLst>
-            </p:cNvPr>
-            <p:cNvCxnSpPr>
-              <a:cxnSpLocks/>
-              <a:stCxn id="3" idx="3"/>
-              <a:endCxn id="19" idx="1"/>
-            </p:cNvCxnSpPr>
-            <p:nvPr/>
-          </p:nvCxnSpPr>
-          <p:spPr>
-            <a:xfrm>
-              <a:off x="4610684" y="2233324"/>
-              <a:ext cx="441462" cy="240272"/>
-            </a:xfrm>
-            <a:prstGeom prst="straightConnector1">
-              <a:avLst/>
-            </a:prstGeom>
-            <a:ln>
-              <a:solidFill>
-                <a:schemeClr val="tx1"/>
-              </a:solidFill>
-              <a:tailEnd type="triangle"/>
-            </a:ln>
-          </p:spPr>
-          <p:style>
-            <a:lnRef idx="1">
-              <a:schemeClr val="accent1"/>
-            </a:lnRef>
-            <a:fillRef idx="0">
-              <a:schemeClr val="accent1"/>
-            </a:fillRef>
-            <a:effectRef idx="0">
-              <a:schemeClr val="accent1"/>
-            </a:effectRef>
-            <a:fontRef idx="minor">
-              <a:schemeClr val="tx1"/>
-            </a:fontRef>
-          </p:style>
-        </p:cxnSp>
-        <p:cxnSp>
-          <p:nvCxnSpPr>
-            <p:cNvPr id="11" name="Straight Arrow Connector 10">
-              <a:extLst>
-                <a:ext uri="{FF2B5EF4-FFF2-40B4-BE49-F238E27FC236}">
-                  <a16:creationId xmlns:a16="http://schemas.microsoft.com/office/drawing/2014/main" id="{5534D7F9-ACD7-6F8E-6B70-79FD7FC60B07}"/>
-                </a:ext>
-              </a:extLst>
-            </p:cNvPr>
-            <p:cNvCxnSpPr>
-              <a:cxnSpLocks/>
-              <a:stCxn id="3" idx="3"/>
-              <a:endCxn id="18" idx="1"/>
-            </p:cNvCxnSpPr>
-            <p:nvPr/>
-          </p:nvCxnSpPr>
-          <p:spPr>
-            <a:xfrm flipV="1">
-              <a:off x="4610684" y="1980696"/>
-              <a:ext cx="441462" cy="252628"/>
-            </a:xfrm>
-            <a:prstGeom prst="straightConnector1">
-              <a:avLst/>
-            </a:prstGeom>
-            <a:ln>
-              <a:solidFill>
-                <a:schemeClr val="tx1"/>
-              </a:solidFill>
-              <a:tailEnd type="triangle"/>
-            </a:ln>
-          </p:spPr>
-          <p:style>
-            <a:lnRef idx="1">
-              <a:schemeClr val="accent1"/>
-            </a:lnRef>
-            <a:fillRef idx="0">
-              <a:schemeClr val="accent1"/>
-            </a:fillRef>
-            <a:effectRef idx="0">
-              <a:schemeClr val="accent1"/>
-            </a:effectRef>
-            <a:fontRef idx="minor">
-              <a:schemeClr val="tx1"/>
-            </a:fontRef>
-          </p:style>
-        </p:cxnSp>
-        <p:sp>
-          <p:nvSpPr>
-            <p:cNvPr id="18" name="TextBox 17">
-              <a:extLst>
-                <a:ext uri="{FF2B5EF4-FFF2-40B4-BE49-F238E27FC236}">
-                  <a16:creationId xmlns:a16="http://schemas.microsoft.com/office/drawing/2014/main" id="{85677CBE-2488-7A6F-16AC-A49644C2E9C6}"/>
-                </a:ext>
-              </a:extLst>
-            </p:cNvPr>
-            <p:cNvSpPr txBox="1"/>
-            <p:nvPr/>
-          </p:nvSpPr>
-          <p:spPr>
-            <a:xfrm>
-              <a:off x="5052146" y="1796030"/>
-              <a:ext cx="535724" cy="369332"/>
-            </a:xfrm>
-            <a:prstGeom prst="rect">
-              <a:avLst/>
-            </a:prstGeom>
-            <a:noFill/>
-          </p:spPr>
-          <p:txBody>
-            <a:bodyPr wrap="none" rtlCol="0">
-              <a:spAutoFit/>
-            </a:bodyPr>
-            <a:lstStyle/>
-            <a:p>
-              <a:r>
-                <a:rPr lang="en-US" dirty="0"/>
-                <a:t>144</a:t>
-              </a:r>
-            </a:p>
-          </p:txBody>
-        </p:sp>
-        <p:sp>
-          <p:nvSpPr>
-            <p:cNvPr id="19" name="TextBox 18">
-              <a:extLst>
-                <a:ext uri="{FF2B5EF4-FFF2-40B4-BE49-F238E27FC236}">
-                  <a16:creationId xmlns:a16="http://schemas.microsoft.com/office/drawing/2014/main" id="{C285EC58-A308-8DEE-3CAA-84FBB01CD17B}"/>
-                </a:ext>
-              </a:extLst>
-            </p:cNvPr>
-            <p:cNvSpPr txBox="1"/>
-            <p:nvPr/>
-          </p:nvSpPr>
-          <p:spPr>
-            <a:xfrm>
-              <a:off x="5052146" y="2288930"/>
-              <a:ext cx="712054" cy="369332"/>
-            </a:xfrm>
-            <a:prstGeom prst="rect">
-              <a:avLst/>
-            </a:prstGeom>
-            <a:noFill/>
-          </p:spPr>
-          <p:txBody>
-            <a:bodyPr wrap="none" rtlCol="0">
-              <a:spAutoFit/>
-            </a:bodyPr>
-            <a:lstStyle/>
-            <a:p>
-              <a:r>
-                <a:rPr lang="en-US" dirty="0"/>
-                <a:t>sq. ft.</a:t>
-              </a:r>
-            </a:p>
-          </p:txBody>
-        </p:sp>
-        <p:sp>
-          <p:nvSpPr>
-            <p:cNvPr id="15" name="TextBox 14">
-              <a:extLst>
-                <a:ext uri="{FF2B5EF4-FFF2-40B4-BE49-F238E27FC236}">
-                  <a16:creationId xmlns:a16="http://schemas.microsoft.com/office/drawing/2014/main" id="{8F13109F-ED81-45C0-8A95-03654D70A5A9}"/>
-                </a:ext>
-              </a:extLst>
-            </p:cNvPr>
-            <p:cNvSpPr txBox="1"/>
-            <p:nvPr/>
-          </p:nvSpPr>
-          <p:spPr>
-            <a:xfrm>
-              <a:off x="3580338" y="3172742"/>
-              <a:ext cx="683393" cy="369332"/>
-            </a:xfrm>
-            <a:prstGeom prst="rect">
-              <a:avLst/>
-            </a:prstGeom>
-            <a:noFill/>
-          </p:spPr>
-          <p:txBody>
-            <a:bodyPr wrap="none" rtlCol="0">
-              <a:spAutoFit/>
-            </a:bodyPr>
-            <a:lstStyle/>
-            <a:p>
-              <a:pPr algn="ctr"/>
-              <a:r>
-                <a:rPr lang="en-US" dirty="0">
-                  <a:solidFill>
-                    <a:srgbClr val="FF0000"/>
-                  </a:solidFill>
-                </a:rPr>
-                <a:t>:Area</a:t>
-              </a:r>
-            </a:p>
-          </p:txBody>
-        </p:sp>
-        <p:cxnSp>
-          <p:nvCxnSpPr>
-            <p:cNvPr id="16" name="Straight Arrow Connector 15">
-              <a:extLst>
-                <a:ext uri="{FF2B5EF4-FFF2-40B4-BE49-F238E27FC236}">
-                  <a16:creationId xmlns:a16="http://schemas.microsoft.com/office/drawing/2014/main" id="{EC77F54F-4901-DECD-9EB8-F4E0D4D29CB3}"/>
-                </a:ext>
-              </a:extLst>
-            </p:cNvPr>
-            <p:cNvCxnSpPr>
-              <a:cxnSpLocks/>
-              <a:stCxn id="3" idx="2"/>
-              <a:endCxn id="15" idx="0"/>
-            </p:cNvCxnSpPr>
-            <p:nvPr/>
-          </p:nvCxnSpPr>
-          <p:spPr>
-            <a:xfrm>
-              <a:off x="3922034" y="2417990"/>
-              <a:ext cx="1" cy="754752"/>
-            </a:xfrm>
-            <a:prstGeom prst="straightConnector1">
-              <a:avLst/>
-            </a:prstGeom>
-            <a:ln>
-              <a:solidFill>
-                <a:schemeClr val="tx1"/>
-              </a:solidFill>
-              <a:tailEnd type="triangle"/>
-            </a:ln>
-          </p:spPr>
-          <p:style>
-            <a:lnRef idx="1">
-              <a:schemeClr val="accent1"/>
-            </a:lnRef>
-            <a:fillRef idx="0">
-              <a:schemeClr val="accent1"/>
-            </a:fillRef>
-            <a:effectRef idx="0">
-              <a:schemeClr val="accent1"/>
-            </a:effectRef>
-            <a:fontRef idx="minor">
-              <a:schemeClr val="tx1"/>
-            </a:fontRef>
-          </p:style>
-        </p:cxnSp>
-        <p:sp>
-          <p:nvSpPr>
-            <p:cNvPr id="17" name="TextBox 16">
-              <a:extLst>
-                <a:ext uri="{FF2B5EF4-FFF2-40B4-BE49-F238E27FC236}">
-                  <a16:creationId xmlns:a16="http://schemas.microsoft.com/office/drawing/2014/main" id="{C61FA993-E7A7-20FA-B516-187A03886110}"/>
-                </a:ext>
-              </a:extLst>
-            </p:cNvPr>
-            <p:cNvSpPr txBox="1"/>
-            <p:nvPr/>
-          </p:nvSpPr>
-          <p:spPr>
-            <a:xfrm>
-              <a:off x="3372054" y="2627432"/>
-              <a:ext cx="556563" cy="338554"/>
-            </a:xfrm>
-            <a:prstGeom prst="rect">
-              <a:avLst/>
-            </a:prstGeom>
-            <a:noFill/>
-          </p:spPr>
-          <p:txBody>
-            <a:bodyPr wrap="none" rtlCol="0">
-              <a:spAutoFit/>
-            </a:bodyPr>
-            <a:lstStyle/>
-            <a:p>
-              <a:pPr algn="ctr"/>
-              <a:r>
-                <a:rPr lang="en-US" sz="1600" dirty="0"/>
-                <a:t>type</a:t>
-              </a:r>
-            </a:p>
-          </p:txBody>
-        </p:sp>
-      </p:grpSp>
       <p:sp>
         <p:nvSpPr>
           <p:cNvPr id="6" name="Rectangle 5">
@@ -15703,6 +14717,1379 @@
           </a:p>
         </p:txBody>
       </p:sp>
+      <p:grpSp>
+        <p:nvGrpSpPr>
+          <p:cNvPr id="20" name="Group 19">
+            <a:extLst>
+              <a:ext uri="{FF2B5EF4-FFF2-40B4-BE49-F238E27FC236}">
+                <a16:creationId xmlns:a16="http://schemas.microsoft.com/office/drawing/2014/main" id="{57E7308A-7D80-C088-F66A-407B326B207D}"/>
+              </a:ext>
+            </a:extLst>
+          </p:cNvPr>
+          <p:cNvGrpSpPr/>
+          <p:nvPr/>
+        </p:nvGrpSpPr>
+        <p:grpSpPr>
+          <a:xfrm>
+            <a:off x="1106926" y="1624406"/>
+            <a:ext cx="4771448" cy="1994168"/>
+            <a:chOff x="1106926" y="1675206"/>
+            <a:chExt cx="4771448" cy="1994168"/>
+          </a:xfrm>
+        </p:grpSpPr>
+        <p:grpSp>
+          <p:nvGrpSpPr>
+            <p:cNvPr id="23" name="Group 22">
+              <a:extLst>
+                <a:ext uri="{FF2B5EF4-FFF2-40B4-BE49-F238E27FC236}">
+                  <a16:creationId xmlns:a16="http://schemas.microsoft.com/office/drawing/2014/main" id="{3B46BC98-AAF8-7FEF-56E4-F35576A1A15C}"/>
+                </a:ext>
+              </a:extLst>
+            </p:cNvPr>
+            <p:cNvGrpSpPr/>
+            <p:nvPr/>
+          </p:nvGrpSpPr>
+          <p:grpSpPr>
+            <a:xfrm>
+              <a:off x="1106926" y="1923330"/>
+              <a:ext cx="4771448" cy="1746044"/>
+              <a:chOff x="992752" y="1796030"/>
+              <a:chExt cx="4771448" cy="1746044"/>
+            </a:xfrm>
+          </p:grpSpPr>
+          <p:sp>
+            <p:nvSpPr>
+              <p:cNvPr id="2" name="TextBox 1">
+                <a:extLst>
+                  <a:ext uri="{FF2B5EF4-FFF2-40B4-BE49-F238E27FC236}">
+                    <a16:creationId xmlns:a16="http://schemas.microsoft.com/office/drawing/2014/main" id="{7A373944-5EC0-2F42-9CA0-DC86D3872340}"/>
+                  </a:ext>
+                </a:extLst>
+              </p:cNvPr>
+              <p:cNvSpPr txBox="1"/>
+              <p:nvPr/>
+            </p:nvSpPr>
+            <p:spPr>
+              <a:xfrm>
+                <a:off x="992752" y="2048658"/>
+                <a:ext cx="844590" cy="369332"/>
+              </a:xfrm>
+              <a:prstGeom prst="rect">
+                <a:avLst/>
+              </a:prstGeom>
+              <a:noFill/>
+            </p:spPr>
+            <p:txBody>
+              <a:bodyPr wrap="none" rtlCol="0">
+                <a:spAutoFit/>
+              </a:bodyPr>
+              <a:lstStyle/>
+              <a:p>
+                <a:r>
+                  <a:rPr lang="en-US" dirty="0"/>
+                  <a:t>:_patio</a:t>
+                </a:r>
+              </a:p>
+            </p:txBody>
+          </p:sp>
+          <p:sp>
+            <p:nvSpPr>
+              <p:cNvPr id="3" name="TextBox 2">
+                <a:extLst>
+                  <a:ext uri="{FF2B5EF4-FFF2-40B4-BE49-F238E27FC236}">
+                    <a16:creationId xmlns:a16="http://schemas.microsoft.com/office/drawing/2014/main" id="{F1CDC2C1-B7F9-6212-AA83-AA96168636BA}"/>
+                  </a:ext>
+                </a:extLst>
+              </p:cNvPr>
+              <p:cNvSpPr txBox="1"/>
+              <p:nvPr/>
+            </p:nvSpPr>
+            <p:spPr>
+              <a:xfrm>
+                <a:off x="3233384" y="2048658"/>
+                <a:ext cx="1377300" cy="369332"/>
+              </a:xfrm>
+              <a:prstGeom prst="rect">
+                <a:avLst/>
+              </a:prstGeom>
+              <a:noFill/>
+            </p:spPr>
+            <p:txBody>
+              <a:bodyPr wrap="none" rtlCol="0">
+                <a:spAutoFit/>
+              </a:bodyPr>
+              <a:lstStyle/>
+              <a:p>
+                <a:pPr algn="ctr"/>
+                <a:r>
+                  <a:rPr lang="en-US" dirty="0"/>
+                  <a:t>:_magnitude</a:t>
+                </a:r>
+              </a:p>
+            </p:txBody>
+          </p:sp>
+          <p:cxnSp>
+            <p:nvCxnSpPr>
+              <p:cNvPr id="5" name="Straight Arrow Connector 4">
+                <a:extLst>
+                  <a:ext uri="{FF2B5EF4-FFF2-40B4-BE49-F238E27FC236}">
+                    <a16:creationId xmlns:a16="http://schemas.microsoft.com/office/drawing/2014/main" id="{2631F165-2E31-80B6-873B-AEAA7FBA1441}"/>
+                  </a:ext>
+                </a:extLst>
+              </p:cNvPr>
+              <p:cNvCxnSpPr>
+                <a:stCxn id="2" idx="3"/>
+                <a:endCxn id="3" idx="1"/>
+              </p:cNvCxnSpPr>
+              <p:nvPr/>
+            </p:nvCxnSpPr>
+            <p:spPr>
+              <a:xfrm>
+                <a:off x="1837342" y="2233324"/>
+                <a:ext cx="1396042" cy="0"/>
+              </a:xfrm>
+              <a:prstGeom prst="straightConnector1">
+                <a:avLst/>
+              </a:prstGeom>
+              <a:ln>
+                <a:solidFill>
+                  <a:schemeClr val="tx1"/>
+                </a:solidFill>
+                <a:tailEnd type="triangle"/>
+              </a:ln>
+            </p:spPr>
+            <p:style>
+              <a:lnRef idx="1">
+                <a:schemeClr val="accent1"/>
+              </a:lnRef>
+              <a:fillRef idx="0">
+                <a:schemeClr val="accent1"/>
+              </a:fillRef>
+              <a:effectRef idx="0">
+                <a:schemeClr val="accent1"/>
+              </a:effectRef>
+              <a:fontRef idx="minor">
+                <a:schemeClr val="tx1"/>
+              </a:fontRef>
+            </p:style>
+          </p:cxnSp>
+          <p:cxnSp>
+            <p:nvCxnSpPr>
+              <p:cNvPr id="10" name="Straight Arrow Connector 9">
+                <a:extLst>
+                  <a:ext uri="{FF2B5EF4-FFF2-40B4-BE49-F238E27FC236}">
+                    <a16:creationId xmlns:a16="http://schemas.microsoft.com/office/drawing/2014/main" id="{0EB3EAA8-7D2B-AA7F-D313-4586C879AD91}"/>
+                  </a:ext>
+                </a:extLst>
+              </p:cNvPr>
+              <p:cNvCxnSpPr>
+                <a:cxnSpLocks/>
+                <a:stCxn id="3" idx="3"/>
+                <a:endCxn id="19" idx="1"/>
+              </p:cNvCxnSpPr>
+              <p:nvPr/>
+            </p:nvCxnSpPr>
+            <p:spPr>
+              <a:xfrm>
+                <a:off x="4610684" y="2233324"/>
+                <a:ext cx="441462" cy="240272"/>
+              </a:xfrm>
+              <a:prstGeom prst="straightConnector1">
+                <a:avLst/>
+              </a:prstGeom>
+              <a:ln>
+                <a:solidFill>
+                  <a:schemeClr val="tx1"/>
+                </a:solidFill>
+                <a:tailEnd type="triangle"/>
+              </a:ln>
+            </p:spPr>
+            <p:style>
+              <a:lnRef idx="1">
+                <a:schemeClr val="accent1"/>
+              </a:lnRef>
+              <a:fillRef idx="0">
+                <a:schemeClr val="accent1"/>
+              </a:fillRef>
+              <a:effectRef idx="0">
+                <a:schemeClr val="accent1"/>
+              </a:effectRef>
+              <a:fontRef idx="minor">
+                <a:schemeClr val="tx1"/>
+              </a:fontRef>
+            </p:style>
+          </p:cxnSp>
+          <p:cxnSp>
+            <p:nvCxnSpPr>
+              <p:cNvPr id="11" name="Straight Arrow Connector 10">
+                <a:extLst>
+                  <a:ext uri="{FF2B5EF4-FFF2-40B4-BE49-F238E27FC236}">
+                    <a16:creationId xmlns:a16="http://schemas.microsoft.com/office/drawing/2014/main" id="{5534D7F9-ACD7-6F8E-6B70-79FD7FC60B07}"/>
+                  </a:ext>
+                </a:extLst>
+              </p:cNvPr>
+              <p:cNvCxnSpPr>
+                <a:cxnSpLocks/>
+                <a:stCxn id="3" idx="3"/>
+                <a:endCxn id="18" idx="1"/>
+              </p:cNvCxnSpPr>
+              <p:nvPr/>
+            </p:nvCxnSpPr>
+            <p:spPr>
+              <a:xfrm flipV="1">
+                <a:off x="4610684" y="1980696"/>
+                <a:ext cx="441462" cy="252628"/>
+              </a:xfrm>
+              <a:prstGeom prst="straightConnector1">
+                <a:avLst/>
+              </a:prstGeom>
+              <a:ln>
+                <a:solidFill>
+                  <a:schemeClr val="tx1"/>
+                </a:solidFill>
+                <a:tailEnd type="triangle"/>
+              </a:ln>
+            </p:spPr>
+            <p:style>
+              <a:lnRef idx="1">
+                <a:schemeClr val="accent1"/>
+              </a:lnRef>
+              <a:fillRef idx="0">
+                <a:schemeClr val="accent1"/>
+              </a:fillRef>
+              <a:effectRef idx="0">
+                <a:schemeClr val="accent1"/>
+              </a:effectRef>
+              <a:fontRef idx="minor">
+                <a:schemeClr val="tx1"/>
+              </a:fontRef>
+            </p:style>
+          </p:cxnSp>
+          <p:sp>
+            <p:nvSpPr>
+              <p:cNvPr id="18" name="TextBox 17">
+                <a:extLst>
+                  <a:ext uri="{FF2B5EF4-FFF2-40B4-BE49-F238E27FC236}">
+                    <a16:creationId xmlns:a16="http://schemas.microsoft.com/office/drawing/2014/main" id="{85677CBE-2488-7A6F-16AC-A49644C2E9C6}"/>
+                  </a:ext>
+                </a:extLst>
+              </p:cNvPr>
+              <p:cNvSpPr txBox="1"/>
+              <p:nvPr/>
+            </p:nvSpPr>
+            <p:spPr>
+              <a:xfrm>
+                <a:off x="5052146" y="1796030"/>
+                <a:ext cx="535724" cy="369332"/>
+              </a:xfrm>
+              <a:prstGeom prst="rect">
+                <a:avLst/>
+              </a:prstGeom>
+              <a:noFill/>
+            </p:spPr>
+            <p:txBody>
+              <a:bodyPr wrap="none" rtlCol="0">
+                <a:spAutoFit/>
+              </a:bodyPr>
+              <a:lstStyle/>
+              <a:p>
+                <a:r>
+                  <a:rPr lang="en-US" dirty="0"/>
+                  <a:t>144</a:t>
+                </a:r>
+              </a:p>
+            </p:txBody>
+          </p:sp>
+          <p:sp>
+            <p:nvSpPr>
+              <p:cNvPr id="19" name="TextBox 18">
+                <a:extLst>
+                  <a:ext uri="{FF2B5EF4-FFF2-40B4-BE49-F238E27FC236}">
+                    <a16:creationId xmlns:a16="http://schemas.microsoft.com/office/drawing/2014/main" id="{C285EC58-A308-8DEE-3CAA-84FBB01CD17B}"/>
+                  </a:ext>
+                </a:extLst>
+              </p:cNvPr>
+              <p:cNvSpPr txBox="1"/>
+              <p:nvPr/>
+            </p:nvSpPr>
+            <p:spPr>
+              <a:xfrm>
+                <a:off x="5052146" y="2288930"/>
+                <a:ext cx="712054" cy="369332"/>
+              </a:xfrm>
+              <a:prstGeom prst="rect">
+                <a:avLst/>
+              </a:prstGeom>
+              <a:noFill/>
+            </p:spPr>
+            <p:txBody>
+              <a:bodyPr wrap="none" rtlCol="0">
+                <a:spAutoFit/>
+              </a:bodyPr>
+              <a:lstStyle/>
+              <a:p>
+                <a:r>
+                  <a:rPr lang="en-US" dirty="0"/>
+                  <a:t>sq. ft.</a:t>
+                </a:r>
+              </a:p>
+            </p:txBody>
+          </p:sp>
+          <p:sp>
+            <p:nvSpPr>
+              <p:cNvPr id="15" name="TextBox 14">
+                <a:extLst>
+                  <a:ext uri="{FF2B5EF4-FFF2-40B4-BE49-F238E27FC236}">
+                    <a16:creationId xmlns:a16="http://schemas.microsoft.com/office/drawing/2014/main" id="{8F13109F-ED81-45C0-8A95-03654D70A5A9}"/>
+                  </a:ext>
+                </a:extLst>
+              </p:cNvPr>
+              <p:cNvSpPr txBox="1"/>
+              <p:nvPr/>
+            </p:nvSpPr>
+            <p:spPr>
+              <a:xfrm>
+                <a:off x="3580338" y="3172742"/>
+                <a:ext cx="683393" cy="369332"/>
+              </a:xfrm>
+              <a:prstGeom prst="rect">
+                <a:avLst/>
+              </a:prstGeom>
+              <a:noFill/>
+            </p:spPr>
+            <p:txBody>
+              <a:bodyPr wrap="none" rtlCol="0">
+                <a:spAutoFit/>
+              </a:bodyPr>
+              <a:lstStyle/>
+              <a:p>
+                <a:pPr algn="ctr"/>
+                <a:r>
+                  <a:rPr lang="en-US" dirty="0">
+                    <a:solidFill>
+                      <a:srgbClr val="FF0000"/>
+                    </a:solidFill>
+                  </a:rPr>
+                  <a:t>:Area</a:t>
+                </a:r>
+              </a:p>
+            </p:txBody>
+          </p:sp>
+          <p:cxnSp>
+            <p:nvCxnSpPr>
+              <p:cNvPr id="16" name="Straight Arrow Connector 15">
+                <a:extLst>
+                  <a:ext uri="{FF2B5EF4-FFF2-40B4-BE49-F238E27FC236}">
+                    <a16:creationId xmlns:a16="http://schemas.microsoft.com/office/drawing/2014/main" id="{EC77F54F-4901-DECD-9EB8-F4E0D4D29CB3}"/>
+                  </a:ext>
+                </a:extLst>
+              </p:cNvPr>
+              <p:cNvCxnSpPr>
+                <a:cxnSpLocks/>
+                <a:stCxn id="3" idx="2"/>
+                <a:endCxn id="15" idx="0"/>
+              </p:cNvCxnSpPr>
+              <p:nvPr/>
+            </p:nvCxnSpPr>
+            <p:spPr>
+              <a:xfrm>
+                <a:off x="3922034" y="2417990"/>
+                <a:ext cx="1" cy="754752"/>
+              </a:xfrm>
+              <a:prstGeom prst="straightConnector1">
+                <a:avLst/>
+              </a:prstGeom>
+              <a:ln>
+                <a:solidFill>
+                  <a:schemeClr val="tx1"/>
+                </a:solidFill>
+                <a:tailEnd type="triangle"/>
+              </a:ln>
+            </p:spPr>
+            <p:style>
+              <a:lnRef idx="1">
+                <a:schemeClr val="accent1"/>
+              </a:lnRef>
+              <a:fillRef idx="0">
+                <a:schemeClr val="accent1"/>
+              </a:fillRef>
+              <a:effectRef idx="0">
+                <a:schemeClr val="accent1"/>
+              </a:effectRef>
+              <a:fontRef idx="minor">
+                <a:schemeClr val="tx1"/>
+              </a:fontRef>
+            </p:style>
+          </p:cxnSp>
+          <p:sp>
+            <p:nvSpPr>
+              <p:cNvPr id="17" name="TextBox 16">
+                <a:extLst>
+                  <a:ext uri="{FF2B5EF4-FFF2-40B4-BE49-F238E27FC236}">
+                    <a16:creationId xmlns:a16="http://schemas.microsoft.com/office/drawing/2014/main" id="{C61FA993-E7A7-20FA-B516-187A03886110}"/>
+                  </a:ext>
+                </a:extLst>
+              </p:cNvPr>
+              <p:cNvSpPr txBox="1"/>
+              <p:nvPr/>
+            </p:nvSpPr>
+            <p:spPr>
+              <a:xfrm>
+                <a:off x="3372054" y="2627432"/>
+                <a:ext cx="556563" cy="338554"/>
+              </a:xfrm>
+              <a:prstGeom prst="rect">
+                <a:avLst/>
+              </a:prstGeom>
+              <a:noFill/>
+            </p:spPr>
+            <p:txBody>
+              <a:bodyPr wrap="none" rtlCol="0">
+                <a:spAutoFit/>
+              </a:bodyPr>
+              <a:lstStyle/>
+              <a:p>
+                <a:pPr algn="ctr"/>
+                <a:r>
+                  <a:rPr lang="en-US" sz="1600" dirty="0"/>
+                  <a:t>type</a:t>
+                </a:r>
+              </a:p>
+            </p:txBody>
+          </p:sp>
+        </p:grpSp>
+        <p:sp>
+          <p:nvSpPr>
+            <p:cNvPr id="9" name="TextBox 8">
+              <a:extLst>
+                <a:ext uri="{FF2B5EF4-FFF2-40B4-BE49-F238E27FC236}">
+                  <a16:creationId xmlns:a16="http://schemas.microsoft.com/office/drawing/2014/main" id="{9B412579-25E1-81D9-958C-79F3279D070D}"/>
+                </a:ext>
+              </a:extLst>
+            </p:cNvPr>
+            <p:cNvSpPr txBox="1"/>
+            <p:nvPr/>
+          </p:nvSpPr>
+          <p:spPr>
+            <a:xfrm>
+              <a:off x="1106926" y="1675206"/>
+              <a:ext cx="3063037" cy="369332"/>
+            </a:xfrm>
+            <a:prstGeom prst="rect">
+              <a:avLst/>
+            </a:prstGeom>
+            <a:solidFill>
+              <a:schemeClr val="accent6">
+                <a:lumMod val="20000"/>
+                <a:lumOff val="80000"/>
+              </a:schemeClr>
+            </a:solidFill>
+          </p:spPr>
+          <p:txBody>
+            <a:bodyPr wrap="square" rtlCol="0">
+              <a:spAutoFit/>
+            </a:bodyPr>
+            <a:lstStyle/>
+            <a:p>
+              <a:r>
+                <a:rPr lang="en-US" dirty="0"/>
+                <a:t>Aspect represented as a class.</a:t>
+              </a:r>
+            </a:p>
+          </p:txBody>
+        </p:sp>
+      </p:grpSp>
+      <p:grpSp>
+        <p:nvGrpSpPr>
+          <p:cNvPr id="14" name="Group 13">
+            <a:extLst>
+              <a:ext uri="{FF2B5EF4-FFF2-40B4-BE49-F238E27FC236}">
+                <a16:creationId xmlns:a16="http://schemas.microsoft.com/office/drawing/2014/main" id="{6184876E-AD00-0DD4-0289-E86818685BA1}"/>
+              </a:ext>
+            </a:extLst>
+          </p:cNvPr>
+          <p:cNvGrpSpPr/>
+          <p:nvPr/>
+        </p:nvGrpSpPr>
+        <p:grpSpPr>
+          <a:xfrm>
+            <a:off x="6338618" y="1624406"/>
+            <a:ext cx="4771448" cy="1994168"/>
+            <a:chOff x="6338618" y="1675206"/>
+            <a:chExt cx="4771448" cy="1994168"/>
+          </a:xfrm>
+        </p:grpSpPr>
+        <p:grpSp>
+          <p:nvGrpSpPr>
+            <p:cNvPr id="59" name="Group 58">
+              <a:extLst>
+                <a:ext uri="{FF2B5EF4-FFF2-40B4-BE49-F238E27FC236}">
+                  <a16:creationId xmlns:a16="http://schemas.microsoft.com/office/drawing/2014/main" id="{41FC55B6-24C1-2D45-E72B-4A123D694047}"/>
+                </a:ext>
+              </a:extLst>
+            </p:cNvPr>
+            <p:cNvGrpSpPr/>
+            <p:nvPr/>
+          </p:nvGrpSpPr>
+          <p:grpSpPr>
+            <a:xfrm>
+              <a:off x="6338618" y="1923330"/>
+              <a:ext cx="4771448" cy="1746044"/>
+              <a:chOff x="6429891" y="1796030"/>
+              <a:chExt cx="4771448" cy="1746044"/>
+            </a:xfrm>
+          </p:grpSpPr>
+          <p:sp>
+            <p:nvSpPr>
+              <p:cNvPr id="45" name="TextBox 44">
+                <a:extLst>
+                  <a:ext uri="{FF2B5EF4-FFF2-40B4-BE49-F238E27FC236}">
+                    <a16:creationId xmlns:a16="http://schemas.microsoft.com/office/drawing/2014/main" id="{E28E93DF-5805-866B-88DF-C7C54D02326E}"/>
+                  </a:ext>
+                </a:extLst>
+              </p:cNvPr>
+              <p:cNvSpPr txBox="1"/>
+              <p:nvPr/>
+            </p:nvSpPr>
+            <p:spPr>
+              <a:xfrm>
+                <a:off x="6429891" y="2048658"/>
+                <a:ext cx="844590" cy="369332"/>
+              </a:xfrm>
+              <a:prstGeom prst="rect">
+                <a:avLst/>
+              </a:prstGeom>
+              <a:noFill/>
+            </p:spPr>
+            <p:txBody>
+              <a:bodyPr wrap="none" rtlCol="0">
+                <a:spAutoFit/>
+              </a:bodyPr>
+              <a:lstStyle/>
+              <a:p>
+                <a:r>
+                  <a:rPr lang="en-US" dirty="0"/>
+                  <a:t>:_patio</a:t>
+                </a:r>
+              </a:p>
+            </p:txBody>
+          </p:sp>
+          <p:sp>
+            <p:nvSpPr>
+              <p:cNvPr id="46" name="TextBox 45">
+                <a:extLst>
+                  <a:ext uri="{FF2B5EF4-FFF2-40B4-BE49-F238E27FC236}">
+                    <a16:creationId xmlns:a16="http://schemas.microsoft.com/office/drawing/2014/main" id="{9B524D50-762F-516C-00F9-CF9480D409DB}"/>
+                  </a:ext>
+                </a:extLst>
+              </p:cNvPr>
+              <p:cNvSpPr txBox="1"/>
+              <p:nvPr/>
+            </p:nvSpPr>
+            <p:spPr>
+              <a:xfrm>
+                <a:off x="8670523" y="2048658"/>
+                <a:ext cx="1377300" cy="369332"/>
+              </a:xfrm>
+              <a:prstGeom prst="rect">
+                <a:avLst/>
+              </a:prstGeom>
+              <a:noFill/>
+            </p:spPr>
+            <p:txBody>
+              <a:bodyPr wrap="none" rtlCol="0">
+                <a:spAutoFit/>
+              </a:bodyPr>
+              <a:lstStyle/>
+              <a:p>
+                <a:r>
+                  <a:rPr lang="en-US" dirty="0"/>
+                  <a:t>:_magnitude</a:t>
+                </a:r>
+              </a:p>
+            </p:txBody>
+          </p:sp>
+          <p:cxnSp>
+            <p:nvCxnSpPr>
+              <p:cNvPr id="47" name="Straight Arrow Connector 46">
+                <a:extLst>
+                  <a:ext uri="{FF2B5EF4-FFF2-40B4-BE49-F238E27FC236}">
+                    <a16:creationId xmlns:a16="http://schemas.microsoft.com/office/drawing/2014/main" id="{75A0F33B-D165-4F9F-B82B-B0CCF5EBDC4B}"/>
+                  </a:ext>
+                </a:extLst>
+              </p:cNvPr>
+              <p:cNvCxnSpPr>
+                <a:stCxn id="45" idx="3"/>
+                <a:endCxn id="46" idx="1"/>
+              </p:cNvCxnSpPr>
+              <p:nvPr/>
+            </p:nvCxnSpPr>
+            <p:spPr>
+              <a:xfrm>
+                <a:off x="7274481" y="2233324"/>
+                <a:ext cx="1396042" cy="0"/>
+              </a:xfrm>
+              <a:prstGeom prst="straightConnector1">
+                <a:avLst/>
+              </a:prstGeom>
+              <a:ln>
+                <a:solidFill>
+                  <a:schemeClr val="tx1"/>
+                </a:solidFill>
+                <a:tailEnd type="triangle"/>
+              </a:ln>
+            </p:spPr>
+            <p:style>
+              <a:lnRef idx="1">
+                <a:schemeClr val="accent1"/>
+              </a:lnRef>
+              <a:fillRef idx="0">
+                <a:schemeClr val="accent1"/>
+              </a:fillRef>
+              <a:effectRef idx="0">
+                <a:schemeClr val="accent1"/>
+              </a:effectRef>
+              <a:fontRef idx="minor">
+                <a:schemeClr val="tx1"/>
+              </a:fontRef>
+            </p:style>
+          </p:cxnSp>
+          <p:cxnSp>
+            <p:nvCxnSpPr>
+              <p:cNvPr id="48" name="Straight Arrow Connector 47">
+                <a:extLst>
+                  <a:ext uri="{FF2B5EF4-FFF2-40B4-BE49-F238E27FC236}">
+                    <a16:creationId xmlns:a16="http://schemas.microsoft.com/office/drawing/2014/main" id="{A13E3820-D224-EBF5-99FC-04772769D2A0}"/>
+                  </a:ext>
+                </a:extLst>
+              </p:cNvPr>
+              <p:cNvCxnSpPr>
+                <a:cxnSpLocks/>
+                <a:stCxn id="46" idx="3"/>
+                <a:endCxn id="51" idx="1"/>
+              </p:cNvCxnSpPr>
+              <p:nvPr/>
+            </p:nvCxnSpPr>
+            <p:spPr>
+              <a:xfrm>
+                <a:off x="10047823" y="2233324"/>
+                <a:ext cx="441462" cy="240272"/>
+              </a:xfrm>
+              <a:prstGeom prst="straightConnector1">
+                <a:avLst/>
+              </a:prstGeom>
+              <a:ln>
+                <a:solidFill>
+                  <a:schemeClr val="tx1"/>
+                </a:solidFill>
+                <a:tailEnd type="triangle"/>
+              </a:ln>
+            </p:spPr>
+            <p:style>
+              <a:lnRef idx="1">
+                <a:schemeClr val="accent1"/>
+              </a:lnRef>
+              <a:fillRef idx="0">
+                <a:schemeClr val="accent1"/>
+              </a:fillRef>
+              <a:effectRef idx="0">
+                <a:schemeClr val="accent1"/>
+              </a:effectRef>
+              <a:fontRef idx="minor">
+                <a:schemeClr val="tx1"/>
+              </a:fontRef>
+            </p:style>
+          </p:cxnSp>
+          <p:cxnSp>
+            <p:nvCxnSpPr>
+              <p:cNvPr id="49" name="Straight Arrow Connector 48">
+                <a:extLst>
+                  <a:ext uri="{FF2B5EF4-FFF2-40B4-BE49-F238E27FC236}">
+                    <a16:creationId xmlns:a16="http://schemas.microsoft.com/office/drawing/2014/main" id="{6C02D238-8B09-5452-5A14-90B26BFBA6A4}"/>
+                  </a:ext>
+                </a:extLst>
+              </p:cNvPr>
+              <p:cNvCxnSpPr>
+                <a:cxnSpLocks/>
+                <a:stCxn id="46" idx="3"/>
+                <a:endCxn id="50" idx="1"/>
+              </p:cNvCxnSpPr>
+              <p:nvPr/>
+            </p:nvCxnSpPr>
+            <p:spPr>
+              <a:xfrm flipV="1">
+                <a:off x="10047823" y="1980696"/>
+                <a:ext cx="441462" cy="252628"/>
+              </a:xfrm>
+              <a:prstGeom prst="straightConnector1">
+                <a:avLst/>
+              </a:prstGeom>
+              <a:ln>
+                <a:solidFill>
+                  <a:schemeClr val="tx1"/>
+                </a:solidFill>
+                <a:tailEnd type="triangle"/>
+              </a:ln>
+            </p:spPr>
+            <p:style>
+              <a:lnRef idx="1">
+                <a:schemeClr val="accent1"/>
+              </a:lnRef>
+              <a:fillRef idx="0">
+                <a:schemeClr val="accent1"/>
+              </a:fillRef>
+              <a:effectRef idx="0">
+                <a:schemeClr val="accent1"/>
+              </a:effectRef>
+              <a:fontRef idx="minor">
+                <a:schemeClr val="tx1"/>
+              </a:fontRef>
+            </p:style>
+          </p:cxnSp>
+          <p:sp>
+            <p:nvSpPr>
+              <p:cNvPr id="50" name="TextBox 49">
+                <a:extLst>
+                  <a:ext uri="{FF2B5EF4-FFF2-40B4-BE49-F238E27FC236}">
+                    <a16:creationId xmlns:a16="http://schemas.microsoft.com/office/drawing/2014/main" id="{1AC2D917-D35D-F0BA-9A47-BA2768C897BC}"/>
+                  </a:ext>
+                </a:extLst>
+              </p:cNvPr>
+              <p:cNvSpPr txBox="1"/>
+              <p:nvPr/>
+            </p:nvSpPr>
+            <p:spPr>
+              <a:xfrm>
+                <a:off x="10489285" y="1796030"/>
+                <a:ext cx="535724" cy="369332"/>
+              </a:xfrm>
+              <a:prstGeom prst="rect">
+                <a:avLst/>
+              </a:prstGeom>
+              <a:noFill/>
+            </p:spPr>
+            <p:txBody>
+              <a:bodyPr wrap="none" rtlCol="0">
+                <a:spAutoFit/>
+              </a:bodyPr>
+              <a:lstStyle/>
+              <a:p>
+                <a:r>
+                  <a:rPr lang="en-US" dirty="0"/>
+                  <a:t>144</a:t>
+                </a:r>
+              </a:p>
+            </p:txBody>
+          </p:sp>
+          <p:sp>
+            <p:nvSpPr>
+              <p:cNvPr id="51" name="TextBox 50">
+                <a:extLst>
+                  <a:ext uri="{FF2B5EF4-FFF2-40B4-BE49-F238E27FC236}">
+                    <a16:creationId xmlns:a16="http://schemas.microsoft.com/office/drawing/2014/main" id="{AD302F73-F16B-43FA-2F63-F1401E775D3D}"/>
+                  </a:ext>
+                </a:extLst>
+              </p:cNvPr>
+              <p:cNvSpPr txBox="1"/>
+              <p:nvPr/>
+            </p:nvSpPr>
+            <p:spPr>
+              <a:xfrm>
+                <a:off x="10489285" y="2288930"/>
+                <a:ext cx="712054" cy="369332"/>
+              </a:xfrm>
+              <a:prstGeom prst="rect">
+                <a:avLst/>
+              </a:prstGeom>
+              <a:noFill/>
+            </p:spPr>
+            <p:txBody>
+              <a:bodyPr wrap="none" rtlCol="0">
+                <a:spAutoFit/>
+              </a:bodyPr>
+              <a:lstStyle/>
+              <a:p>
+                <a:r>
+                  <a:rPr lang="en-US" dirty="0"/>
+                  <a:t>sq. ft.</a:t>
+                </a:r>
+              </a:p>
+            </p:txBody>
+          </p:sp>
+          <p:sp>
+            <p:nvSpPr>
+              <p:cNvPr id="86" name="TextBox 85">
+                <a:extLst>
+                  <a:ext uri="{FF2B5EF4-FFF2-40B4-BE49-F238E27FC236}">
+                    <a16:creationId xmlns:a16="http://schemas.microsoft.com/office/drawing/2014/main" id="{0DE55EE5-A3E0-123D-2C8D-09F801A0AF38}"/>
+                  </a:ext>
+                </a:extLst>
+              </p:cNvPr>
+              <p:cNvSpPr txBox="1"/>
+              <p:nvPr/>
+            </p:nvSpPr>
+            <p:spPr>
+              <a:xfrm>
+                <a:off x="8966667" y="3172742"/>
+                <a:ext cx="776366" cy="369332"/>
+              </a:xfrm>
+              <a:prstGeom prst="rect">
+                <a:avLst/>
+              </a:prstGeom>
+              <a:noFill/>
+            </p:spPr>
+            <p:txBody>
+              <a:bodyPr wrap="none" rtlCol="0">
+                <a:spAutoFit/>
+              </a:bodyPr>
+              <a:lstStyle/>
+              <a:p>
+                <a:r>
+                  <a:rPr lang="en-US" dirty="0">
+                    <a:solidFill>
+                      <a:srgbClr val="FF0000"/>
+                    </a:solidFill>
+                  </a:rPr>
+                  <a:t>:_area</a:t>
+                </a:r>
+              </a:p>
+            </p:txBody>
+          </p:sp>
+          <p:cxnSp>
+            <p:nvCxnSpPr>
+              <p:cNvPr id="87" name="Straight Arrow Connector 86">
+                <a:extLst>
+                  <a:ext uri="{FF2B5EF4-FFF2-40B4-BE49-F238E27FC236}">
+                    <a16:creationId xmlns:a16="http://schemas.microsoft.com/office/drawing/2014/main" id="{CEDF061E-65ED-74E7-C96A-26A68620FCA1}"/>
+                  </a:ext>
+                </a:extLst>
+              </p:cNvPr>
+              <p:cNvCxnSpPr>
+                <a:cxnSpLocks/>
+                <a:stCxn id="46" idx="2"/>
+                <a:endCxn id="86" idx="0"/>
+              </p:cNvCxnSpPr>
+              <p:nvPr/>
+            </p:nvCxnSpPr>
+            <p:spPr>
+              <a:xfrm flipH="1">
+                <a:off x="9354850" y="2417990"/>
+                <a:ext cx="4323" cy="754752"/>
+              </a:xfrm>
+              <a:prstGeom prst="straightConnector1">
+                <a:avLst/>
+              </a:prstGeom>
+              <a:ln>
+                <a:solidFill>
+                  <a:schemeClr val="tx1"/>
+                </a:solidFill>
+                <a:tailEnd type="triangle"/>
+              </a:ln>
+            </p:spPr>
+            <p:style>
+              <a:lnRef idx="1">
+                <a:schemeClr val="accent1"/>
+              </a:lnRef>
+              <a:fillRef idx="0">
+                <a:schemeClr val="accent1"/>
+              </a:fillRef>
+              <a:effectRef idx="0">
+                <a:schemeClr val="accent1"/>
+              </a:effectRef>
+              <a:fontRef idx="minor">
+                <a:schemeClr val="tx1"/>
+              </a:fontRef>
+            </p:style>
+          </p:cxnSp>
+          <p:sp>
+            <p:nvSpPr>
+              <p:cNvPr id="90" name="TextBox 89">
+                <a:extLst>
+                  <a:ext uri="{FF2B5EF4-FFF2-40B4-BE49-F238E27FC236}">
+                    <a16:creationId xmlns:a16="http://schemas.microsoft.com/office/drawing/2014/main" id="{D8ACA2C7-7467-8E46-3343-70158DC3CE26}"/>
+                  </a:ext>
+                </a:extLst>
+              </p:cNvPr>
+              <p:cNvSpPr txBox="1"/>
+              <p:nvPr/>
+            </p:nvSpPr>
+            <p:spPr>
+              <a:xfrm>
+                <a:off x="7858853" y="2627432"/>
+                <a:ext cx="1498231" cy="338554"/>
+              </a:xfrm>
+              <a:prstGeom prst="rect">
+                <a:avLst/>
+              </a:prstGeom>
+              <a:noFill/>
+            </p:spPr>
+            <p:txBody>
+              <a:bodyPr wrap="none" rtlCol="0">
+                <a:spAutoFit/>
+              </a:bodyPr>
+              <a:lstStyle/>
+              <a:p>
+                <a:r>
+                  <a:rPr lang="en-US" sz="1600" dirty="0" err="1"/>
+                  <a:t>isCategorizedBy</a:t>
+                </a:r>
+                <a:endParaRPr lang="en-US" sz="1600" dirty="0"/>
+              </a:p>
+            </p:txBody>
+          </p:sp>
+        </p:grpSp>
+        <p:sp>
+          <p:nvSpPr>
+            <p:cNvPr id="12" name="TextBox 11">
+              <a:extLst>
+                <a:ext uri="{FF2B5EF4-FFF2-40B4-BE49-F238E27FC236}">
+                  <a16:creationId xmlns:a16="http://schemas.microsoft.com/office/drawing/2014/main" id="{9D3945D9-2B57-CFB4-7087-D6AEB4E53DB3}"/>
+                </a:ext>
+              </a:extLst>
+            </p:cNvPr>
+            <p:cNvSpPr txBox="1"/>
+            <p:nvPr/>
+          </p:nvSpPr>
+          <p:spPr>
+            <a:xfrm>
+              <a:off x="6338618" y="1675206"/>
+              <a:ext cx="3385717" cy="369332"/>
+            </a:xfrm>
+            <a:prstGeom prst="rect">
+              <a:avLst/>
+            </a:prstGeom>
+            <a:solidFill>
+              <a:schemeClr val="accent6">
+                <a:lumMod val="20000"/>
+                <a:lumOff val="80000"/>
+              </a:schemeClr>
+            </a:solidFill>
+          </p:spPr>
+          <p:txBody>
+            <a:bodyPr wrap="square" rtlCol="0">
+              <a:spAutoFit/>
+            </a:bodyPr>
+            <a:lstStyle/>
+            <a:p>
+              <a:r>
+                <a:rPr lang="en-US" dirty="0"/>
+                <a:t>Aspect represented as a category.</a:t>
+              </a:r>
+            </a:p>
+          </p:txBody>
+        </p:sp>
+      </p:grpSp>
+      <p:grpSp>
+        <p:nvGrpSpPr>
+          <p:cNvPr id="21" name="Group 20">
+            <a:extLst>
+              <a:ext uri="{FF2B5EF4-FFF2-40B4-BE49-F238E27FC236}">
+                <a16:creationId xmlns:a16="http://schemas.microsoft.com/office/drawing/2014/main" id="{4B88CCB9-010C-7A9A-1248-67A51150E395}"/>
+              </a:ext>
+            </a:extLst>
+          </p:cNvPr>
+          <p:cNvGrpSpPr/>
+          <p:nvPr/>
+        </p:nvGrpSpPr>
+        <p:grpSpPr>
+          <a:xfrm>
+            <a:off x="3710276" y="4292000"/>
+            <a:ext cx="4771448" cy="1101919"/>
+            <a:chOff x="3528174" y="4292000"/>
+            <a:chExt cx="4771448" cy="1101919"/>
+          </a:xfrm>
+        </p:grpSpPr>
+        <p:grpSp>
+          <p:nvGrpSpPr>
+            <p:cNvPr id="4" name="Group 3">
+              <a:extLst>
+                <a:ext uri="{FF2B5EF4-FFF2-40B4-BE49-F238E27FC236}">
+                  <a16:creationId xmlns:a16="http://schemas.microsoft.com/office/drawing/2014/main" id="{12CBE2E6-9AA7-7809-62F3-C2559A5536AB}"/>
+                </a:ext>
+              </a:extLst>
+            </p:cNvPr>
+            <p:cNvGrpSpPr/>
+            <p:nvPr/>
+          </p:nvGrpSpPr>
+          <p:grpSpPr>
+            <a:xfrm>
+              <a:off x="3528174" y="4531687"/>
+              <a:ext cx="4771448" cy="862232"/>
+              <a:chOff x="1017221" y="3271604"/>
+              <a:chExt cx="4771448" cy="862232"/>
+            </a:xfrm>
+          </p:grpSpPr>
+          <p:sp>
+            <p:nvSpPr>
+              <p:cNvPr id="24" name="TextBox 23">
+                <a:extLst>
+                  <a:ext uri="{FF2B5EF4-FFF2-40B4-BE49-F238E27FC236}">
+                    <a16:creationId xmlns:a16="http://schemas.microsoft.com/office/drawing/2014/main" id="{54DAF177-24F5-E677-A93C-081300E6589B}"/>
+                  </a:ext>
+                </a:extLst>
+              </p:cNvPr>
+              <p:cNvSpPr txBox="1"/>
+              <p:nvPr/>
+            </p:nvSpPr>
+            <p:spPr>
+              <a:xfrm>
+                <a:off x="1017221" y="3524232"/>
+                <a:ext cx="844590" cy="369332"/>
+              </a:xfrm>
+              <a:prstGeom prst="rect">
+                <a:avLst/>
+              </a:prstGeom>
+              <a:noFill/>
+            </p:spPr>
+            <p:txBody>
+              <a:bodyPr wrap="none" rtlCol="0">
+                <a:spAutoFit/>
+              </a:bodyPr>
+              <a:lstStyle/>
+              <a:p>
+                <a:r>
+                  <a:rPr lang="en-US" dirty="0"/>
+                  <a:t>:_patio</a:t>
+                </a:r>
+              </a:p>
+            </p:txBody>
+          </p:sp>
+          <p:sp>
+            <p:nvSpPr>
+              <p:cNvPr id="25" name="TextBox 24">
+                <a:extLst>
+                  <a:ext uri="{FF2B5EF4-FFF2-40B4-BE49-F238E27FC236}">
+                    <a16:creationId xmlns:a16="http://schemas.microsoft.com/office/drawing/2014/main" id="{57F410DF-AE6D-63D3-8F21-B30D5B299B4A}"/>
+                  </a:ext>
+                </a:extLst>
+              </p:cNvPr>
+              <p:cNvSpPr txBox="1"/>
+              <p:nvPr/>
+            </p:nvSpPr>
+            <p:spPr>
+              <a:xfrm>
+                <a:off x="3257853" y="3524232"/>
+                <a:ext cx="1377300" cy="369332"/>
+              </a:xfrm>
+              <a:prstGeom prst="rect">
+                <a:avLst/>
+              </a:prstGeom>
+              <a:noFill/>
+            </p:spPr>
+            <p:txBody>
+              <a:bodyPr wrap="none" rtlCol="0">
+                <a:spAutoFit/>
+              </a:bodyPr>
+              <a:lstStyle/>
+              <a:p>
+                <a:r>
+                  <a:rPr lang="en-US" dirty="0"/>
+                  <a:t>:_magnitude</a:t>
+                </a:r>
+              </a:p>
+            </p:txBody>
+          </p:sp>
+          <p:cxnSp>
+            <p:nvCxnSpPr>
+              <p:cNvPr id="26" name="Straight Arrow Connector 25">
+                <a:extLst>
+                  <a:ext uri="{FF2B5EF4-FFF2-40B4-BE49-F238E27FC236}">
+                    <a16:creationId xmlns:a16="http://schemas.microsoft.com/office/drawing/2014/main" id="{72A8B4B7-17A2-AA0A-0915-B10442F91803}"/>
+                  </a:ext>
+                </a:extLst>
+              </p:cNvPr>
+              <p:cNvCxnSpPr>
+                <a:stCxn id="24" idx="3"/>
+                <a:endCxn id="25" idx="1"/>
+              </p:cNvCxnSpPr>
+              <p:nvPr/>
+            </p:nvCxnSpPr>
+            <p:spPr>
+              <a:xfrm>
+                <a:off x="1861811" y="3708898"/>
+                <a:ext cx="1396042" cy="0"/>
+              </a:xfrm>
+              <a:prstGeom prst="straightConnector1">
+                <a:avLst/>
+              </a:prstGeom>
+              <a:ln>
+                <a:solidFill>
+                  <a:schemeClr val="tx1"/>
+                </a:solidFill>
+                <a:tailEnd type="triangle"/>
+              </a:ln>
+            </p:spPr>
+            <p:style>
+              <a:lnRef idx="1">
+                <a:schemeClr val="accent1"/>
+              </a:lnRef>
+              <a:fillRef idx="0">
+                <a:schemeClr val="accent1"/>
+              </a:fillRef>
+              <a:effectRef idx="0">
+                <a:schemeClr val="accent1"/>
+              </a:effectRef>
+              <a:fontRef idx="minor">
+                <a:schemeClr val="tx1"/>
+              </a:fontRef>
+            </p:style>
+          </p:cxnSp>
+          <p:cxnSp>
+            <p:nvCxnSpPr>
+              <p:cNvPr id="27" name="Straight Arrow Connector 26">
+                <a:extLst>
+                  <a:ext uri="{FF2B5EF4-FFF2-40B4-BE49-F238E27FC236}">
+                    <a16:creationId xmlns:a16="http://schemas.microsoft.com/office/drawing/2014/main" id="{1411C6E1-3761-F9F6-021E-6FB2A7CCCBA3}"/>
+                  </a:ext>
+                </a:extLst>
+              </p:cNvPr>
+              <p:cNvCxnSpPr>
+                <a:cxnSpLocks/>
+                <a:stCxn id="25" idx="3"/>
+                <a:endCxn id="30" idx="1"/>
+              </p:cNvCxnSpPr>
+              <p:nvPr/>
+            </p:nvCxnSpPr>
+            <p:spPr>
+              <a:xfrm>
+                <a:off x="4635153" y="3708898"/>
+                <a:ext cx="441462" cy="240272"/>
+              </a:xfrm>
+              <a:prstGeom prst="straightConnector1">
+                <a:avLst/>
+              </a:prstGeom>
+              <a:ln>
+                <a:solidFill>
+                  <a:schemeClr val="tx1"/>
+                </a:solidFill>
+                <a:tailEnd type="triangle"/>
+              </a:ln>
+            </p:spPr>
+            <p:style>
+              <a:lnRef idx="1">
+                <a:schemeClr val="accent1"/>
+              </a:lnRef>
+              <a:fillRef idx="0">
+                <a:schemeClr val="accent1"/>
+              </a:fillRef>
+              <a:effectRef idx="0">
+                <a:schemeClr val="accent1"/>
+              </a:effectRef>
+              <a:fontRef idx="minor">
+                <a:schemeClr val="tx1"/>
+              </a:fontRef>
+            </p:style>
+          </p:cxnSp>
+          <p:cxnSp>
+            <p:nvCxnSpPr>
+              <p:cNvPr id="28" name="Straight Arrow Connector 27">
+                <a:extLst>
+                  <a:ext uri="{FF2B5EF4-FFF2-40B4-BE49-F238E27FC236}">
+                    <a16:creationId xmlns:a16="http://schemas.microsoft.com/office/drawing/2014/main" id="{5079E2E3-8412-1859-22EC-051CBD252260}"/>
+                  </a:ext>
+                </a:extLst>
+              </p:cNvPr>
+              <p:cNvCxnSpPr>
+                <a:cxnSpLocks/>
+                <a:stCxn id="25" idx="3"/>
+                <a:endCxn id="29" idx="1"/>
+              </p:cNvCxnSpPr>
+              <p:nvPr/>
+            </p:nvCxnSpPr>
+            <p:spPr>
+              <a:xfrm flipV="1">
+                <a:off x="4635153" y="3456270"/>
+                <a:ext cx="441462" cy="252628"/>
+              </a:xfrm>
+              <a:prstGeom prst="straightConnector1">
+                <a:avLst/>
+              </a:prstGeom>
+              <a:ln>
+                <a:solidFill>
+                  <a:schemeClr val="tx1"/>
+                </a:solidFill>
+                <a:tailEnd type="triangle"/>
+              </a:ln>
+            </p:spPr>
+            <p:style>
+              <a:lnRef idx="1">
+                <a:schemeClr val="accent1"/>
+              </a:lnRef>
+              <a:fillRef idx="0">
+                <a:schemeClr val="accent1"/>
+              </a:fillRef>
+              <a:effectRef idx="0">
+                <a:schemeClr val="accent1"/>
+              </a:effectRef>
+              <a:fontRef idx="minor">
+                <a:schemeClr val="tx1"/>
+              </a:fontRef>
+            </p:style>
+          </p:cxnSp>
+          <p:sp>
+            <p:nvSpPr>
+              <p:cNvPr id="29" name="TextBox 28">
+                <a:extLst>
+                  <a:ext uri="{FF2B5EF4-FFF2-40B4-BE49-F238E27FC236}">
+                    <a16:creationId xmlns:a16="http://schemas.microsoft.com/office/drawing/2014/main" id="{895BF5AB-C2DE-8546-E8DB-6F42EB35F667}"/>
+                  </a:ext>
+                </a:extLst>
+              </p:cNvPr>
+              <p:cNvSpPr txBox="1"/>
+              <p:nvPr/>
+            </p:nvSpPr>
+            <p:spPr>
+              <a:xfrm>
+                <a:off x="5076615" y="3271604"/>
+                <a:ext cx="535724" cy="369332"/>
+              </a:xfrm>
+              <a:prstGeom prst="rect">
+                <a:avLst/>
+              </a:prstGeom>
+              <a:noFill/>
+            </p:spPr>
+            <p:txBody>
+              <a:bodyPr wrap="none" rtlCol="0">
+                <a:spAutoFit/>
+              </a:bodyPr>
+              <a:lstStyle/>
+              <a:p>
+                <a:r>
+                  <a:rPr lang="en-US" dirty="0"/>
+                  <a:t>144</a:t>
+                </a:r>
+              </a:p>
+            </p:txBody>
+          </p:sp>
+          <p:sp>
+            <p:nvSpPr>
+              <p:cNvPr id="30" name="TextBox 29">
+                <a:extLst>
+                  <a:ext uri="{FF2B5EF4-FFF2-40B4-BE49-F238E27FC236}">
+                    <a16:creationId xmlns:a16="http://schemas.microsoft.com/office/drawing/2014/main" id="{6A694F1B-5FCF-2934-0A00-95C62A7012A2}"/>
+                  </a:ext>
+                </a:extLst>
+              </p:cNvPr>
+              <p:cNvSpPr txBox="1"/>
+              <p:nvPr/>
+            </p:nvSpPr>
+            <p:spPr>
+              <a:xfrm>
+                <a:off x="5076615" y="3764504"/>
+                <a:ext cx="712054" cy="369332"/>
+              </a:xfrm>
+              <a:prstGeom prst="rect">
+                <a:avLst/>
+              </a:prstGeom>
+              <a:noFill/>
+            </p:spPr>
+            <p:txBody>
+              <a:bodyPr wrap="none" rtlCol="0">
+                <a:spAutoFit/>
+              </a:bodyPr>
+              <a:lstStyle/>
+              <a:p>
+                <a:r>
+                  <a:rPr lang="en-US" dirty="0"/>
+                  <a:t>sq. ft.</a:t>
+                </a:r>
+              </a:p>
+            </p:txBody>
+          </p:sp>
+          <p:sp>
+            <p:nvSpPr>
+              <p:cNvPr id="85" name="TextBox 84">
+                <a:extLst>
+                  <a:ext uri="{FF2B5EF4-FFF2-40B4-BE49-F238E27FC236}">
+                    <a16:creationId xmlns:a16="http://schemas.microsoft.com/office/drawing/2014/main" id="{C6C7F5A3-F305-D98D-CD9C-F49D656E1A81}"/>
+                  </a:ext>
+                </a:extLst>
+              </p:cNvPr>
+              <p:cNvSpPr txBox="1"/>
+              <p:nvPr/>
+            </p:nvSpPr>
+            <p:spPr>
+              <a:xfrm>
+                <a:off x="2130612" y="3354955"/>
+                <a:ext cx="912942" cy="338554"/>
+              </a:xfrm>
+              <a:prstGeom prst="rect">
+                <a:avLst/>
+              </a:prstGeom>
+              <a:noFill/>
+            </p:spPr>
+            <p:txBody>
+              <a:bodyPr wrap="none" rtlCol="0">
+                <a:spAutoFit/>
+              </a:bodyPr>
+              <a:lstStyle/>
+              <a:p>
+                <a:r>
+                  <a:rPr lang="en-US" sz="1600" dirty="0">
+                    <a:solidFill>
+                      <a:srgbClr val="FF0000"/>
+                    </a:solidFill>
+                  </a:rPr>
+                  <a:t>:</a:t>
+                </a:r>
+                <a:r>
+                  <a:rPr lang="en-US" sz="1600" dirty="0" err="1">
+                    <a:solidFill>
+                      <a:srgbClr val="FF0000"/>
+                    </a:solidFill>
+                  </a:rPr>
+                  <a:t>hasArea</a:t>
+                </a:r>
+                <a:endParaRPr lang="en-US" sz="1600" dirty="0">
+                  <a:solidFill>
+                    <a:srgbClr val="FF0000"/>
+                  </a:solidFill>
+                </a:endParaRPr>
+              </a:p>
+            </p:txBody>
+          </p:sp>
+        </p:grpSp>
+        <p:sp>
+          <p:nvSpPr>
+            <p:cNvPr id="13" name="TextBox 12">
+              <a:extLst>
+                <a:ext uri="{FF2B5EF4-FFF2-40B4-BE49-F238E27FC236}">
+                  <a16:creationId xmlns:a16="http://schemas.microsoft.com/office/drawing/2014/main" id="{3D58EB35-7CEE-F150-27DC-E4BE69FC60A9}"/>
+                </a:ext>
+              </a:extLst>
+            </p:cNvPr>
+            <p:cNvSpPr txBox="1"/>
+            <p:nvPr/>
+          </p:nvSpPr>
+          <p:spPr>
+            <a:xfrm>
+              <a:off x="3528174" y="4292000"/>
+              <a:ext cx="3385717" cy="369332"/>
+            </a:xfrm>
+            <a:prstGeom prst="rect">
+              <a:avLst/>
+            </a:prstGeom>
+            <a:solidFill>
+              <a:schemeClr val="accent6">
+                <a:lumMod val="20000"/>
+                <a:lumOff val="80000"/>
+              </a:schemeClr>
+            </a:solidFill>
+          </p:spPr>
+          <p:txBody>
+            <a:bodyPr wrap="square" rtlCol="0">
+              <a:spAutoFit/>
+            </a:bodyPr>
+            <a:lstStyle/>
+            <a:p>
+              <a:r>
+                <a:rPr lang="en-US" dirty="0"/>
+                <a:t>Aspect represented as a property.</a:t>
+              </a:r>
+            </a:p>
+          </p:txBody>
+        </p:sp>
+      </p:grpSp>
     </p:spTree>
     <p:extLst>
       <p:ext uri="{BB962C8B-B14F-4D97-AF65-F5344CB8AC3E}">
@@ -15799,10 +16186,10 @@
       </p:sp>
       <p:grpSp>
         <p:nvGrpSpPr>
-          <p:cNvPr id="19" name="Group 18">
-            <a:extLst>
-              <a:ext uri="{FF2B5EF4-FFF2-40B4-BE49-F238E27FC236}">
-                <a16:creationId xmlns:a16="http://schemas.microsoft.com/office/drawing/2014/main" id="{C1F5C2B5-D242-F821-D4BB-21BCFDE6F677}"/>
+          <p:cNvPr id="28" name="Group 27">
+            <a:extLst>
+              <a:ext uri="{FF2B5EF4-FFF2-40B4-BE49-F238E27FC236}">
+                <a16:creationId xmlns:a16="http://schemas.microsoft.com/office/drawing/2014/main" id="{EFF18E8C-5DEA-333F-3FDC-AF08C0EF666A}"/>
               </a:ext>
             </a:extLst>
           </p:cNvPr>
@@ -15811,18 +16198,18 @@
         </p:nvGrpSpPr>
         <p:grpSpPr>
           <a:xfrm>
-            <a:off x="2088557" y="3539353"/>
-            <a:ext cx="5330850" cy="1360624"/>
-            <a:chOff x="2088557" y="3539485"/>
-            <a:chExt cx="5330850" cy="1360624"/>
+            <a:off x="2088412" y="2632523"/>
+            <a:ext cx="5306734" cy="1649744"/>
+            <a:chOff x="2088412" y="2587188"/>
+            <a:chExt cx="5306734" cy="1649744"/>
           </a:xfrm>
         </p:grpSpPr>
         <p:sp>
           <p:nvSpPr>
-            <p:cNvPr id="31" name="TextBox 30">
+            <p:cNvPr id="18" name="TextBox 17">
               <a:extLst>
                 <a:ext uri="{FF2B5EF4-FFF2-40B4-BE49-F238E27FC236}">
-                  <a16:creationId xmlns:a16="http://schemas.microsoft.com/office/drawing/2014/main" id="{04ACBA69-497E-3AB8-D848-96FA1AE9100B}"/>
+                  <a16:creationId xmlns:a16="http://schemas.microsoft.com/office/drawing/2014/main" id="{676FEECA-D96D-81E2-561A-EE5E64297A0A}"/>
                 </a:ext>
               </a:extLst>
             </p:cNvPr>
@@ -15831,804 +16218,38 @@
           </p:nvSpPr>
           <p:spPr>
             <a:xfrm>
-              <a:off x="2088557" y="3792113"/>
-              <a:ext cx="844590" cy="369332"/>
+              <a:off x="2088412" y="2587188"/>
+              <a:ext cx="4478627" cy="369332"/>
             </a:xfrm>
             <a:prstGeom prst="rect">
               <a:avLst/>
             </a:prstGeom>
-            <a:noFill/>
+            <a:solidFill>
+              <a:schemeClr val="accent6">
+                <a:lumMod val="20000"/>
+                <a:lumOff val="80000"/>
+              </a:schemeClr>
+            </a:solidFill>
           </p:spPr>
           <p:txBody>
-            <a:bodyPr wrap="none" rtlCol="0">
-              <a:spAutoFit/>
-            </a:bodyPr>
-            <a:lstStyle/>
-            <a:p>
-              <a:pPr algn="ctr"/>
-              <a:r>
-                <a:rPr lang="en-US" dirty="0"/>
-                <a:t>:_patio</a:t>
-              </a:r>
-            </a:p>
-          </p:txBody>
-        </p:sp>
-        <p:cxnSp>
-          <p:nvCxnSpPr>
-            <p:cNvPr id="33" name="Straight Arrow Connector 32">
-              <a:extLst>
-                <a:ext uri="{FF2B5EF4-FFF2-40B4-BE49-F238E27FC236}">
-                  <a16:creationId xmlns:a16="http://schemas.microsoft.com/office/drawing/2014/main" id="{C7B8A8A3-34C7-AF4E-B0AF-EE80BA587D57}"/>
-                </a:ext>
-              </a:extLst>
-            </p:cNvPr>
-            <p:cNvCxnSpPr>
-              <a:cxnSpLocks/>
-              <a:stCxn id="31" idx="3"/>
-              <a:endCxn id="75" idx="1"/>
-            </p:cNvCxnSpPr>
-            <p:nvPr/>
-          </p:nvCxnSpPr>
-          <p:spPr>
-            <a:xfrm>
-              <a:off x="2933147" y="3976779"/>
-              <a:ext cx="720343" cy="0"/>
-            </a:xfrm>
-            <a:prstGeom prst="straightConnector1">
-              <a:avLst/>
-            </a:prstGeom>
-            <a:ln>
-              <a:solidFill>
-                <a:schemeClr val="tx1"/>
-              </a:solidFill>
-              <a:tailEnd type="triangle"/>
-            </a:ln>
-          </p:spPr>
-          <p:style>
-            <a:lnRef idx="1">
-              <a:schemeClr val="accent1"/>
-            </a:lnRef>
-            <a:fillRef idx="0">
-              <a:schemeClr val="accent1"/>
-            </a:fillRef>
-            <a:effectRef idx="0">
-              <a:schemeClr val="accent1"/>
-            </a:effectRef>
-            <a:fontRef idx="minor">
-              <a:schemeClr val="tx1"/>
-            </a:fontRef>
-          </p:style>
-        </p:cxnSp>
-        <p:sp>
-          <p:nvSpPr>
-            <p:cNvPr id="32" name="TextBox 31">
-              <a:extLst>
-                <a:ext uri="{FF2B5EF4-FFF2-40B4-BE49-F238E27FC236}">
-                  <a16:creationId xmlns:a16="http://schemas.microsoft.com/office/drawing/2014/main" id="{1B4F22F3-BD58-8C8F-0990-3DF6FA53B495}"/>
-                </a:ext>
-              </a:extLst>
-            </p:cNvPr>
-            <p:cNvSpPr txBox="1"/>
-            <p:nvPr/>
-          </p:nvSpPr>
-          <p:spPr>
-            <a:xfrm>
-              <a:off x="4888591" y="3792113"/>
-              <a:ext cx="1377300" cy="369332"/>
-            </a:xfrm>
-            <a:prstGeom prst="rect">
-              <a:avLst/>
-            </a:prstGeom>
-            <a:noFill/>
-          </p:spPr>
-          <p:txBody>
-            <a:bodyPr wrap="none" rtlCol="0">
-              <a:spAutoFit/>
-            </a:bodyPr>
-            <a:lstStyle/>
-            <a:p>
-              <a:pPr algn="ctr"/>
-              <a:r>
-                <a:rPr lang="en-US" dirty="0"/>
-                <a:t>:_magnitude</a:t>
-              </a:r>
-            </a:p>
-          </p:txBody>
-        </p:sp>
-        <p:cxnSp>
-          <p:nvCxnSpPr>
-            <p:cNvPr id="34" name="Straight Arrow Connector 33">
-              <a:extLst>
-                <a:ext uri="{FF2B5EF4-FFF2-40B4-BE49-F238E27FC236}">
-                  <a16:creationId xmlns:a16="http://schemas.microsoft.com/office/drawing/2014/main" id="{4139431C-607A-4B13-795D-3441244F090D}"/>
-                </a:ext>
-              </a:extLst>
-            </p:cNvPr>
-            <p:cNvCxnSpPr>
-              <a:cxnSpLocks/>
-              <a:stCxn id="32" idx="3"/>
-              <a:endCxn id="37" idx="1"/>
-            </p:cNvCxnSpPr>
-            <p:nvPr/>
-          </p:nvCxnSpPr>
-          <p:spPr>
-            <a:xfrm>
-              <a:off x="6265891" y="3976779"/>
-              <a:ext cx="441462" cy="240272"/>
-            </a:xfrm>
-            <a:prstGeom prst="straightConnector1">
-              <a:avLst/>
-            </a:prstGeom>
-            <a:ln>
-              <a:solidFill>
-                <a:schemeClr val="tx1"/>
-              </a:solidFill>
-              <a:tailEnd type="triangle"/>
-            </a:ln>
-          </p:spPr>
-          <p:style>
-            <a:lnRef idx="1">
-              <a:schemeClr val="accent1"/>
-            </a:lnRef>
-            <a:fillRef idx="0">
-              <a:schemeClr val="accent1"/>
-            </a:fillRef>
-            <a:effectRef idx="0">
-              <a:schemeClr val="accent1"/>
-            </a:effectRef>
-            <a:fontRef idx="minor">
-              <a:schemeClr val="tx1"/>
-            </a:fontRef>
-          </p:style>
-        </p:cxnSp>
-        <p:cxnSp>
-          <p:nvCxnSpPr>
-            <p:cNvPr id="35" name="Straight Arrow Connector 34">
-              <a:extLst>
-                <a:ext uri="{FF2B5EF4-FFF2-40B4-BE49-F238E27FC236}">
-                  <a16:creationId xmlns:a16="http://schemas.microsoft.com/office/drawing/2014/main" id="{FB3EDB9B-B593-D63F-18AD-CF1B8F74AEE6}"/>
-                </a:ext>
-              </a:extLst>
-            </p:cNvPr>
-            <p:cNvCxnSpPr>
-              <a:cxnSpLocks/>
-              <a:stCxn id="32" idx="3"/>
-              <a:endCxn id="36" idx="1"/>
-            </p:cNvCxnSpPr>
-            <p:nvPr/>
-          </p:nvCxnSpPr>
-          <p:spPr>
-            <a:xfrm flipV="1">
-              <a:off x="6265891" y="3724151"/>
-              <a:ext cx="441462" cy="252628"/>
-            </a:xfrm>
-            <a:prstGeom prst="straightConnector1">
-              <a:avLst/>
-            </a:prstGeom>
-            <a:ln>
-              <a:solidFill>
-                <a:schemeClr val="tx1"/>
-              </a:solidFill>
-              <a:tailEnd type="triangle"/>
-            </a:ln>
-          </p:spPr>
-          <p:style>
-            <a:lnRef idx="1">
-              <a:schemeClr val="accent1"/>
-            </a:lnRef>
-            <a:fillRef idx="0">
-              <a:schemeClr val="accent1"/>
-            </a:fillRef>
-            <a:effectRef idx="0">
-              <a:schemeClr val="accent1"/>
-            </a:effectRef>
-            <a:fontRef idx="minor">
-              <a:schemeClr val="tx1"/>
-            </a:fontRef>
-          </p:style>
-        </p:cxnSp>
-        <p:sp>
-          <p:nvSpPr>
-            <p:cNvPr id="36" name="TextBox 35">
-              <a:extLst>
-                <a:ext uri="{FF2B5EF4-FFF2-40B4-BE49-F238E27FC236}">
-                  <a16:creationId xmlns:a16="http://schemas.microsoft.com/office/drawing/2014/main" id="{F043C589-1F90-8C96-32A1-4DA9EA1937B6}"/>
-                </a:ext>
-              </a:extLst>
-            </p:cNvPr>
-            <p:cNvSpPr txBox="1"/>
-            <p:nvPr/>
-          </p:nvSpPr>
-          <p:spPr>
-            <a:xfrm>
-              <a:off x="6707353" y="3539485"/>
-              <a:ext cx="535724" cy="369332"/>
-            </a:xfrm>
-            <a:prstGeom prst="rect">
-              <a:avLst/>
-            </a:prstGeom>
-            <a:noFill/>
-          </p:spPr>
-          <p:txBody>
-            <a:bodyPr wrap="none" rtlCol="0">
+            <a:bodyPr wrap="square" rtlCol="0">
               <a:spAutoFit/>
             </a:bodyPr>
             <a:lstStyle/>
             <a:p>
               <a:r>
                 <a:rPr lang="en-US" dirty="0"/>
-                <a:t>144</a:t>
+                <a:t>Aspect related to the thing with a magnitude.</a:t>
               </a:r>
             </a:p>
           </p:txBody>
         </p:sp>
-        <p:sp>
-          <p:nvSpPr>
-            <p:cNvPr id="37" name="TextBox 36">
+        <p:grpSp>
+          <p:nvGrpSpPr>
+            <p:cNvPr id="3" name="Group 2">
               <a:extLst>
                 <a:ext uri="{FF2B5EF4-FFF2-40B4-BE49-F238E27FC236}">
-                  <a16:creationId xmlns:a16="http://schemas.microsoft.com/office/drawing/2014/main" id="{59CB9B4A-F077-893F-2DAB-F707B8EF2B91}"/>
-                </a:ext>
-              </a:extLst>
-            </p:cNvPr>
-            <p:cNvSpPr txBox="1"/>
-            <p:nvPr/>
-          </p:nvSpPr>
-          <p:spPr>
-            <a:xfrm>
-              <a:off x="6707353" y="4032385"/>
-              <a:ext cx="712054" cy="369332"/>
-            </a:xfrm>
-            <a:prstGeom prst="rect">
-              <a:avLst/>
-            </a:prstGeom>
-            <a:noFill/>
-          </p:spPr>
-          <p:txBody>
-            <a:bodyPr wrap="none" rtlCol="0">
-              <a:spAutoFit/>
-            </a:bodyPr>
-            <a:lstStyle/>
-            <a:p>
-              <a:r>
-                <a:rPr lang="en-US" dirty="0"/>
-                <a:t>sq. ft.</a:t>
-              </a:r>
-            </a:p>
-          </p:txBody>
-        </p:sp>
-        <p:sp>
-          <p:nvSpPr>
-            <p:cNvPr id="75" name="TextBox 74">
-              <a:extLst>
-                <a:ext uri="{FF2B5EF4-FFF2-40B4-BE49-F238E27FC236}">
-                  <a16:creationId xmlns:a16="http://schemas.microsoft.com/office/drawing/2014/main" id="{E5173C03-D028-05D7-7A52-DECAA320C8CE}"/>
-                </a:ext>
-              </a:extLst>
-            </p:cNvPr>
-            <p:cNvSpPr txBox="1"/>
-            <p:nvPr/>
-          </p:nvSpPr>
-          <p:spPr>
-            <a:xfrm>
-              <a:off x="3653490" y="3792113"/>
-              <a:ext cx="461986" cy="369332"/>
-            </a:xfrm>
-            <a:prstGeom prst="rect">
-              <a:avLst/>
-            </a:prstGeom>
-            <a:noFill/>
-          </p:spPr>
-          <p:txBody>
-            <a:bodyPr wrap="none" rtlCol="0">
-              <a:spAutoFit/>
-            </a:bodyPr>
-            <a:lstStyle/>
-            <a:p>
-              <a:pPr algn="ctr"/>
-              <a:r>
-                <a:rPr lang="en-US" dirty="0"/>
-                <a:t>:_x</a:t>
-              </a:r>
-            </a:p>
-          </p:txBody>
-        </p:sp>
-        <p:cxnSp>
-          <p:nvCxnSpPr>
-            <p:cNvPr id="76" name="Straight Arrow Connector 75">
-              <a:extLst>
-                <a:ext uri="{FF2B5EF4-FFF2-40B4-BE49-F238E27FC236}">
-                  <a16:creationId xmlns:a16="http://schemas.microsoft.com/office/drawing/2014/main" id="{844E64B2-5560-3360-CB67-2E3D274F49A0}"/>
-                </a:ext>
-              </a:extLst>
-            </p:cNvPr>
-            <p:cNvCxnSpPr>
-              <a:cxnSpLocks/>
-              <a:stCxn id="75" idx="3"/>
-              <a:endCxn id="32" idx="1"/>
-            </p:cNvCxnSpPr>
-            <p:nvPr/>
-          </p:nvCxnSpPr>
-          <p:spPr>
-            <a:xfrm>
-              <a:off x="4115476" y="3976779"/>
-              <a:ext cx="773115" cy="0"/>
-            </a:xfrm>
-            <a:prstGeom prst="straightConnector1">
-              <a:avLst/>
-            </a:prstGeom>
-            <a:ln>
-              <a:solidFill>
-                <a:schemeClr val="tx1"/>
-              </a:solidFill>
-              <a:tailEnd type="triangle"/>
-            </a:ln>
-          </p:spPr>
-          <p:style>
-            <a:lnRef idx="1">
-              <a:schemeClr val="accent1"/>
-            </a:lnRef>
-            <a:fillRef idx="0">
-              <a:schemeClr val="accent1"/>
-            </a:fillRef>
-            <a:effectRef idx="0">
-              <a:schemeClr val="accent1"/>
-            </a:effectRef>
-            <a:fontRef idx="minor">
-              <a:schemeClr val="tx1"/>
-            </a:fontRef>
-          </p:style>
-        </p:cxnSp>
-        <p:cxnSp>
-          <p:nvCxnSpPr>
-            <p:cNvPr id="80" name="Straight Arrow Connector 79">
-              <a:extLst>
-                <a:ext uri="{FF2B5EF4-FFF2-40B4-BE49-F238E27FC236}">
-                  <a16:creationId xmlns:a16="http://schemas.microsoft.com/office/drawing/2014/main" id="{4B5913FA-D287-F702-E6BB-FC9B67D1BF5D}"/>
-                </a:ext>
-              </a:extLst>
-            </p:cNvPr>
-            <p:cNvCxnSpPr>
-              <a:cxnSpLocks/>
-              <a:stCxn id="75" idx="2"/>
-              <a:endCxn id="83" idx="0"/>
-            </p:cNvCxnSpPr>
-            <p:nvPr/>
-          </p:nvCxnSpPr>
-          <p:spPr>
-            <a:xfrm>
-              <a:off x="3884483" y="4161445"/>
-              <a:ext cx="0" cy="369332"/>
-            </a:xfrm>
-            <a:prstGeom prst="straightConnector1">
-              <a:avLst/>
-            </a:prstGeom>
-            <a:ln>
-              <a:solidFill>
-                <a:schemeClr val="tx1"/>
-              </a:solidFill>
-              <a:tailEnd type="triangle"/>
-            </a:ln>
-          </p:spPr>
-          <p:style>
-            <a:lnRef idx="1">
-              <a:schemeClr val="accent1"/>
-            </a:lnRef>
-            <a:fillRef idx="0">
-              <a:schemeClr val="accent1"/>
-            </a:fillRef>
-            <a:effectRef idx="0">
-              <a:schemeClr val="accent1"/>
-            </a:effectRef>
-            <a:fontRef idx="minor">
-              <a:schemeClr val="tx1"/>
-            </a:fontRef>
-          </p:style>
-        </p:cxnSp>
-        <p:sp>
-          <p:nvSpPr>
-            <p:cNvPr id="83" name="TextBox 82">
-              <a:extLst>
-                <a:ext uri="{FF2B5EF4-FFF2-40B4-BE49-F238E27FC236}">
-                  <a16:creationId xmlns:a16="http://schemas.microsoft.com/office/drawing/2014/main" id="{AAE41283-5965-B81C-4DB9-90CDD17B0F04}"/>
-                </a:ext>
-              </a:extLst>
-            </p:cNvPr>
-            <p:cNvSpPr txBox="1"/>
-            <p:nvPr/>
-          </p:nvSpPr>
-          <p:spPr>
-            <a:xfrm>
-              <a:off x="3496300" y="4530777"/>
-              <a:ext cx="776366" cy="369332"/>
-            </a:xfrm>
-            <a:prstGeom prst="rect">
-              <a:avLst/>
-            </a:prstGeom>
-            <a:noFill/>
-          </p:spPr>
-          <p:txBody>
-            <a:bodyPr wrap="none" rtlCol="0">
-              <a:spAutoFit/>
-            </a:bodyPr>
-            <a:lstStyle/>
-            <a:p>
-              <a:r>
-                <a:rPr lang="en-US" dirty="0">
-                  <a:solidFill>
-                    <a:srgbClr val="FF0000"/>
-                  </a:solidFill>
-                </a:rPr>
-                <a:t>:_area</a:t>
-              </a:r>
-            </a:p>
-          </p:txBody>
-        </p:sp>
-      </p:grpSp>
-      <p:grpSp>
-        <p:nvGrpSpPr>
-          <p:cNvPr id="20" name="Group 19">
-            <a:extLst>
-              <a:ext uri="{FF2B5EF4-FFF2-40B4-BE49-F238E27FC236}">
-                <a16:creationId xmlns:a16="http://schemas.microsoft.com/office/drawing/2014/main" id="{C468E473-52E5-4BA4-72F3-0E1D47B36FAA}"/>
-              </a:ext>
-            </a:extLst>
-          </p:cNvPr>
-          <p:cNvGrpSpPr/>
-          <p:nvPr/>
-        </p:nvGrpSpPr>
-        <p:grpSpPr>
-          <a:xfrm>
-            <a:off x="1858411" y="5138454"/>
-            <a:ext cx="8251647" cy="862232"/>
-            <a:chOff x="2088557" y="1246309"/>
-            <a:chExt cx="8251647" cy="862232"/>
-          </a:xfrm>
-        </p:grpSpPr>
-        <p:sp>
-          <p:nvSpPr>
-            <p:cNvPr id="38" name="TextBox 37">
-              <a:extLst>
-                <a:ext uri="{FF2B5EF4-FFF2-40B4-BE49-F238E27FC236}">
-                  <a16:creationId xmlns:a16="http://schemas.microsoft.com/office/drawing/2014/main" id="{307A3647-F6CA-3013-ABB1-E16D6D6430CF}"/>
-                </a:ext>
-              </a:extLst>
-            </p:cNvPr>
-            <p:cNvSpPr txBox="1"/>
-            <p:nvPr/>
-          </p:nvSpPr>
-          <p:spPr>
-            <a:xfrm>
-              <a:off x="2088557" y="1498937"/>
-              <a:ext cx="844590" cy="369332"/>
-            </a:xfrm>
-            <a:prstGeom prst="rect">
-              <a:avLst/>
-            </a:prstGeom>
-            <a:noFill/>
-          </p:spPr>
-          <p:txBody>
-            <a:bodyPr wrap="none" rtlCol="0">
-              <a:spAutoFit/>
-            </a:bodyPr>
-            <a:lstStyle/>
-            <a:p>
-              <a:r>
-                <a:rPr lang="en-US" dirty="0"/>
-                <a:t>:_patio</a:t>
-              </a:r>
-              <a:endParaRPr lang="en-US" dirty="0">
-                <a:solidFill>
-                  <a:srgbClr val="FF0000"/>
-                </a:solidFill>
-              </a:endParaRPr>
-            </a:p>
-          </p:txBody>
-        </p:sp>
-        <p:cxnSp>
-          <p:nvCxnSpPr>
-            <p:cNvPr id="40" name="Straight Arrow Connector 39">
-              <a:extLst>
-                <a:ext uri="{FF2B5EF4-FFF2-40B4-BE49-F238E27FC236}">
-                  <a16:creationId xmlns:a16="http://schemas.microsoft.com/office/drawing/2014/main" id="{32259B8C-1BCE-702B-11F6-293E476E0ECE}"/>
-                </a:ext>
-              </a:extLst>
-            </p:cNvPr>
-            <p:cNvCxnSpPr>
-              <a:stCxn id="38" idx="3"/>
-              <a:endCxn id="39" idx="1"/>
-            </p:cNvCxnSpPr>
-            <p:nvPr/>
-          </p:nvCxnSpPr>
-          <p:spPr>
-            <a:xfrm>
-              <a:off x="2933147" y="1683603"/>
-              <a:ext cx="1955444" cy="0"/>
-            </a:xfrm>
-            <a:prstGeom prst="straightConnector1">
-              <a:avLst/>
-            </a:prstGeom>
-            <a:ln>
-              <a:solidFill>
-                <a:schemeClr val="tx1"/>
-              </a:solidFill>
-              <a:tailEnd type="triangle"/>
-            </a:ln>
-          </p:spPr>
-          <p:style>
-            <a:lnRef idx="1">
-              <a:schemeClr val="accent1"/>
-            </a:lnRef>
-            <a:fillRef idx="0">
-              <a:schemeClr val="accent1"/>
-            </a:fillRef>
-            <a:effectRef idx="0">
-              <a:schemeClr val="accent1"/>
-            </a:effectRef>
-            <a:fontRef idx="minor">
-              <a:schemeClr val="tx1"/>
-            </a:fontRef>
-          </p:style>
-        </p:cxnSp>
-        <p:sp>
-          <p:nvSpPr>
-            <p:cNvPr id="39" name="TextBox 38">
-              <a:extLst>
-                <a:ext uri="{FF2B5EF4-FFF2-40B4-BE49-F238E27FC236}">
-                  <a16:creationId xmlns:a16="http://schemas.microsoft.com/office/drawing/2014/main" id="{EB876AF3-6AD6-A7B1-1E6C-31E7CCC991F7}"/>
-                </a:ext>
-              </a:extLst>
-            </p:cNvPr>
-            <p:cNvSpPr txBox="1"/>
-            <p:nvPr/>
-          </p:nvSpPr>
-          <p:spPr>
-            <a:xfrm>
-              <a:off x="4888591" y="1498937"/>
-              <a:ext cx="1377300" cy="369332"/>
-            </a:xfrm>
-            <a:prstGeom prst="rect">
-              <a:avLst/>
-            </a:prstGeom>
-            <a:noFill/>
-          </p:spPr>
-          <p:txBody>
-            <a:bodyPr wrap="none" rtlCol="0">
-              <a:spAutoFit/>
-            </a:bodyPr>
-            <a:lstStyle/>
-            <a:p>
-              <a:r>
-                <a:rPr lang="en-US" dirty="0"/>
-                <a:t>:_magnitude</a:t>
-              </a:r>
-            </a:p>
-          </p:txBody>
-        </p:sp>
-        <p:cxnSp>
-          <p:nvCxnSpPr>
-            <p:cNvPr id="41" name="Straight Arrow Connector 40">
-              <a:extLst>
-                <a:ext uri="{FF2B5EF4-FFF2-40B4-BE49-F238E27FC236}">
-                  <a16:creationId xmlns:a16="http://schemas.microsoft.com/office/drawing/2014/main" id="{F16055DF-6F22-31C2-EAB3-459490C03DFD}"/>
-                </a:ext>
-              </a:extLst>
-            </p:cNvPr>
-            <p:cNvCxnSpPr>
-              <a:cxnSpLocks/>
-              <a:stCxn id="39" idx="3"/>
-              <a:endCxn id="44" idx="1"/>
-            </p:cNvCxnSpPr>
-            <p:nvPr/>
-          </p:nvCxnSpPr>
-          <p:spPr>
-            <a:xfrm>
-              <a:off x="6265891" y="1683603"/>
-              <a:ext cx="441462" cy="240272"/>
-            </a:xfrm>
-            <a:prstGeom prst="straightConnector1">
-              <a:avLst/>
-            </a:prstGeom>
-            <a:ln>
-              <a:solidFill>
-                <a:schemeClr val="tx1"/>
-              </a:solidFill>
-              <a:tailEnd type="triangle"/>
-            </a:ln>
-          </p:spPr>
-          <p:style>
-            <a:lnRef idx="1">
-              <a:schemeClr val="accent1"/>
-            </a:lnRef>
-            <a:fillRef idx="0">
-              <a:schemeClr val="accent1"/>
-            </a:fillRef>
-            <a:effectRef idx="0">
-              <a:schemeClr val="accent1"/>
-            </a:effectRef>
-            <a:fontRef idx="minor">
-              <a:schemeClr val="tx1"/>
-            </a:fontRef>
-          </p:style>
-        </p:cxnSp>
-        <p:cxnSp>
-          <p:nvCxnSpPr>
-            <p:cNvPr id="42" name="Straight Arrow Connector 41">
-              <a:extLst>
-                <a:ext uri="{FF2B5EF4-FFF2-40B4-BE49-F238E27FC236}">
-                  <a16:creationId xmlns:a16="http://schemas.microsoft.com/office/drawing/2014/main" id="{3C493E2A-607D-B4BD-200E-7A383C619B92}"/>
-                </a:ext>
-              </a:extLst>
-            </p:cNvPr>
-            <p:cNvCxnSpPr>
-              <a:cxnSpLocks/>
-              <a:stCxn id="39" idx="3"/>
-              <a:endCxn id="43" idx="1"/>
-            </p:cNvCxnSpPr>
-            <p:nvPr/>
-          </p:nvCxnSpPr>
-          <p:spPr>
-            <a:xfrm flipV="1">
-              <a:off x="6265891" y="1430975"/>
-              <a:ext cx="441462" cy="252628"/>
-            </a:xfrm>
-            <a:prstGeom prst="straightConnector1">
-              <a:avLst/>
-            </a:prstGeom>
-            <a:ln>
-              <a:solidFill>
-                <a:schemeClr val="tx1"/>
-              </a:solidFill>
-              <a:tailEnd type="triangle"/>
-            </a:ln>
-          </p:spPr>
-          <p:style>
-            <a:lnRef idx="1">
-              <a:schemeClr val="accent1"/>
-            </a:lnRef>
-            <a:fillRef idx="0">
-              <a:schemeClr val="accent1"/>
-            </a:fillRef>
-            <a:effectRef idx="0">
-              <a:schemeClr val="accent1"/>
-            </a:effectRef>
-            <a:fontRef idx="minor">
-              <a:schemeClr val="tx1"/>
-            </a:fontRef>
-          </p:style>
-        </p:cxnSp>
-        <p:sp>
-          <p:nvSpPr>
-            <p:cNvPr id="43" name="TextBox 42">
-              <a:extLst>
-                <a:ext uri="{FF2B5EF4-FFF2-40B4-BE49-F238E27FC236}">
-                  <a16:creationId xmlns:a16="http://schemas.microsoft.com/office/drawing/2014/main" id="{62259441-CC97-15F1-E700-76C00838CEA3}"/>
-                </a:ext>
-              </a:extLst>
-            </p:cNvPr>
-            <p:cNvSpPr txBox="1"/>
-            <p:nvPr/>
-          </p:nvSpPr>
-          <p:spPr>
-            <a:xfrm>
-              <a:off x="6707353" y="1246309"/>
-              <a:ext cx="535724" cy="369332"/>
-            </a:xfrm>
-            <a:prstGeom prst="rect">
-              <a:avLst/>
-            </a:prstGeom>
-            <a:noFill/>
-          </p:spPr>
-          <p:txBody>
-            <a:bodyPr wrap="none" rtlCol="0">
-              <a:spAutoFit/>
-            </a:bodyPr>
-            <a:lstStyle/>
-            <a:p>
-              <a:r>
-                <a:rPr lang="en-US" dirty="0"/>
-                <a:t>144</a:t>
-              </a:r>
-            </a:p>
-          </p:txBody>
-        </p:sp>
-        <p:sp>
-          <p:nvSpPr>
-            <p:cNvPr id="44" name="TextBox 43">
-              <a:extLst>
-                <a:ext uri="{FF2B5EF4-FFF2-40B4-BE49-F238E27FC236}">
-                  <a16:creationId xmlns:a16="http://schemas.microsoft.com/office/drawing/2014/main" id="{0BE6F614-7E0E-5CA6-F0AF-69F31D292F49}"/>
-                </a:ext>
-              </a:extLst>
-            </p:cNvPr>
-            <p:cNvSpPr txBox="1"/>
-            <p:nvPr/>
-          </p:nvSpPr>
-          <p:spPr>
-            <a:xfrm>
-              <a:off x="6707353" y="1739209"/>
-              <a:ext cx="712054" cy="369332"/>
-            </a:xfrm>
-            <a:prstGeom prst="rect">
-              <a:avLst/>
-            </a:prstGeom>
-            <a:noFill/>
-          </p:spPr>
-          <p:txBody>
-            <a:bodyPr wrap="none" rtlCol="0">
-              <a:spAutoFit/>
-            </a:bodyPr>
-            <a:lstStyle/>
-            <a:p>
-              <a:r>
-                <a:rPr lang="en-US" dirty="0"/>
-                <a:t>sq. ft.</a:t>
-              </a:r>
-            </a:p>
-          </p:txBody>
-        </p:sp>
-        <p:sp>
-          <p:nvSpPr>
-            <p:cNvPr id="65" name="TextBox 64">
-              <a:extLst>
-                <a:ext uri="{FF2B5EF4-FFF2-40B4-BE49-F238E27FC236}">
-                  <a16:creationId xmlns:a16="http://schemas.microsoft.com/office/drawing/2014/main" id="{4FC65430-9002-9F1E-2997-FB2A8BAE81FF}"/>
-                </a:ext>
-              </a:extLst>
-            </p:cNvPr>
-            <p:cNvSpPr txBox="1"/>
-            <p:nvPr/>
-          </p:nvSpPr>
-          <p:spPr>
-            <a:xfrm>
-              <a:off x="7600159" y="1495395"/>
-              <a:ext cx="2740045" cy="369332"/>
-            </a:xfrm>
-            <a:prstGeom prst="rect">
-              <a:avLst/>
-            </a:prstGeom>
-            <a:noFill/>
-          </p:spPr>
-          <p:txBody>
-            <a:bodyPr wrap="none" rtlCol="0">
-              <a:spAutoFit/>
-            </a:bodyPr>
-            <a:lstStyle/>
-            <a:p>
-              <a:r>
-                <a:rPr lang="en-US" dirty="0"/>
-                <a:t>(area is an implied Aspect)</a:t>
-              </a:r>
-            </a:p>
-          </p:txBody>
-        </p:sp>
-      </p:grpSp>
-      <p:grpSp>
-        <p:nvGrpSpPr>
-          <p:cNvPr id="24" name="Group 23">
-            <a:extLst>
-              <a:ext uri="{FF2B5EF4-FFF2-40B4-BE49-F238E27FC236}">
-                <a16:creationId xmlns:a16="http://schemas.microsoft.com/office/drawing/2014/main" id="{11D199DA-DC14-F6D0-B604-3E316F3E00F8}"/>
-              </a:ext>
-            </a:extLst>
-          </p:cNvPr>
-          <p:cNvGrpSpPr/>
-          <p:nvPr/>
-        </p:nvGrpSpPr>
-        <p:grpSpPr>
-          <a:xfrm>
-            <a:off x="2088557" y="1063969"/>
-            <a:ext cx="9265243" cy="862232"/>
-            <a:chOff x="2088557" y="2392897"/>
-            <a:chExt cx="9265243" cy="862232"/>
-          </a:xfrm>
-        </p:grpSpPr>
-        <p:grpSp>
-          <p:nvGrpSpPr>
-            <p:cNvPr id="21" name="Group 20">
-              <a:extLst>
-                <a:ext uri="{FF2B5EF4-FFF2-40B4-BE49-F238E27FC236}">
-                  <a16:creationId xmlns:a16="http://schemas.microsoft.com/office/drawing/2014/main" id="{5055F220-BCCD-02BD-8780-49E1CE8CD133}"/>
+                  <a16:creationId xmlns:a16="http://schemas.microsoft.com/office/drawing/2014/main" id="{2F287DDA-1E15-A95C-C57A-537CEC02CB54}"/>
                 </a:ext>
               </a:extLst>
             </p:cNvPr>
@@ -16637,18 +16258,18 @@
           </p:nvGrpSpPr>
           <p:grpSpPr>
             <a:xfrm>
-              <a:off x="2088557" y="2392897"/>
-              <a:ext cx="5330850" cy="862232"/>
-              <a:chOff x="2644066" y="1607694"/>
-              <a:chExt cx="5330850" cy="862232"/>
+              <a:off x="2088412" y="2835041"/>
+              <a:ext cx="5306734" cy="1401891"/>
+              <a:chOff x="2112673" y="2187663"/>
+              <a:chExt cx="5306734" cy="1401891"/>
             </a:xfrm>
           </p:grpSpPr>
           <p:sp>
             <p:nvSpPr>
-              <p:cNvPr id="22" name="TextBox 21">
+              <p:cNvPr id="4" name="TextBox 3">
                 <a:extLst>
                   <a:ext uri="{FF2B5EF4-FFF2-40B4-BE49-F238E27FC236}">
-                    <a16:creationId xmlns:a16="http://schemas.microsoft.com/office/drawing/2014/main" id="{3BD262C1-F536-8F3D-5549-4DF60067D43A}"/>
+                    <a16:creationId xmlns:a16="http://schemas.microsoft.com/office/drawing/2014/main" id="{1ABD3968-9AFA-DA2C-3B74-3A9F225B30A2}"/>
                   </a:ext>
                 </a:extLst>
               </p:cNvPr>
@@ -16657,8 +16278,8 @@
             </p:nvSpPr>
             <p:spPr>
               <a:xfrm>
-                <a:off x="2644066" y="1860322"/>
-                <a:ext cx="1373774" cy="369332"/>
+                <a:off x="2112673" y="2440291"/>
+                <a:ext cx="844590" cy="369332"/>
               </a:xfrm>
               <a:prstGeom prst="rect">
                 <a:avLst/>
@@ -16673,19 +16294,7 @@
               <a:p>
                 <a:r>
                   <a:rPr lang="en-US" dirty="0"/>
-                  <a:t>:_</a:t>
-                </a:r>
-                <a:r>
-                  <a:rPr lang="en-US" dirty="0" err="1"/>
-                  <a:t>patio_</a:t>
-                </a:r>
-                <a:r>
-                  <a:rPr lang="en-US" dirty="0" err="1">
-                    <a:solidFill>
-                      <a:srgbClr val="FF0000"/>
-                    </a:solidFill>
-                  </a:rPr>
-                  <a:t>area</a:t>
+                  <a:t>:_patio</a:t>
                 </a:r>
                 <a:endParaRPr lang="en-US" dirty="0">
                   <a:solidFill>
@@ -16697,23 +16306,23 @@
           </p:sp>
           <p:cxnSp>
             <p:nvCxnSpPr>
-              <p:cNvPr id="23" name="Straight Arrow Connector 22">
+              <p:cNvPr id="5" name="Straight Arrow Connector 4">
                 <a:extLst>
                   <a:ext uri="{FF2B5EF4-FFF2-40B4-BE49-F238E27FC236}">
-                    <a16:creationId xmlns:a16="http://schemas.microsoft.com/office/drawing/2014/main" id="{32DC01F5-15D1-A9D6-BDBE-7AD7F63D573B}"/>
+                    <a16:creationId xmlns:a16="http://schemas.microsoft.com/office/drawing/2014/main" id="{B51BA415-A4A2-EECF-9C71-5B56E1089AB8}"/>
                   </a:ext>
                 </a:extLst>
               </p:cNvPr>
               <p:cNvCxnSpPr>
-                <a:stCxn id="22" idx="3"/>
-                <a:endCxn id="59" idx="1"/>
+                <a:cxnSpLocks/>
+                <a:stCxn id="4" idx="3"/>
               </p:cNvCxnSpPr>
               <p:nvPr/>
             </p:nvCxnSpPr>
             <p:spPr>
               <a:xfrm>
-                <a:off x="4017840" y="2044988"/>
-                <a:ext cx="1426260" cy="0"/>
+                <a:off x="2957263" y="2624957"/>
+                <a:ext cx="1708305" cy="0"/>
               </a:xfrm>
               <a:prstGeom prst="straightConnector1">
                 <a:avLst/>
@@ -16742,10 +16351,10 @@
           </p:cxnSp>
           <p:sp>
             <p:nvSpPr>
-              <p:cNvPr id="59" name="TextBox 58">
+              <p:cNvPr id="6" name="TextBox 5">
                 <a:extLst>
                   <a:ext uri="{FF2B5EF4-FFF2-40B4-BE49-F238E27FC236}">
-                    <a16:creationId xmlns:a16="http://schemas.microsoft.com/office/drawing/2014/main" id="{F359F243-9BE9-0D33-837C-1A4E06D62681}"/>
+                    <a16:creationId xmlns:a16="http://schemas.microsoft.com/office/drawing/2014/main" id="{C361BA69-C123-5DE6-9F1F-B7C110BFAA2C}"/>
                   </a:ext>
                 </a:extLst>
               </p:cNvPr>
@@ -16754,7 +16363,7 @@
             </p:nvSpPr>
             <p:spPr>
               <a:xfrm>
-                <a:off x="5444100" y="1860322"/>
+                <a:off x="4888591" y="2440291"/>
                 <a:ext cx="1377300" cy="369332"/>
               </a:xfrm>
               <a:prstGeom prst="rect">
@@ -16777,23 +16386,23 @@
           </p:sp>
           <p:cxnSp>
             <p:nvCxnSpPr>
-              <p:cNvPr id="60" name="Straight Arrow Connector 59">
+              <p:cNvPr id="9" name="Straight Arrow Connector 8">
                 <a:extLst>
                   <a:ext uri="{FF2B5EF4-FFF2-40B4-BE49-F238E27FC236}">
-                    <a16:creationId xmlns:a16="http://schemas.microsoft.com/office/drawing/2014/main" id="{AA83FE93-8E2F-E4B3-595F-B2F419C12BD0}"/>
+                    <a16:creationId xmlns:a16="http://schemas.microsoft.com/office/drawing/2014/main" id="{8BFC9929-08CA-F0A1-6927-C4A2D5750594}"/>
                   </a:ext>
                 </a:extLst>
               </p:cNvPr>
               <p:cNvCxnSpPr>
                 <a:cxnSpLocks/>
-                <a:stCxn id="59" idx="3"/>
-                <a:endCxn id="63" idx="1"/>
+                <a:stCxn id="6" idx="3"/>
+                <a:endCxn id="12" idx="1"/>
               </p:cNvCxnSpPr>
               <p:nvPr/>
             </p:nvCxnSpPr>
             <p:spPr>
               <a:xfrm>
-                <a:off x="6821400" y="2044988"/>
+                <a:off x="6265891" y="2624957"/>
                 <a:ext cx="441462" cy="240272"/>
               </a:xfrm>
               <a:prstGeom prst="straightConnector1">
@@ -16823,23 +16432,23 @@
           </p:cxnSp>
           <p:cxnSp>
             <p:nvCxnSpPr>
-              <p:cNvPr id="61" name="Straight Arrow Connector 60">
+              <p:cNvPr id="10" name="Straight Arrow Connector 9">
                 <a:extLst>
                   <a:ext uri="{FF2B5EF4-FFF2-40B4-BE49-F238E27FC236}">
-                    <a16:creationId xmlns:a16="http://schemas.microsoft.com/office/drawing/2014/main" id="{85CF2B25-AE2C-E91A-93FC-B3C6F7DFDD5F}"/>
+                    <a16:creationId xmlns:a16="http://schemas.microsoft.com/office/drawing/2014/main" id="{E20D944D-9B47-9AF6-D3F0-3DD57FFE0F32}"/>
                   </a:ext>
                 </a:extLst>
               </p:cNvPr>
               <p:cNvCxnSpPr>
                 <a:cxnSpLocks/>
-                <a:stCxn id="59" idx="3"/>
-                <a:endCxn id="62" idx="1"/>
+                <a:stCxn id="6" idx="3"/>
+                <a:endCxn id="11" idx="1"/>
               </p:cNvCxnSpPr>
               <p:nvPr/>
             </p:nvCxnSpPr>
             <p:spPr>
               <a:xfrm flipV="1">
-                <a:off x="6821400" y="1792360"/>
+                <a:off x="6265891" y="2372329"/>
                 <a:ext cx="441462" cy="252628"/>
               </a:xfrm>
               <a:prstGeom prst="straightConnector1">
@@ -16869,10 +16478,10 @@
           </p:cxnSp>
           <p:sp>
             <p:nvSpPr>
-              <p:cNvPr id="62" name="TextBox 61">
+              <p:cNvPr id="11" name="TextBox 10">
                 <a:extLst>
                   <a:ext uri="{FF2B5EF4-FFF2-40B4-BE49-F238E27FC236}">
-                    <a16:creationId xmlns:a16="http://schemas.microsoft.com/office/drawing/2014/main" id="{84D17600-4DC6-6C0D-DF09-F9C0443E3F9D}"/>
+                    <a16:creationId xmlns:a16="http://schemas.microsoft.com/office/drawing/2014/main" id="{ADA1C42F-7EA7-6F2A-2057-D5F52A450E78}"/>
                   </a:ext>
                 </a:extLst>
               </p:cNvPr>
@@ -16881,7 +16490,7 @@
             </p:nvSpPr>
             <p:spPr>
               <a:xfrm>
-                <a:off x="7262862" y="1607694"/>
+                <a:off x="6707353" y="2187663"/>
                 <a:ext cx="535724" cy="369332"/>
               </a:xfrm>
               <a:prstGeom prst="rect">
@@ -16904,10 +16513,10 @@
           </p:sp>
           <p:sp>
             <p:nvSpPr>
-              <p:cNvPr id="63" name="TextBox 62">
+              <p:cNvPr id="12" name="TextBox 11">
                 <a:extLst>
                   <a:ext uri="{FF2B5EF4-FFF2-40B4-BE49-F238E27FC236}">
-                    <a16:creationId xmlns:a16="http://schemas.microsoft.com/office/drawing/2014/main" id="{63E5CB33-34CE-5FF4-32AF-B0E4EEFB98B5}"/>
+                    <a16:creationId xmlns:a16="http://schemas.microsoft.com/office/drawing/2014/main" id="{868042A0-8CEA-F83E-0FA4-90D04262F433}"/>
                   </a:ext>
                 </a:extLst>
               </p:cNvPr>
@@ -16916,7 +16525,7 @@
             </p:nvSpPr>
             <p:spPr>
               <a:xfrm>
-                <a:off x="7262862" y="2100594"/>
+                <a:off x="6707353" y="2680563"/>
                 <a:ext cx="712054" cy="369332"/>
               </a:xfrm>
               <a:prstGeom prst="rect">
@@ -16937,430 +16546,92 @@
               </a:p>
             </p:txBody>
           </p:sp>
+          <p:cxnSp>
+            <p:nvCxnSpPr>
+              <p:cNvPr id="15" name="Straight Arrow Connector 14">
+                <a:extLst>
+                  <a:ext uri="{FF2B5EF4-FFF2-40B4-BE49-F238E27FC236}">
+                    <a16:creationId xmlns:a16="http://schemas.microsoft.com/office/drawing/2014/main" id="{8301CE48-067D-B0B5-39C5-E3C4EF0FABE5}"/>
+                  </a:ext>
+                </a:extLst>
+              </p:cNvPr>
+              <p:cNvCxnSpPr>
+                <a:cxnSpLocks/>
+                <a:stCxn id="4" idx="2"/>
+                <a:endCxn id="16" idx="0"/>
+              </p:cNvCxnSpPr>
+              <p:nvPr/>
+            </p:nvCxnSpPr>
+            <p:spPr>
+              <a:xfrm>
+                <a:off x="2534968" y="2809623"/>
+                <a:ext cx="0" cy="410599"/>
+              </a:xfrm>
+              <a:prstGeom prst="straightConnector1">
+                <a:avLst/>
+              </a:prstGeom>
+              <a:ln>
+                <a:solidFill>
+                  <a:schemeClr val="tx1"/>
+                </a:solidFill>
+                <a:tailEnd type="triangle"/>
+              </a:ln>
+            </p:spPr>
+            <p:style>
+              <a:lnRef idx="1">
+                <a:schemeClr val="accent1"/>
+              </a:lnRef>
+              <a:fillRef idx="0">
+                <a:schemeClr val="accent1"/>
+              </a:fillRef>
+              <a:effectRef idx="0">
+                <a:schemeClr val="accent1"/>
+              </a:effectRef>
+              <a:fontRef idx="minor">
+                <a:schemeClr val="tx1"/>
+              </a:fontRef>
+            </p:style>
+          </p:cxnSp>
+          <p:sp>
+            <p:nvSpPr>
+              <p:cNvPr id="16" name="TextBox 15">
+                <a:extLst>
+                  <a:ext uri="{FF2B5EF4-FFF2-40B4-BE49-F238E27FC236}">
+                    <a16:creationId xmlns:a16="http://schemas.microsoft.com/office/drawing/2014/main" id="{518CEBFB-0437-732C-5519-360F2B8DAA71}"/>
+                  </a:ext>
+                </a:extLst>
+              </p:cNvPr>
+              <p:cNvSpPr txBox="1"/>
+              <p:nvPr/>
+            </p:nvSpPr>
+            <p:spPr>
+              <a:xfrm>
+                <a:off x="2146785" y="3220222"/>
+                <a:ext cx="776366" cy="369332"/>
+              </a:xfrm>
+              <a:prstGeom prst="rect">
+                <a:avLst/>
+              </a:prstGeom>
+              <a:noFill/>
+            </p:spPr>
+            <p:txBody>
+              <a:bodyPr wrap="none" rtlCol="0">
+                <a:spAutoFit/>
+              </a:bodyPr>
+              <a:lstStyle/>
+              <a:p>
+                <a:r>
+                  <a:rPr lang="en-US" dirty="0">
+                    <a:solidFill>
+                      <a:srgbClr val="FF0000"/>
+                    </a:solidFill>
+                  </a:rPr>
+                  <a:t>:_area</a:t>
+                </a:r>
+              </a:p>
+            </p:txBody>
+          </p:sp>
         </p:grpSp>
-        <p:sp>
-          <p:nvSpPr>
-            <p:cNvPr id="2" name="TextBox 1">
-              <a:extLst>
-                <a:ext uri="{FF2B5EF4-FFF2-40B4-BE49-F238E27FC236}">
-                  <a16:creationId xmlns:a16="http://schemas.microsoft.com/office/drawing/2014/main" id="{3EFD12FA-58D3-4174-7ABC-A768746979F6}"/>
-                </a:ext>
-              </a:extLst>
-            </p:cNvPr>
-            <p:cNvSpPr txBox="1"/>
-            <p:nvPr/>
-          </p:nvSpPr>
-          <p:spPr>
-            <a:xfrm>
-              <a:off x="7600159" y="2505690"/>
-              <a:ext cx="3753641" cy="646331"/>
-            </a:xfrm>
-            <a:prstGeom prst="rect">
-              <a:avLst/>
-            </a:prstGeom>
-            <a:noFill/>
-          </p:spPr>
-          <p:txBody>
-            <a:bodyPr wrap="square" rtlCol="0">
-              <a:spAutoFit/>
-            </a:bodyPr>
-            <a:lstStyle/>
-            <a:p>
-              <a:r>
-                <a:rPr lang="en-US" dirty="0"/>
-                <a:t>(the string “area” might also be found in the IRI of the Magnitude)</a:t>
-              </a:r>
-            </a:p>
-          </p:txBody>
-        </p:sp>
-      </p:grpSp>
-      <p:grpSp>
-        <p:nvGrpSpPr>
-          <p:cNvPr id="3" name="Group 2">
-            <a:extLst>
-              <a:ext uri="{FF2B5EF4-FFF2-40B4-BE49-F238E27FC236}">
-                <a16:creationId xmlns:a16="http://schemas.microsoft.com/office/drawing/2014/main" id="{2F287DDA-1E15-A95C-C57A-537CEC02CB54}"/>
-              </a:ext>
-            </a:extLst>
-          </p:cNvPr>
-          <p:cNvGrpSpPr/>
-          <p:nvPr/>
-        </p:nvGrpSpPr>
-        <p:grpSpPr>
-          <a:xfrm>
-            <a:off x="2112673" y="2187663"/>
-            <a:ext cx="5306734" cy="1401891"/>
-            <a:chOff x="2112673" y="2187663"/>
-            <a:chExt cx="5306734" cy="1401891"/>
-          </a:xfrm>
-        </p:grpSpPr>
-        <p:sp>
-          <p:nvSpPr>
-            <p:cNvPr id="4" name="TextBox 3">
-              <a:extLst>
-                <a:ext uri="{FF2B5EF4-FFF2-40B4-BE49-F238E27FC236}">
-                  <a16:creationId xmlns:a16="http://schemas.microsoft.com/office/drawing/2014/main" id="{1ABD3968-9AFA-DA2C-3B74-3A9F225B30A2}"/>
-                </a:ext>
-              </a:extLst>
-            </p:cNvPr>
-            <p:cNvSpPr txBox="1"/>
-            <p:nvPr/>
-          </p:nvSpPr>
-          <p:spPr>
-            <a:xfrm>
-              <a:off x="2112673" y="2440291"/>
-              <a:ext cx="844590" cy="369332"/>
-            </a:xfrm>
-            <a:prstGeom prst="rect">
-              <a:avLst/>
-            </a:prstGeom>
-            <a:noFill/>
-          </p:spPr>
-          <p:txBody>
-            <a:bodyPr wrap="none" rtlCol="0">
-              <a:spAutoFit/>
-            </a:bodyPr>
-            <a:lstStyle/>
-            <a:p>
-              <a:r>
-                <a:rPr lang="en-US" dirty="0"/>
-                <a:t>:_patio</a:t>
-              </a:r>
-              <a:endParaRPr lang="en-US" dirty="0">
-                <a:solidFill>
-                  <a:srgbClr val="FF0000"/>
-                </a:solidFill>
-              </a:endParaRPr>
-            </a:p>
-          </p:txBody>
-        </p:sp>
-        <p:cxnSp>
-          <p:nvCxnSpPr>
-            <p:cNvPr id="5" name="Straight Arrow Connector 4">
-              <a:extLst>
-                <a:ext uri="{FF2B5EF4-FFF2-40B4-BE49-F238E27FC236}">
-                  <a16:creationId xmlns:a16="http://schemas.microsoft.com/office/drawing/2014/main" id="{B51BA415-A4A2-EECF-9C71-5B56E1089AB8}"/>
-                </a:ext>
-              </a:extLst>
-            </p:cNvPr>
-            <p:cNvCxnSpPr>
-              <a:cxnSpLocks/>
-              <a:stCxn id="4" idx="3"/>
-            </p:cNvCxnSpPr>
-            <p:nvPr/>
-          </p:nvCxnSpPr>
-          <p:spPr>
-            <a:xfrm>
-              <a:off x="2957263" y="2624957"/>
-              <a:ext cx="1708305" cy="0"/>
-            </a:xfrm>
-            <a:prstGeom prst="straightConnector1">
-              <a:avLst/>
-            </a:prstGeom>
-            <a:ln>
-              <a:solidFill>
-                <a:schemeClr val="tx1"/>
-              </a:solidFill>
-              <a:tailEnd type="triangle"/>
-            </a:ln>
-          </p:spPr>
-          <p:style>
-            <a:lnRef idx="1">
-              <a:schemeClr val="accent1"/>
-            </a:lnRef>
-            <a:fillRef idx="0">
-              <a:schemeClr val="accent1"/>
-            </a:fillRef>
-            <a:effectRef idx="0">
-              <a:schemeClr val="accent1"/>
-            </a:effectRef>
-            <a:fontRef idx="minor">
-              <a:schemeClr val="tx1"/>
-            </a:fontRef>
-          </p:style>
-        </p:cxnSp>
-        <p:sp>
-          <p:nvSpPr>
-            <p:cNvPr id="6" name="TextBox 5">
-              <a:extLst>
-                <a:ext uri="{FF2B5EF4-FFF2-40B4-BE49-F238E27FC236}">
-                  <a16:creationId xmlns:a16="http://schemas.microsoft.com/office/drawing/2014/main" id="{C361BA69-C123-5DE6-9F1F-B7C110BFAA2C}"/>
-                </a:ext>
-              </a:extLst>
-            </p:cNvPr>
-            <p:cNvSpPr txBox="1"/>
-            <p:nvPr/>
-          </p:nvSpPr>
-          <p:spPr>
-            <a:xfrm>
-              <a:off x="4888591" y="2440291"/>
-              <a:ext cx="1377300" cy="369332"/>
-            </a:xfrm>
-            <a:prstGeom prst="rect">
-              <a:avLst/>
-            </a:prstGeom>
-            <a:noFill/>
-          </p:spPr>
-          <p:txBody>
-            <a:bodyPr wrap="none" rtlCol="0">
-              <a:spAutoFit/>
-            </a:bodyPr>
-            <a:lstStyle/>
-            <a:p>
-              <a:r>
-                <a:rPr lang="en-US" dirty="0"/>
-                <a:t>:_magnitude</a:t>
-              </a:r>
-            </a:p>
-          </p:txBody>
-        </p:sp>
-        <p:cxnSp>
-          <p:nvCxnSpPr>
-            <p:cNvPr id="9" name="Straight Arrow Connector 8">
-              <a:extLst>
-                <a:ext uri="{FF2B5EF4-FFF2-40B4-BE49-F238E27FC236}">
-                  <a16:creationId xmlns:a16="http://schemas.microsoft.com/office/drawing/2014/main" id="{8BFC9929-08CA-F0A1-6927-C4A2D5750594}"/>
-                </a:ext>
-              </a:extLst>
-            </p:cNvPr>
-            <p:cNvCxnSpPr>
-              <a:cxnSpLocks/>
-              <a:stCxn id="6" idx="3"/>
-              <a:endCxn id="12" idx="1"/>
-            </p:cNvCxnSpPr>
-            <p:nvPr/>
-          </p:nvCxnSpPr>
-          <p:spPr>
-            <a:xfrm>
-              <a:off x="6265891" y="2624957"/>
-              <a:ext cx="441462" cy="240272"/>
-            </a:xfrm>
-            <a:prstGeom prst="straightConnector1">
-              <a:avLst/>
-            </a:prstGeom>
-            <a:ln>
-              <a:solidFill>
-                <a:schemeClr val="tx1"/>
-              </a:solidFill>
-              <a:tailEnd type="triangle"/>
-            </a:ln>
-          </p:spPr>
-          <p:style>
-            <a:lnRef idx="1">
-              <a:schemeClr val="accent1"/>
-            </a:lnRef>
-            <a:fillRef idx="0">
-              <a:schemeClr val="accent1"/>
-            </a:fillRef>
-            <a:effectRef idx="0">
-              <a:schemeClr val="accent1"/>
-            </a:effectRef>
-            <a:fontRef idx="minor">
-              <a:schemeClr val="tx1"/>
-            </a:fontRef>
-          </p:style>
-        </p:cxnSp>
-        <p:cxnSp>
-          <p:nvCxnSpPr>
-            <p:cNvPr id="10" name="Straight Arrow Connector 9">
-              <a:extLst>
-                <a:ext uri="{FF2B5EF4-FFF2-40B4-BE49-F238E27FC236}">
-                  <a16:creationId xmlns:a16="http://schemas.microsoft.com/office/drawing/2014/main" id="{E20D944D-9B47-9AF6-D3F0-3DD57FFE0F32}"/>
-                </a:ext>
-              </a:extLst>
-            </p:cNvPr>
-            <p:cNvCxnSpPr>
-              <a:cxnSpLocks/>
-              <a:stCxn id="6" idx="3"/>
-              <a:endCxn id="11" idx="1"/>
-            </p:cNvCxnSpPr>
-            <p:nvPr/>
-          </p:nvCxnSpPr>
-          <p:spPr>
-            <a:xfrm flipV="1">
-              <a:off x="6265891" y="2372329"/>
-              <a:ext cx="441462" cy="252628"/>
-            </a:xfrm>
-            <a:prstGeom prst="straightConnector1">
-              <a:avLst/>
-            </a:prstGeom>
-            <a:ln>
-              <a:solidFill>
-                <a:schemeClr val="tx1"/>
-              </a:solidFill>
-              <a:tailEnd type="triangle"/>
-            </a:ln>
-          </p:spPr>
-          <p:style>
-            <a:lnRef idx="1">
-              <a:schemeClr val="accent1"/>
-            </a:lnRef>
-            <a:fillRef idx="0">
-              <a:schemeClr val="accent1"/>
-            </a:fillRef>
-            <a:effectRef idx="0">
-              <a:schemeClr val="accent1"/>
-            </a:effectRef>
-            <a:fontRef idx="minor">
-              <a:schemeClr val="tx1"/>
-            </a:fontRef>
-          </p:style>
-        </p:cxnSp>
-        <p:sp>
-          <p:nvSpPr>
-            <p:cNvPr id="11" name="TextBox 10">
-              <a:extLst>
-                <a:ext uri="{FF2B5EF4-FFF2-40B4-BE49-F238E27FC236}">
-                  <a16:creationId xmlns:a16="http://schemas.microsoft.com/office/drawing/2014/main" id="{ADA1C42F-7EA7-6F2A-2057-D5F52A450E78}"/>
-                </a:ext>
-              </a:extLst>
-            </p:cNvPr>
-            <p:cNvSpPr txBox="1"/>
-            <p:nvPr/>
-          </p:nvSpPr>
-          <p:spPr>
-            <a:xfrm>
-              <a:off x="6707353" y="2187663"/>
-              <a:ext cx="535724" cy="369332"/>
-            </a:xfrm>
-            <a:prstGeom prst="rect">
-              <a:avLst/>
-            </a:prstGeom>
-            <a:noFill/>
-          </p:spPr>
-          <p:txBody>
-            <a:bodyPr wrap="none" rtlCol="0">
-              <a:spAutoFit/>
-            </a:bodyPr>
-            <a:lstStyle/>
-            <a:p>
-              <a:r>
-                <a:rPr lang="en-US" dirty="0"/>
-                <a:t>144</a:t>
-              </a:r>
-            </a:p>
-          </p:txBody>
-        </p:sp>
-        <p:sp>
-          <p:nvSpPr>
-            <p:cNvPr id="12" name="TextBox 11">
-              <a:extLst>
-                <a:ext uri="{FF2B5EF4-FFF2-40B4-BE49-F238E27FC236}">
-                  <a16:creationId xmlns:a16="http://schemas.microsoft.com/office/drawing/2014/main" id="{868042A0-8CEA-F83E-0FA4-90D04262F433}"/>
-                </a:ext>
-              </a:extLst>
-            </p:cNvPr>
-            <p:cNvSpPr txBox="1"/>
-            <p:nvPr/>
-          </p:nvSpPr>
-          <p:spPr>
-            <a:xfrm>
-              <a:off x="6707353" y="2680563"/>
-              <a:ext cx="712054" cy="369332"/>
-            </a:xfrm>
-            <a:prstGeom prst="rect">
-              <a:avLst/>
-            </a:prstGeom>
-            <a:noFill/>
-          </p:spPr>
-          <p:txBody>
-            <a:bodyPr wrap="none" rtlCol="0">
-              <a:spAutoFit/>
-            </a:bodyPr>
-            <a:lstStyle/>
-            <a:p>
-              <a:r>
-                <a:rPr lang="en-US" dirty="0"/>
-                <a:t>sq. ft.</a:t>
-              </a:r>
-            </a:p>
-          </p:txBody>
-        </p:sp>
-        <p:cxnSp>
-          <p:nvCxnSpPr>
-            <p:cNvPr id="15" name="Straight Arrow Connector 14">
-              <a:extLst>
-                <a:ext uri="{FF2B5EF4-FFF2-40B4-BE49-F238E27FC236}">
-                  <a16:creationId xmlns:a16="http://schemas.microsoft.com/office/drawing/2014/main" id="{8301CE48-067D-B0B5-39C5-E3C4EF0FABE5}"/>
-                </a:ext>
-              </a:extLst>
-            </p:cNvPr>
-            <p:cNvCxnSpPr>
-              <a:cxnSpLocks/>
-              <a:stCxn id="4" idx="2"/>
-              <a:endCxn id="16" idx="0"/>
-            </p:cNvCxnSpPr>
-            <p:nvPr/>
-          </p:nvCxnSpPr>
-          <p:spPr>
-            <a:xfrm>
-              <a:off x="2534968" y="2809623"/>
-              <a:ext cx="0" cy="410599"/>
-            </a:xfrm>
-            <a:prstGeom prst="straightConnector1">
-              <a:avLst/>
-            </a:prstGeom>
-            <a:ln>
-              <a:solidFill>
-                <a:schemeClr val="tx1"/>
-              </a:solidFill>
-              <a:tailEnd type="triangle"/>
-            </a:ln>
-          </p:spPr>
-          <p:style>
-            <a:lnRef idx="1">
-              <a:schemeClr val="accent1"/>
-            </a:lnRef>
-            <a:fillRef idx="0">
-              <a:schemeClr val="accent1"/>
-            </a:fillRef>
-            <a:effectRef idx="0">
-              <a:schemeClr val="accent1"/>
-            </a:effectRef>
-            <a:fontRef idx="minor">
-              <a:schemeClr val="tx1"/>
-            </a:fontRef>
-          </p:style>
-        </p:cxnSp>
-        <p:sp>
-          <p:nvSpPr>
-            <p:cNvPr id="16" name="TextBox 15">
-              <a:extLst>
-                <a:ext uri="{FF2B5EF4-FFF2-40B4-BE49-F238E27FC236}">
-                  <a16:creationId xmlns:a16="http://schemas.microsoft.com/office/drawing/2014/main" id="{518CEBFB-0437-732C-5519-360F2B8DAA71}"/>
-                </a:ext>
-              </a:extLst>
-            </p:cNvPr>
-            <p:cNvSpPr txBox="1"/>
-            <p:nvPr/>
-          </p:nvSpPr>
-          <p:spPr>
-            <a:xfrm>
-              <a:off x="2146785" y="3220222"/>
-              <a:ext cx="776366" cy="369332"/>
-            </a:xfrm>
-            <a:prstGeom prst="rect">
-              <a:avLst/>
-            </a:prstGeom>
-            <a:noFill/>
-          </p:spPr>
-          <p:txBody>
-            <a:bodyPr wrap="none" rtlCol="0">
-              <a:spAutoFit/>
-            </a:bodyPr>
-            <a:lstStyle/>
-            <a:p>
-              <a:r>
-                <a:rPr lang="en-US" dirty="0">
-                  <a:solidFill>
-                    <a:srgbClr val="FF0000"/>
-                  </a:solidFill>
-                </a:rPr>
-                <a:t>:_area</a:t>
-              </a:r>
-            </a:p>
-          </p:txBody>
-        </p:sp>
       </p:grpSp>
       <p:sp>
         <p:nvSpPr>
@@ -17415,6 +16686,877 @@
           </a:p>
         </p:txBody>
       </p:sp>
+      <p:sp>
+        <p:nvSpPr>
+          <p:cNvPr id="14" name="TextBox 13">
+            <a:extLst>
+              <a:ext uri="{FF2B5EF4-FFF2-40B4-BE49-F238E27FC236}">
+                <a16:creationId xmlns:a16="http://schemas.microsoft.com/office/drawing/2014/main" id="{56F9DAB1-8E8C-24A6-E4FB-B25A54E69337}"/>
+              </a:ext>
+            </a:extLst>
+          </p:cNvPr>
+          <p:cNvSpPr txBox="1"/>
+          <p:nvPr/>
+        </p:nvSpPr>
+        <p:spPr>
+          <a:xfrm>
+            <a:off x="1312163" y="6058162"/>
+            <a:ext cx="7888763" cy="369332"/>
+          </a:xfrm>
+          <a:prstGeom prst="rect">
+            <a:avLst/>
+          </a:prstGeom>
+          <a:solidFill>
+            <a:schemeClr val="accent6">
+              <a:lumMod val="20000"/>
+              <a:lumOff val="80000"/>
+            </a:schemeClr>
+          </a:solidFill>
+        </p:spPr>
+        <p:txBody>
+          <a:bodyPr wrap="none" rtlCol="0">
+            <a:spAutoFit/>
+          </a:bodyPr>
+          <a:lstStyle/>
+          <a:p>
+            <a:r>
+              <a:rPr lang="en-US" dirty="0"/>
+              <a:t>The next slide shows a generic pattern that encompasses all of these examples.</a:t>
+            </a:r>
+          </a:p>
+        </p:txBody>
+      </p:sp>
+      <p:grpSp>
+        <p:nvGrpSpPr>
+          <p:cNvPr id="27" name="Group 26">
+            <a:extLst>
+              <a:ext uri="{FF2B5EF4-FFF2-40B4-BE49-F238E27FC236}">
+                <a16:creationId xmlns:a16="http://schemas.microsoft.com/office/drawing/2014/main" id="{254DF00B-7042-2A9C-B2BE-98B3F559121B}"/>
+              </a:ext>
+            </a:extLst>
+          </p:cNvPr>
+          <p:cNvGrpSpPr/>
+          <p:nvPr/>
+        </p:nvGrpSpPr>
+        <p:grpSpPr>
+          <a:xfrm>
+            <a:off x="2088412" y="1255622"/>
+            <a:ext cx="9265243" cy="1075005"/>
+            <a:chOff x="2088412" y="1117896"/>
+            <a:chExt cx="9265243" cy="1075005"/>
+          </a:xfrm>
+        </p:grpSpPr>
+        <p:grpSp>
+          <p:nvGrpSpPr>
+            <p:cNvPr id="24" name="Group 23">
+              <a:extLst>
+                <a:ext uri="{FF2B5EF4-FFF2-40B4-BE49-F238E27FC236}">
+                  <a16:creationId xmlns:a16="http://schemas.microsoft.com/office/drawing/2014/main" id="{11D199DA-DC14-F6D0-B604-3E316F3E00F8}"/>
+                </a:ext>
+              </a:extLst>
+            </p:cNvPr>
+            <p:cNvGrpSpPr/>
+            <p:nvPr/>
+          </p:nvGrpSpPr>
+          <p:grpSpPr>
+            <a:xfrm>
+              <a:off x="2088412" y="1330669"/>
+              <a:ext cx="9265243" cy="862232"/>
+              <a:chOff x="2088557" y="2392897"/>
+              <a:chExt cx="9265243" cy="862232"/>
+            </a:xfrm>
+          </p:grpSpPr>
+          <p:grpSp>
+            <p:nvGrpSpPr>
+              <p:cNvPr id="21" name="Group 20">
+                <a:extLst>
+                  <a:ext uri="{FF2B5EF4-FFF2-40B4-BE49-F238E27FC236}">
+                    <a16:creationId xmlns:a16="http://schemas.microsoft.com/office/drawing/2014/main" id="{5055F220-BCCD-02BD-8780-49E1CE8CD133}"/>
+                  </a:ext>
+                </a:extLst>
+              </p:cNvPr>
+              <p:cNvGrpSpPr/>
+              <p:nvPr/>
+            </p:nvGrpSpPr>
+            <p:grpSpPr>
+              <a:xfrm>
+                <a:off x="2088557" y="2392897"/>
+                <a:ext cx="5330850" cy="862232"/>
+                <a:chOff x="2644066" y="1607694"/>
+                <a:chExt cx="5330850" cy="862232"/>
+              </a:xfrm>
+            </p:grpSpPr>
+            <p:sp>
+              <p:nvSpPr>
+                <p:cNvPr id="22" name="TextBox 21">
+                  <a:extLst>
+                    <a:ext uri="{FF2B5EF4-FFF2-40B4-BE49-F238E27FC236}">
+                      <a16:creationId xmlns:a16="http://schemas.microsoft.com/office/drawing/2014/main" id="{3BD262C1-F536-8F3D-5549-4DF60067D43A}"/>
+                    </a:ext>
+                  </a:extLst>
+                </p:cNvPr>
+                <p:cNvSpPr txBox="1"/>
+                <p:nvPr/>
+              </p:nvSpPr>
+              <p:spPr>
+                <a:xfrm>
+                  <a:off x="2644066" y="1860322"/>
+                  <a:ext cx="1373774" cy="369332"/>
+                </a:xfrm>
+                <a:prstGeom prst="rect">
+                  <a:avLst/>
+                </a:prstGeom>
+                <a:noFill/>
+              </p:spPr>
+              <p:txBody>
+                <a:bodyPr wrap="none" rtlCol="0">
+                  <a:spAutoFit/>
+                </a:bodyPr>
+                <a:lstStyle/>
+                <a:p>
+                  <a:r>
+                    <a:rPr lang="en-US" dirty="0"/>
+                    <a:t>:_</a:t>
+                  </a:r>
+                  <a:r>
+                    <a:rPr lang="en-US" dirty="0" err="1"/>
+                    <a:t>patio_</a:t>
+                  </a:r>
+                  <a:r>
+                    <a:rPr lang="en-US" dirty="0" err="1">
+                      <a:solidFill>
+                        <a:srgbClr val="FF0000"/>
+                      </a:solidFill>
+                    </a:rPr>
+                    <a:t>area</a:t>
+                  </a:r>
+                  <a:endParaRPr lang="en-US" dirty="0">
+                    <a:solidFill>
+                      <a:srgbClr val="FF0000"/>
+                    </a:solidFill>
+                  </a:endParaRPr>
+                </a:p>
+              </p:txBody>
+            </p:sp>
+            <p:cxnSp>
+              <p:nvCxnSpPr>
+                <p:cNvPr id="23" name="Straight Arrow Connector 22">
+                  <a:extLst>
+                    <a:ext uri="{FF2B5EF4-FFF2-40B4-BE49-F238E27FC236}">
+                      <a16:creationId xmlns:a16="http://schemas.microsoft.com/office/drawing/2014/main" id="{32DC01F5-15D1-A9D6-BDBE-7AD7F63D573B}"/>
+                    </a:ext>
+                  </a:extLst>
+                </p:cNvPr>
+                <p:cNvCxnSpPr>
+                  <a:stCxn id="22" idx="3"/>
+                  <a:endCxn id="59" idx="1"/>
+                </p:cNvCxnSpPr>
+                <p:nvPr/>
+              </p:nvCxnSpPr>
+              <p:spPr>
+                <a:xfrm>
+                  <a:off x="4017840" y="2044988"/>
+                  <a:ext cx="1426260" cy="0"/>
+                </a:xfrm>
+                <a:prstGeom prst="straightConnector1">
+                  <a:avLst/>
+                </a:prstGeom>
+                <a:ln>
+                  <a:solidFill>
+                    <a:schemeClr val="tx1"/>
+                  </a:solidFill>
+                  <a:tailEnd type="triangle"/>
+                </a:ln>
+              </p:spPr>
+              <p:style>
+                <a:lnRef idx="1">
+                  <a:schemeClr val="accent1"/>
+                </a:lnRef>
+                <a:fillRef idx="0">
+                  <a:schemeClr val="accent1"/>
+                </a:fillRef>
+                <a:effectRef idx="0">
+                  <a:schemeClr val="accent1"/>
+                </a:effectRef>
+                <a:fontRef idx="minor">
+                  <a:schemeClr val="tx1"/>
+                </a:fontRef>
+              </p:style>
+            </p:cxnSp>
+            <p:sp>
+              <p:nvSpPr>
+                <p:cNvPr id="59" name="TextBox 58">
+                  <a:extLst>
+                    <a:ext uri="{FF2B5EF4-FFF2-40B4-BE49-F238E27FC236}">
+                      <a16:creationId xmlns:a16="http://schemas.microsoft.com/office/drawing/2014/main" id="{F359F243-9BE9-0D33-837C-1A4E06D62681}"/>
+                    </a:ext>
+                  </a:extLst>
+                </p:cNvPr>
+                <p:cNvSpPr txBox="1"/>
+                <p:nvPr/>
+              </p:nvSpPr>
+              <p:spPr>
+                <a:xfrm>
+                  <a:off x="5444100" y="1860322"/>
+                  <a:ext cx="1377300" cy="369332"/>
+                </a:xfrm>
+                <a:prstGeom prst="rect">
+                  <a:avLst/>
+                </a:prstGeom>
+                <a:noFill/>
+              </p:spPr>
+              <p:txBody>
+                <a:bodyPr wrap="none" rtlCol="0">
+                  <a:spAutoFit/>
+                </a:bodyPr>
+                <a:lstStyle/>
+                <a:p>
+                  <a:r>
+                    <a:rPr lang="en-US" dirty="0"/>
+                    <a:t>:_magnitude</a:t>
+                  </a:r>
+                </a:p>
+              </p:txBody>
+            </p:sp>
+            <p:cxnSp>
+              <p:nvCxnSpPr>
+                <p:cNvPr id="60" name="Straight Arrow Connector 59">
+                  <a:extLst>
+                    <a:ext uri="{FF2B5EF4-FFF2-40B4-BE49-F238E27FC236}">
+                      <a16:creationId xmlns:a16="http://schemas.microsoft.com/office/drawing/2014/main" id="{AA83FE93-8E2F-E4B3-595F-B2F419C12BD0}"/>
+                    </a:ext>
+                  </a:extLst>
+                </p:cNvPr>
+                <p:cNvCxnSpPr>
+                  <a:cxnSpLocks/>
+                  <a:stCxn id="59" idx="3"/>
+                  <a:endCxn id="63" idx="1"/>
+                </p:cNvCxnSpPr>
+                <p:nvPr/>
+              </p:nvCxnSpPr>
+              <p:spPr>
+                <a:xfrm>
+                  <a:off x="6821400" y="2044988"/>
+                  <a:ext cx="441462" cy="240272"/>
+                </a:xfrm>
+                <a:prstGeom prst="straightConnector1">
+                  <a:avLst/>
+                </a:prstGeom>
+                <a:ln>
+                  <a:solidFill>
+                    <a:schemeClr val="tx1"/>
+                  </a:solidFill>
+                  <a:tailEnd type="triangle"/>
+                </a:ln>
+              </p:spPr>
+              <p:style>
+                <a:lnRef idx="1">
+                  <a:schemeClr val="accent1"/>
+                </a:lnRef>
+                <a:fillRef idx="0">
+                  <a:schemeClr val="accent1"/>
+                </a:fillRef>
+                <a:effectRef idx="0">
+                  <a:schemeClr val="accent1"/>
+                </a:effectRef>
+                <a:fontRef idx="minor">
+                  <a:schemeClr val="tx1"/>
+                </a:fontRef>
+              </p:style>
+            </p:cxnSp>
+            <p:cxnSp>
+              <p:nvCxnSpPr>
+                <p:cNvPr id="61" name="Straight Arrow Connector 60">
+                  <a:extLst>
+                    <a:ext uri="{FF2B5EF4-FFF2-40B4-BE49-F238E27FC236}">
+                      <a16:creationId xmlns:a16="http://schemas.microsoft.com/office/drawing/2014/main" id="{85CF2B25-AE2C-E91A-93FC-B3C6F7DFDD5F}"/>
+                    </a:ext>
+                  </a:extLst>
+                </p:cNvPr>
+                <p:cNvCxnSpPr>
+                  <a:cxnSpLocks/>
+                  <a:stCxn id="59" idx="3"/>
+                  <a:endCxn id="62" idx="1"/>
+                </p:cNvCxnSpPr>
+                <p:nvPr/>
+              </p:nvCxnSpPr>
+              <p:spPr>
+                <a:xfrm flipV="1">
+                  <a:off x="6821400" y="1792360"/>
+                  <a:ext cx="441462" cy="252628"/>
+                </a:xfrm>
+                <a:prstGeom prst="straightConnector1">
+                  <a:avLst/>
+                </a:prstGeom>
+                <a:ln>
+                  <a:solidFill>
+                    <a:schemeClr val="tx1"/>
+                  </a:solidFill>
+                  <a:tailEnd type="triangle"/>
+                </a:ln>
+              </p:spPr>
+              <p:style>
+                <a:lnRef idx="1">
+                  <a:schemeClr val="accent1"/>
+                </a:lnRef>
+                <a:fillRef idx="0">
+                  <a:schemeClr val="accent1"/>
+                </a:fillRef>
+                <a:effectRef idx="0">
+                  <a:schemeClr val="accent1"/>
+                </a:effectRef>
+                <a:fontRef idx="minor">
+                  <a:schemeClr val="tx1"/>
+                </a:fontRef>
+              </p:style>
+            </p:cxnSp>
+            <p:sp>
+              <p:nvSpPr>
+                <p:cNvPr id="62" name="TextBox 61">
+                  <a:extLst>
+                    <a:ext uri="{FF2B5EF4-FFF2-40B4-BE49-F238E27FC236}">
+                      <a16:creationId xmlns:a16="http://schemas.microsoft.com/office/drawing/2014/main" id="{84D17600-4DC6-6C0D-DF09-F9C0443E3F9D}"/>
+                    </a:ext>
+                  </a:extLst>
+                </p:cNvPr>
+                <p:cNvSpPr txBox="1"/>
+                <p:nvPr/>
+              </p:nvSpPr>
+              <p:spPr>
+                <a:xfrm>
+                  <a:off x="7262862" y="1607694"/>
+                  <a:ext cx="535724" cy="369332"/>
+                </a:xfrm>
+                <a:prstGeom prst="rect">
+                  <a:avLst/>
+                </a:prstGeom>
+                <a:noFill/>
+              </p:spPr>
+              <p:txBody>
+                <a:bodyPr wrap="none" rtlCol="0">
+                  <a:spAutoFit/>
+                </a:bodyPr>
+                <a:lstStyle/>
+                <a:p>
+                  <a:r>
+                    <a:rPr lang="en-US" dirty="0"/>
+                    <a:t>144</a:t>
+                  </a:r>
+                </a:p>
+              </p:txBody>
+            </p:sp>
+            <p:sp>
+              <p:nvSpPr>
+                <p:cNvPr id="63" name="TextBox 62">
+                  <a:extLst>
+                    <a:ext uri="{FF2B5EF4-FFF2-40B4-BE49-F238E27FC236}">
+                      <a16:creationId xmlns:a16="http://schemas.microsoft.com/office/drawing/2014/main" id="{63E5CB33-34CE-5FF4-32AF-B0E4EEFB98B5}"/>
+                    </a:ext>
+                  </a:extLst>
+                </p:cNvPr>
+                <p:cNvSpPr txBox="1"/>
+                <p:nvPr/>
+              </p:nvSpPr>
+              <p:spPr>
+                <a:xfrm>
+                  <a:off x="7262862" y="2100594"/>
+                  <a:ext cx="712054" cy="369332"/>
+                </a:xfrm>
+                <a:prstGeom prst="rect">
+                  <a:avLst/>
+                </a:prstGeom>
+                <a:noFill/>
+              </p:spPr>
+              <p:txBody>
+                <a:bodyPr wrap="none" rtlCol="0">
+                  <a:spAutoFit/>
+                </a:bodyPr>
+                <a:lstStyle/>
+                <a:p>
+                  <a:r>
+                    <a:rPr lang="en-US" dirty="0"/>
+                    <a:t>sq. ft.</a:t>
+                  </a:r>
+                </a:p>
+              </p:txBody>
+            </p:sp>
+          </p:grpSp>
+          <p:sp>
+            <p:nvSpPr>
+              <p:cNvPr id="2" name="TextBox 1">
+                <a:extLst>
+                  <a:ext uri="{FF2B5EF4-FFF2-40B4-BE49-F238E27FC236}">
+                    <a16:creationId xmlns:a16="http://schemas.microsoft.com/office/drawing/2014/main" id="{3EFD12FA-58D3-4174-7ABC-A768746979F6}"/>
+                  </a:ext>
+                </a:extLst>
+              </p:cNvPr>
+              <p:cNvSpPr txBox="1"/>
+              <p:nvPr/>
+            </p:nvSpPr>
+            <p:spPr>
+              <a:xfrm>
+                <a:off x="7600159" y="2505690"/>
+                <a:ext cx="3753641" cy="646331"/>
+              </a:xfrm>
+              <a:prstGeom prst="rect">
+                <a:avLst/>
+              </a:prstGeom>
+              <a:noFill/>
+            </p:spPr>
+            <p:txBody>
+              <a:bodyPr wrap="square" rtlCol="0">
+                <a:spAutoFit/>
+              </a:bodyPr>
+              <a:lstStyle/>
+              <a:p>
+                <a:r>
+                  <a:rPr lang="en-US" dirty="0"/>
+                  <a:t>(the string “area” might also be found in the IRI of the Magnitude)</a:t>
+                </a:r>
+              </a:p>
+            </p:txBody>
+          </p:sp>
+        </p:grpSp>
+        <p:sp>
+          <p:nvSpPr>
+            <p:cNvPr id="17" name="TextBox 16">
+              <a:extLst>
+                <a:ext uri="{FF2B5EF4-FFF2-40B4-BE49-F238E27FC236}">
+                  <a16:creationId xmlns:a16="http://schemas.microsoft.com/office/drawing/2014/main" id="{993BBFA8-2AF4-FB5B-CC66-7B79C88FF776}"/>
+                </a:ext>
+              </a:extLst>
+            </p:cNvPr>
+            <p:cNvSpPr txBox="1"/>
+            <p:nvPr/>
+          </p:nvSpPr>
+          <p:spPr>
+            <a:xfrm>
+              <a:off x="2088412" y="1117896"/>
+              <a:ext cx="3063037" cy="369332"/>
+            </a:xfrm>
+            <a:prstGeom prst="rect">
+              <a:avLst/>
+            </a:prstGeom>
+            <a:solidFill>
+              <a:schemeClr val="accent6">
+                <a:lumMod val="20000"/>
+                <a:lumOff val="80000"/>
+              </a:schemeClr>
+            </a:solidFill>
+          </p:spPr>
+          <p:txBody>
+            <a:bodyPr wrap="square" rtlCol="0">
+              <a:spAutoFit/>
+            </a:bodyPr>
+            <a:lstStyle/>
+            <a:p>
+              <a:r>
+                <a:rPr lang="en-US" dirty="0"/>
+                <a:t>Aspect represented in an IRI.</a:t>
+              </a:r>
+            </a:p>
+          </p:txBody>
+        </p:sp>
+      </p:grpSp>
+      <p:grpSp>
+        <p:nvGrpSpPr>
+          <p:cNvPr id="29" name="Group 28">
+            <a:extLst>
+              <a:ext uri="{FF2B5EF4-FFF2-40B4-BE49-F238E27FC236}">
+                <a16:creationId xmlns:a16="http://schemas.microsoft.com/office/drawing/2014/main" id="{5BF01C4E-756C-07F4-98A0-0562A4A568EC}"/>
+              </a:ext>
+            </a:extLst>
+          </p:cNvPr>
+          <p:cNvGrpSpPr/>
+          <p:nvPr/>
+        </p:nvGrpSpPr>
+        <p:grpSpPr>
+          <a:xfrm>
+            <a:off x="2088412" y="4584164"/>
+            <a:ext cx="8251647" cy="1088668"/>
+            <a:chOff x="2088412" y="4584164"/>
+            <a:chExt cx="8251647" cy="1088668"/>
+          </a:xfrm>
+        </p:grpSpPr>
+        <p:grpSp>
+          <p:nvGrpSpPr>
+            <p:cNvPr id="20" name="Group 19">
+              <a:extLst>
+                <a:ext uri="{FF2B5EF4-FFF2-40B4-BE49-F238E27FC236}">
+                  <a16:creationId xmlns:a16="http://schemas.microsoft.com/office/drawing/2014/main" id="{C468E473-52E5-4BA4-72F3-0E1D47B36FAA}"/>
+                </a:ext>
+              </a:extLst>
+            </p:cNvPr>
+            <p:cNvGrpSpPr/>
+            <p:nvPr/>
+          </p:nvGrpSpPr>
+          <p:grpSpPr>
+            <a:xfrm>
+              <a:off x="2088412" y="4810600"/>
+              <a:ext cx="8251647" cy="862232"/>
+              <a:chOff x="2088557" y="1246309"/>
+              <a:chExt cx="8251647" cy="862232"/>
+            </a:xfrm>
+          </p:grpSpPr>
+          <p:sp>
+            <p:nvSpPr>
+              <p:cNvPr id="38" name="TextBox 37">
+                <a:extLst>
+                  <a:ext uri="{FF2B5EF4-FFF2-40B4-BE49-F238E27FC236}">
+                    <a16:creationId xmlns:a16="http://schemas.microsoft.com/office/drawing/2014/main" id="{307A3647-F6CA-3013-ABB1-E16D6D6430CF}"/>
+                  </a:ext>
+                </a:extLst>
+              </p:cNvPr>
+              <p:cNvSpPr txBox="1"/>
+              <p:nvPr/>
+            </p:nvSpPr>
+            <p:spPr>
+              <a:xfrm>
+                <a:off x="2088557" y="1498937"/>
+                <a:ext cx="844590" cy="369332"/>
+              </a:xfrm>
+              <a:prstGeom prst="rect">
+                <a:avLst/>
+              </a:prstGeom>
+              <a:noFill/>
+            </p:spPr>
+            <p:txBody>
+              <a:bodyPr wrap="none" rtlCol="0">
+                <a:spAutoFit/>
+              </a:bodyPr>
+              <a:lstStyle/>
+              <a:p>
+                <a:r>
+                  <a:rPr lang="en-US" dirty="0"/>
+                  <a:t>:_patio</a:t>
+                </a:r>
+                <a:endParaRPr lang="en-US" dirty="0">
+                  <a:solidFill>
+                    <a:srgbClr val="FF0000"/>
+                  </a:solidFill>
+                </a:endParaRPr>
+              </a:p>
+            </p:txBody>
+          </p:sp>
+          <p:cxnSp>
+            <p:nvCxnSpPr>
+              <p:cNvPr id="40" name="Straight Arrow Connector 39">
+                <a:extLst>
+                  <a:ext uri="{FF2B5EF4-FFF2-40B4-BE49-F238E27FC236}">
+                    <a16:creationId xmlns:a16="http://schemas.microsoft.com/office/drawing/2014/main" id="{32259B8C-1BCE-702B-11F6-293E476E0ECE}"/>
+                  </a:ext>
+                </a:extLst>
+              </p:cNvPr>
+              <p:cNvCxnSpPr>
+                <a:stCxn id="38" idx="3"/>
+                <a:endCxn id="39" idx="1"/>
+              </p:cNvCxnSpPr>
+              <p:nvPr/>
+            </p:nvCxnSpPr>
+            <p:spPr>
+              <a:xfrm>
+                <a:off x="2933147" y="1683603"/>
+                <a:ext cx="1955444" cy="0"/>
+              </a:xfrm>
+              <a:prstGeom prst="straightConnector1">
+                <a:avLst/>
+              </a:prstGeom>
+              <a:ln>
+                <a:solidFill>
+                  <a:schemeClr val="tx1"/>
+                </a:solidFill>
+                <a:tailEnd type="triangle"/>
+              </a:ln>
+            </p:spPr>
+            <p:style>
+              <a:lnRef idx="1">
+                <a:schemeClr val="accent1"/>
+              </a:lnRef>
+              <a:fillRef idx="0">
+                <a:schemeClr val="accent1"/>
+              </a:fillRef>
+              <a:effectRef idx="0">
+                <a:schemeClr val="accent1"/>
+              </a:effectRef>
+              <a:fontRef idx="minor">
+                <a:schemeClr val="tx1"/>
+              </a:fontRef>
+            </p:style>
+          </p:cxnSp>
+          <p:sp>
+            <p:nvSpPr>
+              <p:cNvPr id="39" name="TextBox 38">
+                <a:extLst>
+                  <a:ext uri="{FF2B5EF4-FFF2-40B4-BE49-F238E27FC236}">
+                    <a16:creationId xmlns:a16="http://schemas.microsoft.com/office/drawing/2014/main" id="{EB876AF3-6AD6-A7B1-1E6C-31E7CCC991F7}"/>
+                  </a:ext>
+                </a:extLst>
+              </p:cNvPr>
+              <p:cNvSpPr txBox="1"/>
+              <p:nvPr/>
+            </p:nvSpPr>
+            <p:spPr>
+              <a:xfrm>
+                <a:off x="4888591" y="1498937"/>
+                <a:ext cx="1377300" cy="369332"/>
+              </a:xfrm>
+              <a:prstGeom prst="rect">
+                <a:avLst/>
+              </a:prstGeom>
+              <a:noFill/>
+            </p:spPr>
+            <p:txBody>
+              <a:bodyPr wrap="none" rtlCol="0">
+                <a:spAutoFit/>
+              </a:bodyPr>
+              <a:lstStyle/>
+              <a:p>
+                <a:r>
+                  <a:rPr lang="en-US" dirty="0"/>
+                  <a:t>:_magnitude</a:t>
+                </a:r>
+              </a:p>
+            </p:txBody>
+          </p:sp>
+          <p:cxnSp>
+            <p:nvCxnSpPr>
+              <p:cNvPr id="41" name="Straight Arrow Connector 40">
+                <a:extLst>
+                  <a:ext uri="{FF2B5EF4-FFF2-40B4-BE49-F238E27FC236}">
+                    <a16:creationId xmlns:a16="http://schemas.microsoft.com/office/drawing/2014/main" id="{F16055DF-6F22-31C2-EAB3-459490C03DFD}"/>
+                  </a:ext>
+                </a:extLst>
+              </p:cNvPr>
+              <p:cNvCxnSpPr>
+                <a:cxnSpLocks/>
+                <a:stCxn id="39" idx="3"/>
+                <a:endCxn id="44" idx="1"/>
+              </p:cNvCxnSpPr>
+              <p:nvPr/>
+            </p:nvCxnSpPr>
+            <p:spPr>
+              <a:xfrm>
+                <a:off x="6265891" y="1683603"/>
+                <a:ext cx="441462" cy="240272"/>
+              </a:xfrm>
+              <a:prstGeom prst="straightConnector1">
+                <a:avLst/>
+              </a:prstGeom>
+              <a:ln>
+                <a:solidFill>
+                  <a:schemeClr val="tx1"/>
+                </a:solidFill>
+                <a:tailEnd type="triangle"/>
+              </a:ln>
+            </p:spPr>
+            <p:style>
+              <a:lnRef idx="1">
+                <a:schemeClr val="accent1"/>
+              </a:lnRef>
+              <a:fillRef idx="0">
+                <a:schemeClr val="accent1"/>
+              </a:fillRef>
+              <a:effectRef idx="0">
+                <a:schemeClr val="accent1"/>
+              </a:effectRef>
+              <a:fontRef idx="minor">
+                <a:schemeClr val="tx1"/>
+              </a:fontRef>
+            </p:style>
+          </p:cxnSp>
+          <p:cxnSp>
+            <p:nvCxnSpPr>
+              <p:cNvPr id="42" name="Straight Arrow Connector 41">
+                <a:extLst>
+                  <a:ext uri="{FF2B5EF4-FFF2-40B4-BE49-F238E27FC236}">
+                    <a16:creationId xmlns:a16="http://schemas.microsoft.com/office/drawing/2014/main" id="{3C493E2A-607D-B4BD-200E-7A383C619B92}"/>
+                  </a:ext>
+                </a:extLst>
+              </p:cNvPr>
+              <p:cNvCxnSpPr>
+                <a:cxnSpLocks/>
+                <a:stCxn id="39" idx="3"/>
+                <a:endCxn id="43" idx="1"/>
+              </p:cNvCxnSpPr>
+              <p:nvPr/>
+            </p:nvCxnSpPr>
+            <p:spPr>
+              <a:xfrm flipV="1">
+                <a:off x="6265891" y="1430975"/>
+                <a:ext cx="441462" cy="252628"/>
+              </a:xfrm>
+              <a:prstGeom prst="straightConnector1">
+                <a:avLst/>
+              </a:prstGeom>
+              <a:ln>
+                <a:solidFill>
+                  <a:schemeClr val="tx1"/>
+                </a:solidFill>
+                <a:tailEnd type="triangle"/>
+              </a:ln>
+            </p:spPr>
+            <p:style>
+              <a:lnRef idx="1">
+                <a:schemeClr val="accent1"/>
+              </a:lnRef>
+              <a:fillRef idx="0">
+                <a:schemeClr val="accent1"/>
+              </a:fillRef>
+              <a:effectRef idx="0">
+                <a:schemeClr val="accent1"/>
+              </a:effectRef>
+              <a:fontRef idx="minor">
+                <a:schemeClr val="tx1"/>
+              </a:fontRef>
+            </p:style>
+          </p:cxnSp>
+          <p:sp>
+            <p:nvSpPr>
+              <p:cNvPr id="43" name="TextBox 42">
+                <a:extLst>
+                  <a:ext uri="{FF2B5EF4-FFF2-40B4-BE49-F238E27FC236}">
+                    <a16:creationId xmlns:a16="http://schemas.microsoft.com/office/drawing/2014/main" id="{62259441-CC97-15F1-E700-76C00838CEA3}"/>
+                  </a:ext>
+                </a:extLst>
+              </p:cNvPr>
+              <p:cNvSpPr txBox="1"/>
+              <p:nvPr/>
+            </p:nvSpPr>
+            <p:spPr>
+              <a:xfrm>
+                <a:off x="6707353" y="1246309"/>
+                <a:ext cx="535724" cy="369332"/>
+              </a:xfrm>
+              <a:prstGeom prst="rect">
+                <a:avLst/>
+              </a:prstGeom>
+              <a:noFill/>
+            </p:spPr>
+            <p:txBody>
+              <a:bodyPr wrap="none" rtlCol="0">
+                <a:spAutoFit/>
+              </a:bodyPr>
+              <a:lstStyle/>
+              <a:p>
+                <a:r>
+                  <a:rPr lang="en-US" dirty="0"/>
+                  <a:t>144</a:t>
+                </a:r>
+              </a:p>
+            </p:txBody>
+          </p:sp>
+          <p:sp>
+            <p:nvSpPr>
+              <p:cNvPr id="44" name="TextBox 43">
+                <a:extLst>
+                  <a:ext uri="{FF2B5EF4-FFF2-40B4-BE49-F238E27FC236}">
+                    <a16:creationId xmlns:a16="http://schemas.microsoft.com/office/drawing/2014/main" id="{0BE6F614-7E0E-5CA6-F0AF-69F31D292F49}"/>
+                  </a:ext>
+                </a:extLst>
+              </p:cNvPr>
+              <p:cNvSpPr txBox="1"/>
+              <p:nvPr/>
+            </p:nvSpPr>
+            <p:spPr>
+              <a:xfrm>
+                <a:off x="6707353" y="1739209"/>
+                <a:ext cx="712054" cy="369332"/>
+              </a:xfrm>
+              <a:prstGeom prst="rect">
+                <a:avLst/>
+              </a:prstGeom>
+              <a:noFill/>
+            </p:spPr>
+            <p:txBody>
+              <a:bodyPr wrap="none" rtlCol="0">
+                <a:spAutoFit/>
+              </a:bodyPr>
+              <a:lstStyle/>
+              <a:p>
+                <a:r>
+                  <a:rPr lang="en-US" dirty="0"/>
+                  <a:t>sq. ft.</a:t>
+                </a:r>
+              </a:p>
+            </p:txBody>
+          </p:sp>
+          <p:sp>
+            <p:nvSpPr>
+              <p:cNvPr id="65" name="TextBox 64">
+                <a:extLst>
+                  <a:ext uri="{FF2B5EF4-FFF2-40B4-BE49-F238E27FC236}">
+                    <a16:creationId xmlns:a16="http://schemas.microsoft.com/office/drawing/2014/main" id="{4FC65430-9002-9F1E-2997-FB2A8BAE81FF}"/>
+                  </a:ext>
+                </a:extLst>
+              </p:cNvPr>
+              <p:cNvSpPr txBox="1"/>
+              <p:nvPr/>
+            </p:nvSpPr>
+            <p:spPr>
+              <a:xfrm>
+                <a:off x="7600159" y="1495395"/>
+                <a:ext cx="2740045" cy="369332"/>
+              </a:xfrm>
+              <a:prstGeom prst="rect">
+                <a:avLst/>
+              </a:prstGeom>
+              <a:noFill/>
+            </p:spPr>
+            <p:txBody>
+              <a:bodyPr wrap="none" rtlCol="0">
+                <a:spAutoFit/>
+              </a:bodyPr>
+              <a:lstStyle/>
+              <a:p>
+                <a:r>
+                  <a:rPr lang="en-US" dirty="0"/>
+                  <a:t>(area is an implied Aspect)</a:t>
+                </a:r>
+              </a:p>
+            </p:txBody>
+          </p:sp>
+        </p:grpSp>
+        <p:sp>
+          <p:nvSpPr>
+            <p:cNvPr id="25" name="TextBox 24">
+              <a:extLst>
+                <a:ext uri="{FF2B5EF4-FFF2-40B4-BE49-F238E27FC236}">
+                  <a16:creationId xmlns:a16="http://schemas.microsoft.com/office/drawing/2014/main" id="{4C4DB996-4A3C-6EA7-8634-11D56724B3E8}"/>
+                </a:ext>
+              </a:extLst>
+            </p:cNvPr>
+            <p:cNvSpPr txBox="1"/>
+            <p:nvPr/>
+          </p:nvSpPr>
+          <p:spPr>
+            <a:xfrm>
+              <a:off x="2088412" y="4584164"/>
+              <a:ext cx="4478627" cy="369332"/>
+            </a:xfrm>
+            <a:prstGeom prst="rect">
+              <a:avLst/>
+            </a:prstGeom>
+            <a:solidFill>
+              <a:schemeClr val="accent6">
+                <a:lumMod val="20000"/>
+                <a:lumOff val="80000"/>
+              </a:schemeClr>
+            </a:solidFill>
+          </p:spPr>
+          <p:txBody>
+            <a:bodyPr wrap="square" rtlCol="0">
+              <a:spAutoFit/>
+            </a:bodyPr>
+            <a:lstStyle/>
+            <a:p>
+              <a:r>
+                <a:rPr lang="en-US" dirty="0"/>
+                <a:t>Aspect not explicitly represented.</a:t>
+              </a:r>
+            </a:p>
+          </p:txBody>
+        </p:sp>
+      </p:grpSp>
     </p:spTree>
     <p:extLst>
       <p:ext uri="{BB962C8B-B14F-4D97-AF65-F5344CB8AC3E}">
@@ -17460,7 +17602,7 @@
         <p:spPr>
           <a:xfrm>
             <a:off x="621792" y="430506"/>
-            <a:ext cx="3899657" cy="523220"/>
+            <a:ext cx="6113084" cy="523220"/>
           </a:xfrm>
           <a:prstGeom prst="rect">
             <a:avLst/>
@@ -17475,7 +17617,7 @@
           <a:p>
             <a:r>
               <a:rPr lang="en-US" sz="2800" dirty="0"/>
-              <a:t>Variables used in queries:</a:t>
+              <a:t>Variables used in queries to find aspects:</a:t>
             </a:r>
           </a:p>
         </p:txBody>
@@ -18051,7 +18193,7 @@
         </p:nvSpPr>
         <p:spPr>
           <a:xfrm>
-            <a:off x="3467552" y="5069435"/>
+            <a:off x="3542544" y="4376646"/>
             <a:ext cx="1418273" cy="338554"/>
           </a:xfrm>
           <a:prstGeom prst="rect">
@@ -18087,7 +18229,7 @@
         </p:nvSpPr>
         <p:spPr>
           <a:xfrm>
-            <a:off x="2458079" y="5227954"/>
+            <a:off x="2533071" y="4535165"/>
             <a:ext cx="904415" cy="369332"/>
           </a:xfrm>
           <a:prstGeom prst="rect">
@@ -18123,7 +18265,7 @@
         </p:nvSpPr>
         <p:spPr>
           <a:xfrm>
-            <a:off x="5139311" y="5227954"/>
+            <a:off x="5214303" y="4535165"/>
             <a:ext cx="2204450" cy="369332"/>
           </a:xfrm>
           <a:prstGeom prst="rect">
@@ -18163,7 +18305,7 @@
         </p:nvCxnSpPr>
         <p:spPr>
           <a:xfrm>
-            <a:off x="3362494" y="5412620"/>
+            <a:off x="3437486" y="4719831"/>
             <a:ext cx="1776817" cy="0"/>
           </a:xfrm>
           <a:prstGeom prst="straightConnector1">
@@ -18240,6 +18382,46 @@
             <a:r>
               <a:rPr lang="en-US" dirty="0"/>
               <a:t>Identify existing units and aspects</a:t>
+            </a:r>
+          </a:p>
+        </p:txBody>
+      </p:sp>
+      <p:sp>
+        <p:nvSpPr>
+          <p:cNvPr id="3" name="TextBox 2">
+            <a:extLst>
+              <a:ext uri="{FF2B5EF4-FFF2-40B4-BE49-F238E27FC236}">
+                <a16:creationId xmlns:a16="http://schemas.microsoft.com/office/drawing/2014/main" id="{034B2CF1-836D-B8AB-60C6-2DE027BE6882}"/>
+              </a:ext>
+            </a:extLst>
+          </p:cNvPr>
+          <p:cNvSpPr txBox="1"/>
+          <p:nvPr/>
+        </p:nvSpPr>
+        <p:spPr>
+          <a:xfrm>
+            <a:off x="1315364" y="5601568"/>
+            <a:ext cx="9770880" cy="369332"/>
+          </a:xfrm>
+          <a:prstGeom prst="rect">
+            <a:avLst/>
+          </a:prstGeom>
+          <a:solidFill>
+            <a:schemeClr val="accent6">
+              <a:lumMod val="20000"/>
+              <a:lumOff val="80000"/>
+            </a:schemeClr>
+          </a:solidFill>
+        </p:spPr>
+        <p:txBody>
+          <a:bodyPr wrap="none" rtlCol="0">
+            <a:spAutoFit/>
+          </a:bodyPr>
+          <a:lstStyle/>
+          <a:p>
+            <a:r>
+              <a:rPr lang="en-US" dirty="0"/>
+              <a:t>The next slide shows there are 5 queries to help find aspects in 5 different parts of this overall pattern.</a:t>
             </a:r>
           </a:p>
         </p:txBody>

--- a/migration/v13.0/uomDataConversion.pptx
+++ b/migration/v13.0/uomDataConversion.pptx
@@ -220,7 +220,7 @@
           <a:p>
             <a:fld id="{C1A201FB-52D0-024E-8BE4-45BE9A2AD3D5}" type="datetimeFigureOut">
               <a:rPr lang="en-US" smtClean="0"/>
-              <a:t>6/18/24</a:t>
+              <a:t>6/19/24</a:t>
             </a:fld>
             <a:endParaRPr lang="en-US"/>
           </a:p>
@@ -634,7 +634,7 @@
           <a:p>
             <a:fld id="{E25ED99D-99D4-D748-92F6-927E57E8D692}" type="datetime1">
               <a:rPr lang="en-US" smtClean="0"/>
-              <a:t>6/18/24</a:t>
+              <a:t>6/19/24</a:t>
             </a:fld>
             <a:endParaRPr lang="en-US"/>
           </a:p>
@@ -832,7 +832,7 @@
           <a:p>
             <a:fld id="{1704F7E9-2852-AB4C-995F-D7D0DE02FB16}" type="datetime1">
               <a:rPr lang="en-US" smtClean="0"/>
-              <a:t>6/18/24</a:t>
+              <a:t>6/19/24</a:t>
             </a:fld>
             <a:endParaRPr lang="en-US"/>
           </a:p>
@@ -1040,7 +1040,7 @@
           <a:p>
             <a:fld id="{0BAEB659-747D-8043-BA2B-9F85B08A4B1D}" type="datetime1">
               <a:rPr lang="en-US" smtClean="0"/>
-              <a:t>6/18/24</a:t>
+              <a:t>6/19/24</a:t>
             </a:fld>
             <a:endParaRPr lang="en-US"/>
           </a:p>
@@ -1238,7 +1238,7 @@
           <a:p>
             <a:fld id="{EF4F5B6B-B7B9-E94D-9D54-3C11CF650FC4}" type="datetime1">
               <a:rPr lang="en-US" smtClean="0"/>
-              <a:t>6/18/24</a:t>
+              <a:t>6/19/24</a:t>
             </a:fld>
             <a:endParaRPr lang="en-US"/>
           </a:p>
@@ -1513,7 +1513,7 @@
           <a:p>
             <a:fld id="{FF0FB32D-7207-5148-884F-CB1DFE764950}" type="datetime1">
               <a:rPr lang="en-US" smtClean="0"/>
-              <a:t>6/18/24</a:t>
+              <a:t>6/19/24</a:t>
             </a:fld>
             <a:endParaRPr lang="en-US"/>
           </a:p>
@@ -1778,7 +1778,7 @@
           <a:p>
             <a:fld id="{E8843282-B054-0F4C-8D6E-AA0AF4DF916B}" type="datetime1">
               <a:rPr lang="en-US" smtClean="0"/>
-              <a:t>6/18/24</a:t>
+              <a:t>6/19/24</a:t>
             </a:fld>
             <a:endParaRPr lang="en-US"/>
           </a:p>
@@ -2190,7 +2190,7 @@
           <a:p>
             <a:fld id="{494A79EE-B487-9547-8048-D585D76BE425}" type="datetime1">
               <a:rPr lang="en-US" smtClean="0"/>
-              <a:t>6/18/24</a:t>
+              <a:t>6/19/24</a:t>
             </a:fld>
             <a:endParaRPr lang="en-US"/>
           </a:p>
@@ -2331,7 +2331,7 @@
           <a:p>
             <a:fld id="{029DBEF3-7560-3543-8E4C-72F1437A00D9}" type="datetime1">
               <a:rPr lang="en-US" smtClean="0"/>
-              <a:t>6/18/24</a:t>
+              <a:t>6/19/24</a:t>
             </a:fld>
             <a:endParaRPr lang="en-US"/>
           </a:p>
@@ -2444,7 +2444,7 @@
           <a:p>
             <a:fld id="{F8D3AAA1-BC04-8A4D-9F2D-8543AEAD588A}" type="datetime1">
               <a:rPr lang="en-US" smtClean="0"/>
-              <a:t>6/18/24</a:t>
+              <a:t>6/19/24</a:t>
             </a:fld>
             <a:endParaRPr lang="en-US"/>
           </a:p>
@@ -2755,7 +2755,7 @@
           <a:p>
             <a:fld id="{7BD9324C-937D-3B44-9A79-1B4FD0156DCB}" type="datetime1">
               <a:rPr lang="en-US" smtClean="0"/>
-              <a:t>6/18/24</a:t>
+              <a:t>6/19/24</a:t>
             </a:fld>
             <a:endParaRPr lang="en-US"/>
           </a:p>
@@ -3043,7 +3043,7 @@
           <a:p>
             <a:fld id="{7337DC6C-0BB0-E141-BAE8-EC9DD4AF6042}" type="datetime1">
               <a:rPr lang="en-US" smtClean="0"/>
-              <a:t>6/18/24</a:t>
+              <a:t>6/19/24</a:t>
             </a:fld>
             <a:endParaRPr lang="en-US"/>
           </a:p>
@@ -3284,7 +3284,7 @@
           <a:p>
             <a:fld id="{F83122BE-0A57-464E-9A56-AB34174B0EAE}" type="datetime1">
               <a:rPr lang="en-US" smtClean="0"/>
-              <a:t>6/18/24</a:t>
+              <a:t>6/19/24</a:t>
             </a:fld>
             <a:endParaRPr lang="en-US"/>
           </a:p>
@@ -11853,7 +11853,7 @@
         <p:spPr>
           <a:xfrm>
             <a:off x="621792" y="430506"/>
-            <a:ext cx="3054939" cy="523220"/>
+            <a:ext cx="6921125" cy="954107"/>
           </a:xfrm>
           <a:prstGeom prst="rect">
             <a:avLst/>
@@ -11868,7 +11868,13 @@
           <a:p>
             <a:r>
               <a:rPr lang="en-US" sz="2800" dirty="0"/>
-              <a:t>First add two things</a:t>
+              <a:t>Replace properties,</a:t>
+            </a:r>
+          </a:p>
+          <a:p>
+            <a:r>
+              <a:rPr lang="en-US" sz="2800" dirty="0"/>
+              <a:t>replace references to subclasses of Magnitude</a:t>
             </a:r>
           </a:p>
         </p:txBody>
@@ -11887,8 +11893,8 @@
         </p:nvSpPr>
         <p:spPr>
           <a:xfrm>
-            <a:off x="1008045" y="1972285"/>
-            <a:ext cx="10345756" cy="1754326"/>
+            <a:off x="1008044" y="1972285"/>
+            <a:ext cx="10739455" cy="1200329"/>
           </a:xfrm>
           <a:prstGeom prst="rect">
             <a:avLst/>
@@ -11907,20 +11913,21 @@
             </a:r>
             <a:r>
               <a:rPr lang="en-US" sz="1800" dirty="0" err="1"/>
-              <a:t>useHasMagnitude.rq</a:t>
-            </a:r>
-            <a:r>
-              <a:rPr lang="en-US" sz="1800" dirty="0"/>
-              <a:t> to add </a:t>
-            </a:r>
-            <a:r>
-              <a:rPr lang="en-US" sz="1800" dirty="0" err="1"/>
-              <a:t>gist:hasMagnitude</a:t>
-            </a:r>
-            <a:r>
-              <a:rPr lang="en-US" sz="1800" dirty="0"/>
-              <a:t> wherever it is missing to relate a thing to a magnitude.</a:t>
-            </a:r>
+              <a:t>replaceProperties</a:t>
+            </a:r>
+            <a:r>
+              <a:rPr lang="en-US" dirty="0"/>
+              <a:t>-[client].</a:t>
+            </a:r>
+            <a:r>
+              <a:rPr lang="en-US" dirty="0" err="1"/>
+              <a:t>rq</a:t>
+            </a:r>
+            <a:r>
+              <a:rPr lang="en-US" dirty="0"/>
+              <a:t> to replace old properties.  Modify client artifacts.</a:t>
+            </a:r>
+            <a:endParaRPr lang="en-US" sz="1800" dirty="0"/>
           </a:p>
           <a:p>
             <a:endParaRPr lang="en-US" dirty="0"/>
@@ -11936,32 +11943,7 @@
             </a:r>
             <a:r>
               <a:rPr lang="en-US" sz="1800" dirty="0"/>
-              <a:t>  to put every magnitude in the Magnitude class (if not already in it).</a:t>
-            </a:r>
-          </a:p>
-          <a:p>
-            <a:endParaRPr lang="en-US" dirty="0"/>
-          </a:p>
-          <a:p>
-            <a:r>
-              <a:rPr lang="en-US" dirty="0"/>
-              <a:t>Modify client artifacts so things are explicitly related to magnitudes using </a:t>
-            </a:r>
-            <a:r>
-              <a:rPr lang="en-US" dirty="0" err="1"/>
-              <a:t>hasMagnitude</a:t>
-            </a:r>
-            <a:r>
-              <a:rPr lang="en-US" dirty="0"/>
-              <a:t>, and every magnitude is in the Magnitude class (or </a:t>
-            </a:r>
-            <a:r>
-              <a:rPr lang="en-US" dirty="0" err="1"/>
-              <a:t>RequiredMagnitude</a:t>
-            </a:r>
-            <a:r>
-              <a:rPr lang="en-US" dirty="0"/>
-              <a:t>).</a:t>
+              <a:t>  to put every magnitude in the Magnitude class (if not already in it). Modify client artifacts.</a:t>
             </a:r>
           </a:p>
         </p:txBody>
@@ -13252,7 +13234,7 @@
           <a:p>
             <a:r>
               <a:rPr lang="en-US" sz="1400" dirty="0" err="1"/>
-              <a:t>useHasMagnitude</a:t>
+              <a:t>replaceProperties</a:t>
             </a:r>
             <a:r>
               <a:rPr lang="en-US" sz="1400" dirty="0"/>

--- a/migration/v13.0/uomDataConversion.pptx
+++ b/migration/v13.0/uomDataConversion.pptx
@@ -220,7 +220,7 @@
           <a:p>
             <a:fld id="{C1A201FB-52D0-024E-8BE4-45BE9A2AD3D5}" type="datetimeFigureOut">
               <a:rPr lang="en-US" smtClean="0"/>
-              <a:t>6/19/24</a:t>
+              <a:t>6/24/24</a:t>
             </a:fld>
             <a:endParaRPr lang="en-US"/>
           </a:p>
@@ -634,7 +634,7 @@
           <a:p>
             <a:fld id="{E25ED99D-99D4-D748-92F6-927E57E8D692}" type="datetime1">
               <a:rPr lang="en-US" smtClean="0"/>
-              <a:t>6/19/24</a:t>
+              <a:t>6/24/24</a:t>
             </a:fld>
             <a:endParaRPr lang="en-US"/>
           </a:p>
@@ -832,7 +832,7 @@
           <a:p>
             <a:fld id="{1704F7E9-2852-AB4C-995F-D7D0DE02FB16}" type="datetime1">
               <a:rPr lang="en-US" smtClean="0"/>
-              <a:t>6/19/24</a:t>
+              <a:t>6/24/24</a:t>
             </a:fld>
             <a:endParaRPr lang="en-US"/>
           </a:p>
@@ -1040,7 +1040,7 @@
           <a:p>
             <a:fld id="{0BAEB659-747D-8043-BA2B-9F85B08A4B1D}" type="datetime1">
               <a:rPr lang="en-US" smtClean="0"/>
-              <a:t>6/19/24</a:t>
+              <a:t>6/24/24</a:t>
             </a:fld>
             <a:endParaRPr lang="en-US"/>
           </a:p>
@@ -1238,7 +1238,7 @@
           <a:p>
             <a:fld id="{EF4F5B6B-B7B9-E94D-9D54-3C11CF650FC4}" type="datetime1">
               <a:rPr lang="en-US" smtClean="0"/>
-              <a:t>6/19/24</a:t>
+              <a:t>6/24/24</a:t>
             </a:fld>
             <a:endParaRPr lang="en-US"/>
           </a:p>
@@ -1513,7 +1513,7 @@
           <a:p>
             <a:fld id="{FF0FB32D-7207-5148-884F-CB1DFE764950}" type="datetime1">
               <a:rPr lang="en-US" smtClean="0"/>
-              <a:t>6/19/24</a:t>
+              <a:t>6/24/24</a:t>
             </a:fld>
             <a:endParaRPr lang="en-US"/>
           </a:p>
@@ -1778,7 +1778,7 @@
           <a:p>
             <a:fld id="{E8843282-B054-0F4C-8D6E-AA0AF4DF916B}" type="datetime1">
               <a:rPr lang="en-US" smtClean="0"/>
-              <a:t>6/19/24</a:t>
+              <a:t>6/24/24</a:t>
             </a:fld>
             <a:endParaRPr lang="en-US"/>
           </a:p>
@@ -2190,7 +2190,7 @@
           <a:p>
             <a:fld id="{494A79EE-B487-9547-8048-D585D76BE425}" type="datetime1">
               <a:rPr lang="en-US" smtClean="0"/>
-              <a:t>6/19/24</a:t>
+              <a:t>6/24/24</a:t>
             </a:fld>
             <a:endParaRPr lang="en-US"/>
           </a:p>
@@ -2331,7 +2331,7 @@
           <a:p>
             <a:fld id="{029DBEF3-7560-3543-8E4C-72F1437A00D9}" type="datetime1">
               <a:rPr lang="en-US" smtClean="0"/>
-              <a:t>6/19/24</a:t>
+              <a:t>6/24/24</a:t>
             </a:fld>
             <a:endParaRPr lang="en-US"/>
           </a:p>
@@ -2444,7 +2444,7 @@
           <a:p>
             <a:fld id="{F8D3AAA1-BC04-8A4D-9F2D-8543AEAD588A}" type="datetime1">
               <a:rPr lang="en-US" smtClean="0"/>
-              <a:t>6/19/24</a:t>
+              <a:t>6/24/24</a:t>
             </a:fld>
             <a:endParaRPr lang="en-US"/>
           </a:p>
@@ -2755,7 +2755,7 @@
           <a:p>
             <a:fld id="{7BD9324C-937D-3B44-9A79-1B4FD0156DCB}" type="datetime1">
               <a:rPr lang="en-US" smtClean="0"/>
-              <a:t>6/19/24</a:t>
+              <a:t>6/24/24</a:t>
             </a:fld>
             <a:endParaRPr lang="en-US"/>
           </a:p>
@@ -3043,7 +3043,7 @@
           <a:p>
             <a:fld id="{7337DC6C-0BB0-E141-BAE8-EC9DD4AF6042}" type="datetime1">
               <a:rPr lang="en-US" smtClean="0"/>
-              <a:t>6/19/24</a:t>
+              <a:t>6/24/24</a:t>
             </a:fld>
             <a:endParaRPr lang="en-US"/>
           </a:p>
@@ -3284,7 +3284,7 @@
           <a:p>
             <a:fld id="{F83122BE-0A57-464E-9A56-AB34174B0EAE}" type="datetime1">
               <a:rPr lang="en-US" smtClean="0"/>
-              <a:t>6/19/24</a:t>
+              <a:t>6/24/24</a:t>
             </a:fld>
             <a:endParaRPr lang="en-US"/>
           </a:p>
@@ -13057,6 +13057,46 @@
             <a:r>
               <a:rPr lang="en-US" dirty="0"/>
               <a:t>Note: this deck shows the “all-in” approach to data conversion. It can be customized as needed.</a:t>
+            </a:r>
+          </a:p>
+        </p:txBody>
+      </p:sp>
+      <p:sp>
+        <p:nvSpPr>
+          <p:cNvPr id="3" name="TextBox 2">
+            <a:extLst>
+              <a:ext uri="{FF2B5EF4-FFF2-40B4-BE49-F238E27FC236}">
+                <a16:creationId xmlns:a16="http://schemas.microsoft.com/office/drawing/2014/main" id="{DBB96D94-69E5-F277-E616-6D7F96161932}"/>
+              </a:ext>
+            </a:extLst>
+          </p:cNvPr>
+          <p:cNvSpPr txBox="1"/>
+          <p:nvPr/>
+        </p:nvSpPr>
+        <p:spPr>
+          <a:xfrm>
+            <a:off x="1736970" y="4904632"/>
+            <a:ext cx="7019486" cy="369332"/>
+          </a:xfrm>
+          <a:prstGeom prst="rect">
+            <a:avLst/>
+          </a:prstGeom>
+          <a:solidFill>
+            <a:schemeClr val="accent6">
+              <a:lumMod val="20000"/>
+              <a:lumOff val="80000"/>
+            </a:schemeClr>
+          </a:solidFill>
+        </p:spPr>
+        <p:txBody>
+          <a:bodyPr wrap="none" rtlCol="0">
+            <a:spAutoFit/>
+          </a:bodyPr>
+          <a:lstStyle/>
+          <a:p>
+            <a:r>
+              <a:rPr lang="en-US" dirty="0"/>
+              <a:t>Note: the term “client” in this slide deck refers to an Enterprise using gist.</a:t>
             </a:r>
           </a:p>
         </p:txBody>

--- a/migration/v13.0/uomDataConversion.pptx
+++ b/migration/v13.0/uomDataConversion.pptx
@@ -220,7 +220,7 @@
           <a:p>
             <a:fld id="{C1A201FB-52D0-024E-8BE4-45BE9A2AD3D5}" type="datetimeFigureOut">
               <a:rPr lang="en-US" smtClean="0"/>
-              <a:t>6/19/24</a:t>
+              <a:t>7/15/24</a:t>
             </a:fld>
             <a:endParaRPr lang="en-US"/>
           </a:p>
@@ -634,7 +634,7 @@
           <a:p>
             <a:fld id="{E25ED99D-99D4-D748-92F6-927E57E8D692}" type="datetime1">
               <a:rPr lang="en-US" smtClean="0"/>
-              <a:t>6/19/24</a:t>
+              <a:t>7/15/24</a:t>
             </a:fld>
             <a:endParaRPr lang="en-US"/>
           </a:p>
@@ -832,7 +832,7 @@
           <a:p>
             <a:fld id="{1704F7E9-2852-AB4C-995F-D7D0DE02FB16}" type="datetime1">
               <a:rPr lang="en-US" smtClean="0"/>
-              <a:t>6/19/24</a:t>
+              <a:t>7/15/24</a:t>
             </a:fld>
             <a:endParaRPr lang="en-US"/>
           </a:p>
@@ -1040,7 +1040,7 @@
           <a:p>
             <a:fld id="{0BAEB659-747D-8043-BA2B-9F85B08A4B1D}" type="datetime1">
               <a:rPr lang="en-US" smtClean="0"/>
-              <a:t>6/19/24</a:t>
+              <a:t>7/15/24</a:t>
             </a:fld>
             <a:endParaRPr lang="en-US"/>
           </a:p>
@@ -1238,7 +1238,7 @@
           <a:p>
             <a:fld id="{EF4F5B6B-B7B9-E94D-9D54-3C11CF650FC4}" type="datetime1">
               <a:rPr lang="en-US" smtClean="0"/>
-              <a:t>6/19/24</a:t>
+              <a:t>7/15/24</a:t>
             </a:fld>
             <a:endParaRPr lang="en-US"/>
           </a:p>
@@ -1513,7 +1513,7 @@
           <a:p>
             <a:fld id="{FF0FB32D-7207-5148-884F-CB1DFE764950}" type="datetime1">
               <a:rPr lang="en-US" smtClean="0"/>
-              <a:t>6/19/24</a:t>
+              <a:t>7/15/24</a:t>
             </a:fld>
             <a:endParaRPr lang="en-US"/>
           </a:p>
@@ -1778,7 +1778,7 @@
           <a:p>
             <a:fld id="{E8843282-B054-0F4C-8D6E-AA0AF4DF916B}" type="datetime1">
               <a:rPr lang="en-US" smtClean="0"/>
-              <a:t>6/19/24</a:t>
+              <a:t>7/15/24</a:t>
             </a:fld>
             <a:endParaRPr lang="en-US"/>
           </a:p>
@@ -2190,7 +2190,7 @@
           <a:p>
             <a:fld id="{494A79EE-B487-9547-8048-D585D76BE425}" type="datetime1">
               <a:rPr lang="en-US" smtClean="0"/>
-              <a:t>6/19/24</a:t>
+              <a:t>7/15/24</a:t>
             </a:fld>
             <a:endParaRPr lang="en-US"/>
           </a:p>
@@ -2331,7 +2331,7 @@
           <a:p>
             <a:fld id="{029DBEF3-7560-3543-8E4C-72F1437A00D9}" type="datetime1">
               <a:rPr lang="en-US" smtClean="0"/>
-              <a:t>6/19/24</a:t>
+              <a:t>7/15/24</a:t>
             </a:fld>
             <a:endParaRPr lang="en-US"/>
           </a:p>
@@ -2444,7 +2444,7 @@
           <a:p>
             <a:fld id="{F8D3AAA1-BC04-8A4D-9F2D-8543AEAD588A}" type="datetime1">
               <a:rPr lang="en-US" smtClean="0"/>
-              <a:t>6/19/24</a:t>
+              <a:t>7/15/24</a:t>
             </a:fld>
             <a:endParaRPr lang="en-US"/>
           </a:p>
@@ -2755,7 +2755,7 @@
           <a:p>
             <a:fld id="{7BD9324C-937D-3B44-9A79-1B4FD0156DCB}" type="datetime1">
               <a:rPr lang="en-US" smtClean="0"/>
-              <a:t>6/19/24</a:t>
+              <a:t>7/15/24</a:t>
             </a:fld>
             <a:endParaRPr lang="en-US"/>
           </a:p>
@@ -3043,7 +3043,7 @@
           <a:p>
             <a:fld id="{7337DC6C-0BB0-E141-BAE8-EC9DD4AF6042}" type="datetime1">
               <a:rPr lang="en-US" smtClean="0"/>
-              <a:t>6/19/24</a:t>
+              <a:t>7/15/24</a:t>
             </a:fld>
             <a:endParaRPr lang="en-US"/>
           </a:p>
@@ -3284,7 +3284,7 @@
           <a:p>
             <a:fld id="{F83122BE-0A57-464E-9A56-AB34174B0EAE}" type="datetime1">
               <a:rPr lang="en-US" smtClean="0"/>
-              <a:t>6/19/24</a:t>
+              <a:t>7/15/24</a:t>
             </a:fld>
             <a:endParaRPr lang="en-US"/>
           </a:p>
@@ -13057,6 +13057,46 @@
             <a:r>
               <a:rPr lang="en-US" dirty="0"/>
               <a:t>Note: this deck shows the “all-in” approach to data conversion. It can be customized as needed.</a:t>
+            </a:r>
+          </a:p>
+        </p:txBody>
+      </p:sp>
+      <p:sp>
+        <p:nvSpPr>
+          <p:cNvPr id="3" name="TextBox 2">
+            <a:extLst>
+              <a:ext uri="{FF2B5EF4-FFF2-40B4-BE49-F238E27FC236}">
+                <a16:creationId xmlns:a16="http://schemas.microsoft.com/office/drawing/2014/main" id="{1818FCC7-7D66-E7A5-F6CA-5D9136E2978E}"/>
+              </a:ext>
+            </a:extLst>
+          </p:cNvPr>
+          <p:cNvSpPr txBox="1"/>
+          <p:nvPr/>
+        </p:nvSpPr>
+        <p:spPr>
+          <a:xfrm>
+            <a:off x="1736970" y="4791247"/>
+            <a:ext cx="7037119" cy="369332"/>
+          </a:xfrm>
+          <a:prstGeom prst="rect">
+            <a:avLst/>
+          </a:prstGeom>
+          <a:solidFill>
+            <a:schemeClr val="accent6">
+              <a:lumMod val="20000"/>
+              <a:lumOff val="80000"/>
+            </a:schemeClr>
+          </a:solidFill>
+        </p:spPr>
+        <p:txBody>
+          <a:bodyPr wrap="none" rtlCol="0">
+            <a:spAutoFit/>
+          </a:bodyPr>
+          <a:lstStyle/>
+          <a:p>
+            <a:r>
+              <a:rPr lang="en-US" dirty="0"/>
+              <a:t>Note: the term “client” in this deck refers to any Enterprise that uses gist.</a:t>
             </a:r>
           </a:p>
         </p:txBody>

--- a/migration/v13.0/uomDataConversion.pptx
+++ b/migration/v13.0/uomDataConversion.pptx
@@ -220,7 +220,7 @@
           <a:p>
             <a:fld id="{C1A201FB-52D0-024E-8BE4-45BE9A2AD3D5}" type="datetimeFigureOut">
               <a:rPr lang="en-US" smtClean="0"/>
-              <a:t>7/15/24</a:t>
+              <a:t>7/23/24</a:t>
             </a:fld>
             <a:endParaRPr lang="en-US"/>
           </a:p>
@@ -634,7 +634,7 @@
           <a:p>
             <a:fld id="{E25ED99D-99D4-D748-92F6-927E57E8D692}" type="datetime1">
               <a:rPr lang="en-US" smtClean="0"/>
-              <a:t>7/15/24</a:t>
+              <a:t>7/23/24</a:t>
             </a:fld>
             <a:endParaRPr lang="en-US"/>
           </a:p>
@@ -832,7 +832,7 @@
           <a:p>
             <a:fld id="{1704F7E9-2852-AB4C-995F-D7D0DE02FB16}" type="datetime1">
               <a:rPr lang="en-US" smtClean="0"/>
-              <a:t>7/15/24</a:t>
+              <a:t>7/23/24</a:t>
             </a:fld>
             <a:endParaRPr lang="en-US"/>
           </a:p>
@@ -1040,7 +1040,7 @@
           <a:p>
             <a:fld id="{0BAEB659-747D-8043-BA2B-9F85B08A4B1D}" type="datetime1">
               <a:rPr lang="en-US" smtClean="0"/>
-              <a:t>7/15/24</a:t>
+              <a:t>7/23/24</a:t>
             </a:fld>
             <a:endParaRPr lang="en-US"/>
           </a:p>
@@ -1238,7 +1238,7 @@
           <a:p>
             <a:fld id="{EF4F5B6B-B7B9-E94D-9D54-3C11CF650FC4}" type="datetime1">
               <a:rPr lang="en-US" smtClean="0"/>
-              <a:t>7/15/24</a:t>
+              <a:t>7/23/24</a:t>
             </a:fld>
             <a:endParaRPr lang="en-US"/>
           </a:p>
@@ -1513,7 +1513,7 @@
           <a:p>
             <a:fld id="{FF0FB32D-7207-5148-884F-CB1DFE764950}" type="datetime1">
               <a:rPr lang="en-US" smtClean="0"/>
-              <a:t>7/15/24</a:t>
+              <a:t>7/23/24</a:t>
             </a:fld>
             <a:endParaRPr lang="en-US"/>
           </a:p>
@@ -1778,7 +1778,7 @@
           <a:p>
             <a:fld id="{E8843282-B054-0F4C-8D6E-AA0AF4DF916B}" type="datetime1">
               <a:rPr lang="en-US" smtClean="0"/>
-              <a:t>7/15/24</a:t>
+              <a:t>7/23/24</a:t>
             </a:fld>
             <a:endParaRPr lang="en-US"/>
           </a:p>
@@ -2190,7 +2190,7 @@
           <a:p>
             <a:fld id="{494A79EE-B487-9547-8048-D585D76BE425}" type="datetime1">
               <a:rPr lang="en-US" smtClean="0"/>
-              <a:t>7/15/24</a:t>
+              <a:t>7/23/24</a:t>
             </a:fld>
             <a:endParaRPr lang="en-US"/>
           </a:p>
@@ -2331,7 +2331,7 @@
           <a:p>
             <a:fld id="{029DBEF3-7560-3543-8E4C-72F1437A00D9}" type="datetime1">
               <a:rPr lang="en-US" smtClean="0"/>
-              <a:t>7/15/24</a:t>
+              <a:t>7/23/24</a:t>
             </a:fld>
             <a:endParaRPr lang="en-US"/>
           </a:p>
@@ -2444,7 +2444,7 @@
           <a:p>
             <a:fld id="{F8D3AAA1-BC04-8A4D-9F2D-8543AEAD588A}" type="datetime1">
               <a:rPr lang="en-US" smtClean="0"/>
-              <a:t>7/15/24</a:t>
+              <a:t>7/23/24</a:t>
             </a:fld>
             <a:endParaRPr lang="en-US"/>
           </a:p>
@@ -2755,7 +2755,7 @@
           <a:p>
             <a:fld id="{7BD9324C-937D-3B44-9A79-1B4FD0156DCB}" type="datetime1">
               <a:rPr lang="en-US" smtClean="0"/>
-              <a:t>7/15/24</a:t>
+              <a:t>7/23/24</a:t>
             </a:fld>
             <a:endParaRPr lang="en-US"/>
           </a:p>
@@ -3043,7 +3043,7 @@
           <a:p>
             <a:fld id="{7337DC6C-0BB0-E141-BAE8-EC9DD4AF6042}" type="datetime1">
               <a:rPr lang="en-US" smtClean="0"/>
-              <a:t>7/15/24</a:t>
+              <a:t>7/23/24</a:t>
             </a:fld>
             <a:endParaRPr lang="en-US"/>
           </a:p>
@@ -3284,7 +3284,7 @@
           <a:p>
             <a:fld id="{F83122BE-0A57-464E-9A56-AB34174B0EAE}" type="datetime1">
               <a:rPr lang="en-US" smtClean="0"/>
-              <a:t>7/15/24</a:t>
+              <a:t>7/23/24</a:t>
             </a:fld>
             <a:endParaRPr lang="en-US"/>
           </a:p>
@@ -3803,8 +3803,12 @@
           <a:p>
             <a:pPr algn="ctr"/>
             <a:r>
+              <a:rPr lang="en-US" sz="2000"/>
+              <a:t>July </a:t>
+            </a:r>
+            <a:r>
               <a:rPr lang="en-US" sz="2000" dirty="0"/>
-              <a:t>June 2024</a:t>
+              <a:t>2024</a:t>
             </a:r>
           </a:p>
         </p:txBody>
